--- a/Presentation/Proj4_presentation.pptx
+++ b/Presentation/Proj4_presentation.pptx
@@ -13,6 +13,8 @@
     <p:sldId id="263" r:id="rId7"/>
     <p:sldId id="265" r:id="rId8"/>
     <p:sldId id="266" r:id="rId9"/>
+    <p:sldId id="267" r:id="rId10"/>
+    <p:sldId id="268" r:id="rId11"/>
   </p:sldIdLst>
   <p:sldSz cx="12192000" cy="6858000"/>
   <p:notesSz cx="6858000" cy="9144000"/>
@@ -117,6 +119,151 @@
     </p:ext>
   </p:extLst>
 </p:presentation>
+</file>
+
+<file path=ppt/authors.xml><?xml version="1.0" encoding="utf-8"?>
+<p188:authorLst xmlns:a="http://schemas.openxmlformats.org/drawingml/2006/main" xmlns:r="http://schemas.openxmlformats.org/officeDocument/2006/relationships" xmlns:p188="http://schemas.microsoft.com/office/powerpoint/2018/8/main">
+  <p188:author id="{0EC2D70F-E384-9803-E3F1-EF16A3855103}" name="Oliver King" initials="OK" userId="2f8be3b40744adfd" providerId="Windows Live"/>
+</p188:authorLst>
+</file>
+
+<file path=ppt/comments/modernComment_109_D7CE0543.xml><?xml version="1.0" encoding="utf-8"?>
+<p188:cmLst xmlns:a="http://schemas.openxmlformats.org/drawingml/2006/main" xmlns:r="http://schemas.openxmlformats.org/officeDocument/2006/relationships" xmlns:p188="http://schemas.microsoft.com/office/powerpoint/2018/8/main">
+  <p188:cm id="{02346D9D-FE8F-6C47-AAAF-DDC1CE26BB63}" authorId="{0EC2D70F-E384-9803-E3F1-EF16A3855103}" created="2023-05-31T12:22:21.143">
+    <pc:sldMkLst xmlns:pc="http://schemas.microsoft.com/office/powerpoint/2013/main/command">
+      <pc:docMk/>
+      <pc:sldMk cId="3620603203" sldId="265"/>
+    </pc:sldMkLst>
+    <p188:txBody>
+      <a:bodyPr/>
+      <a:lstStyle/>
+      <a:p>
+        <a:r>
+          <a:rPr lang="en-US"/>
+          <a:t>Shweta to update:
+- include technical information on standardisation of country codes (merges and manual updates).
+- include use of melt function (to convert to one date per row for each country).
+- use of for loop to transform annual data to monthly data (for GDP and population).</a:t>
+        </a:r>
+      </a:p>
+    </p188:txBody>
+  </p188:cm>
+</p188:cmLst>
+</file>
+
+<file path=ppt/comments/modernComment_10A_FF0E7822.xml><?xml version="1.0" encoding="utf-8"?>
+<p188:cmLst xmlns:a="http://schemas.openxmlformats.org/drawingml/2006/main" xmlns:r="http://schemas.openxmlformats.org/officeDocument/2006/relationships" xmlns:p188="http://schemas.microsoft.com/office/powerpoint/2018/8/main">
+  <p188:cm id="{851D44DB-B8F8-C34C-9D3A-CF80DD193749}" authorId="{0EC2D70F-E384-9803-E3F1-EF16A3855103}" created="2023-05-31T12:22:49.988">
+    <pc:sldMkLst xmlns:pc="http://schemas.microsoft.com/office/powerpoint/2013/main/command">
+      <pc:docMk/>
+      <pc:sldMk cId="4279138338" sldId="266"/>
+    </pc:sldMkLst>
+    <p188:txBody>
+      <a:bodyPr/>
+      <a:lstStyle/>
+      <a:p>
+        <a:r>
+          <a:rPr lang="en-US"/>
+          <a:t>Make process boxes smaller</a:t>
+        </a:r>
+      </a:p>
+    </p188:txBody>
+  </p188:cm>
+  <p188:cm id="{CEE2D432-0A1F-D545-A37D-2188DE1991A9}" authorId="{0EC2D70F-E384-9803-E3F1-EF16A3855103}" created="2023-05-31T12:23:30.603">
+    <pc:sldMkLst xmlns:pc="http://schemas.microsoft.com/office/powerpoint/2013/main/command">
+      <pc:docMk/>
+      <pc:sldMk cId="4279138338" sldId="266"/>
+    </pc:sldMkLst>
+    <p188:txBody>
+      <a:bodyPr/>
+      <a:lstStyle/>
+      <a:p>
+        <a:r>
+          <a:rPr lang="en-US"/>
+          <a:t>Include Quick DBD ER diagram</a:t>
+        </a:r>
+      </a:p>
+    </p188:txBody>
+  </p188:cm>
+</p188:cmLst>
+</file>
+
+<file path=ppt/comments/modernComment_10B_F5737EDB.xml><?xml version="1.0" encoding="utf-8"?>
+<p188:cmLst xmlns:a="http://schemas.openxmlformats.org/drawingml/2006/main" xmlns:r="http://schemas.openxmlformats.org/officeDocument/2006/relationships" xmlns:p188="http://schemas.microsoft.com/office/powerpoint/2018/8/main">
+  <p188:cm id="{F73C72B4-9F0B-7940-9243-79358B95BB43}" authorId="{0EC2D70F-E384-9803-E3F1-EF16A3855103}" created="2023-05-31T12:26:28.894">
+    <ac:deMkLst xmlns:ac="http://schemas.microsoft.com/office/drawing/2013/main/command">
+      <pc:docMk xmlns:pc="http://schemas.microsoft.com/office/powerpoint/2013/main/command"/>
+      <pc:sldMk xmlns:pc="http://schemas.microsoft.com/office/powerpoint/2013/main/command" cId="4117987035" sldId="267"/>
+      <ac:spMk id="3" creationId="{97817015-EDDD-71A7-5B9F-77642F1574A2}"/>
+    </ac:deMkLst>
+    <p188:txBody>
+      <a:bodyPr/>
+      <a:lstStyle/>
+      <a:p>
+        <a:r>
+          <a:rPr lang="en-US"/>
+          <a:t>Mohsen to update</a:t>
+        </a:r>
+      </a:p>
+    </p188:txBody>
+  </p188:cm>
+</p188:cmLst>
+</file>
+
+<file path=ppt/comments/modernComment_10C_DD5B211C.xml><?xml version="1.0" encoding="utf-8"?>
+<p188:cmLst xmlns:a="http://schemas.openxmlformats.org/drawingml/2006/main" xmlns:r="http://schemas.openxmlformats.org/officeDocument/2006/relationships" xmlns:p188="http://schemas.microsoft.com/office/powerpoint/2018/8/main">
+  <p188:cm id="{54FD716A-17C2-4449-B266-9B9BB5BD3D26}" authorId="{0EC2D70F-E384-9803-E3F1-EF16A3855103}" created="2023-05-31T12:29:31.759">
+    <ac:deMkLst xmlns:ac="http://schemas.microsoft.com/office/drawing/2013/main/command">
+      <pc:docMk xmlns:pc="http://schemas.microsoft.com/office/powerpoint/2013/main/command"/>
+      <pc:sldMk xmlns:pc="http://schemas.microsoft.com/office/powerpoint/2013/main/command" cId="3713736988" sldId="268"/>
+      <ac:spMk id="8" creationId="{C210AE1D-4386-F821-6C9B-6F551CFF3CEC}"/>
+    </ac:deMkLst>
+    <p188:txBody>
+      <a:bodyPr/>
+      <a:lstStyle/>
+      <a:p>
+        <a:r>
+          <a:rPr lang="en-US"/>
+          <a:t>Oliver to update</a:t>
+        </a:r>
+      </a:p>
+    </p188:txBody>
+  </p188:cm>
+  <p188:cm id="{6B1BF885-C458-BD41-9D24-7A7F100E2576}" authorId="{0EC2D70F-E384-9803-E3F1-EF16A3855103}" created="2023-05-31T12:36:44.589">
+    <ac:deMkLst xmlns:ac="http://schemas.microsoft.com/office/drawing/2013/main/command">
+      <pc:docMk xmlns:pc="http://schemas.microsoft.com/office/powerpoint/2013/main/command"/>
+      <pc:sldMk xmlns:pc="http://schemas.microsoft.com/office/powerpoint/2013/main/command" cId="3713736988" sldId="268"/>
+      <ac:spMk id="8" creationId="{C210AE1D-4386-F821-6C9B-6F551CFF3CEC}"/>
+    </ac:deMkLst>
+    <p188:txBody>
+      <a:bodyPr/>
+      <a:lstStyle/>
+      <a:p>
+        <a:r>
+          <a:rPr lang="en-US"/>
+          <a:t>Include results of model iteration (lowering error) maybe in a table</a:t>
+        </a:r>
+      </a:p>
+    </p188:txBody>
+  </p188:cm>
+  <p188:cm id="{CF71381E-B040-744C-8FD0-6E9EDFC85CB9}" authorId="{0EC2D70F-E384-9803-E3F1-EF16A3855103}" created="2023-05-31T12:36:53.011">
+    <ac:deMkLst xmlns:ac="http://schemas.microsoft.com/office/drawing/2013/main/command">
+      <pc:docMk xmlns:pc="http://schemas.microsoft.com/office/powerpoint/2013/main/command"/>
+      <pc:sldMk xmlns:pc="http://schemas.microsoft.com/office/powerpoint/2013/main/command" cId="3713736988" sldId="268"/>
+      <ac:spMk id="8" creationId="{C210AE1D-4386-F821-6C9B-6F551CFF3CEC}"/>
+    </ac:deMkLst>
+    <p188:txBody>
+      <a:bodyPr/>
+      <a:lstStyle/>
+      <a:p>
+        <a:r>
+          <a:rPr lang="en-US"/>
+          <a:t>Include graphs</a:t>
+        </a:r>
+      </a:p>
+    </p188:txBody>
+  </p188:cm>
+</p188:cmLst>
 </file>
 
 <file path=ppt/diagrams/colors1.xml><?xml version="1.0" encoding="utf-8"?>
@@ -2635,7 +2782,7 @@
           </a:pPr>
           <a:r>
             <a:rPr lang="en-US" dirty="0"/>
-            <a:t>Develop machine-learning model to predict and forecast electricity outlook (ARIMA)</a:t>
+            <a:t>Develop machine-learning model to predict and forecast electricity outlook (ARMA, ARIMA, SARIMA)</a:t>
           </a:r>
           <a:endParaRPr lang="en-AU" dirty="0"/>
         </a:p>
@@ -3348,7 +3495,7 @@
   <dgm:whole/>
   <dgm:extLst>
     <a:ext uri="http://schemas.microsoft.com/office/drawing/2008/diagram">
-      <dsp:dataModelExt xmlns:dsp="http://schemas.microsoft.com/office/drawing/2008/diagram" relId="rId6" minVer="http://schemas.openxmlformats.org/drawingml/2006/diagram"/>
+      <dsp:dataModelExt xmlns:dsp="http://schemas.microsoft.com/office/drawing/2008/diagram" relId="rId8" minVer="http://schemas.openxmlformats.org/drawingml/2006/diagram"/>
     </a:ext>
   </dgm:extLst>
 </dgm:dataModel>
@@ -3551,7 +3698,7 @@
   <dgm:whole/>
   <dgm:extLst>
     <a:ext uri="http://schemas.microsoft.com/office/drawing/2008/diagram">
-      <dsp:dataModelExt xmlns:dsp="http://schemas.microsoft.com/office/drawing/2008/diagram" relId="rId11" minVer="http://schemas.openxmlformats.org/drawingml/2006/diagram"/>
+      <dsp:dataModelExt xmlns:dsp="http://schemas.microsoft.com/office/drawing/2008/diagram" relId="rId13" minVer="http://schemas.openxmlformats.org/drawingml/2006/diagram"/>
     </a:ext>
   </dgm:extLst>
 </dgm:dataModel>
@@ -4554,7 +4701,7 @@
           </a:pPr>
           <a:r>
             <a:rPr lang="en-US" sz="1800" kern="1200" dirty="0"/>
-            <a:t>Develop machine-learning model to predict and forecast electricity outlook (ARIMA)</a:t>
+            <a:t>Develop machine-learning model to predict and forecast electricity outlook (ARMA, ARIMA, SARIMA)</a:t>
           </a:r>
           <a:endParaRPr lang="en-AU" sz="1800" kern="1200" dirty="0"/>
         </a:p>
@@ -13464,6 +13611,270 @@
 </p:sld>
 </file>
 
+<file path=ppt/slides/slide10.xml><?xml version="1.0" encoding="utf-8"?>
+<p:sld xmlns:a="http://schemas.openxmlformats.org/drawingml/2006/main" xmlns:r="http://schemas.openxmlformats.org/officeDocument/2006/relationships" xmlns:p="http://schemas.openxmlformats.org/presentationml/2006/main">
+  <p:cSld>
+    <p:bg>
+      <p:bgPr>
+        <a:solidFill>
+          <a:schemeClr val="bg1"/>
+        </a:solidFill>
+        <a:effectLst/>
+      </p:bgPr>
+    </p:bg>
+    <p:spTree>
+      <p:nvGrpSpPr>
+        <p:cNvPr id="1" name=""/>
+        <p:cNvGrpSpPr/>
+        <p:nvPr/>
+      </p:nvGrpSpPr>
+      <p:grpSpPr>
+        <a:xfrm>
+          <a:off x="0" y="0"/>
+          <a:ext cx="0" cy="0"/>
+          <a:chOff x="0" y="0"/>
+          <a:chExt cx="0" cy="0"/>
+        </a:xfrm>
+      </p:grpSpPr>
+      <p:sp>
+        <p:nvSpPr>
+          <p:cNvPr id="2" name="Title 1">
+            <a:extLst>
+              <a:ext uri="{FF2B5EF4-FFF2-40B4-BE49-F238E27FC236}">
+                <a16:creationId xmlns:a16="http://schemas.microsoft.com/office/drawing/2014/main" id="{D908F106-8D88-C209-A956-433AB8F08539}"/>
+              </a:ext>
+            </a:extLst>
+          </p:cNvPr>
+          <p:cNvSpPr>
+            <a:spLocks noGrp="1"/>
+          </p:cNvSpPr>
+          <p:nvPr>
+            <p:ph type="title"/>
+          </p:nvPr>
+        </p:nvSpPr>
+        <p:spPr>
+          <a:xfrm>
+            <a:off x="248195" y="327025"/>
+            <a:ext cx="7102824" cy="887821"/>
+          </a:xfrm>
+        </p:spPr>
+        <p:txBody>
+          <a:bodyPr anchor="b">
+            <a:normAutofit/>
+          </a:bodyPr>
+          <a:lstStyle/>
+          <a:p>
+            <a:r>
+              <a:rPr lang="en-US" sz="3600" b="1" dirty="0"/>
+              <a:t>6. Develop Machine-Learning Model </a:t>
+            </a:r>
+            <a:endParaRPr lang="en-US" sz="3600" dirty="0"/>
+          </a:p>
+        </p:txBody>
+      </p:sp>
+      <p:sp>
+        <p:nvSpPr>
+          <p:cNvPr id="8" name="Content Placeholder 7">
+            <a:extLst>
+              <a:ext uri="{FF2B5EF4-FFF2-40B4-BE49-F238E27FC236}">
+                <a16:creationId xmlns:a16="http://schemas.microsoft.com/office/drawing/2014/main" id="{C210AE1D-4386-F821-6C9B-6F551CFF3CEC}"/>
+              </a:ext>
+            </a:extLst>
+          </p:cNvPr>
+          <p:cNvSpPr>
+            <a:spLocks noGrp="1"/>
+          </p:cNvSpPr>
+          <p:nvPr>
+            <p:ph idx="1"/>
+          </p:nvPr>
+        </p:nvSpPr>
+        <p:spPr>
+          <a:xfrm>
+            <a:off x="481013" y="1724297"/>
+            <a:ext cx="6337798" cy="4481242"/>
+          </a:xfrm>
+        </p:spPr>
+        <p:txBody>
+          <a:bodyPr anchor="t">
+            <a:normAutofit/>
+          </a:bodyPr>
+          <a:lstStyle/>
+          <a:p>
+            <a:r>
+              <a:rPr lang="en-US" sz="1800" i="1" dirty="0"/>
+              <a:t>Used Google </a:t>
+            </a:r>
+            <a:r>
+              <a:rPr lang="en-US" sz="1800" i="1" dirty="0" err="1"/>
+              <a:t>Colab</a:t>
+            </a:r>
+            <a:endParaRPr lang="en-US" sz="1800" i="1" dirty="0"/>
+          </a:p>
+          <a:p>
+            <a:r>
+              <a:rPr lang="en-US" sz="1800" i="1" dirty="0"/>
+              <a:t>Time-series model – ARMIA family</a:t>
+            </a:r>
+          </a:p>
+          <a:p>
+            <a:r>
+              <a:rPr lang="en-US" sz="1800" i="1" dirty="0"/>
+              <a:t>Test ARMA, ARIMA, SARIMA</a:t>
+            </a:r>
+          </a:p>
+          <a:p>
+            <a:r>
+              <a:rPr lang="en-US" sz="1800" i="1" dirty="0"/>
+              <a:t>Used “For Loop” to iterate through a range of model inputs and print results:</a:t>
+            </a:r>
+          </a:p>
+          <a:p>
+            <a:pPr lvl="1"/>
+            <a:r>
+              <a:rPr lang="en-US" sz="1400" i="1" dirty="0"/>
+              <a:t>Seeking to </a:t>
+            </a:r>
+            <a:r>
+              <a:rPr lang="en-US" sz="1400" i="1" dirty="0" err="1"/>
+              <a:t>minimise</a:t>
+            </a:r>
+            <a:r>
+              <a:rPr lang="en-US" sz="1400" i="1" dirty="0"/>
+              <a:t> Root Mean Square Error (RMSE)</a:t>
+            </a:r>
+          </a:p>
+        </p:txBody>
+      </p:sp>
+      <p:pic>
+        <p:nvPicPr>
+          <p:cNvPr id="10" name="Picture 9" descr="Computer script on a screen">
+            <a:extLst>
+              <a:ext uri="{FF2B5EF4-FFF2-40B4-BE49-F238E27FC236}">
+                <a16:creationId xmlns:a16="http://schemas.microsoft.com/office/drawing/2014/main" id="{EFDFD0E6-ECC6-9F32-D2FA-05E22492CF73}"/>
+              </a:ext>
+            </a:extLst>
+          </p:cNvPr>
+          <p:cNvPicPr>
+            <a:picLocks noChangeAspect="1"/>
+          </p:cNvPicPr>
+          <p:nvPr/>
+        </p:nvPicPr>
+        <p:blipFill rotWithShape="1">
+          <a:blip r:embed="rId3">
+            <a:alphaModFix amt="72000"/>
+            <a:extLst>
+              <a:ext uri="{BEBA8EAE-BF5A-486C-A8C5-ECC9F3942E4B}">
+                <a14:imgProps xmlns:a14="http://schemas.microsoft.com/office/drawing/2010/main">
+                  <a14:imgLayer r:embed="rId4">
+                    <a14:imgEffect>
+                      <a14:colorTemperature colorTemp="4700"/>
+                    </a14:imgEffect>
+                    <a14:imgEffect>
+                      <a14:saturation sat="66000"/>
+                    </a14:imgEffect>
+                  </a14:imgLayer>
+                </a14:imgProps>
+              </a:ext>
+            </a:extLst>
+          </a:blip>
+          <a:srcRect l="96" r="39293" b="-2"/>
+          <a:stretch/>
+        </p:blipFill>
+        <p:spPr>
+          <a:xfrm>
+            <a:off x="7351018" y="1588"/>
+            <a:ext cx="6225645" cy="6856412"/>
+          </a:xfrm>
+          <a:custGeom>
+            <a:avLst/>
+            <a:gdLst/>
+            <a:ahLst/>
+            <a:cxnLst/>
+            <a:rect l="l" t="t" r="r" b="b"/>
+            <a:pathLst>
+              <a:path w="5620032" h="6856412">
+                <a:moveTo>
+                  <a:pt x="13187" y="0"/>
+                </a:moveTo>
+                <a:lnTo>
+                  <a:pt x="5620032" y="0"/>
+                </a:lnTo>
+                <a:lnTo>
+                  <a:pt x="5620032" y="6856412"/>
+                </a:lnTo>
+                <a:lnTo>
+                  <a:pt x="0" y="6856412"/>
+                </a:lnTo>
+                <a:lnTo>
+                  <a:pt x="64318" y="6298274"/>
+                </a:lnTo>
+                <a:cubicBezTo>
+                  <a:pt x="203221" y="4970220"/>
+                  <a:pt x="240510" y="3632077"/>
+                  <a:pt x="97152" y="2276000"/>
+                </a:cubicBezTo>
+                <a:cubicBezTo>
+                  <a:pt x="35713" y="1694824"/>
+                  <a:pt x="7455" y="1116942"/>
+                  <a:pt x="6154" y="541737"/>
+                </a:cubicBezTo>
+                <a:close/>
+              </a:path>
+            </a:pathLst>
+          </a:custGeom>
+          <a:solidFill>
+            <a:schemeClr val="tx1"/>
+          </a:solidFill>
+        </p:spPr>
+      </p:pic>
+      <p:pic>
+        <p:nvPicPr>
+          <p:cNvPr id="17" name="Picture 16">
+            <a:extLst>
+              <a:ext uri="{FF2B5EF4-FFF2-40B4-BE49-F238E27FC236}">
+                <a16:creationId xmlns:a16="http://schemas.microsoft.com/office/drawing/2014/main" id="{09A3A618-C514-B577-926B-07A3725630EC}"/>
+              </a:ext>
+            </a:extLst>
+          </p:cNvPr>
+          <p:cNvPicPr>
+            <a:picLocks noChangeAspect="1"/>
+          </p:cNvPicPr>
+          <p:nvPr/>
+        </p:nvPicPr>
+        <p:blipFill>
+          <a:blip r:embed="rId5"/>
+          <a:stretch>
+            <a:fillRect/>
+          </a:stretch>
+        </p:blipFill>
+        <p:spPr>
+          <a:xfrm>
+            <a:off x="481013" y="1217023"/>
+            <a:ext cx="5765800" cy="355600"/>
+          </a:xfrm>
+          <a:prstGeom prst="rect">
+            <a:avLst/>
+          </a:prstGeom>
+        </p:spPr>
+      </p:pic>
+    </p:spTree>
+    <p:extLst>
+      <p:ext uri="{BB962C8B-B14F-4D97-AF65-F5344CB8AC3E}">
+        <p14:creationId xmlns:p14="http://schemas.microsoft.com/office/powerpoint/2010/main" val="3713736988"/>
+      </p:ext>
+    </p:extLst>
+  </p:cSld>
+  <p:clrMapOvr>
+    <a:masterClrMapping/>
+  </p:clrMapOvr>
+  <p:extLst>
+    <p:ext uri="{6950BFC3-D8DA-4A85-94F7-54DA5524770B}">
+      <p188:commentRel xmlns:p188="http://schemas.microsoft.com/office/powerpoint/2018/8/main" r:id="rId2"/>
+    </p:ext>
+  </p:extLst>
+</p:sld>
+</file>
+
 <file path=ppt/slides/slide2.xml><?xml version="1.0" encoding="utf-8"?>
 <p:sld xmlns:a="http://schemas.openxmlformats.org/drawingml/2006/main" xmlns:r="http://schemas.openxmlformats.org/officeDocument/2006/relationships" xmlns:p="http://schemas.openxmlformats.org/presentationml/2006/main">
   <p:cSld>
@@ -13939,7 +14350,7 @@
             </a:pPr>
             <a:r>
               <a:rPr lang="en-US" sz="1800" dirty="0"/>
-              <a:t>Specifically, the role of renewables and non-renewables.</a:t>
+              <a:t>Specifically, the growth of renewable electricity production.</a:t>
             </a:r>
           </a:p>
         </p:txBody>
@@ -14812,7 +15223,7 @@
         </p:nvSpPr>
         <p:spPr>
           <a:xfrm>
-            <a:off x="5297762" y="2706624"/>
+            <a:off x="5213787" y="2602714"/>
             <a:ext cx="6251110" cy="3483864"/>
           </a:xfrm>
         </p:spPr>
@@ -15536,7 +15947,11 @@
               <a:buAutoNum type="arabicPeriod"/>
             </a:pPr>
             <a:r>
-              <a:rPr lang="en-US" sz="1800" dirty="0"/>
+              <a:rPr lang="en-US" sz="1800" dirty="0">
+                <a:solidFill>
+                  <a:srgbClr val="FF0000"/>
+                </a:solidFill>
+              </a:rPr>
               <a:t>Solar-based electricity-generation in Australia.</a:t>
             </a:r>
           </a:p>
@@ -15550,7 +15965,7 @@
             </a:pPr>
             <a:r>
               <a:rPr lang="en-US" sz="1800" dirty="0"/>
-              <a:t>Renewable and Non-renewable-based electricity-generation globally.</a:t>
+              <a:t>Growth of Renewable-based electricity-generation globally.</a:t>
             </a:r>
           </a:p>
           <a:p>
@@ -15744,7 +16159,7 @@
             <p:ph idx="1"/>
             <p:extLst>
               <p:ext uri="{D42A27DB-BD31-4B8C-83A1-F6EECF244321}">
-                <p14:modId xmlns:p14="http://schemas.microsoft.com/office/powerpoint/2010/main" val="4237815484"/>
+                <p14:modId xmlns:p14="http://schemas.microsoft.com/office/powerpoint/2010/main" val="2992363740"/>
               </p:ext>
             </p:extLst>
           </p:nvPr>
@@ -15864,14 +16279,14 @@
           <p:nvPr>
             <p:extLst>
               <p:ext uri="{D42A27DB-BD31-4B8C-83A1-F6EECF244321}">
-                <p14:modId xmlns:p14="http://schemas.microsoft.com/office/powerpoint/2010/main" val="2747140238"/>
+                <p14:modId xmlns:p14="http://schemas.microsoft.com/office/powerpoint/2010/main" val="4089094652"/>
               </p:ext>
             </p:extLst>
           </p:nvPr>
         </p:nvGraphicFramePr>
         <p:xfrm>
-          <a:off x="278962" y="2425700"/>
-          <a:ext cx="11435255" cy="4200620"/>
+          <a:off x="0" y="1912884"/>
+          <a:ext cx="12192000" cy="5234150"/>
         </p:xfrm>
         <a:graphic>
           <a:graphicData uri="http://schemas.openxmlformats.org/drawingml/2006/table">
@@ -15880,28 +16295,28 @@
                 <a:tableStyleId>{6E25E649-3F16-4E02-A733-19D2CDBF48F0}</a:tableStyleId>
               </a:tblPr>
               <a:tblGrid>
-                <a:gridCol w="5927835">
+                <a:gridCol w="6320119">
                   <a:extLst>
                     <a:ext uri="{9D8B030D-6E8A-4147-A177-3AD203B41FA5}">
                       <a16:colId xmlns:a16="http://schemas.microsoft.com/office/drawing/2014/main" val="189260770"/>
                     </a:ext>
                   </a:extLst>
                 </a:gridCol>
-                <a:gridCol w="1032203">
+                <a:gridCol w="1100510">
                   <a:extLst>
                     <a:ext uri="{9D8B030D-6E8A-4147-A177-3AD203B41FA5}">
                       <a16:colId xmlns:a16="http://schemas.microsoft.com/office/drawing/2014/main" val="2234452924"/>
                     </a:ext>
                   </a:extLst>
                 </a:gridCol>
-                <a:gridCol w="2488762">
+                <a:gridCol w="2653460">
                   <a:extLst>
                     <a:ext uri="{9D8B030D-6E8A-4147-A177-3AD203B41FA5}">
                       <a16:colId xmlns:a16="http://schemas.microsoft.com/office/drawing/2014/main" val="3859966440"/>
                     </a:ext>
                   </a:extLst>
                 </a:gridCol>
-                <a:gridCol w="1986455">
+                <a:gridCol w="2117911">
                   <a:extLst>
                     <a:ext uri="{9D8B030D-6E8A-4147-A177-3AD203B41FA5}">
                       <a16:colId xmlns:a16="http://schemas.microsoft.com/office/drawing/2014/main" val="2851033717"/>
@@ -15909,7 +16324,7 @@
                   </a:extLst>
                 </a:gridCol>
               </a:tblGrid>
-              <a:tr h="840124">
+              <a:tr h="1046830">
                 <a:tc>
                   <a:txBody>
                     <a:bodyPr/>
@@ -15968,7 +16383,7 @@
                   </a:ext>
                 </a:extLst>
               </a:tr>
-              <a:tr h="840124">
+              <a:tr h="1046830">
                 <a:tc>
                   <a:txBody>
                     <a:bodyPr/>
@@ -15997,46 +16412,49 @@
                       </a:r>
                     </a:p>
                   </a:txBody>
-                  <a:tcPr/>
+                  <a:tcPr anchor="ctr"/>
                 </a:tc>
                 <a:tc>
                   <a:txBody>
                     <a:bodyPr/>
                     <a:lstStyle/>
                     <a:p>
+                      <a:pPr algn="ctr"/>
                       <a:r>
                         <a:rPr lang="en-US" dirty="0"/>
                         <a:t>CSV</a:t>
                       </a:r>
                     </a:p>
                   </a:txBody>
-                  <a:tcPr/>
+                  <a:tcPr anchor="ctr"/>
                 </a:tc>
                 <a:tc>
                   <a:txBody>
                     <a:bodyPr/>
                     <a:lstStyle/>
                     <a:p>
+                      <a:pPr algn="ctr"/>
                       <a:r>
                         <a:rPr lang="en-US" dirty="0"/>
                         <a:t>International Energy Agency (IEA)</a:t>
                       </a:r>
                     </a:p>
                   </a:txBody>
-                  <a:tcPr/>
+                  <a:tcPr anchor="ctr"/>
                 </a:tc>
                 <a:tc>
                   <a:txBody>
                     <a:bodyPr/>
                     <a:lstStyle/>
                     <a:p>
+                      <a:pPr algn="ctr"/>
                       <a:r>
                         <a:rPr lang="en-US" dirty="0"/>
                         <a:t>Monthly</a:t>
                       </a:r>
                     </a:p>
                   </a:txBody>
-                  <a:tcPr/>
+                  <a:tcPr anchor="ctr"/>
                 </a:tc>
                 <a:extLst>
                   <a:ext uri="{0D108BD9-81ED-4DB2-BD59-A6C34878D82A}">
@@ -16044,58 +16462,62 @@
                   </a:ext>
                 </a:extLst>
               </a:tr>
-              <a:tr h="840124">
+              <a:tr h="1046830">
                 <a:tc>
                   <a:txBody>
                     <a:bodyPr/>
                     <a:lstStyle/>
                     <a:p>
+                      <a:pPr algn="l"/>
                       <a:r>
                         <a:rPr lang="en-US" dirty="0"/>
                         <a:t>Population (by Country)</a:t>
                       </a:r>
                     </a:p>
                   </a:txBody>
-                  <a:tcPr/>
+                  <a:tcPr anchor="ctr"/>
                 </a:tc>
                 <a:tc>
                   <a:txBody>
                     <a:bodyPr/>
                     <a:lstStyle/>
                     <a:p>
+                      <a:pPr algn="ctr"/>
                       <a:r>
                         <a:rPr lang="en-US" dirty="0"/>
                         <a:t>CSV</a:t>
                       </a:r>
                     </a:p>
                   </a:txBody>
-                  <a:tcPr/>
+                  <a:tcPr anchor="ctr"/>
                 </a:tc>
                 <a:tc>
                   <a:txBody>
                     <a:bodyPr/>
                     <a:lstStyle/>
                     <a:p>
+                      <a:pPr algn="ctr"/>
                       <a:r>
                         <a:rPr lang="en-US" dirty="0"/>
                         <a:t>World Bank</a:t>
                       </a:r>
                     </a:p>
                   </a:txBody>
-                  <a:tcPr/>
+                  <a:tcPr anchor="ctr"/>
                 </a:tc>
                 <a:tc>
                   <a:txBody>
                     <a:bodyPr/>
                     <a:lstStyle/>
                     <a:p>
+                      <a:pPr algn="ctr"/>
                       <a:r>
                         <a:rPr lang="en-US" dirty="0"/>
                         <a:t>Annual</a:t>
                       </a:r>
                     </a:p>
                   </a:txBody>
-                  <a:tcPr/>
+                  <a:tcPr anchor="ctr"/>
                 </a:tc>
                 <a:extLst>
                   <a:ext uri="{0D108BD9-81ED-4DB2-BD59-A6C34878D82A}">
@@ -16103,58 +16525,62 @@
                   </a:ext>
                 </a:extLst>
               </a:tr>
-              <a:tr h="840124">
+              <a:tr h="1046830">
                 <a:tc>
                   <a:txBody>
                     <a:bodyPr/>
                     <a:lstStyle/>
                     <a:p>
+                      <a:pPr algn="l"/>
                       <a:r>
                         <a:rPr lang="en-US" dirty="0"/>
                         <a:t>GDP (by Country)</a:t>
                       </a:r>
                     </a:p>
                   </a:txBody>
-                  <a:tcPr/>
+                  <a:tcPr anchor="ctr"/>
                 </a:tc>
                 <a:tc>
                   <a:txBody>
                     <a:bodyPr/>
                     <a:lstStyle/>
                     <a:p>
+                      <a:pPr algn="ctr"/>
                       <a:r>
                         <a:rPr lang="en-US" dirty="0"/>
                         <a:t>CSV</a:t>
                       </a:r>
                     </a:p>
                   </a:txBody>
-                  <a:tcPr/>
+                  <a:tcPr anchor="ctr"/>
                 </a:tc>
                 <a:tc>
                   <a:txBody>
                     <a:bodyPr/>
                     <a:lstStyle/>
                     <a:p>
+                      <a:pPr algn="ctr"/>
                       <a:r>
                         <a:rPr lang="en-US" dirty="0"/>
                         <a:t>World Bank</a:t>
                       </a:r>
                     </a:p>
                   </a:txBody>
-                  <a:tcPr/>
+                  <a:tcPr anchor="ctr"/>
                 </a:tc>
                 <a:tc>
                   <a:txBody>
                     <a:bodyPr/>
                     <a:lstStyle/>
                     <a:p>
+                      <a:pPr algn="ctr"/>
                       <a:r>
                         <a:rPr lang="en-US" dirty="0"/>
                         <a:t>Annual</a:t>
                       </a:r>
                     </a:p>
                   </a:txBody>
-                  <a:tcPr/>
+                  <a:tcPr anchor="ctr"/>
                 </a:tc>
                 <a:extLst>
                   <a:ext uri="{0D108BD9-81ED-4DB2-BD59-A6C34878D82A}">
@@ -16162,38 +16588,41 @@
                   </a:ext>
                 </a:extLst>
               </a:tr>
-              <a:tr h="840124">
+              <a:tr h="1046830">
                 <a:tc>
                   <a:txBody>
                     <a:bodyPr/>
                     <a:lstStyle/>
                     <a:p>
+                      <a:pPr algn="l"/>
                       <a:r>
                         <a:rPr lang="en-US" dirty="0"/>
                         <a:t>Continent/Region/Country/Country Code</a:t>
                       </a:r>
                     </a:p>
                   </a:txBody>
-                  <a:tcPr/>
+                  <a:tcPr anchor="ctr"/>
                 </a:tc>
                 <a:tc>
                   <a:txBody>
                     <a:bodyPr/>
                     <a:lstStyle/>
                     <a:p>
+                      <a:pPr algn="ctr"/>
                       <a:r>
                         <a:rPr lang="en-US" dirty="0"/>
                         <a:t>CSV</a:t>
                       </a:r>
                     </a:p>
                   </a:txBody>
-                  <a:tcPr/>
+                  <a:tcPr anchor="ctr"/>
                 </a:tc>
                 <a:tc>
                   <a:txBody>
                     <a:bodyPr/>
                     <a:lstStyle/>
                     <a:p>
+                      <a:pPr algn="ctr"/>
                       <a:r>
                         <a:rPr lang="en-US" dirty="0">
                           <a:solidFill>
@@ -16219,21 +16648,33 @@
                         <a:t>”</a:t>
                       </a:r>
                     </a:p>
+                    <a:p>
+                      <a:pPr algn="ctr"/>
+                      <a:r>
+                        <a:rPr lang="en-US" i="1" dirty="0">
+                          <a:solidFill>
+                            <a:schemeClr val="tx1"/>
+                          </a:solidFill>
+                        </a:rPr>
+                        <a:t>(via Kaggle)</a:t>
+                      </a:r>
+                    </a:p>
                   </a:txBody>
-                  <a:tcPr/>
+                  <a:tcPr anchor="ctr"/>
                 </a:tc>
                 <a:tc>
                   <a:txBody>
                     <a:bodyPr/>
                     <a:lstStyle/>
                     <a:p>
+                      <a:pPr algn="ctr"/>
                       <a:r>
                         <a:rPr lang="en-US" dirty="0"/>
                         <a:t>Single</a:t>
                       </a:r>
                     </a:p>
                   </a:txBody>
-                  <a:tcPr/>
+                  <a:tcPr anchor="ctr"/>
                 </a:tc>
                 <a:extLst>
                   <a:ext uri="{0D108BD9-81ED-4DB2-BD59-A6C34878D82A}">
@@ -16409,7 +16850,7 @@
         </p:spPr>
         <p:txBody>
           <a:bodyPr>
-            <a:normAutofit/>
+            <a:normAutofit fontScale="92500" lnSpcReduction="20000"/>
           </a:bodyPr>
           <a:lstStyle/>
           <a:p>
@@ -16443,7 +16884,7 @@
             </a:pPr>
             <a:r>
               <a:rPr lang="en-US" sz="2000" dirty="0"/>
-              <a:t>Removed countries with insufficient data points</a:t>
+              <a:t>Removed countries with insufficient/null data points</a:t>
             </a:r>
           </a:p>
           <a:p>
@@ -16454,7 +16895,23 @@
             </a:pPr>
             <a:r>
               <a:rPr lang="en-US" sz="2000" dirty="0"/>
-              <a:t>Standardised all datasets with 3-digit country codes (ISO 3166-1)</a:t>
+              <a:t>Standardised all datasets with 3-digit country codes (ISO 3166-1) </a:t>
+            </a:r>
+            <a:r>
+              <a:rPr lang="en-US" sz="2000" i="1" dirty="0"/>
+              <a:t>include technical info on how we did this (merges and manual updates)(mention why we focused on country-code)</a:t>
+            </a:r>
+            <a:endParaRPr lang="en-US" sz="2000" dirty="0"/>
+          </a:p>
+          <a:p>
+            <a:pPr>
+              <a:spcBef>
+                <a:spcPts val="2200"/>
+              </a:spcBef>
+            </a:pPr>
+            <a:r>
+              <a:rPr lang="en-US" sz="2000" dirty="0"/>
+              <a:t>Transformed GDP and Population data (from annual to monthly)</a:t>
             </a:r>
           </a:p>
           <a:p>
@@ -16464,9 +16921,17 @@
               </a:spcBef>
             </a:pPr>
             <a:r>
-              <a:rPr lang="en-US" sz="2000" dirty="0"/>
-              <a:t>Transformed GDP and Population data (annual &gt; monthly)</a:t>
+              <a:rPr lang="en-US" sz="2000" i="1" dirty="0"/>
+              <a:t>Use of melt function to convert to one date per row for each country.</a:t>
             </a:r>
+          </a:p>
+          <a:p>
+            <a:pPr>
+              <a:spcBef>
+                <a:spcPts val="2200"/>
+              </a:spcBef>
+            </a:pPr>
+            <a:endParaRPr lang="en-US" sz="2000" i="1" dirty="0"/>
           </a:p>
         </p:txBody>
       </p:sp>
@@ -16485,7 +16950,7 @@
           <p:nvPr/>
         </p:nvPicPr>
         <p:blipFill rotWithShape="1">
-          <a:blip r:embed="rId2"/>
+          <a:blip r:embed="rId3"/>
           <a:srcRect l="21617" r="32883"/>
           <a:stretch/>
         </p:blipFill>
@@ -16515,7 +16980,7 @@
           <p:nvPr/>
         </p:nvPicPr>
         <p:blipFill>
-          <a:blip r:embed="rId3"/>
+          <a:blip r:embed="rId4"/>
           <a:stretch>
             <a:fillRect/>
           </a:stretch>
@@ -16530,6 +16995,45 @@
           </a:prstGeom>
         </p:spPr>
       </p:pic>
+      <p:sp>
+        <p:nvSpPr>
+          <p:cNvPr id="4" name="TextBox 3">
+            <a:extLst>
+              <a:ext uri="{FF2B5EF4-FFF2-40B4-BE49-F238E27FC236}">
+                <a16:creationId xmlns:a16="http://schemas.microsoft.com/office/drawing/2014/main" id="{DBF86360-BDFB-373D-896E-EB4E940EFB9E}"/>
+              </a:ext>
+            </a:extLst>
+          </p:cNvPr>
+          <p:cNvSpPr txBox="1"/>
+          <p:nvPr/>
+        </p:nvSpPr>
+        <p:spPr>
+          <a:xfrm>
+            <a:off x="9004041" y="317241"/>
+            <a:ext cx="2587769" cy="369332"/>
+          </a:xfrm>
+          <a:prstGeom prst="rect">
+            <a:avLst/>
+          </a:prstGeom>
+          <a:noFill/>
+        </p:spPr>
+        <p:txBody>
+          <a:bodyPr wrap="square" rtlCol="0">
+            <a:spAutoFit/>
+          </a:bodyPr>
+          <a:lstStyle/>
+          <a:p>
+            <a:r>
+              <a:rPr lang="en-US" dirty="0">
+                <a:solidFill>
+                  <a:srgbClr val="FF0000"/>
+                </a:solidFill>
+              </a:rPr>
+              <a:t>SHWETA TO UPDATE</a:t>
+            </a:r>
+          </a:p>
+        </p:txBody>
+      </p:sp>
     </p:spTree>
     <p:extLst>
       <p:ext uri="{BB962C8B-B14F-4D97-AF65-F5344CB8AC3E}">
@@ -16540,6 +17044,11 @@
   <p:clrMapOvr>
     <a:masterClrMapping/>
   </p:clrMapOvr>
+  <p:extLst>
+    <p:ext uri="{6950BFC3-D8DA-4A85-94F7-54DA5524770B}">
+      <p188:commentRel xmlns:p188="http://schemas.microsoft.com/office/powerpoint/2018/8/main" r:id="rId2"/>
+    </p:ext>
+  </p:extLst>
 </p:sld>
 </file>
 
@@ -16560,6 +17069,38 @@
           <a:chExt cx="0" cy="0"/>
         </a:xfrm>
       </p:grpSpPr>
+      <p:pic>
+        <p:nvPicPr>
+          <p:cNvPr id="7" name="Picture 6" descr="Illuminated server room panel">
+            <a:extLst>
+              <a:ext uri="{FF2B5EF4-FFF2-40B4-BE49-F238E27FC236}">
+                <a16:creationId xmlns:a16="http://schemas.microsoft.com/office/drawing/2014/main" id="{1655B1A0-4E94-E2BB-C010-6BB3D375E16F}"/>
+              </a:ext>
+            </a:extLst>
+          </p:cNvPr>
+          <p:cNvPicPr>
+            <a:picLocks noChangeAspect="1"/>
+          </p:cNvPicPr>
+          <p:nvPr/>
+        </p:nvPicPr>
+        <p:blipFill>
+          <a:blip r:embed="rId3">
+            <a:alphaModFix amt="20000"/>
+          </a:blip>
+          <a:stretch>
+            <a:fillRect/>
+          </a:stretch>
+        </p:blipFill>
+        <p:spPr>
+          <a:xfrm>
+            <a:off x="0" y="-13024"/>
+            <a:ext cx="12192000" cy="8126016"/>
+          </a:xfrm>
+          <a:prstGeom prst="rect">
+            <a:avLst/>
+          </a:prstGeom>
+        </p:spPr>
+      </p:pic>
       <p:sp>
         <p:nvSpPr>
           <p:cNvPr id="2" name="Title 1">
@@ -16621,7 +17162,7 @@
         </p:xfrm>
         <a:graphic>
           <a:graphicData uri="http://schemas.openxmlformats.org/drawingml/2006/diagram">
-            <dgm:relIds xmlns:dgm="http://schemas.openxmlformats.org/drawingml/2006/diagram" xmlns:r="http://schemas.openxmlformats.org/officeDocument/2006/relationships" r:dm="rId2" r:lo="rId3" r:qs="rId4" r:cs="rId5"/>
+            <dgm:relIds xmlns:dgm="http://schemas.openxmlformats.org/drawingml/2006/diagram" xmlns:r="http://schemas.openxmlformats.org/officeDocument/2006/relationships" r:dm="rId4" r:lo="rId5" r:qs="rId6" r:cs="rId7"/>
           </a:graphicData>
         </a:graphic>
       </p:graphicFrame>
@@ -16715,10 +17256,49 @@
         </p:xfrm>
         <a:graphic>
           <a:graphicData uri="http://schemas.openxmlformats.org/drawingml/2006/diagram">
-            <dgm:relIds xmlns:dgm="http://schemas.openxmlformats.org/drawingml/2006/diagram" xmlns:r="http://schemas.openxmlformats.org/officeDocument/2006/relationships" r:dm="rId7" r:lo="rId8" r:qs="rId9" r:cs="rId10"/>
+            <dgm:relIds xmlns:dgm="http://schemas.openxmlformats.org/drawingml/2006/diagram" xmlns:r="http://schemas.openxmlformats.org/officeDocument/2006/relationships" r:dm="rId9" r:lo="rId10" r:qs="rId11" r:cs="rId12"/>
           </a:graphicData>
         </a:graphic>
       </p:graphicFrame>
+      <p:sp>
+        <p:nvSpPr>
+          <p:cNvPr id="9" name="TextBox 8">
+            <a:extLst>
+              <a:ext uri="{FF2B5EF4-FFF2-40B4-BE49-F238E27FC236}">
+                <a16:creationId xmlns:a16="http://schemas.microsoft.com/office/drawing/2014/main" id="{1F2A7D3B-662F-9EBF-4044-3C96B3AD2FB5}"/>
+              </a:ext>
+            </a:extLst>
+          </p:cNvPr>
+          <p:cNvSpPr txBox="1"/>
+          <p:nvPr/>
+        </p:nvSpPr>
+        <p:spPr>
+          <a:xfrm>
+            <a:off x="7949682" y="365125"/>
+            <a:ext cx="3676261" cy="369332"/>
+          </a:xfrm>
+          <a:prstGeom prst="rect">
+            <a:avLst/>
+          </a:prstGeom>
+          <a:noFill/>
+        </p:spPr>
+        <p:txBody>
+          <a:bodyPr wrap="square" rtlCol="0">
+            <a:spAutoFit/>
+          </a:bodyPr>
+          <a:lstStyle/>
+          <a:p>
+            <a:r>
+              <a:rPr lang="en-US" dirty="0">
+                <a:solidFill>
+                  <a:srgbClr val="FF0000"/>
+                </a:solidFill>
+              </a:rPr>
+              <a:t>INCLUDE QUICK-DBD DIAGRAM</a:t>
+            </a:r>
+          </a:p>
+        </p:txBody>
+      </p:sp>
     </p:spTree>
     <p:extLst>
       <p:ext uri="{BB962C8B-B14F-4D97-AF65-F5344CB8AC3E}">
@@ -16729,6 +17309,506 @@
   <p:clrMapOvr>
     <a:masterClrMapping/>
   </p:clrMapOvr>
+  <p:extLst>
+    <p:ext uri="{6950BFC3-D8DA-4A85-94F7-54DA5524770B}">
+      <p188:commentRel xmlns:p188="http://schemas.microsoft.com/office/powerpoint/2018/8/main" r:id="rId2"/>
+    </p:ext>
+  </p:extLst>
+</p:sld>
+</file>
+
+<file path=ppt/slides/slide9.xml><?xml version="1.0" encoding="utf-8"?>
+<p:sld xmlns:a="http://schemas.openxmlformats.org/drawingml/2006/main" xmlns:r="http://schemas.openxmlformats.org/officeDocument/2006/relationships" xmlns:p="http://schemas.openxmlformats.org/presentationml/2006/main">
+  <p:cSld>
+    <p:bg>
+      <p:bgPr>
+        <a:solidFill>
+          <a:schemeClr val="bg1"/>
+        </a:solidFill>
+        <a:effectLst/>
+      </p:bgPr>
+    </p:bg>
+    <p:spTree>
+      <p:nvGrpSpPr>
+        <p:cNvPr id="1" name=""/>
+        <p:cNvGrpSpPr/>
+        <p:nvPr/>
+      </p:nvGrpSpPr>
+      <p:grpSpPr>
+        <a:xfrm>
+          <a:off x="0" y="0"/>
+          <a:ext cx="0" cy="0"/>
+          <a:chOff x="0" y="0"/>
+          <a:chExt cx="0" cy="0"/>
+        </a:xfrm>
+      </p:grpSpPr>
+      <p:sp useBgFill="1">
+        <p:nvSpPr>
+          <p:cNvPr id="17" name="Rectangle 8">
+            <a:extLst>
+              <a:ext uri="{FF2B5EF4-FFF2-40B4-BE49-F238E27FC236}">
+                <a16:creationId xmlns:a16="http://schemas.microsoft.com/office/drawing/2014/main" id="{94E4D846-3AFC-4F86-8C35-24B0542A269D}"/>
+              </a:ext>
+              <a:ext uri="{C183D7F6-B498-43B3-948B-1728B52AA6E4}">
+                <adec:decorative xmlns:adec="http://schemas.microsoft.com/office/drawing/2017/decorative" val="1"/>
+              </a:ext>
+            </a:extLst>
+          </p:cNvPr>
+          <p:cNvSpPr>
+            <a:spLocks noGrp="1" noRot="1" noChangeAspect="1" noMove="1" noResize="1" noEditPoints="1" noAdjustHandles="1" noChangeArrowheads="1" noChangeShapeType="1" noTextEdit="1"/>
+          </p:cNvSpPr>
+          <p:nvPr>
+            <p:extLst>
+              <p:ext uri="{386F3935-93C4-4BCD-93E2-E3B085C9AB24}">
+                <p16:designElem xmlns:p16="http://schemas.microsoft.com/office/powerpoint/2015/main" val="1"/>
+              </p:ext>
+            </p:extLst>
+          </p:nvPr>
+        </p:nvSpPr>
+        <p:spPr>
+          <a:xfrm>
+            <a:off x="0" y="0"/>
+            <a:ext cx="12192000" cy="6858000"/>
+          </a:xfrm>
+          <a:prstGeom prst="rect">
+            <a:avLst/>
+          </a:prstGeom>
+          <a:ln>
+            <a:noFill/>
+          </a:ln>
+        </p:spPr>
+        <p:style>
+          <a:lnRef idx="2">
+            <a:schemeClr val="accent1">
+              <a:shade val="50000"/>
+            </a:schemeClr>
+          </a:lnRef>
+          <a:fillRef idx="1">
+            <a:schemeClr val="accent1"/>
+          </a:fillRef>
+          <a:effectRef idx="0">
+            <a:schemeClr val="accent1"/>
+          </a:effectRef>
+          <a:fontRef idx="minor">
+            <a:schemeClr val="lt1"/>
+          </a:fontRef>
+        </p:style>
+        <p:txBody>
+          <a:bodyPr rtlCol="0" anchor="ctr"/>
+          <a:lstStyle/>
+          <a:p>
+            <a:pPr algn="ctr"/>
+            <a:endParaRPr lang="en-US"/>
+          </a:p>
+        </p:txBody>
+      </p:sp>
+      <p:pic>
+        <p:nvPicPr>
+          <p:cNvPr id="18" name="Picture 4" descr="A world map made of pins and strings">
+            <a:extLst>
+              <a:ext uri="{FF2B5EF4-FFF2-40B4-BE49-F238E27FC236}">
+                <a16:creationId xmlns:a16="http://schemas.microsoft.com/office/drawing/2014/main" id="{BBE696F4-2DAF-7848-9147-1F6F5F0A1F74}"/>
+              </a:ext>
+            </a:extLst>
+          </p:cNvPr>
+          <p:cNvPicPr>
+            <a:picLocks noChangeAspect="1"/>
+          </p:cNvPicPr>
+          <p:nvPr/>
+        </p:nvPicPr>
+        <p:blipFill rotWithShape="1">
+          <a:blip r:embed="rId3"/>
+          <a:srcRect l="15628" r="-1" b="-1"/>
+          <a:stretch/>
+        </p:blipFill>
+        <p:spPr>
+          <a:xfrm>
+            <a:off x="-186095" y="10"/>
+            <a:ext cx="8325260" cy="6857990"/>
+          </a:xfrm>
+          <a:prstGeom prst="rect">
+            <a:avLst/>
+          </a:prstGeom>
+        </p:spPr>
+      </p:pic>
+      <p:sp>
+        <p:nvSpPr>
+          <p:cNvPr id="19" name="Rectangle 10">
+            <a:extLst>
+              <a:ext uri="{FF2B5EF4-FFF2-40B4-BE49-F238E27FC236}">
+                <a16:creationId xmlns:a16="http://schemas.microsoft.com/office/drawing/2014/main" id="{284781B9-12CB-45C3-907A-9ED93FF72C65}"/>
+              </a:ext>
+              <a:ext uri="{C183D7F6-B498-43B3-948B-1728B52AA6E4}">
+                <adec:decorative xmlns:adec="http://schemas.microsoft.com/office/drawing/2017/decorative" val="1"/>
+              </a:ext>
+            </a:extLst>
+          </p:cNvPr>
+          <p:cNvSpPr>
+            <a:spLocks noGrp="1" noRot="1" noChangeAspect="1" noMove="1" noResize="1" noEditPoints="1" noAdjustHandles="1" noChangeArrowheads="1" noChangeShapeType="1" noTextEdit="1"/>
+          </p:cNvSpPr>
+          <p:nvPr>
+            <p:extLst>
+              <p:ext uri="{386F3935-93C4-4BCD-93E2-E3B085C9AB24}">
+                <p16:designElem xmlns:p16="http://schemas.microsoft.com/office/powerpoint/2015/main" val="1"/>
+              </p:ext>
+            </p:extLst>
+          </p:nvPr>
+        </p:nvSpPr>
+        <p:spPr>
+          <a:xfrm flipH="1">
+            <a:off x="2435399" y="0"/>
+            <a:ext cx="9756601" cy="6858000"/>
+          </a:xfrm>
+          <a:prstGeom prst="rect">
+            <a:avLst/>
+          </a:prstGeom>
+          <a:gradFill>
+            <a:gsLst>
+              <a:gs pos="53000">
+                <a:schemeClr val="bg1"/>
+              </a:gs>
+              <a:gs pos="35000">
+                <a:schemeClr val="bg1">
+                  <a:alpha val="76000"/>
+                </a:schemeClr>
+              </a:gs>
+              <a:gs pos="19000">
+                <a:schemeClr val="bg1">
+                  <a:alpha val="40000"/>
+                </a:schemeClr>
+              </a:gs>
+              <a:gs pos="0">
+                <a:schemeClr val="bg1">
+                  <a:alpha val="0"/>
+                </a:schemeClr>
+              </a:gs>
+              <a:gs pos="100000">
+                <a:schemeClr val="bg1"/>
+              </a:gs>
+            </a:gsLst>
+            <a:lin ang="10800000" scaled="0"/>
+          </a:gradFill>
+          <a:ln>
+            <a:noFill/>
+          </a:ln>
+        </p:spPr>
+        <p:style>
+          <a:lnRef idx="2">
+            <a:schemeClr val="accent1">
+              <a:shade val="50000"/>
+            </a:schemeClr>
+          </a:lnRef>
+          <a:fillRef idx="1">
+            <a:schemeClr val="accent1"/>
+          </a:fillRef>
+          <a:effectRef idx="0">
+            <a:schemeClr val="accent1"/>
+          </a:effectRef>
+          <a:fontRef idx="minor">
+            <a:schemeClr val="lt1"/>
+          </a:fontRef>
+        </p:style>
+        <p:txBody>
+          <a:bodyPr rtlCol="0" anchor="ctr"/>
+          <a:lstStyle/>
+          <a:p>
+            <a:pPr algn="ctr"/>
+            <a:endParaRPr lang="en-US" dirty="0"/>
+          </a:p>
+        </p:txBody>
+      </p:sp>
+      <p:sp>
+        <p:nvSpPr>
+          <p:cNvPr id="2" name="Title 1">
+            <a:extLst>
+              <a:ext uri="{FF2B5EF4-FFF2-40B4-BE49-F238E27FC236}">
+                <a16:creationId xmlns:a16="http://schemas.microsoft.com/office/drawing/2014/main" id="{4BD9564F-E5D8-3E0A-B5C7-820378DB6A45}"/>
+              </a:ext>
+            </a:extLst>
+          </p:cNvPr>
+          <p:cNvSpPr>
+            <a:spLocks noGrp="1"/>
+          </p:cNvSpPr>
+          <p:nvPr>
+            <p:ph type="title"/>
+          </p:nvPr>
+        </p:nvSpPr>
+        <p:spPr>
+          <a:xfrm>
+            <a:off x="5496910" y="1182116"/>
+            <a:ext cx="6311704" cy="1103884"/>
+          </a:xfrm>
+        </p:spPr>
+        <p:txBody>
+          <a:bodyPr anchor="b">
+            <a:noAutofit/>
+          </a:bodyPr>
+          <a:lstStyle/>
+          <a:p>
+            <a:r>
+              <a:rPr lang="en-US" sz="3600" b="1" dirty="0"/>
+              <a:t>5. </a:t>
+            </a:r>
+            <a:r>
+              <a:rPr lang="en-US" sz="3600" b="1" kern="1200" dirty="0">
+                <a:ea typeface="+mn-ea"/>
+                <a:cs typeface="+mn-cs"/>
+              </a:rPr>
+              <a:t>Develop Interactive Dashboard (Tableau)</a:t>
+            </a:r>
+            <a:endParaRPr lang="en-US" sz="3600" b="1" dirty="0"/>
+          </a:p>
+        </p:txBody>
+      </p:sp>
+      <p:sp>
+        <p:nvSpPr>
+          <p:cNvPr id="20" name="Rectangle 12">
+            <a:extLst>
+              <a:ext uri="{FF2B5EF4-FFF2-40B4-BE49-F238E27FC236}">
+                <a16:creationId xmlns:a16="http://schemas.microsoft.com/office/drawing/2014/main" id="{55D4142C-5077-457F-A6AD-3FECFDB39685}"/>
+              </a:ext>
+              <a:ext uri="{C183D7F6-B498-43B3-948B-1728B52AA6E4}">
+                <adec:decorative xmlns:adec="http://schemas.microsoft.com/office/drawing/2017/decorative" val="1"/>
+              </a:ext>
+            </a:extLst>
+          </p:cNvPr>
+          <p:cNvSpPr>
+            <a:spLocks noGrp="1" noRot="1" noChangeAspect="1" noMove="1" noResize="1" noEditPoints="1" noAdjustHandles="1" noChangeArrowheads="1" noChangeShapeType="1" noTextEdit="1"/>
+          </p:cNvSpPr>
+          <p:nvPr>
+            <p:extLst>
+              <p:ext uri="{386F3935-93C4-4BCD-93E2-E3B085C9AB24}">
+                <p16:designElem xmlns:p16="http://schemas.microsoft.com/office/powerpoint/2015/main" val="1"/>
+              </p:ext>
+            </p:extLst>
+          </p:nvPr>
+        </p:nvSpPr>
+        <p:spPr>
+          <a:xfrm rot="5400000">
+            <a:off x="8687333" y="605790"/>
+            <a:ext cx="73152" cy="548640"/>
+          </a:xfrm>
+          <a:prstGeom prst="rect">
+            <a:avLst/>
+          </a:prstGeom>
+          <a:solidFill>
+            <a:schemeClr val="accent2"/>
+          </a:solidFill>
+          <a:ln>
+            <a:noFill/>
+          </a:ln>
+        </p:spPr>
+        <p:style>
+          <a:lnRef idx="2">
+            <a:schemeClr val="accent1">
+              <a:shade val="50000"/>
+            </a:schemeClr>
+          </a:lnRef>
+          <a:fillRef idx="1">
+            <a:schemeClr val="accent1"/>
+          </a:fillRef>
+          <a:effectRef idx="0">
+            <a:schemeClr val="accent1"/>
+          </a:effectRef>
+          <a:fontRef idx="minor">
+            <a:schemeClr val="lt1"/>
+          </a:fontRef>
+        </p:style>
+        <p:txBody>
+          <a:bodyPr rtlCol="0" anchor="ctr"/>
+          <a:lstStyle/>
+          <a:p>
+            <a:pPr algn="ctr"/>
+            <a:endParaRPr lang="en-US">
+              <a:solidFill>
+                <a:prstClr val="white"/>
+              </a:solidFill>
+              <a:latin typeface="Calibri" panose="020F0502020204030204"/>
+            </a:endParaRPr>
+          </a:p>
+        </p:txBody>
+      </p:sp>
+      <p:sp>
+        <p:nvSpPr>
+          <p:cNvPr id="21" name="Rectangle 14">
+            <a:extLst>
+              <a:ext uri="{FF2B5EF4-FFF2-40B4-BE49-F238E27FC236}">
+                <a16:creationId xmlns:a16="http://schemas.microsoft.com/office/drawing/2014/main" id="{7A5F0580-5EE9-419F-96EE-B6529EF6E7D0}"/>
+              </a:ext>
+              <a:ext uri="{C183D7F6-B498-43B3-948B-1728B52AA6E4}">
+                <adec:decorative xmlns:adec="http://schemas.microsoft.com/office/drawing/2017/decorative" val="1"/>
+              </a:ext>
+            </a:extLst>
+          </p:cNvPr>
+          <p:cNvSpPr>
+            <a:spLocks noGrp="1" noRot="1" noChangeAspect="1" noMove="1" noResize="1" noEditPoints="1" noAdjustHandles="1" noChangeArrowheads="1" noChangeShapeType="1" noTextEdit="1"/>
+          </p:cNvSpPr>
+          <p:nvPr>
+            <p:extLst>
+              <p:ext uri="{386F3935-93C4-4BCD-93E2-E3B085C9AB24}">
+                <p16:designElem xmlns:p16="http://schemas.microsoft.com/office/powerpoint/2015/main" val="1"/>
+              </p:ext>
+            </p:extLst>
+          </p:nvPr>
+        </p:nvSpPr>
+        <p:spPr>
+          <a:xfrm>
+            <a:off x="8453018" y="2443480"/>
+            <a:ext cx="3218688" cy="9144"/>
+          </a:xfrm>
+          <a:prstGeom prst="rect">
+            <a:avLst/>
+          </a:prstGeom>
+          <a:solidFill>
+            <a:srgbClr val="D5D5D5"/>
+          </a:solidFill>
+          <a:ln w="3175">
+            <a:solidFill>
+              <a:srgbClr val="D5D5D5"/>
+            </a:solidFill>
+          </a:ln>
+          <a:effectLst/>
+        </p:spPr>
+        <p:style>
+          <a:lnRef idx="2">
+            <a:schemeClr val="accent1">
+              <a:shade val="50000"/>
+            </a:schemeClr>
+          </a:lnRef>
+          <a:fillRef idx="1">
+            <a:schemeClr val="accent1"/>
+          </a:fillRef>
+          <a:effectRef idx="0">
+            <a:schemeClr val="accent1"/>
+          </a:effectRef>
+          <a:fontRef idx="minor">
+            <a:schemeClr val="lt1"/>
+          </a:fontRef>
+        </p:style>
+        <p:txBody>
+          <a:bodyPr rtlCol="0" anchor="ctr"/>
+          <a:lstStyle/>
+          <a:p>
+            <a:pPr marL="0" marR="0" lvl="0" indent="0" algn="ctr" defTabSz="914400" rtl="0" eaLnBrk="1" fontAlgn="auto" latinLnBrk="0" hangingPunct="1">
+              <a:lnSpc>
+                <a:spcPct val="100000"/>
+              </a:lnSpc>
+              <a:spcBef>
+                <a:spcPts val="0"/>
+              </a:spcBef>
+              <a:spcAft>
+                <a:spcPts val="0"/>
+              </a:spcAft>
+              <a:buClrTx/>
+              <a:buSzTx/>
+              <a:buFontTx/>
+              <a:buNone/>
+              <a:tabLst/>
+              <a:defRPr/>
+            </a:pPr>
+            <a:endParaRPr kumimoji="0" lang="en-US" sz="1800" b="0" i="0" u="none" strike="noStrike" kern="1200" cap="none" spc="0" normalizeH="0" baseline="0" noProof="0">
+              <a:ln>
+                <a:noFill/>
+              </a:ln>
+              <a:solidFill>
+                <a:prstClr val="white"/>
+              </a:solidFill>
+              <a:effectLst/>
+              <a:uLnTx/>
+              <a:uFillTx/>
+              <a:latin typeface="Calibri" panose="020F0502020204030204"/>
+              <a:ea typeface="+mn-ea"/>
+              <a:cs typeface="+mn-cs"/>
+            </a:endParaRPr>
+          </a:p>
+        </p:txBody>
+      </p:sp>
+      <p:sp>
+        <p:nvSpPr>
+          <p:cNvPr id="3" name="Content Placeholder 2">
+            <a:extLst>
+              <a:ext uri="{FF2B5EF4-FFF2-40B4-BE49-F238E27FC236}">
+                <a16:creationId xmlns:a16="http://schemas.microsoft.com/office/drawing/2014/main" id="{97817015-EDDD-71A7-5B9F-77642F1574A2}"/>
+              </a:ext>
+            </a:extLst>
+          </p:cNvPr>
+          <p:cNvSpPr>
+            <a:spLocks noGrp="1"/>
+          </p:cNvSpPr>
+          <p:nvPr>
+            <p:ph idx="1"/>
+          </p:nvPr>
+        </p:nvSpPr>
+        <p:spPr>
+          <a:xfrm>
+            <a:off x="6453352" y="2619248"/>
+            <a:ext cx="5356024" cy="3306064"/>
+          </a:xfrm>
+        </p:spPr>
+        <p:txBody>
+          <a:bodyPr anchor="t">
+            <a:normAutofit/>
+          </a:bodyPr>
+          <a:lstStyle/>
+          <a:p>
+            <a:r>
+              <a:rPr lang="en-US" sz="1700" dirty="0"/>
+              <a:t>Purpose of dashboard (what does it tell user).</a:t>
+            </a:r>
+          </a:p>
+          <a:p>
+            <a:r>
+              <a:rPr lang="en-US" sz="1700" dirty="0"/>
+              <a:t>Why each element has been included.</a:t>
+            </a:r>
+          </a:p>
+          <a:p>
+            <a:r>
+              <a:rPr lang="en-US" sz="1700" dirty="0"/>
+              <a:t>Technical Features.</a:t>
+            </a:r>
+          </a:p>
+          <a:p>
+            <a:r>
+              <a:rPr lang="en-US" sz="1700" dirty="0"/>
+              <a:t>Skills and processes used.</a:t>
+            </a:r>
+          </a:p>
+          <a:p>
+            <a:r>
+              <a:rPr lang="en-US" sz="1700" dirty="0"/>
+              <a:t>Use of the map layers, filters, new measures, combined charts.</a:t>
+            </a:r>
+          </a:p>
+          <a:p>
+            <a:r>
+              <a:rPr lang="en-US" sz="1700" dirty="0"/>
+              <a:t>Multiple data sources used and creating the relationship between each.</a:t>
+            </a:r>
+          </a:p>
+          <a:p>
+            <a:endParaRPr lang="en-US" sz="1700" dirty="0"/>
+          </a:p>
+          <a:p>
+            <a:endParaRPr lang="en-US" sz="1700" dirty="0"/>
+          </a:p>
+        </p:txBody>
+      </p:sp>
+    </p:spTree>
+    <p:extLst>
+      <p:ext uri="{BB962C8B-B14F-4D97-AF65-F5344CB8AC3E}">
+        <p14:creationId xmlns:p14="http://schemas.microsoft.com/office/powerpoint/2010/main" val="4117987035"/>
+      </p:ext>
+    </p:extLst>
+  </p:cSld>
+  <p:clrMapOvr>
+    <a:masterClrMapping/>
+  </p:clrMapOvr>
+  <p:extLst>
+    <p:ext uri="{6950BFC3-D8DA-4A85-94F7-54DA5524770B}">
+      <p188:commentRel xmlns:p188="http://schemas.microsoft.com/office/powerpoint/2018/8/main" r:id="rId2"/>
+    </p:ext>
+  </p:extLst>
 </p:sld>
 </file>
 

--- a/Presentation/Proj4_presentation.pptx
+++ b/Presentation/Proj4_presentation.pptx
@@ -3248,8 +3248,6 @@
     <dgm:cxn modelId="{6B76A52E-4B59-9841-A066-7BC4DED5E464}" srcId="{A62FF51C-C761-DC4D-8D4D-A4BEEEE1E40E}" destId="{2226237A-BBDD-F240-B636-696E5A3F73FA}" srcOrd="0" destOrd="0" parTransId="{166FD673-124C-1243-885C-0DCC45700B96}" sibTransId="{2F8C3794-C210-F342-97DD-16FAE25302CC}"/>
     <dgm:cxn modelId="{C9EC3C36-59A0-1B41-837F-8DA9C4297046}" type="presOf" srcId="{50AF8974-B3BB-2B40-8D42-BD4F702D6681}" destId="{81EB66CF-0842-4240-8CF1-4635DDB5DA37}" srcOrd="0" destOrd="0" presId="urn:microsoft.com/office/officeart/2005/8/layout/chevron2"/>
     <dgm:cxn modelId="{AE090E3A-494E-3440-B0E8-2741125156EB}" type="presOf" srcId="{F3AD1DA9-4C09-1740-8685-7F7C82914C75}" destId="{C8FB3212-F9BD-714B-91A2-0DFF71DAFF28}" srcOrd="0" destOrd="0" presId="urn:microsoft.com/office/officeart/2005/8/layout/chevron2"/>
-    <dgm:cxn modelId="{54A7BE53-1483-E04B-8795-D1F2BFC6B3ED}" type="presOf" srcId="{B7EAE4D8-817B-0546-A572-06E6D63807F1}" destId="{6EE28908-DD59-2847-929A-38C430F0B19F}" srcOrd="0" destOrd="0" presId="urn:microsoft.com/office/officeart/2005/8/layout/chevron2"/>
-    <dgm:cxn modelId="{E542E056-4172-6A4D-BD2F-4F3C53081B6F}" type="presOf" srcId="{19F60B9A-F6F3-3045-A587-B2B518082C4F}" destId="{E2E8E3C3-6FDF-9446-98CF-6A830EDBB04D}" srcOrd="0" destOrd="0" presId="urn:microsoft.com/office/officeart/2005/8/layout/chevron2"/>
     <dgm:cxn modelId="{794D3A5B-1F66-9441-9FF2-549747AADA21}" type="presOf" srcId="{0C74DDE5-75CB-124B-B5C4-976264A60AC4}" destId="{F0F316E0-926D-5E44-AE5A-D486244BC255}" srcOrd="0" destOrd="0" presId="urn:microsoft.com/office/officeart/2005/8/layout/chevron2"/>
     <dgm:cxn modelId="{6794A463-5F1A-D340-A8E8-BF92611A31F7}" type="presOf" srcId="{2226237A-BBDD-F240-B636-696E5A3F73FA}" destId="{63D2E7AD-D9DC-554C-A9D5-CC3A0C436858}" srcOrd="0" destOrd="0" presId="urn:microsoft.com/office/officeart/2005/8/layout/chevron2"/>
     <dgm:cxn modelId="{1EA8AB67-2E27-1246-8A44-BDEF417AAA48}" type="presOf" srcId="{A62FF51C-C761-DC4D-8D4D-A4BEEEE1E40E}" destId="{A9925412-98E5-754D-AD61-0A7C67317DFA}" srcOrd="0" destOrd="0" presId="urn:microsoft.com/office/officeart/2005/8/layout/chevron2"/>
@@ -3257,6 +3255,8 @@
     <dgm:cxn modelId="{00DDE86B-2926-8B48-9BD2-190A17697D7F}" srcId="{F3AD1DA9-4C09-1740-8685-7F7C82914C75}" destId="{19F60B9A-F6F3-3045-A587-B2B518082C4F}" srcOrd="0" destOrd="0" parTransId="{F31E8743-D360-7343-A450-C2C8684FEF73}" sibTransId="{2C70B312-D2F7-B540-9E35-1D73BFF274D1}"/>
     <dgm:cxn modelId="{474DCA6E-482E-A64A-8E5E-B008E0B3D745}" type="presOf" srcId="{A06E0055-4D58-BD41-8E67-874541574EE3}" destId="{FC420762-C8C7-D843-9B91-39162E67B737}" srcOrd="0" destOrd="0" presId="urn:microsoft.com/office/officeart/2005/8/layout/chevron2"/>
     <dgm:cxn modelId="{AE043973-D797-F747-9F54-A45D0B37DCC0}" type="presOf" srcId="{1316ED57-B987-A746-8491-E847B0D65357}" destId="{BF5814CC-75DE-454F-9842-D5F74FDAFBF9}" srcOrd="0" destOrd="0" presId="urn:microsoft.com/office/officeart/2005/8/layout/chevron2"/>
+    <dgm:cxn modelId="{54A7BE53-1483-E04B-8795-D1F2BFC6B3ED}" type="presOf" srcId="{B7EAE4D8-817B-0546-A572-06E6D63807F1}" destId="{6EE28908-DD59-2847-929A-38C430F0B19F}" srcOrd="0" destOrd="0" presId="urn:microsoft.com/office/officeart/2005/8/layout/chevron2"/>
+    <dgm:cxn modelId="{E542E056-4172-6A4D-BD2F-4F3C53081B6F}" type="presOf" srcId="{19F60B9A-F6F3-3045-A587-B2B518082C4F}" destId="{E2E8E3C3-6FDF-9446-98CF-6A830EDBB04D}" srcOrd="0" destOrd="0" presId="urn:microsoft.com/office/officeart/2005/8/layout/chevron2"/>
     <dgm:cxn modelId="{D3586587-2F7A-B847-ACCC-D0CA5B2D0961}" srcId="{19F60B9A-F6F3-3045-A587-B2B518082C4F}" destId="{1316ED57-B987-A746-8491-E847B0D65357}" srcOrd="0" destOrd="0" parTransId="{714A4B8E-37D0-884F-8899-974210EE1C78}" sibTransId="{799D8249-EC17-D54F-8EE1-FFCC2A1D2A4D}"/>
     <dgm:cxn modelId="{398A58A0-DB71-D447-8DF8-96FDC84D9B88}" srcId="{0C74DDE5-75CB-124B-B5C4-976264A60AC4}" destId="{53506C35-F3DF-2544-B56E-E4D90B5E4331}" srcOrd="0" destOrd="0" parTransId="{25C8C944-AE17-B64B-904D-15E10A5BFAC0}" sibTransId="{E9AE0E25-60DF-3546-9312-C6CA7A8BDF65}"/>
     <dgm:cxn modelId="{D7D5EAA7-3AEF-414D-BFFA-6D989D535776}" srcId="{F3AD1DA9-4C09-1740-8685-7F7C82914C75}" destId="{A62FF51C-C761-DC4D-8D4D-A4BEEEE1E40E}" srcOrd="4" destOrd="0" parTransId="{0675E263-70A6-4446-A2D9-D2D6110F48A2}" sibTransId="{9A7E60D6-57BD-7444-8122-73BE6CE07FB4}"/>
@@ -9620,7 +9620,7 @@
           <a:p>
             <a:fld id="{A117FC55-09B6-664E-A48C-8C39C1B8D896}" type="datetimeFigureOut">
               <a:rPr lang="en-US" smtClean="0"/>
-              <a:t>5/31/23</a:t>
+              <a:t>6/1/2023</a:t>
             </a:fld>
             <a:endParaRPr lang="en-US"/>
           </a:p>
@@ -9820,7 +9820,7 @@
           <a:p>
             <a:fld id="{A117FC55-09B6-664E-A48C-8C39C1B8D896}" type="datetimeFigureOut">
               <a:rPr lang="en-US" smtClean="0"/>
-              <a:t>5/31/23</a:t>
+              <a:t>6/1/2023</a:t>
             </a:fld>
             <a:endParaRPr lang="en-US"/>
           </a:p>
@@ -10030,7 +10030,7 @@
           <a:p>
             <a:fld id="{A117FC55-09B6-664E-A48C-8C39C1B8D896}" type="datetimeFigureOut">
               <a:rPr lang="en-US" smtClean="0"/>
-              <a:t>5/31/23</a:t>
+              <a:t>6/1/2023</a:t>
             </a:fld>
             <a:endParaRPr lang="en-US"/>
           </a:p>
@@ -10230,7 +10230,7 @@
           <a:p>
             <a:fld id="{A117FC55-09B6-664E-A48C-8C39C1B8D896}" type="datetimeFigureOut">
               <a:rPr lang="en-US" smtClean="0"/>
-              <a:t>5/31/23</a:t>
+              <a:t>6/1/2023</a:t>
             </a:fld>
             <a:endParaRPr lang="en-US"/>
           </a:p>
@@ -10506,7 +10506,7 @@
           <a:p>
             <a:fld id="{A117FC55-09B6-664E-A48C-8C39C1B8D896}" type="datetimeFigureOut">
               <a:rPr lang="en-US" smtClean="0"/>
-              <a:t>5/31/23</a:t>
+              <a:t>6/1/2023</a:t>
             </a:fld>
             <a:endParaRPr lang="en-US"/>
           </a:p>
@@ -10774,7 +10774,7 @@
           <a:p>
             <a:fld id="{A117FC55-09B6-664E-A48C-8C39C1B8D896}" type="datetimeFigureOut">
               <a:rPr lang="en-US" smtClean="0"/>
-              <a:t>5/31/23</a:t>
+              <a:t>6/1/2023</a:t>
             </a:fld>
             <a:endParaRPr lang="en-US"/>
           </a:p>
@@ -11189,7 +11189,7 @@
           <a:p>
             <a:fld id="{A117FC55-09B6-664E-A48C-8C39C1B8D896}" type="datetimeFigureOut">
               <a:rPr lang="en-US" smtClean="0"/>
-              <a:t>5/31/23</a:t>
+              <a:t>6/1/2023</a:t>
             </a:fld>
             <a:endParaRPr lang="en-US"/>
           </a:p>
@@ -11331,7 +11331,7 @@
           <a:p>
             <a:fld id="{A117FC55-09B6-664E-A48C-8C39C1B8D896}" type="datetimeFigureOut">
               <a:rPr lang="en-US" smtClean="0"/>
-              <a:t>5/31/23</a:t>
+              <a:t>6/1/2023</a:t>
             </a:fld>
             <a:endParaRPr lang="en-US"/>
           </a:p>
@@ -11444,7 +11444,7 @@
           <a:p>
             <a:fld id="{A117FC55-09B6-664E-A48C-8C39C1B8D896}" type="datetimeFigureOut">
               <a:rPr lang="en-US" smtClean="0"/>
-              <a:t>5/31/23</a:t>
+              <a:t>6/1/2023</a:t>
             </a:fld>
             <a:endParaRPr lang="en-US"/>
           </a:p>
@@ -11757,7 +11757,7 @@
           <a:p>
             <a:fld id="{A117FC55-09B6-664E-A48C-8C39C1B8D896}" type="datetimeFigureOut">
               <a:rPr lang="en-US" smtClean="0"/>
-              <a:t>5/31/23</a:t>
+              <a:t>6/1/2023</a:t>
             </a:fld>
             <a:endParaRPr lang="en-US"/>
           </a:p>
@@ -12046,7 +12046,7 @@
           <a:p>
             <a:fld id="{A117FC55-09B6-664E-A48C-8C39C1B8D896}" type="datetimeFigureOut">
               <a:rPr lang="en-US" smtClean="0"/>
-              <a:t>5/31/23</a:t>
+              <a:t>6/1/2023</a:t>
             </a:fld>
             <a:endParaRPr lang="en-US"/>
           </a:p>
@@ -12289,7 +12289,7 @@
           <a:p>
             <a:fld id="{A117FC55-09B6-664E-A48C-8C39C1B8D896}" type="datetimeFigureOut">
               <a:rPr lang="en-US" smtClean="0"/>
-              <a:t>5/31/23</a:t>
+              <a:t>6/1/2023</a:t>
             </a:fld>
             <a:endParaRPr lang="en-US"/>
           </a:p>
@@ -16850,7 +16850,7 @@
         </p:spPr>
         <p:txBody>
           <a:bodyPr>
-            <a:normAutofit fontScale="92500" lnSpcReduction="20000"/>
+            <a:normAutofit fontScale="47500" lnSpcReduction="20000"/>
           </a:bodyPr>
           <a:lstStyle/>
           <a:p>
@@ -16884,7 +16884,7 @@
             </a:pPr>
             <a:r>
               <a:rPr lang="en-US" sz="2000" dirty="0"/>
-              <a:t>Removed countries with insufficient/null data points</a:t>
+              <a:t>Removed countries with insufficient/null data points from MES_0123.csv, GDP.csv, continents2.csv and population.csv</a:t>
             </a:r>
           </a:p>
           <a:p>
@@ -16899,16 +16899,8 @@
             </a:r>
             <a:r>
               <a:rPr lang="en-US" sz="2000" i="1" dirty="0"/>
-              <a:t>include technical info on how we did this (merges and manual updates)(mention why we focused on country-code)</a:t>
+              <a:t>include technical info on how we did this </a:t>
             </a:r>
-            <a:endParaRPr lang="en-US" sz="2000" dirty="0"/>
-          </a:p>
-          <a:p>
-            <a:pPr>
-              <a:spcBef>
-                <a:spcPts val="2200"/>
-              </a:spcBef>
-            </a:pPr>
             <a:r>
               <a:rPr lang="en-US" sz="2000" dirty="0"/>
               <a:t>Transformed GDP and Population data (from annual to monthly)</a:t>
@@ -16921,9 +16913,83 @@
               </a:spcBef>
             </a:pPr>
             <a:r>
-              <a:rPr lang="en-US" sz="2000" i="1" dirty="0"/>
-              <a:t>Use of melt function to convert to one date per row for each country.</a:t>
+              <a:rPr lang="en-US" sz="2000" dirty="0"/>
+              <a:t>Python functions used:</a:t>
             </a:r>
+          </a:p>
+          <a:p>
+            <a:pPr lvl="1">
+              <a:spcBef>
+                <a:spcPts val="2200"/>
+              </a:spcBef>
+            </a:pPr>
+            <a:r>
+              <a:rPr lang="en-US" sz="1600" i="1" dirty="0"/>
+              <a:t>Used melt function to convert to one date per row for each country.</a:t>
+            </a:r>
+          </a:p>
+          <a:p>
+            <a:pPr lvl="1">
+              <a:spcBef>
+                <a:spcPts val="2200"/>
+              </a:spcBef>
+            </a:pPr>
+            <a:r>
+              <a:rPr lang="en-US" sz="1600" i="1" dirty="0"/>
+              <a:t>Used reindex to rearrange the columns</a:t>
+            </a:r>
+          </a:p>
+          <a:p>
+            <a:pPr lvl="1">
+              <a:spcBef>
+                <a:spcPts val="2200"/>
+              </a:spcBef>
+            </a:pPr>
+            <a:r>
+              <a:rPr lang="en-US" sz="1600" i="1" dirty="0"/>
+              <a:t>Used rename function to rename columns</a:t>
+            </a:r>
+          </a:p>
+          <a:p>
+            <a:pPr lvl="1">
+              <a:spcBef>
+                <a:spcPts val="2200"/>
+              </a:spcBef>
+            </a:pPr>
+            <a:r>
+              <a:rPr lang="en-US" sz="1600" i="1" dirty="0"/>
+              <a:t>Used drop function to drop columns</a:t>
+            </a:r>
+          </a:p>
+          <a:p>
+            <a:pPr lvl="1">
+              <a:spcBef>
+                <a:spcPts val="2200"/>
+              </a:spcBef>
+            </a:pPr>
+            <a:r>
+              <a:rPr lang="en-US" sz="1600" i="1" dirty="0"/>
+              <a:t>Used lambda function to calculate the difference between current column value with previous values</a:t>
+            </a:r>
+          </a:p>
+          <a:p>
+            <a:pPr lvl="1">
+              <a:spcBef>
+                <a:spcPts val="2200"/>
+              </a:spcBef>
+            </a:pPr>
+            <a:r>
+              <a:rPr lang="en-US" sz="1600" i="1" dirty="0"/>
+              <a:t>Used merge function to merge the datasets</a:t>
+            </a:r>
+          </a:p>
+          <a:p>
+            <a:pPr lvl="1">
+              <a:spcBef>
+                <a:spcPts val="2200"/>
+              </a:spcBef>
+            </a:pPr>
+            <a:endParaRPr lang="en-US" sz="1600" i="1" dirty="0"/>
           </a:p>
           <a:p>
             <a:pPr>
@@ -16995,45 +17061,6 @@
           </a:prstGeom>
         </p:spPr>
       </p:pic>
-      <p:sp>
-        <p:nvSpPr>
-          <p:cNvPr id="4" name="TextBox 3">
-            <a:extLst>
-              <a:ext uri="{FF2B5EF4-FFF2-40B4-BE49-F238E27FC236}">
-                <a16:creationId xmlns:a16="http://schemas.microsoft.com/office/drawing/2014/main" id="{DBF86360-BDFB-373D-896E-EB4E940EFB9E}"/>
-              </a:ext>
-            </a:extLst>
-          </p:cNvPr>
-          <p:cNvSpPr txBox="1"/>
-          <p:nvPr/>
-        </p:nvSpPr>
-        <p:spPr>
-          <a:xfrm>
-            <a:off x="9004041" y="317241"/>
-            <a:ext cx="2587769" cy="369332"/>
-          </a:xfrm>
-          <a:prstGeom prst="rect">
-            <a:avLst/>
-          </a:prstGeom>
-          <a:noFill/>
-        </p:spPr>
-        <p:txBody>
-          <a:bodyPr wrap="square" rtlCol="0">
-            <a:spAutoFit/>
-          </a:bodyPr>
-          <a:lstStyle/>
-          <a:p>
-            <a:r>
-              <a:rPr lang="en-US" dirty="0">
-                <a:solidFill>
-                  <a:srgbClr val="FF0000"/>
-                </a:solidFill>
-              </a:rPr>
-              <a:t>SHWETA TO UPDATE</a:t>
-            </a:r>
-          </a:p>
-        </p:txBody>
-      </p:sp>
     </p:spTree>
     <p:extLst>
       <p:ext uri="{BB962C8B-B14F-4D97-AF65-F5344CB8AC3E}">

--- a/Presentation/Proj4_presentation.pptx
+++ b/Presentation/Proj4_presentation.pptx
@@ -15,6 +15,10 @@
     <p:sldId id="266" r:id="rId9"/>
     <p:sldId id="267" r:id="rId10"/>
     <p:sldId id="268" r:id="rId11"/>
+    <p:sldId id="270" r:id="rId12"/>
+    <p:sldId id="272" r:id="rId13"/>
+    <p:sldId id="273" r:id="rId14"/>
+    <p:sldId id="274" r:id="rId15"/>
   </p:sldIdLst>
   <p:sldSz cx="12192000" cy="6858000"/>
   <p:notesSz cx="6858000" cy="9144000"/>
@@ -212,7 +216,7 @@
 
 <file path=ppt/comments/modernComment_10C_DD5B211C.xml><?xml version="1.0" encoding="utf-8"?>
 <p188:cmLst xmlns:a="http://schemas.openxmlformats.org/drawingml/2006/main" xmlns:r="http://schemas.openxmlformats.org/officeDocument/2006/relationships" xmlns:p188="http://schemas.microsoft.com/office/powerpoint/2018/8/main">
-  <p188:cm id="{54FD716A-17C2-4449-B266-9B9BB5BD3D26}" authorId="{0EC2D70F-E384-9803-E3F1-EF16A3855103}" created="2023-05-31T12:29:31.759">
+  <p188:cm id="{54FD716A-17C2-4449-B266-9B9BB5BD3D26}" authorId="{0EC2D70F-E384-9803-E3F1-EF16A3855103}" status="resolved" created="2023-05-31T12:29:31.759" complete="100000">
     <ac:deMkLst xmlns:ac="http://schemas.microsoft.com/office/drawing/2013/main/command">
       <pc:docMk xmlns:pc="http://schemas.microsoft.com/office/powerpoint/2013/main/command"/>
       <pc:sldMk xmlns:pc="http://schemas.microsoft.com/office/powerpoint/2013/main/command" cId="3713736988" sldId="268"/>
@@ -229,7 +233,7 @@
       </a:p>
     </p188:txBody>
   </p188:cm>
-  <p188:cm id="{6B1BF885-C458-BD41-9D24-7A7F100E2576}" authorId="{0EC2D70F-E384-9803-E3F1-EF16A3855103}" created="2023-05-31T12:36:44.589">
+  <p188:cm id="{6B1BF885-C458-BD41-9D24-7A7F100E2576}" authorId="{0EC2D70F-E384-9803-E3F1-EF16A3855103}" status="resolved" created="2023-05-31T12:36:44.589" complete="100000">
     <ac:deMkLst xmlns:ac="http://schemas.microsoft.com/office/drawing/2013/main/command">
       <pc:docMk xmlns:pc="http://schemas.microsoft.com/office/powerpoint/2013/main/command"/>
       <pc:sldMk xmlns:pc="http://schemas.microsoft.com/office/powerpoint/2013/main/command" cId="3713736988" sldId="268"/>
@@ -246,10 +250,178 @@
       </a:p>
     </p188:txBody>
   </p188:cm>
-  <p188:cm id="{CF71381E-B040-744C-8FD0-6E9EDFC85CB9}" authorId="{0EC2D70F-E384-9803-E3F1-EF16A3855103}" created="2023-05-31T12:36:53.011">
+  <p188:cm id="{CF71381E-B040-744C-8FD0-6E9EDFC85CB9}" authorId="{0EC2D70F-E384-9803-E3F1-EF16A3855103}" status="resolved" created="2023-05-31T12:36:53.011" complete="100000">
     <ac:deMkLst xmlns:ac="http://schemas.microsoft.com/office/drawing/2013/main/command">
       <pc:docMk xmlns:pc="http://schemas.microsoft.com/office/powerpoint/2013/main/command"/>
       <pc:sldMk xmlns:pc="http://schemas.microsoft.com/office/powerpoint/2013/main/command" cId="3713736988" sldId="268"/>
+      <ac:spMk id="8" creationId="{C210AE1D-4386-F821-6C9B-6F551CFF3CEC}"/>
+    </ac:deMkLst>
+    <p188:txBody>
+      <a:bodyPr/>
+      <a:lstStyle/>
+      <a:p>
+        <a:r>
+          <a:rPr lang="en-US"/>
+          <a:t>Include graphs</a:t>
+        </a:r>
+      </a:p>
+    </p188:txBody>
+  </p188:cm>
+</p188:cmLst>
+</file>
+
+<file path=ppt/comments/modernComment_10E_7E7632B4.xml><?xml version="1.0" encoding="utf-8"?>
+<p188:cmLst xmlns:a="http://schemas.openxmlformats.org/drawingml/2006/main" xmlns:r="http://schemas.openxmlformats.org/officeDocument/2006/relationships" xmlns:p188="http://schemas.microsoft.com/office/powerpoint/2018/8/main">
+  <p188:cm id="{7A2BF87E-6BA9-D14C-A462-69E5855AC513}" authorId="{0EC2D70F-E384-9803-E3F1-EF16A3855103}" status="resolved" created="2023-05-31T12:29:31.759" complete="100000">
+    <ac:deMkLst xmlns:ac="http://schemas.microsoft.com/office/drawing/2013/main/command">
+      <pc:docMk xmlns:pc="http://schemas.microsoft.com/office/powerpoint/2013/main/command"/>
+      <pc:sldMk xmlns:pc="http://schemas.microsoft.com/office/powerpoint/2013/main/command" cId="2121675444" sldId="270"/>
+      <ac:spMk id="8" creationId="{C210AE1D-4386-F821-6C9B-6F551CFF3CEC}"/>
+    </ac:deMkLst>
+    <p188:txBody>
+      <a:bodyPr/>
+      <a:lstStyle/>
+      <a:p>
+        <a:r>
+          <a:rPr lang="en-US"/>
+          <a:t>Oliver to update</a:t>
+        </a:r>
+      </a:p>
+    </p188:txBody>
+  </p188:cm>
+  <p188:cm id="{F2C178F0-87A0-534F-9DDC-24C60329726D}" authorId="{0EC2D70F-E384-9803-E3F1-EF16A3855103}" status="resolved" created="2023-05-31T12:36:44.589" complete="100000">
+    <ac:deMkLst xmlns:ac="http://schemas.microsoft.com/office/drawing/2013/main/command">
+      <pc:docMk xmlns:pc="http://schemas.microsoft.com/office/powerpoint/2013/main/command"/>
+      <pc:sldMk xmlns:pc="http://schemas.microsoft.com/office/powerpoint/2013/main/command" cId="2121675444" sldId="270"/>
+      <ac:spMk id="8" creationId="{C210AE1D-4386-F821-6C9B-6F551CFF3CEC}"/>
+    </ac:deMkLst>
+    <p188:txBody>
+      <a:bodyPr/>
+      <a:lstStyle/>
+      <a:p>
+        <a:r>
+          <a:rPr lang="en-US"/>
+          <a:t>Include results of model iteration (lowering error) maybe in a table</a:t>
+        </a:r>
+      </a:p>
+    </p188:txBody>
+  </p188:cm>
+  <p188:cm id="{412D4544-1AF7-E545-9D76-A35012D75F04}" authorId="{0EC2D70F-E384-9803-E3F1-EF16A3855103}" status="resolved" created="2023-05-31T12:36:53.011" complete="100000">
+    <ac:deMkLst xmlns:ac="http://schemas.microsoft.com/office/drawing/2013/main/command">
+      <pc:docMk xmlns:pc="http://schemas.microsoft.com/office/powerpoint/2013/main/command"/>
+      <pc:sldMk xmlns:pc="http://schemas.microsoft.com/office/powerpoint/2013/main/command" cId="2121675444" sldId="270"/>
+      <ac:spMk id="8" creationId="{C210AE1D-4386-F821-6C9B-6F551CFF3CEC}"/>
+    </ac:deMkLst>
+    <p188:txBody>
+      <a:bodyPr/>
+      <a:lstStyle/>
+      <a:p>
+        <a:r>
+          <a:rPr lang="en-US"/>
+          <a:t>Include graphs</a:t>
+        </a:r>
+      </a:p>
+    </p188:txBody>
+  </p188:cm>
+</p188:cmLst>
+</file>
+
+<file path=ppt/comments/modernComment_110_F816A5F4.xml><?xml version="1.0" encoding="utf-8"?>
+<p188:cmLst xmlns:a="http://schemas.openxmlformats.org/drawingml/2006/main" xmlns:r="http://schemas.openxmlformats.org/officeDocument/2006/relationships" xmlns:p188="http://schemas.microsoft.com/office/powerpoint/2018/8/main">
+  <p188:cm id="{1C85AA64-DCCC-8642-B96F-C2FB15D6F5EA}" authorId="{0EC2D70F-E384-9803-E3F1-EF16A3855103}" status="resolved" created="2023-05-31T12:29:31.759" complete="100000">
+    <ac:deMkLst xmlns:ac="http://schemas.microsoft.com/office/drawing/2013/main/command">
+      <pc:docMk xmlns:pc="http://schemas.microsoft.com/office/powerpoint/2013/main/command"/>
+      <pc:sldMk xmlns:pc="http://schemas.microsoft.com/office/powerpoint/2013/main/command" cId="4162233844" sldId="272"/>
+      <ac:spMk id="8" creationId="{C210AE1D-4386-F821-6C9B-6F551CFF3CEC}"/>
+    </ac:deMkLst>
+    <p188:txBody>
+      <a:bodyPr/>
+      <a:lstStyle/>
+      <a:p>
+        <a:r>
+          <a:rPr lang="en-US"/>
+          <a:t>Oliver to update</a:t>
+        </a:r>
+      </a:p>
+    </p188:txBody>
+  </p188:cm>
+  <p188:cm id="{38955829-74D3-BA4B-A576-27B92534B3E9}" authorId="{0EC2D70F-E384-9803-E3F1-EF16A3855103}" status="resolved" created="2023-05-31T12:36:44.589" complete="100000">
+    <ac:deMkLst xmlns:ac="http://schemas.microsoft.com/office/drawing/2013/main/command">
+      <pc:docMk xmlns:pc="http://schemas.microsoft.com/office/powerpoint/2013/main/command"/>
+      <pc:sldMk xmlns:pc="http://schemas.microsoft.com/office/powerpoint/2013/main/command" cId="4162233844" sldId="272"/>
+      <ac:spMk id="8" creationId="{C210AE1D-4386-F821-6C9B-6F551CFF3CEC}"/>
+    </ac:deMkLst>
+    <p188:txBody>
+      <a:bodyPr/>
+      <a:lstStyle/>
+      <a:p>
+        <a:r>
+          <a:rPr lang="en-US"/>
+          <a:t>Include results of model iteration (lowering error) maybe in a table</a:t>
+        </a:r>
+      </a:p>
+    </p188:txBody>
+  </p188:cm>
+  <p188:cm id="{C97A8BFC-A1A7-F842-B5BC-22667A616C0B}" authorId="{0EC2D70F-E384-9803-E3F1-EF16A3855103}" status="resolved" created="2023-05-31T12:36:53.011" complete="100000">
+    <ac:deMkLst xmlns:ac="http://schemas.microsoft.com/office/drawing/2013/main/command">
+      <pc:docMk xmlns:pc="http://schemas.microsoft.com/office/powerpoint/2013/main/command"/>
+      <pc:sldMk xmlns:pc="http://schemas.microsoft.com/office/powerpoint/2013/main/command" cId="4162233844" sldId="272"/>
+      <ac:spMk id="8" creationId="{C210AE1D-4386-F821-6C9B-6F551CFF3CEC}"/>
+    </ac:deMkLst>
+    <p188:txBody>
+      <a:bodyPr/>
+      <a:lstStyle/>
+      <a:p>
+        <a:r>
+          <a:rPr lang="en-US"/>
+          <a:t>Include graphs</a:t>
+        </a:r>
+      </a:p>
+    </p188:txBody>
+  </p188:cm>
+</p188:cmLst>
+</file>
+
+<file path=ppt/comments/modernComment_111_AC498FC8.xml><?xml version="1.0" encoding="utf-8"?>
+<p188:cmLst xmlns:a="http://schemas.openxmlformats.org/drawingml/2006/main" xmlns:r="http://schemas.openxmlformats.org/officeDocument/2006/relationships" xmlns:p188="http://schemas.microsoft.com/office/powerpoint/2018/8/main">
+  <p188:cm id="{78ECB01C-B38D-0846-9CCF-E4897307FE73}" authorId="{0EC2D70F-E384-9803-E3F1-EF16A3855103}" status="resolved" created="2023-05-31T12:29:31.759" complete="100000">
+    <ac:deMkLst xmlns:ac="http://schemas.microsoft.com/office/drawing/2013/main/command">
+      <pc:docMk xmlns:pc="http://schemas.microsoft.com/office/powerpoint/2013/main/command"/>
+      <pc:sldMk xmlns:pc="http://schemas.microsoft.com/office/powerpoint/2013/main/command" cId="2890502088" sldId="273"/>
+      <ac:spMk id="8" creationId="{C210AE1D-4386-F821-6C9B-6F551CFF3CEC}"/>
+    </ac:deMkLst>
+    <p188:txBody>
+      <a:bodyPr/>
+      <a:lstStyle/>
+      <a:p>
+        <a:r>
+          <a:rPr lang="en-US"/>
+          <a:t>Oliver to update</a:t>
+        </a:r>
+      </a:p>
+    </p188:txBody>
+  </p188:cm>
+  <p188:cm id="{FD497AEE-E1F2-404C-9D6F-E96B4FB12395}" authorId="{0EC2D70F-E384-9803-E3F1-EF16A3855103}" status="resolved" created="2023-05-31T12:36:44.589" complete="100000">
+    <ac:deMkLst xmlns:ac="http://schemas.microsoft.com/office/drawing/2013/main/command">
+      <pc:docMk xmlns:pc="http://schemas.microsoft.com/office/powerpoint/2013/main/command"/>
+      <pc:sldMk xmlns:pc="http://schemas.microsoft.com/office/powerpoint/2013/main/command" cId="2890502088" sldId="273"/>
+      <ac:spMk id="8" creationId="{C210AE1D-4386-F821-6C9B-6F551CFF3CEC}"/>
+    </ac:deMkLst>
+    <p188:txBody>
+      <a:bodyPr/>
+      <a:lstStyle/>
+      <a:p>
+        <a:r>
+          <a:rPr lang="en-US"/>
+          <a:t>Include results of model iteration (lowering error) maybe in a table</a:t>
+        </a:r>
+      </a:p>
+    </p188:txBody>
+  </p188:cm>
+  <p188:cm id="{46A8EBF4-B412-C140-995A-C57F3743E11A}" authorId="{0EC2D70F-E384-9803-E3F1-EF16A3855103}" status="resolved" created="2023-05-31T12:36:53.011" complete="100000">
+    <ac:deMkLst xmlns:ac="http://schemas.microsoft.com/office/drawing/2013/main/command">
+      <pc:docMk xmlns:pc="http://schemas.microsoft.com/office/powerpoint/2013/main/command"/>
+      <pc:sldMk xmlns:pc="http://schemas.microsoft.com/office/powerpoint/2013/main/command" cId="2890502088" sldId="273"/>
       <ac:spMk id="8" creationId="{C210AE1D-4386-F821-6C9B-6F551CFF3CEC}"/>
     </ac:deMkLst>
     <p188:txBody>
@@ -3248,6 +3420,8 @@
     <dgm:cxn modelId="{6B76A52E-4B59-9841-A066-7BC4DED5E464}" srcId="{A62FF51C-C761-DC4D-8D4D-A4BEEEE1E40E}" destId="{2226237A-BBDD-F240-B636-696E5A3F73FA}" srcOrd="0" destOrd="0" parTransId="{166FD673-124C-1243-885C-0DCC45700B96}" sibTransId="{2F8C3794-C210-F342-97DD-16FAE25302CC}"/>
     <dgm:cxn modelId="{C9EC3C36-59A0-1B41-837F-8DA9C4297046}" type="presOf" srcId="{50AF8974-B3BB-2B40-8D42-BD4F702D6681}" destId="{81EB66CF-0842-4240-8CF1-4635DDB5DA37}" srcOrd="0" destOrd="0" presId="urn:microsoft.com/office/officeart/2005/8/layout/chevron2"/>
     <dgm:cxn modelId="{AE090E3A-494E-3440-B0E8-2741125156EB}" type="presOf" srcId="{F3AD1DA9-4C09-1740-8685-7F7C82914C75}" destId="{C8FB3212-F9BD-714B-91A2-0DFF71DAFF28}" srcOrd="0" destOrd="0" presId="urn:microsoft.com/office/officeart/2005/8/layout/chevron2"/>
+    <dgm:cxn modelId="{54A7BE53-1483-E04B-8795-D1F2BFC6B3ED}" type="presOf" srcId="{B7EAE4D8-817B-0546-A572-06E6D63807F1}" destId="{6EE28908-DD59-2847-929A-38C430F0B19F}" srcOrd="0" destOrd="0" presId="urn:microsoft.com/office/officeart/2005/8/layout/chevron2"/>
+    <dgm:cxn modelId="{E542E056-4172-6A4D-BD2F-4F3C53081B6F}" type="presOf" srcId="{19F60B9A-F6F3-3045-A587-B2B518082C4F}" destId="{E2E8E3C3-6FDF-9446-98CF-6A830EDBB04D}" srcOrd="0" destOrd="0" presId="urn:microsoft.com/office/officeart/2005/8/layout/chevron2"/>
     <dgm:cxn modelId="{794D3A5B-1F66-9441-9FF2-549747AADA21}" type="presOf" srcId="{0C74DDE5-75CB-124B-B5C4-976264A60AC4}" destId="{F0F316E0-926D-5E44-AE5A-D486244BC255}" srcOrd="0" destOrd="0" presId="urn:microsoft.com/office/officeart/2005/8/layout/chevron2"/>
     <dgm:cxn modelId="{6794A463-5F1A-D340-A8E8-BF92611A31F7}" type="presOf" srcId="{2226237A-BBDD-F240-B636-696E5A3F73FA}" destId="{63D2E7AD-D9DC-554C-A9D5-CC3A0C436858}" srcOrd="0" destOrd="0" presId="urn:microsoft.com/office/officeart/2005/8/layout/chevron2"/>
     <dgm:cxn modelId="{1EA8AB67-2E27-1246-8A44-BDEF417AAA48}" type="presOf" srcId="{A62FF51C-C761-DC4D-8D4D-A4BEEEE1E40E}" destId="{A9925412-98E5-754D-AD61-0A7C67317DFA}" srcOrd="0" destOrd="0" presId="urn:microsoft.com/office/officeart/2005/8/layout/chevron2"/>
@@ -3255,8 +3429,6 @@
     <dgm:cxn modelId="{00DDE86B-2926-8B48-9BD2-190A17697D7F}" srcId="{F3AD1DA9-4C09-1740-8685-7F7C82914C75}" destId="{19F60B9A-F6F3-3045-A587-B2B518082C4F}" srcOrd="0" destOrd="0" parTransId="{F31E8743-D360-7343-A450-C2C8684FEF73}" sibTransId="{2C70B312-D2F7-B540-9E35-1D73BFF274D1}"/>
     <dgm:cxn modelId="{474DCA6E-482E-A64A-8E5E-B008E0B3D745}" type="presOf" srcId="{A06E0055-4D58-BD41-8E67-874541574EE3}" destId="{FC420762-C8C7-D843-9B91-39162E67B737}" srcOrd="0" destOrd="0" presId="urn:microsoft.com/office/officeart/2005/8/layout/chevron2"/>
     <dgm:cxn modelId="{AE043973-D797-F747-9F54-A45D0B37DCC0}" type="presOf" srcId="{1316ED57-B987-A746-8491-E847B0D65357}" destId="{BF5814CC-75DE-454F-9842-D5F74FDAFBF9}" srcOrd="0" destOrd="0" presId="urn:microsoft.com/office/officeart/2005/8/layout/chevron2"/>
-    <dgm:cxn modelId="{54A7BE53-1483-E04B-8795-D1F2BFC6B3ED}" type="presOf" srcId="{B7EAE4D8-817B-0546-A572-06E6D63807F1}" destId="{6EE28908-DD59-2847-929A-38C430F0B19F}" srcOrd="0" destOrd="0" presId="urn:microsoft.com/office/officeart/2005/8/layout/chevron2"/>
-    <dgm:cxn modelId="{E542E056-4172-6A4D-BD2F-4F3C53081B6F}" type="presOf" srcId="{19F60B9A-F6F3-3045-A587-B2B518082C4F}" destId="{E2E8E3C3-6FDF-9446-98CF-6A830EDBB04D}" srcOrd="0" destOrd="0" presId="urn:microsoft.com/office/officeart/2005/8/layout/chevron2"/>
     <dgm:cxn modelId="{D3586587-2F7A-B847-ACCC-D0CA5B2D0961}" srcId="{19F60B9A-F6F3-3045-A587-B2B518082C4F}" destId="{1316ED57-B987-A746-8491-E847B0D65357}" srcOrd="0" destOrd="0" parTransId="{714A4B8E-37D0-884F-8899-974210EE1C78}" sibTransId="{799D8249-EC17-D54F-8EE1-FFCC2A1D2A4D}"/>
     <dgm:cxn modelId="{398A58A0-DB71-D447-8DF8-96FDC84D9B88}" srcId="{0C74DDE5-75CB-124B-B5C4-976264A60AC4}" destId="{53506C35-F3DF-2544-B56E-E4D90B5E4331}" srcOrd="0" destOrd="0" parTransId="{25C8C944-AE17-B64B-904D-15E10A5BFAC0}" sibTransId="{E9AE0E25-60DF-3546-9312-C6CA7A8BDF65}"/>
     <dgm:cxn modelId="{D7D5EAA7-3AEF-414D-BFFA-6D989D535776}" srcId="{F3AD1DA9-4C09-1740-8685-7F7C82914C75}" destId="{A62FF51C-C761-DC4D-8D4D-A4BEEEE1E40E}" srcOrd="4" destOrd="0" parTransId="{0675E263-70A6-4446-A2D9-D2D6110F48A2}" sibTransId="{9A7E60D6-57BD-7444-8122-73BE6CE07FB4}"/>
@@ -3310,7 +3482,7 @@
 <dgm:dataModel xmlns:dgm="http://schemas.openxmlformats.org/drawingml/2006/diagram" xmlns:a="http://schemas.openxmlformats.org/drawingml/2006/main">
   <dgm:ptLst>
     <dgm:pt modelId="{5C78B4C1-F6FA-4A49-802F-77977558D053}" type="doc">
-      <dgm:prSet loTypeId="urn:microsoft.com/office/officeart/2005/8/layout/process1" loCatId="process" qsTypeId="urn:microsoft.com/office/officeart/2005/8/quickstyle/simple5" qsCatId="simple" csTypeId="urn:microsoft.com/office/officeart/2005/8/colors/accent1_2" csCatId="accent1" phldr="1"/>
+      <dgm:prSet loTypeId="urn:microsoft.com/office/officeart/2005/8/layout/vProcess5" loCatId="process" qsTypeId="urn:microsoft.com/office/officeart/2005/8/quickstyle/simple5" qsCatId="simple" csTypeId="urn:microsoft.com/office/officeart/2005/8/colors/accent1_2" csCatId="accent1" phldr="1"/>
       <dgm:spPr/>
     </dgm:pt>
     <dgm:pt modelId="{67E6D007-BDC1-954F-B9D1-B487462B0B09}">
@@ -3421,49 +3593,80 @@
         </a:p>
       </dgm:t>
     </dgm:pt>
-    <dgm:pt modelId="{0383DBEB-1EB5-ED4B-8B76-8874630F2B5A}" type="pres">
-      <dgm:prSet presAssocID="{5C78B4C1-F6FA-4A49-802F-77977558D053}" presName="Name0" presStyleCnt="0">
+    <dgm:pt modelId="{C2431DEF-B242-7D4D-96B5-A382C34D31D5}" type="pres">
+      <dgm:prSet presAssocID="{5C78B4C1-F6FA-4A49-802F-77977558D053}" presName="outerComposite" presStyleCnt="0">
         <dgm:presLayoutVars>
+          <dgm:chMax val="5"/>
           <dgm:dir/>
           <dgm:resizeHandles val="exact"/>
         </dgm:presLayoutVars>
       </dgm:prSet>
       <dgm:spPr/>
     </dgm:pt>
-    <dgm:pt modelId="{4FA7BACE-16B2-7640-9D09-D7EEE61BCC93}" type="pres">
-      <dgm:prSet presAssocID="{67E6D007-BDC1-954F-B9D1-B487462B0B09}" presName="node" presStyleLbl="node1" presStyleIdx="0" presStyleCnt="3">
+    <dgm:pt modelId="{9F6A177A-CFC4-9941-ADE8-73FCF0BEE511}" type="pres">
+      <dgm:prSet presAssocID="{5C78B4C1-F6FA-4A49-802F-77977558D053}" presName="dummyMaxCanvas" presStyleCnt="0">
+        <dgm:presLayoutVars/>
+      </dgm:prSet>
+      <dgm:spPr/>
+    </dgm:pt>
+    <dgm:pt modelId="{6555F19B-99E4-6045-9CEE-AB156959FB3D}" type="pres">
+      <dgm:prSet presAssocID="{5C78B4C1-F6FA-4A49-802F-77977558D053}" presName="ThreeNodes_1" presStyleLbl="node1" presStyleIdx="0" presStyleCnt="3">
         <dgm:presLayoutVars>
           <dgm:bulletEnabled val="1"/>
         </dgm:presLayoutVars>
       </dgm:prSet>
       <dgm:spPr/>
     </dgm:pt>
-    <dgm:pt modelId="{E536B646-A176-7840-BCB8-094919D1E361}" type="pres">
-      <dgm:prSet presAssocID="{7DB915FC-2CF5-B54C-B10C-4A01354DF7A2}" presName="sibTrans" presStyleLbl="sibTrans2D1" presStyleIdx="0" presStyleCnt="2"/>
-      <dgm:spPr/>
-    </dgm:pt>
-    <dgm:pt modelId="{91ACF063-DCE2-7943-BF66-A0A32AEB25C7}" type="pres">
-      <dgm:prSet presAssocID="{7DB915FC-2CF5-B54C-B10C-4A01354DF7A2}" presName="connectorText" presStyleLbl="sibTrans2D1" presStyleIdx="0" presStyleCnt="2"/>
-      <dgm:spPr/>
-    </dgm:pt>
-    <dgm:pt modelId="{5E3241E2-CB33-2541-9A91-BDA2252E8DA2}" type="pres">
-      <dgm:prSet presAssocID="{54C580C9-5B36-D643-A90A-488254D81868}" presName="node" presStyleLbl="node1" presStyleIdx="1" presStyleCnt="3">
+    <dgm:pt modelId="{B89E0286-90F6-FA4E-9319-306A4ECB30BE}" type="pres">
+      <dgm:prSet presAssocID="{5C78B4C1-F6FA-4A49-802F-77977558D053}" presName="ThreeNodes_2" presStyleLbl="node1" presStyleIdx="1" presStyleCnt="3">
         <dgm:presLayoutVars>
           <dgm:bulletEnabled val="1"/>
         </dgm:presLayoutVars>
       </dgm:prSet>
       <dgm:spPr/>
     </dgm:pt>
-    <dgm:pt modelId="{ADABC1C7-73EF-454B-91B5-A7D2E2AF0126}" type="pres">
-      <dgm:prSet presAssocID="{8FA9DF7E-8289-9F42-BD53-43860EBE5B1D}" presName="sibTrans" presStyleLbl="sibTrans2D1" presStyleIdx="1" presStyleCnt="2"/>
+    <dgm:pt modelId="{E78E61CD-FE56-AA4A-8B62-DBB00AAFEA37}" type="pres">
+      <dgm:prSet presAssocID="{5C78B4C1-F6FA-4A49-802F-77977558D053}" presName="ThreeNodes_3" presStyleLbl="node1" presStyleIdx="2" presStyleCnt="3">
+        <dgm:presLayoutVars>
+          <dgm:bulletEnabled val="1"/>
+        </dgm:presLayoutVars>
+      </dgm:prSet>
       <dgm:spPr/>
     </dgm:pt>
-    <dgm:pt modelId="{A6883639-7DF9-2C4B-B8B0-DA8F9A4E7F51}" type="pres">
-      <dgm:prSet presAssocID="{8FA9DF7E-8289-9F42-BD53-43860EBE5B1D}" presName="connectorText" presStyleLbl="sibTrans2D1" presStyleIdx="1" presStyleCnt="2"/>
+    <dgm:pt modelId="{4B658781-0E55-1748-8089-3AA7BEFB3F03}" type="pres">
+      <dgm:prSet presAssocID="{5C78B4C1-F6FA-4A49-802F-77977558D053}" presName="ThreeConn_1-2" presStyleLbl="fgAccFollowNode1" presStyleIdx="0" presStyleCnt="2">
+        <dgm:presLayoutVars>
+          <dgm:bulletEnabled val="1"/>
+        </dgm:presLayoutVars>
+      </dgm:prSet>
       <dgm:spPr/>
     </dgm:pt>
-    <dgm:pt modelId="{AC12D06C-3899-344D-B715-D5AD64585665}" type="pres">
-      <dgm:prSet presAssocID="{0A340C7F-32D6-DB45-A542-F6602CBD8AA4}" presName="node" presStyleLbl="node1" presStyleIdx="2" presStyleCnt="3">
+    <dgm:pt modelId="{52DFAA29-E20E-7B49-9364-A3B187AE7BB9}" type="pres">
+      <dgm:prSet presAssocID="{5C78B4C1-F6FA-4A49-802F-77977558D053}" presName="ThreeConn_2-3" presStyleLbl="fgAccFollowNode1" presStyleIdx="1" presStyleCnt="2">
+        <dgm:presLayoutVars>
+          <dgm:bulletEnabled val="1"/>
+        </dgm:presLayoutVars>
+      </dgm:prSet>
+      <dgm:spPr/>
+    </dgm:pt>
+    <dgm:pt modelId="{F1008043-5531-674D-AEDD-508480640BBB}" type="pres">
+      <dgm:prSet presAssocID="{5C78B4C1-F6FA-4A49-802F-77977558D053}" presName="ThreeNodes_1_text" presStyleLbl="node1" presStyleIdx="2" presStyleCnt="3">
+        <dgm:presLayoutVars>
+          <dgm:bulletEnabled val="1"/>
+        </dgm:presLayoutVars>
+      </dgm:prSet>
+      <dgm:spPr/>
+    </dgm:pt>
+    <dgm:pt modelId="{4A1D98D7-C048-2D49-8745-B322FD03E23C}" type="pres">
+      <dgm:prSet presAssocID="{5C78B4C1-F6FA-4A49-802F-77977558D053}" presName="ThreeNodes_2_text" presStyleLbl="node1" presStyleIdx="2" presStyleCnt="3">
+        <dgm:presLayoutVars>
+          <dgm:bulletEnabled val="1"/>
+        </dgm:presLayoutVars>
+      </dgm:prSet>
+      <dgm:spPr/>
+    </dgm:pt>
+    <dgm:pt modelId="{23C868A0-4E91-7F41-823A-DFBCC013988E}" type="pres">
+      <dgm:prSet presAssocID="{5C78B4C1-F6FA-4A49-802F-77977558D053}" presName="ThreeNodes_3_text" presStyleLbl="node1" presStyleIdx="2" presStyleCnt="3">
         <dgm:presLayoutVars>
           <dgm:bulletEnabled val="1"/>
         </dgm:presLayoutVars>
@@ -3472,24 +3675,27 @@
     </dgm:pt>
   </dgm:ptLst>
   <dgm:cxnLst>
-    <dgm:cxn modelId="{6BD5730E-F2F9-954E-AA19-942022A1AC7E}" type="presOf" srcId="{5C78B4C1-F6FA-4A49-802F-77977558D053}" destId="{0383DBEB-1EB5-ED4B-8B76-8874630F2B5A}" srcOrd="0" destOrd="0" presId="urn:microsoft.com/office/officeart/2005/8/layout/process1"/>
+    <dgm:cxn modelId="{26684D08-F3E9-F748-A567-849E61E20AF1}" type="presOf" srcId="{54C580C9-5B36-D643-A90A-488254D81868}" destId="{B89E0286-90F6-FA4E-9319-306A4ECB30BE}" srcOrd="0" destOrd="0" presId="urn:microsoft.com/office/officeart/2005/8/layout/vProcess5"/>
     <dgm:cxn modelId="{9BFBC51D-441C-A147-8E73-298CDC8F73C0}" srcId="{5C78B4C1-F6FA-4A49-802F-77977558D053}" destId="{54C580C9-5B36-D643-A90A-488254D81868}" srcOrd="1" destOrd="0" parTransId="{71204BC0-967A-E443-BE47-48E16FFCCCD8}" sibTransId="{8FA9DF7E-8289-9F42-BD53-43860EBE5B1D}"/>
-    <dgm:cxn modelId="{7E5A9A3C-B93B-B748-8ACA-7F6CFE5EC466}" type="presOf" srcId="{7DB915FC-2CF5-B54C-B10C-4A01354DF7A2}" destId="{91ACF063-DCE2-7943-BF66-A0A32AEB25C7}" srcOrd="1" destOrd="0" presId="urn:microsoft.com/office/officeart/2005/8/layout/process1"/>
-    <dgm:cxn modelId="{14A4615E-9773-E248-B7A7-C2B280D1146C}" type="presOf" srcId="{67E6D007-BDC1-954F-B9D1-B487462B0B09}" destId="{4FA7BACE-16B2-7640-9D09-D7EEE61BCC93}" srcOrd="0" destOrd="0" presId="urn:microsoft.com/office/officeart/2005/8/layout/process1"/>
-    <dgm:cxn modelId="{2D9BB15E-5DFC-4449-BEAE-9037D9CB2C36}" type="presOf" srcId="{54C580C9-5B36-D643-A90A-488254D81868}" destId="{5E3241E2-CB33-2541-9A91-BDA2252E8DA2}" srcOrd="0" destOrd="0" presId="urn:microsoft.com/office/officeart/2005/8/layout/process1"/>
-    <dgm:cxn modelId="{EA909D72-EC79-6C46-8628-ADAF41978467}" type="presOf" srcId="{8FA9DF7E-8289-9F42-BD53-43860EBE5B1D}" destId="{ADABC1C7-73EF-454B-91B5-A7D2E2AF0126}" srcOrd="0" destOrd="0" presId="urn:microsoft.com/office/officeart/2005/8/layout/process1"/>
-    <dgm:cxn modelId="{E9E2657A-2646-EA46-9A56-2FD731A7EC45}" type="presOf" srcId="{0A340C7F-32D6-DB45-A542-F6602CBD8AA4}" destId="{AC12D06C-3899-344D-B715-D5AD64585665}" srcOrd="0" destOrd="0" presId="urn:microsoft.com/office/officeart/2005/8/layout/process1"/>
-    <dgm:cxn modelId="{89C46F96-7D86-324D-BDF0-F8A6B4F43A80}" type="presOf" srcId="{7DB915FC-2CF5-B54C-B10C-4A01354DF7A2}" destId="{E536B646-A176-7840-BCB8-094919D1E361}" srcOrd="0" destOrd="0" presId="urn:microsoft.com/office/officeart/2005/8/layout/process1"/>
+    <dgm:cxn modelId="{E6A09921-F6F3-AE4D-8B3B-0D24290B60F8}" type="presOf" srcId="{54C580C9-5B36-D643-A90A-488254D81868}" destId="{4A1D98D7-C048-2D49-8745-B322FD03E23C}" srcOrd="1" destOrd="0" presId="urn:microsoft.com/office/officeart/2005/8/layout/vProcess5"/>
+    <dgm:cxn modelId="{0BC70A24-3DCA-684D-881F-29274536FDF3}" type="presOf" srcId="{8FA9DF7E-8289-9F42-BD53-43860EBE5B1D}" destId="{52DFAA29-E20E-7B49-9364-A3B187AE7BB9}" srcOrd="0" destOrd="0" presId="urn:microsoft.com/office/officeart/2005/8/layout/vProcess5"/>
+    <dgm:cxn modelId="{93A1F24B-73D5-8843-BED8-DA33160EE57C}" type="presOf" srcId="{5C78B4C1-F6FA-4A49-802F-77977558D053}" destId="{C2431DEF-B242-7D4D-96B5-A382C34D31D5}" srcOrd="0" destOrd="0" presId="urn:microsoft.com/office/officeart/2005/8/layout/vProcess5"/>
+    <dgm:cxn modelId="{FDFF8982-248A-D649-B5FE-ED38E03ED9EB}" type="presOf" srcId="{67E6D007-BDC1-954F-B9D1-B487462B0B09}" destId="{6555F19B-99E4-6045-9CEE-AB156959FB3D}" srcOrd="0" destOrd="0" presId="urn:microsoft.com/office/officeart/2005/8/layout/vProcess5"/>
     <dgm:cxn modelId="{B5F04D9F-4B5C-1949-AE2C-541CD1CC4A69}" srcId="{5C78B4C1-F6FA-4A49-802F-77977558D053}" destId="{0A340C7F-32D6-DB45-A542-F6602CBD8AA4}" srcOrd="2" destOrd="0" parTransId="{3A041A63-C458-1942-9BFC-FE7B403EF74D}" sibTransId="{871D0F82-E88C-A341-BDA3-8AE5B319B8F6}"/>
+    <dgm:cxn modelId="{D782A1A0-773C-0A40-8F36-47453D321004}" type="presOf" srcId="{67E6D007-BDC1-954F-B9D1-B487462B0B09}" destId="{F1008043-5531-674D-AEDD-508480640BBB}" srcOrd="1" destOrd="0" presId="urn:microsoft.com/office/officeart/2005/8/layout/vProcess5"/>
     <dgm:cxn modelId="{A201FAB6-AFFE-704D-84FB-42C566B438BB}" srcId="{5C78B4C1-F6FA-4A49-802F-77977558D053}" destId="{67E6D007-BDC1-954F-B9D1-B487462B0B09}" srcOrd="0" destOrd="0" parTransId="{88E1F8CF-130C-A94A-A510-1B29BB6637BF}" sibTransId="{7DB915FC-2CF5-B54C-B10C-4A01354DF7A2}"/>
-    <dgm:cxn modelId="{ABA4FDE8-5B98-6D4C-B4EE-09D93E8C7A80}" type="presOf" srcId="{8FA9DF7E-8289-9F42-BD53-43860EBE5B1D}" destId="{A6883639-7DF9-2C4B-B8B0-DA8F9A4E7F51}" srcOrd="1" destOrd="0" presId="urn:microsoft.com/office/officeart/2005/8/layout/process1"/>
-    <dgm:cxn modelId="{F80B8F0F-3368-2C45-B0DD-54F33A551848}" type="presParOf" srcId="{0383DBEB-1EB5-ED4B-8B76-8874630F2B5A}" destId="{4FA7BACE-16B2-7640-9D09-D7EEE61BCC93}" srcOrd="0" destOrd="0" presId="urn:microsoft.com/office/officeart/2005/8/layout/process1"/>
-    <dgm:cxn modelId="{1F0E0A6A-8339-CE4C-AD73-FA5023EE3FE8}" type="presParOf" srcId="{0383DBEB-1EB5-ED4B-8B76-8874630F2B5A}" destId="{E536B646-A176-7840-BCB8-094919D1E361}" srcOrd="1" destOrd="0" presId="urn:microsoft.com/office/officeart/2005/8/layout/process1"/>
-    <dgm:cxn modelId="{9818D152-1846-ED47-B986-99D196A9AC20}" type="presParOf" srcId="{E536B646-A176-7840-BCB8-094919D1E361}" destId="{91ACF063-DCE2-7943-BF66-A0A32AEB25C7}" srcOrd="0" destOrd="0" presId="urn:microsoft.com/office/officeart/2005/8/layout/process1"/>
-    <dgm:cxn modelId="{F0452824-0B0F-FE4C-8C47-2E203782CEBD}" type="presParOf" srcId="{0383DBEB-1EB5-ED4B-8B76-8874630F2B5A}" destId="{5E3241E2-CB33-2541-9A91-BDA2252E8DA2}" srcOrd="2" destOrd="0" presId="urn:microsoft.com/office/officeart/2005/8/layout/process1"/>
-    <dgm:cxn modelId="{7B58DA2C-BC34-B349-94C2-793F52710A55}" type="presParOf" srcId="{0383DBEB-1EB5-ED4B-8B76-8874630F2B5A}" destId="{ADABC1C7-73EF-454B-91B5-A7D2E2AF0126}" srcOrd="3" destOrd="0" presId="urn:microsoft.com/office/officeart/2005/8/layout/process1"/>
-    <dgm:cxn modelId="{8D2197C8-F2F1-104C-87F6-E250643628E4}" type="presParOf" srcId="{ADABC1C7-73EF-454B-91B5-A7D2E2AF0126}" destId="{A6883639-7DF9-2C4B-B8B0-DA8F9A4E7F51}" srcOrd="0" destOrd="0" presId="urn:microsoft.com/office/officeart/2005/8/layout/process1"/>
-    <dgm:cxn modelId="{13C832B4-B114-FE45-B5EB-353B430973B3}" type="presParOf" srcId="{0383DBEB-1EB5-ED4B-8B76-8874630F2B5A}" destId="{AC12D06C-3899-344D-B715-D5AD64585665}" srcOrd="4" destOrd="0" presId="urn:microsoft.com/office/officeart/2005/8/layout/process1"/>
+    <dgm:cxn modelId="{93A643DF-DFC5-BA4D-9CE0-92682E73E8F7}" type="presOf" srcId="{0A340C7F-32D6-DB45-A542-F6602CBD8AA4}" destId="{23C868A0-4E91-7F41-823A-DFBCC013988E}" srcOrd="1" destOrd="0" presId="urn:microsoft.com/office/officeart/2005/8/layout/vProcess5"/>
+    <dgm:cxn modelId="{7FB1B2F6-8DB0-414F-A2B6-79D461707897}" type="presOf" srcId="{0A340C7F-32D6-DB45-A542-F6602CBD8AA4}" destId="{E78E61CD-FE56-AA4A-8B62-DBB00AAFEA37}" srcOrd="0" destOrd="0" presId="urn:microsoft.com/office/officeart/2005/8/layout/vProcess5"/>
+    <dgm:cxn modelId="{5B03F3F8-CCC4-8E45-9F9A-9F0C4FE68AF0}" type="presOf" srcId="{7DB915FC-2CF5-B54C-B10C-4A01354DF7A2}" destId="{4B658781-0E55-1748-8089-3AA7BEFB3F03}" srcOrd="0" destOrd="0" presId="urn:microsoft.com/office/officeart/2005/8/layout/vProcess5"/>
+    <dgm:cxn modelId="{6B976745-E012-C241-A644-A69DC6DECE88}" type="presParOf" srcId="{C2431DEF-B242-7D4D-96B5-A382C34D31D5}" destId="{9F6A177A-CFC4-9941-ADE8-73FCF0BEE511}" srcOrd="0" destOrd="0" presId="urn:microsoft.com/office/officeart/2005/8/layout/vProcess5"/>
+    <dgm:cxn modelId="{F6178E93-68BD-A342-AFE0-59770203A391}" type="presParOf" srcId="{C2431DEF-B242-7D4D-96B5-A382C34D31D5}" destId="{6555F19B-99E4-6045-9CEE-AB156959FB3D}" srcOrd="1" destOrd="0" presId="urn:microsoft.com/office/officeart/2005/8/layout/vProcess5"/>
+    <dgm:cxn modelId="{1A23A9C9-4340-D14E-A3A5-6743327A1CDB}" type="presParOf" srcId="{C2431DEF-B242-7D4D-96B5-A382C34D31D5}" destId="{B89E0286-90F6-FA4E-9319-306A4ECB30BE}" srcOrd="2" destOrd="0" presId="urn:microsoft.com/office/officeart/2005/8/layout/vProcess5"/>
+    <dgm:cxn modelId="{FFFF369B-DBEE-4A49-A208-9881BA61B7DD}" type="presParOf" srcId="{C2431DEF-B242-7D4D-96B5-A382C34D31D5}" destId="{E78E61CD-FE56-AA4A-8B62-DBB00AAFEA37}" srcOrd="3" destOrd="0" presId="urn:microsoft.com/office/officeart/2005/8/layout/vProcess5"/>
+    <dgm:cxn modelId="{46ED6B12-EC43-6044-91EE-A15444F2EECA}" type="presParOf" srcId="{C2431DEF-B242-7D4D-96B5-A382C34D31D5}" destId="{4B658781-0E55-1748-8089-3AA7BEFB3F03}" srcOrd="4" destOrd="0" presId="urn:microsoft.com/office/officeart/2005/8/layout/vProcess5"/>
+    <dgm:cxn modelId="{3B5D4410-4E42-FE42-BA1B-47208E651573}" type="presParOf" srcId="{C2431DEF-B242-7D4D-96B5-A382C34D31D5}" destId="{52DFAA29-E20E-7B49-9364-A3B187AE7BB9}" srcOrd="5" destOrd="0" presId="urn:microsoft.com/office/officeart/2005/8/layout/vProcess5"/>
+    <dgm:cxn modelId="{1DEC812D-8CAC-4B44-9EA2-AEA47D722683}" type="presParOf" srcId="{C2431DEF-B242-7D4D-96B5-A382C34D31D5}" destId="{F1008043-5531-674D-AEDD-508480640BBB}" srcOrd="6" destOrd="0" presId="urn:microsoft.com/office/officeart/2005/8/layout/vProcess5"/>
+    <dgm:cxn modelId="{C4F8A11E-4586-3942-89FC-65E053470490}" type="presParOf" srcId="{C2431DEF-B242-7D4D-96B5-A382C34D31D5}" destId="{4A1D98D7-C048-2D49-8745-B322FD03E23C}" srcOrd="7" destOrd="0" presId="urn:microsoft.com/office/officeart/2005/8/layout/vProcess5"/>
+    <dgm:cxn modelId="{FA567038-1714-D944-9630-D6F46BA30584}" type="presParOf" srcId="{C2431DEF-B242-7D4D-96B5-A382C34D31D5}" destId="{23C868A0-4E91-7F41-823A-DFBCC013988E}" srcOrd="8" destOrd="0" presId="urn:microsoft.com/office/officeart/2005/8/layout/vProcess5"/>
   </dgm:cxnLst>
   <dgm:bg/>
   <dgm:whole/>
@@ -3505,7 +3711,7 @@
 <dgm:dataModel xmlns:dgm="http://schemas.openxmlformats.org/drawingml/2006/diagram" xmlns:a="http://schemas.openxmlformats.org/drawingml/2006/main">
   <dgm:ptLst>
     <dgm:pt modelId="{5C78B4C1-F6FA-4A49-802F-77977558D053}" type="doc">
-      <dgm:prSet loTypeId="urn:microsoft.com/office/officeart/2005/8/layout/process1" loCatId="process" qsTypeId="urn:microsoft.com/office/officeart/2005/8/quickstyle/simple5" qsCatId="simple" csTypeId="urn:microsoft.com/office/officeart/2005/8/colors/accent1_2" csCatId="accent1" phldr="1"/>
+      <dgm:prSet loTypeId="urn:microsoft.com/office/officeart/2005/8/layout/vProcess5" loCatId="process" qsTypeId="urn:microsoft.com/office/officeart/2005/8/quickstyle/simple5" qsCatId="simple" csTypeId="urn:microsoft.com/office/officeart/2005/8/colors/accent1_2" csCatId="accent1" phldr="1"/>
       <dgm:spPr/>
     </dgm:pt>
     <dgm:pt modelId="{67E6D007-BDC1-954F-B9D1-B487462B0B09}">
@@ -3624,49 +3830,80 @@
         </a:p>
       </dgm:t>
     </dgm:pt>
-    <dgm:pt modelId="{0383DBEB-1EB5-ED4B-8B76-8874630F2B5A}" type="pres">
-      <dgm:prSet presAssocID="{5C78B4C1-F6FA-4A49-802F-77977558D053}" presName="Name0" presStyleCnt="0">
+    <dgm:pt modelId="{C12A2760-6D71-8F49-9935-F481E4E0C218}" type="pres">
+      <dgm:prSet presAssocID="{5C78B4C1-F6FA-4A49-802F-77977558D053}" presName="outerComposite" presStyleCnt="0">
         <dgm:presLayoutVars>
+          <dgm:chMax val="5"/>
           <dgm:dir/>
           <dgm:resizeHandles val="exact"/>
         </dgm:presLayoutVars>
       </dgm:prSet>
       <dgm:spPr/>
     </dgm:pt>
-    <dgm:pt modelId="{4FA7BACE-16B2-7640-9D09-D7EEE61BCC93}" type="pres">
-      <dgm:prSet presAssocID="{67E6D007-BDC1-954F-B9D1-B487462B0B09}" presName="node" presStyleLbl="node1" presStyleIdx="0" presStyleCnt="3">
+    <dgm:pt modelId="{A2DB713E-476C-DB4D-9510-AA6B859C93FD}" type="pres">
+      <dgm:prSet presAssocID="{5C78B4C1-F6FA-4A49-802F-77977558D053}" presName="dummyMaxCanvas" presStyleCnt="0">
+        <dgm:presLayoutVars/>
+      </dgm:prSet>
+      <dgm:spPr/>
+    </dgm:pt>
+    <dgm:pt modelId="{B0CC14DC-810A-5D44-B981-AB60551693A3}" type="pres">
+      <dgm:prSet presAssocID="{5C78B4C1-F6FA-4A49-802F-77977558D053}" presName="ThreeNodes_1" presStyleLbl="node1" presStyleIdx="0" presStyleCnt="3">
         <dgm:presLayoutVars>
           <dgm:bulletEnabled val="1"/>
         </dgm:presLayoutVars>
       </dgm:prSet>
       <dgm:spPr/>
     </dgm:pt>
-    <dgm:pt modelId="{E536B646-A176-7840-BCB8-094919D1E361}" type="pres">
-      <dgm:prSet presAssocID="{7DB915FC-2CF5-B54C-B10C-4A01354DF7A2}" presName="sibTrans" presStyleLbl="sibTrans2D1" presStyleIdx="0" presStyleCnt="2"/>
-      <dgm:spPr/>
-    </dgm:pt>
-    <dgm:pt modelId="{91ACF063-DCE2-7943-BF66-A0A32AEB25C7}" type="pres">
-      <dgm:prSet presAssocID="{7DB915FC-2CF5-B54C-B10C-4A01354DF7A2}" presName="connectorText" presStyleLbl="sibTrans2D1" presStyleIdx="0" presStyleCnt="2"/>
-      <dgm:spPr/>
-    </dgm:pt>
-    <dgm:pt modelId="{5E3241E2-CB33-2541-9A91-BDA2252E8DA2}" type="pres">
-      <dgm:prSet presAssocID="{54C580C9-5B36-D643-A90A-488254D81868}" presName="node" presStyleLbl="node1" presStyleIdx="1" presStyleCnt="3">
+    <dgm:pt modelId="{1EF8BC82-0735-CC46-BB8A-E654A08F5E14}" type="pres">
+      <dgm:prSet presAssocID="{5C78B4C1-F6FA-4A49-802F-77977558D053}" presName="ThreeNodes_2" presStyleLbl="node1" presStyleIdx="1" presStyleCnt="3">
         <dgm:presLayoutVars>
           <dgm:bulletEnabled val="1"/>
         </dgm:presLayoutVars>
       </dgm:prSet>
       <dgm:spPr/>
     </dgm:pt>
-    <dgm:pt modelId="{ADABC1C7-73EF-454B-91B5-A7D2E2AF0126}" type="pres">
-      <dgm:prSet presAssocID="{8FA9DF7E-8289-9F42-BD53-43860EBE5B1D}" presName="sibTrans" presStyleLbl="sibTrans2D1" presStyleIdx="1" presStyleCnt="2"/>
+    <dgm:pt modelId="{4EE19A8D-CB9C-7A4E-9284-7259C93DA212}" type="pres">
+      <dgm:prSet presAssocID="{5C78B4C1-F6FA-4A49-802F-77977558D053}" presName="ThreeNodes_3" presStyleLbl="node1" presStyleIdx="2" presStyleCnt="3">
+        <dgm:presLayoutVars>
+          <dgm:bulletEnabled val="1"/>
+        </dgm:presLayoutVars>
+      </dgm:prSet>
       <dgm:spPr/>
     </dgm:pt>
-    <dgm:pt modelId="{A6883639-7DF9-2C4B-B8B0-DA8F9A4E7F51}" type="pres">
-      <dgm:prSet presAssocID="{8FA9DF7E-8289-9F42-BD53-43860EBE5B1D}" presName="connectorText" presStyleLbl="sibTrans2D1" presStyleIdx="1" presStyleCnt="2"/>
+    <dgm:pt modelId="{29B37D13-0E36-3848-82FB-3D91C6B22D40}" type="pres">
+      <dgm:prSet presAssocID="{5C78B4C1-F6FA-4A49-802F-77977558D053}" presName="ThreeConn_1-2" presStyleLbl="fgAccFollowNode1" presStyleIdx="0" presStyleCnt="2">
+        <dgm:presLayoutVars>
+          <dgm:bulletEnabled val="1"/>
+        </dgm:presLayoutVars>
+      </dgm:prSet>
       <dgm:spPr/>
     </dgm:pt>
-    <dgm:pt modelId="{AC12D06C-3899-344D-B715-D5AD64585665}" type="pres">
-      <dgm:prSet presAssocID="{0A340C7F-32D6-DB45-A542-F6602CBD8AA4}" presName="node" presStyleLbl="node1" presStyleIdx="2" presStyleCnt="3">
+    <dgm:pt modelId="{99474D39-C8BC-4B4B-9829-8E88047990F3}" type="pres">
+      <dgm:prSet presAssocID="{5C78B4C1-F6FA-4A49-802F-77977558D053}" presName="ThreeConn_2-3" presStyleLbl="fgAccFollowNode1" presStyleIdx="1" presStyleCnt="2">
+        <dgm:presLayoutVars>
+          <dgm:bulletEnabled val="1"/>
+        </dgm:presLayoutVars>
+      </dgm:prSet>
+      <dgm:spPr/>
+    </dgm:pt>
+    <dgm:pt modelId="{C88B943C-7D44-1746-B4AF-B9DA5962E75A}" type="pres">
+      <dgm:prSet presAssocID="{5C78B4C1-F6FA-4A49-802F-77977558D053}" presName="ThreeNodes_1_text" presStyleLbl="node1" presStyleIdx="2" presStyleCnt="3">
+        <dgm:presLayoutVars>
+          <dgm:bulletEnabled val="1"/>
+        </dgm:presLayoutVars>
+      </dgm:prSet>
+      <dgm:spPr/>
+    </dgm:pt>
+    <dgm:pt modelId="{AE9A4F57-D1CD-8748-8ED3-32A08F84F1A7}" type="pres">
+      <dgm:prSet presAssocID="{5C78B4C1-F6FA-4A49-802F-77977558D053}" presName="ThreeNodes_2_text" presStyleLbl="node1" presStyleIdx="2" presStyleCnt="3">
+        <dgm:presLayoutVars>
+          <dgm:bulletEnabled val="1"/>
+        </dgm:presLayoutVars>
+      </dgm:prSet>
+      <dgm:spPr/>
+    </dgm:pt>
+    <dgm:pt modelId="{9815FFFB-2873-DA48-B072-A4D63622ACD0}" type="pres">
+      <dgm:prSet presAssocID="{5C78B4C1-F6FA-4A49-802F-77977558D053}" presName="ThreeNodes_3_text" presStyleLbl="node1" presStyleIdx="2" presStyleCnt="3">
         <dgm:presLayoutVars>
           <dgm:bulletEnabled val="1"/>
         </dgm:presLayoutVars>
@@ -3675,24 +3912,27 @@
     </dgm:pt>
   </dgm:ptLst>
   <dgm:cxnLst>
-    <dgm:cxn modelId="{6BD5730E-F2F9-954E-AA19-942022A1AC7E}" type="presOf" srcId="{5C78B4C1-F6FA-4A49-802F-77977558D053}" destId="{0383DBEB-1EB5-ED4B-8B76-8874630F2B5A}" srcOrd="0" destOrd="0" presId="urn:microsoft.com/office/officeart/2005/8/layout/process1"/>
     <dgm:cxn modelId="{9BFBC51D-441C-A147-8E73-298CDC8F73C0}" srcId="{5C78B4C1-F6FA-4A49-802F-77977558D053}" destId="{54C580C9-5B36-D643-A90A-488254D81868}" srcOrd="1" destOrd="0" parTransId="{71204BC0-967A-E443-BE47-48E16FFCCCD8}" sibTransId="{8FA9DF7E-8289-9F42-BD53-43860EBE5B1D}"/>
-    <dgm:cxn modelId="{7E5A9A3C-B93B-B748-8ACA-7F6CFE5EC466}" type="presOf" srcId="{7DB915FC-2CF5-B54C-B10C-4A01354DF7A2}" destId="{91ACF063-DCE2-7943-BF66-A0A32AEB25C7}" srcOrd="1" destOrd="0" presId="urn:microsoft.com/office/officeart/2005/8/layout/process1"/>
-    <dgm:cxn modelId="{14A4615E-9773-E248-B7A7-C2B280D1146C}" type="presOf" srcId="{67E6D007-BDC1-954F-B9D1-B487462B0B09}" destId="{4FA7BACE-16B2-7640-9D09-D7EEE61BCC93}" srcOrd="0" destOrd="0" presId="urn:microsoft.com/office/officeart/2005/8/layout/process1"/>
-    <dgm:cxn modelId="{2D9BB15E-5DFC-4449-BEAE-9037D9CB2C36}" type="presOf" srcId="{54C580C9-5B36-D643-A90A-488254D81868}" destId="{5E3241E2-CB33-2541-9A91-BDA2252E8DA2}" srcOrd="0" destOrd="0" presId="urn:microsoft.com/office/officeart/2005/8/layout/process1"/>
-    <dgm:cxn modelId="{EA909D72-EC79-6C46-8628-ADAF41978467}" type="presOf" srcId="{8FA9DF7E-8289-9F42-BD53-43860EBE5B1D}" destId="{ADABC1C7-73EF-454B-91B5-A7D2E2AF0126}" srcOrd="0" destOrd="0" presId="urn:microsoft.com/office/officeart/2005/8/layout/process1"/>
-    <dgm:cxn modelId="{E9E2657A-2646-EA46-9A56-2FD731A7EC45}" type="presOf" srcId="{0A340C7F-32D6-DB45-A542-F6602CBD8AA4}" destId="{AC12D06C-3899-344D-B715-D5AD64585665}" srcOrd="0" destOrd="0" presId="urn:microsoft.com/office/officeart/2005/8/layout/process1"/>
-    <dgm:cxn modelId="{89C46F96-7D86-324D-BDF0-F8A6B4F43A80}" type="presOf" srcId="{7DB915FC-2CF5-B54C-B10C-4A01354DF7A2}" destId="{E536B646-A176-7840-BCB8-094919D1E361}" srcOrd="0" destOrd="0" presId="urn:microsoft.com/office/officeart/2005/8/layout/process1"/>
+    <dgm:cxn modelId="{78F0342D-96D3-C449-B7C5-BC321DA0D11A}" type="presOf" srcId="{0A340C7F-32D6-DB45-A542-F6602CBD8AA4}" destId="{9815FFFB-2873-DA48-B072-A4D63622ACD0}" srcOrd="1" destOrd="0" presId="urn:microsoft.com/office/officeart/2005/8/layout/vProcess5"/>
+    <dgm:cxn modelId="{D5936358-88E1-C142-BD92-8003DA0F8BA8}" type="presOf" srcId="{54C580C9-5B36-D643-A90A-488254D81868}" destId="{AE9A4F57-D1CD-8748-8ED3-32A08F84F1A7}" srcOrd="1" destOrd="0" presId="urn:microsoft.com/office/officeart/2005/8/layout/vProcess5"/>
+    <dgm:cxn modelId="{0554F667-0113-2C4C-BE28-1805A527F2D6}" type="presOf" srcId="{7DB915FC-2CF5-B54C-B10C-4A01354DF7A2}" destId="{29B37D13-0E36-3848-82FB-3D91C6B22D40}" srcOrd="0" destOrd="0" presId="urn:microsoft.com/office/officeart/2005/8/layout/vProcess5"/>
+    <dgm:cxn modelId="{F3E3A56D-63E4-1943-9A18-A30F3AED8E9D}" type="presOf" srcId="{8FA9DF7E-8289-9F42-BD53-43860EBE5B1D}" destId="{99474D39-C8BC-4B4B-9829-8E88047990F3}" srcOrd="0" destOrd="0" presId="urn:microsoft.com/office/officeart/2005/8/layout/vProcess5"/>
+    <dgm:cxn modelId="{4DD6D09E-0C5E-F04F-BD44-771206F9AF5E}" type="presOf" srcId="{54C580C9-5B36-D643-A90A-488254D81868}" destId="{1EF8BC82-0735-CC46-BB8A-E654A08F5E14}" srcOrd="0" destOrd="0" presId="urn:microsoft.com/office/officeart/2005/8/layout/vProcess5"/>
     <dgm:cxn modelId="{B5F04D9F-4B5C-1949-AE2C-541CD1CC4A69}" srcId="{5C78B4C1-F6FA-4A49-802F-77977558D053}" destId="{0A340C7F-32D6-DB45-A542-F6602CBD8AA4}" srcOrd="2" destOrd="0" parTransId="{3A041A63-C458-1942-9BFC-FE7B403EF74D}" sibTransId="{871D0F82-E88C-A341-BDA3-8AE5B319B8F6}"/>
+    <dgm:cxn modelId="{34867BAE-1FA6-BA49-A712-973E905ACFF1}" type="presOf" srcId="{67E6D007-BDC1-954F-B9D1-B487462B0B09}" destId="{B0CC14DC-810A-5D44-B981-AB60551693A3}" srcOrd="0" destOrd="0" presId="urn:microsoft.com/office/officeart/2005/8/layout/vProcess5"/>
     <dgm:cxn modelId="{A201FAB6-AFFE-704D-84FB-42C566B438BB}" srcId="{5C78B4C1-F6FA-4A49-802F-77977558D053}" destId="{67E6D007-BDC1-954F-B9D1-B487462B0B09}" srcOrd="0" destOrd="0" parTransId="{88E1F8CF-130C-A94A-A510-1B29BB6637BF}" sibTransId="{7DB915FC-2CF5-B54C-B10C-4A01354DF7A2}"/>
-    <dgm:cxn modelId="{ABA4FDE8-5B98-6D4C-B4EE-09D93E8C7A80}" type="presOf" srcId="{8FA9DF7E-8289-9F42-BD53-43860EBE5B1D}" destId="{A6883639-7DF9-2C4B-B8B0-DA8F9A4E7F51}" srcOrd="1" destOrd="0" presId="urn:microsoft.com/office/officeart/2005/8/layout/process1"/>
-    <dgm:cxn modelId="{F80B8F0F-3368-2C45-B0DD-54F33A551848}" type="presParOf" srcId="{0383DBEB-1EB5-ED4B-8B76-8874630F2B5A}" destId="{4FA7BACE-16B2-7640-9D09-D7EEE61BCC93}" srcOrd="0" destOrd="0" presId="urn:microsoft.com/office/officeart/2005/8/layout/process1"/>
-    <dgm:cxn modelId="{1F0E0A6A-8339-CE4C-AD73-FA5023EE3FE8}" type="presParOf" srcId="{0383DBEB-1EB5-ED4B-8B76-8874630F2B5A}" destId="{E536B646-A176-7840-BCB8-094919D1E361}" srcOrd="1" destOrd="0" presId="urn:microsoft.com/office/officeart/2005/8/layout/process1"/>
-    <dgm:cxn modelId="{9818D152-1846-ED47-B986-99D196A9AC20}" type="presParOf" srcId="{E536B646-A176-7840-BCB8-094919D1E361}" destId="{91ACF063-DCE2-7943-BF66-A0A32AEB25C7}" srcOrd="0" destOrd="0" presId="urn:microsoft.com/office/officeart/2005/8/layout/process1"/>
-    <dgm:cxn modelId="{F0452824-0B0F-FE4C-8C47-2E203782CEBD}" type="presParOf" srcId="{0383DBEB-1EB5-ED4B-8B76-8874630F2B5A}" destId="{5E3241E2-CB33-2541-9A91-BDA2252E8DA2}" srcOrd="2" destOrd="0" presId="urn:microsoft.com/office/officeart/2005/8/layout/process1"/>
-    <dgm:cxn modelId="{7B58DA2C-BC34-B349-94C2-793F52710A55}" type="presParOf" srcId="{0383DBEB-1EB5-ED4B-8B76-8874630F2B5A}" destId="{ADABC1C7-73EF-454B-91B5-A7D2E2AF0126}" srcOrd="3" destOrd="0" presId="urn:microsoft.com/office/officeart/2005/8/layout/process1"/>
-    <dgm:cxn modelId="{8D2197C8-F2F1-104C-87F6-E250643628E4}" type="presParOf" srcId="{ADABC1C7-73EF-454B-91B5-A7D2E2AF0126}" destId="{A6883639-7DF9-2C4B-B8B0-DA8F9A4E7F51}" srcOrd="0" destOrd="0" presId="urn:microsoft.com/office/officeart/2005/8/layout/process1"/>
-    <dgm:cxn modelId="{13C832B4-B114-FE45-B5EB-353B430973B3}" type="presParOf" srcId="{0383DBEB-1EB5-ED4B-8B76-8874630F2B5A}" destId="{AC12D06C-3899-344D-B715-D5AD64585665}" srcOrd="4" destOrd="0" presId="urn:microsoft.com/office/officeart/2005/8/layout/process1"/>
+    <dgm:cxn modelId="{09D77AC2-B9BE-B34E-B55D-0EE20512F104}" type="presOf" srcId="{0A340C7F-32D6-DB45-A542-F6602CBD8AA4}" destId="{4EE19A8D-CB9C-7A4E-9284-7259C93DA212}" srcOrd="0" destOrd="0" presId="urn:microsoft.com/office/officeart/2005/8/layout/vProcess5"/>
+    <dgm:cxn modelId="{BFA195C2-30C3-9249-A915-34AD60ED7683}" type="presOf" srcId="{67E6D007-BDC1-954F-B9D1-B487462B0B09}" destId="{C88B943C-7D44-1746-B4AF-B9DA5962E75A}" srcOrd="1" destOrd="0" presId="urn:microsoft.com/office/officeart/2005/8/layout/vProcess5"/>
+    <dgm:cxn modelId="{BAF2FDC9-DFBC-294A-9C03-64E9005AAC26}" type="presOf" srcId="{5C78B4C1-F6FA-4A49-802F-77977558D053}" destId="{C12A2760-6D71-8F49-9935-F481E4E0C218}" srcOrd="0" destOrd="0" presId="urn:microsoft.com/office/officeart/2005/8/layout/vProcess5"/>
+    <dgm:cxn modelId="{3DF3B263-C46E-D44F-957E-310B04E1ECE2}" type="presParOf" srcId="{C12A2760-6D71-8F49-9935-F481E4E0C218}" destId="{A2DB713E-476C-DB4D-9510-AA6B859C93FD}" srcOrd="0" destOrd="0" presId="urn:microsoft.com/office/officeart/2005/8/layout/vProcess5"/>
+    <dgm:cxn modelId="{CC44AAB1-BB22-3D4C-BA3D-29AED007E953}" type="presParOf" srcId="{C12A2760-6D71-8F49-9935-F481E4E0C218}" destId="{B0CC14DC-810A-5D44-B981-AB60551693A3}" srcOrd="1" destOrd="0" presId="urn:microsoft.com/office/officeart/2005/8/layout/vProcess5"/>
+    <dgm:cxn modelId="{F5F769A7-054F-064A-9BBE-51A196397ABA}" type="presParOf" srcId="{C12A2760-6D71-8F49-9935-F481E4E0C218}" destId="{1EF8BC82-0735-CC46-BB8A-E654A08F5E14}" srcOrd="2" destOrd="0" presId="urn:microsoft.com/office/officeart/2005/8/layout/vProcess5"/>
+    <dgm:cxn modelId="{BFBE6962-76B8-CA46-B092-B47451D752A0}" type="presParOf" srcId="{C12A2760-6D71-8F49-9935-F481E4E0C218}" destId="{4EE19A8D-CB9C-7A4E-9284-7259C93DA212}" srcOrd="3" destOrd="0" presId="urn:microsoft.com/office/officeart/2005/8/layout/vProcess5"/>
+    <dgm:cxn modelId="{61811BA1-CAE6-3345-958D-DB6945FDA72A}" type="presParOf" srcId="{C12A2760-6D71-8F49-9935-F481E4E0C218}" destId="{29B37D13-0E36-3848-82FB-3D91C6B22D40}" srcOrd="4" destOrd="0" presId="urn:microsoft.com/office/officeart/2005/8/layout/vProcess5"/>
+    <dgm:cxn modelId="{30E6CD13-F1D5-B64B-BCE2-B75C1E966BB4}" type="presParOf" srcId="{C12A2760-6D71-8F49-9935-F481E4E0C218}" destId="{99474D39-C8BC-4B4B-9829-8E88047990F3}" srcOrd="5" destOrd="0" presId="urn:microsoft.com/office/officeart/2005/8/layout/vProcess5"/>
+    <dgm:cxn modelId="{1E9304AE-5E34-F14A-A4AD-AEC2C5B9E171}" type="presParOf" srcId="{C12A2760-6D71-8F49-9935-F481E4E0C218}" destId="{C88B943C-7D44-1746-B4AF-B9DA5962E75A}" srcOrd="6" destOrd="0" presId="urn:microsoft.com/office/officeart/2005/8/layout/vProcess5"/>
+    <dgm:cxn modelId="{3A19ADD1-B04B-AE4D-AE1B-7DC79A50DA8B}" type="presParOf" srcId="{C12A2760-6D71-8F49-9935-F481E4E0C218}" destId="{AE9A4F57-D1CD-8748-8ED3-32A08F84F1A7}" srcOrd="7" destOrd="0" presId="urn:microsoft.com/office/officeart/2005/8/layout/vProcess5"/>
+    <dgm:cxn modelId="{C7A4BA47-4360-B242-9762-697A68F80453}" type="presParOf" srcId="{C12A2760-6D71-8F49-9935-F481E4E0C218}" destId="{9815FFFB-2873-DA48-B072-A4D63622ACD0}" srcOrd="8" destOrd="0" presId="urn:microsoft.com/office/officeart/2005/8/layout/vProcess5"/>
   </dgm:cxnLst>
   <dgm:bg/>
   <dgm:whole/>
@@ -4723,15 +4963,15 @@
       <dsp:cNvGrpSpPr/>
     </dsp:nvGrpSpPr>
     <dsp:grpSpPr/>
-    <dsp:sp modelId="{4FA7BACE-16B2-7640-9D09-D7EEE61BCC93}">
+    <dsp:sp modelId="{6555F19B-99E4-6045-9CEE-AB156959FB3D}">
       <dsp:nvSpPr>
         <dsp:cNvPr id="0" name=""/>
         <dsp:cNvSpPr/>
       </dsp:nvSpPr>
       <dsp:spPr>
         <a:xfrm>
-          <a:off x="9242" y="0"/>
-          <a:ext cx="2762398" cy="949105"/>
+          <a:off x="0" y="0"/>
+          <a:ext cx="4005775" cy="475480"/>
         </a:xfrm>
         <a:prstGeom prst="roundRect">
           <a:avLst>
@@ -4802,12 +5042,12 @@
         </a:fontRef>
       </dsp:style>
       <dsp:txBody>
-        <a:bodyPr spcFirstLastPara="0" vert="horz" wrap="square" lIns="80010" tIns="80010" rIns="80010" bIns="80010" numCol="1" spcCol="1270" anchor="ctr" anchorCtr="0">
+        <a:bodyPr spcFirstLastPara="0" vert="horz" wrap="square" lIns="53340" tIns="53340" rIns="53340" bIns="53340" numCol="1" spcCol="1270" anchor="ctr" anchorCtr="0">
           <a:noAutofit/>
         </a:bodyPr>
         <a:lstStyle/>
         <a:p>
-          <a:pPr marL="0" lvl="0" indent="0" algn="ctr" defTabSz="933450">
+          <a:pPr marL="0" lvl="0" indent="0" algn="l" defTabSz="622300">
             <a:lnSpc>
               <a:spcPct val="90000"/>
             </a:lnSpc>
@@ -4820,133 +5060,25 @@
             <a:buNone/>
           </a:pPr>
           <a:r>
-            <a:rPr lang="en-GB" sz="2100" kern="1200" dirty="0"/>
+            <a:rPr lang="en-GB" sz="1400" kern="1200" dirty="0"/>
             <a:t>Create tables</a:t>
           </a:r>
         </a:p>
       </dsp:txBody>
       <dsp:txXfrm>
-        <a:off x="37040" y="27798"/>
-        <a:ext cx="2706802" cy="893509"/>
+        <a:off x="13926" y="13926"/>
+        <a:ext cx="3492695" cy="447628"/>
       </dsp:txXfrm>
     </dsp:sp>
-    <dsp:sp modelId="{E536B646-A176-7840-BCB8-094919D1E361}">
+    <dsp:sp modelId="{B89E0286-90F6-FA4E-9319-306A4ECB30BE}">
       <dsp:nvSpPr>
         <dsp:cNvPr id="0" name=""/>
         <dsp:cNvSpPr/>
       </dsp:nvSpPr>
       <dsp:spPr>
         <a:xfrm>
-          <a:off x="3047880" y="132015"/>
-          <a:ext cx="585628" cy="685074"/>
-        </a:xfrm>
-        <a:prstGeom prst="rightArrow">
-          <a:avLst>
-            <a:gd name="adj1" fmla="val 60000"/>
-            <a:gd name="adj2" fmla="val 50000"/>
-          </a:avLst>
-        </a:prstGeom>
-        <a:gradFill rotWithShape="0">
-          <a:gsLst>
-            <a:gs pos="0">
-              <a:schemeClr val="accent1">
-                <a:tint val="60000"/>
-                <a:hueOff val="0"/>
-                <a:satOff val="0"/>
-                <a:lumOff val="0"/>
-                <a:alphaOff val="0"/>
-                <a:satMod val="103000"/>
-                <a:lumMod val="102000"/>
-                <a:tint val="94000"/>
-              </a:schemeClr>
-            </a:gs>
-            <a:gs pos="50000">
-              <a:schemeClr val="accent1">
-                <a:tint val="60000"/>
-                <a:hueOff val="0"/>
-                <a:satOff val="0"/>
-                <a:lumOff val="0"/>
-                <a:alphaOff val="0"/>
-                <a:satMod val="110000"/>
-                <a:lumMod val="100000"/>
-                <a:shade val="100000"/>
-              </a:schemeClr>
-            </a:gs>
-            <a:gs pos="100000">
-              <a:schemeClr val="accent1">
-                <a:tint val="60000"/>
-                <a:hueOff val="0"/>
-                <a:satOff val="0"/>
-                <a:lumOff val="0"/>
-                <a:alphaOff val="0"/>
-                <a:lumMod val="99000"/>
-                <a:satMod val="120000"/>
-                <a:shade val="78000"/>
-              </a:schemeClr>
-            </a:gs>
-          </a:gsLst>
-          <a:lin ang="5400000" scaled="0"/>
-        </a:gradFill>
-        <a:ln>
-          <a:noFill/>
-        </a:ln>
-        <a:effectLst>
-          <a:outerShdw blurRad="57150" dist="19050" dir="5400000" algn="ctr" rotWithShape="0">
-            <a:srgbClr val="000000">
-              <a:alpha val="63000"/>
-            </a:srgbClr>
-          </a:outerShdw>
-        </a:effectLst>
-      </dsp:spPr>
-      <dsp:style>
-        <a:lnRef idx="0">
-          <a:scrgbClr r="0" g="0" b="0"/>
-        </a:lnRef>
-        <a:fillRef idx="3">
-          <a:scrgbClr r="0" g="0" b="0"/>
-        </a:fillRef>
-        <a:effectRef idx="3">
-          <a:scrgbClr r="0" g="0" b="0"/>
-        </a:effectRef>
-        <a:fontRef idx="minor">
-          <a:schemeClr val="lt1"/>
-        </a:fontRef>
-      </dsp:style>
-      <dsp:txBody>
-        <a:bodyPr spcFirstLastPara="0" vert="horz" wrap="square" lIns="0" tIns="0" rIns="0" bIns="0" numCol="1" spcCol="1270" anchor="ctr" anchorCtr="0">
-          <a:noAutofit/>
-        </a:bodyPr>
-        <a:lstStyle/>
-        <a:p>
-          <a:pPr marL="0" lvl="0" indent="0" algn="ctr" defTabSz="755650">
-            <a:lnSpc>
-              <a:spcPct val="90000"/>
-            </a:lnSpc>
-            <a:spcBef>
-              <a:spcPct val="0"/>
-            </a:spcBef>
-            <a:spcAft>
-              <a:spcPct val="35000"/>
-            </a:spcAft>
-            <a:buNone/>
-          </a:pPr>
-          <a:endParaRPr lang="en-GB" sz="1700" kern="1200"/>
-        </a:p>
-      </dsp:txBody>
-      <dsp:txXfrm>
-        <a:off x="3047880" y="269030"/>
-        <a:ext cx="409940" cy="411044"/>
-      </dsp:txXfrm>
-    </dsp:sp>
-    <dsp:sp modelId="{5E3241E2-CB33-2541-9A91-BDA2252E8DA2}">
-      <dsp:nvSpPr>
-        <dsp:cNvPr id="0" name=""/>
-        <dsp:cNvSpPr/>
-      </dsp:nvSpPr>
-      <dsp:spPr>
-        <a:xfrm>
-          <a:off x="3876600" y="0"/>
-          <a:ext cx="2762398" cy="949105"/>
+          <a:off x="353450" y="554726"/>
+          <a:ext cx="4005775" cy="475480"/>
         </a:xfrm>
         <a:prstGeom prst="roundRect">
           <a:avLst>
@@ -5017,12 +5149,12 @@
         </a:fontRef>
       </dsp:style>
       <dsp:txBody>
-        <a:bodyPr spcFirstLastPara="0" vert="horz" wrap="square" lIns="80010" tIns="80010" rIns="80010" bIns="80010" numCol="1" spcCol="1270" anchor="ctr" anchorCtr="0">
+        <a:bodyPr spcFirstLastPara="0" vert="horz" wrap="square" lIns="53340" tIns="53340" rIns="53340" bIns="53340" numCol="1" spcCol="1270" anchor="ctr" anchorCtr="0">
           <a:noAutofit/>
         </a:bodyPr>
         <a:lstStyle/>
         <a:p>
-          <a:pPr marL="0" lvl="0" indent="0" algn="ctr" defTabSz="933450">
+          <a:pPr marL="0" lvl="0" indent="0" algn="l" defTabSz="622300">
             <a:lnSpc>
               <a:spcPct val="90000"/>
             </a:lnSpc>
@@ -5035,133 +5167,25 @@
             <a:buNone/>
           </a:pPr>
           <a:r>
-            <a:rPr lang="en-GB" sz="2100" kern="1200" dirty="0"/>
+            <a:rPr lang="en-GB" sz="1400" kern="1200" dirty="0"/>
             <a:t>Import CSV data</a:t>
           </a:r>
         </a:p>
       </dsp:txBody>
       <dsp:txXfrm>
-        <a:off x="3904398" y="27798"/>
-        <a:ext cx="2706802" cy="893509"/>
+        <a:off x="367376" y="568652"/>
+        <a:ext cx="3315410" cy="447628"/>
       </dsp:txXfrm>
     </dsp:sp>
-    <dsp:sp modelId="{ADABC1C7-73EF-454B-91B5-A7D2E2AF0126}">
+    <dsp:sp modelId="{E78E61CD-FE56-AA4A-8B62-DBB00AAFEA37}">
       <dsp:nvSpPr>
         <dsp:cNvPr id="0" name=""/>
         <dsp:cNvSpPr/>
       </dsp:nvSpPr>
       <dsp:spPr>
         <a:xfrm>
-          <a:off x="6915239" y="132015"/>
-          <a:ext cx="585628" cy="685074"/>
-        </a:xfrm>
-        <a:prstGeom prst="rightArrow">
-          <a:avLst>
-            <a:gd name="adj1" fmla="val 60000"/>
-            <a:gd name="adj2" fmla="val 50000"/>
-          </a:avLst>
-        </a:prstGeom>
-        <a:gradFill rotWithShape="0">
-          <a:gsLst>
-            <a:gs pos="0">
-              <a:schemeClr val="accent1">
-                <a:tint val="60000"/>
-                <a:hueOff val="0"/>
-                <a:satOff val="0"/>
-                <a:lumOff val="0"/>
-                <a:alphaOff val="0"/>
-                <a:satMod val="103000"/>
-                <a:lumMod val="102000"/>
-                <a:tint val="94000"/>
-              </a:schemeClr>
-            </a:gs>
-            <a:gs pos="50000">
-              <a:schemeClr val="accent1">
-                <a:tint val="60000"/>
-                <a:hueOff val="0"/>
-                <a:satOff val="0"/>
-                <a:lumOff val="0"/>
-                <a:alphaOff val="0"/>
-                <a:satMod val="110000"/>
-                <a:lumMod val="100000"/>
-                <a:shade val="100000"/>
-              </a:schemeClr>
-            </a:gs>
-            <a:gs pos="100000">
-              <a:schemeClr val="accent1">
-                <a:tint val="60000"/>
-                <a:hueOff val="0"/>
-                <a:satOff val="0"/>
-                <a:lumOff val="0"/>
-                <a:alphaOff val="0"/>
-                <a:lumMod val="99000"/>
-                <a:satMod val="120000"/>
-                <a:shade val="78000"/>
-              </a:schemeClr>
-            </a:gs>
-          </a:gsLst>
-          <a:lin ang="5400000" scaled="0"/>
-        </a:gradFill>
-        <a:ln>
-          <a:noFill/>
-        </a:ln>
-        <a:effectLst>
-          <a:outerShdw blurRad="57150" dist="19050" dir="5400000" algn="ctr" rotWithShape="0">
-            <a:srgbClr val="000000">
-              <a:alpha val="63000"/>
-            </a:srgbClr>
-          </a:outerShdw>
-        </a:effectLst>
-      </dsp:spPr>
-      <dsp:style>
-        <a:lnRef idx="0">
-          <a:scrgbClr r="0" g="0" b="0"/>
-        </a:lnRef>
-        <a:fillRef idx="3">
-          <a:scrgbClr r="0" g="0" b="0"/>
-        </a:fillRef>
-        <a:effectRef idx="3">
-          <a:scrgbClr r="0" g="0" b="0"/>
-        </a:effectRef>
-        <a:fontRef idx="minor">
-          <a:schemeClr val="lt1"/>
-        </a:fontRef>
-      </dsp:style>
-      <dsp:txBody>
-        <a:bodyPr spcFirstLastPara="0" vert="horz" wrap="square" lIns="0" tIns="0" rIns="0" bIns="0" numCol="1" spcCol="1270" anchor="ctr" anchorCtr="0">
-          <a:noAutofit/>
-        </a:bodyPr>
-        <a:lstStyle/>
-        <a:p>
-          <a:pPr marL="0" lvl="0" indent="0" algn="ctr" defTabSz="755650">
-            <a:lnSpc>
-              <a:spcPct val="90000"/>
-            </a:lnSpc>
-            <a:spcBef>
-              <a:spcPct val="0"/>
-            </a:spcBef>
-            <a:spcAft>
-              <a:spcPct val="35000"/>
-            </a:spcAft>
-            <a:buNone/>
-          </a:pPr>
-          <a:endParaRPr lang="en-GB" sz="1700" kern="1200"/>
-        </a:p>
-      </dsp:txBody>
-      <dsp:txXfrm>
-        <a:off x="6915239" y="269030"/>
-        <a:ext cx="409940" cy="411044"/>
-      </dsp:txXfrm>
-    </dsp:sp>
-    <dsp:sp modelId="{AC12D06C-3899-344D-B715-D5AD64585665}">
-      <dsp:nvSpPr>
-        <dsp:cNvPr id="0" name=""/>
-        <dsp:cNvSpPr/>
-      </dsp:nvSpPr>
-      <dsp:spPr>
-        <a:xfrm>
-          <a:off x="7743958" y="0"/>
-          <a:ext cx="2762398" cy="949105"/>
+          <a:off x="706901" y="1109453"/>
+          <a:ext cx="4005775" cy="475480"/>
         </a:xfrm>
         <a:prstGeom prst="roundRect">
           <a:avLst>
@@ -5232,12 +5256,12 @@
         </a:fontRef>
       </dsp:style>
       <dsp:txBody>
-        <a:bodyPr spcFirstLastPara="0" vert="horz" wrap="square" lIns="80010" tIns="80010" rIns="80010" bIns="80010" numCol="1" spcCol="1270" anchor="ctr" anchorCtr="0">
+        <a:bodyPr spcFirstLastPara="0" vert="horz" wrap="square" lIns="53340" tIns="53340" rIns="53340" bIns="53340" numCol="1" spcCol="1270" anchor="ctr" anchorCtr="0">
           <a:noAutofit/>
         </a:bodyPr>
         <a:lstStyle/>
         <a:p>
-          <a:pPr marL="0" lvl="0" indent="0" algn="ctr" defTabSz="933450">
+          <a:pPr marL="0" lvl="0" indent="0" algn="l" defTabSz="622300">
             <a:lnSpc>
               <a:spcPct val="90000"/>
             </a:lnSpc>
@@ -5250,14 +5274,174 @@
             <a:buNone/>
           </a:pPr>
           <a:r>
-            <a:rPr lang="en-GB" sz="2100" kern="1200" dirty="0"/>
+            <a:rPr lang="en-GB" sz="1400" kern="1200" dirty="0"/>
             <a:t>Join on standardised 3-digit "Country Code"</a:t>
           </a:r>
         </a:p>
       </dsp:txBody>
       <dsp:txXfrm>
-        <a:off x="7771756" y="27798"/>
-        <a:ext cx="2706802" cy="893509"/>
+        <a:off x="720827" y="1123379"/>
+        <a:ext cx="3315410" cy="447628"/>
+      </dsp:txXfrm>
+    </dsp:sp>
+    <dsp:sp modelId="{4B658781-0E55-1748-8089-3AA7BEFB3F03}">
+      <dsp:nvSpPr>
+        <dsp:cNvPr id="0" name=""/>
+        <dsp:cNvSpPr/>
+      </dsp:nvSpPr>
+      <dsp:spPr>
+        <a:xfrm>
+          <a:off x="3696713" y="360572"/>
+          <a:ext cx="309062" cy="309062"/>
+        </a:xfrm>
+        <a:prstGeom prst="downArrow">
+          <a:avLst>
+            <a:gd name="adj1" fmla="val 55000"/>
+            <a:gd name="adj2" fmla="val 45000"/>
+          </a:avLst>
+        </a:prstGeom>
+        <a:solidFill>
+          <a:schemeClr val="accent1">
+            <a:alpha val="90000"/>
+            <a:tint val="40000"/>
+            <a:hueOff val="0"/>
+            <a:satOff val="0"/>
+            <a:lumOff val="0"/>
+            <a:alphaOff val="0"/>
+          </a:schemeClr>
+        </a:solidFill>
+        <a:ln w="6350" cap="flat" cmpd="sng" algn="ctr">
+          <a:solidFill>
+            <a:schemeClr val="accent1">
+              <a:alpha val="90000"/>
+              <a:tint val="40000"/>
+              <a:hueOff val="0"/>
+              <a:satOff val="0"/>
+              <a:lumOff val="0"/>
+              <a:alphaOff val="0"/>
+            </a:schemeClr>
+          </a:solidFill>
+          <a:prstDash val="solid"/>
+          <a:miter lim="800000"/>
+        </a:ln>
+        <a:effectLst/>
+      </dsp:spPr>
+      <dsp:style>
+        <a:lnRef idx="1">
+          <a:scrgbClr r="0" g="0" b="0"/>
+        </a:lnRef>
+        <a:fillRef idx="1">
+          <a:scrgbClr r="0" g="0" b="0"/>
+        </a:fillRef>
+        <a:effectRef idx="2">
+          <a:scrgbClr r="0" g="0" b="0"/>
+        </a:effectRef>
+        <a:fontRef idx="minor"/>
+      </dsp:style>
+      <dsp:txBody>
+        <a:bodyPr spcFirstLastPara="0" vert="horz" wrap="square" lIns="17780" tIns="17780" rIns="17780" bIns="17780" numCol="1" spcCol="1270" anchor="ctr" anchorCtr="0">
+          <a:noAutofit/>
+        </a:bodyPr>
+        <a:lstStyle/>
+        <a:p>
+          <a:pPr marL="0" lvl="0" indent="0" algn="ctr" defTabSz="622300">
+            <a:lnSpc>
+              <a:spcPct val="90000"/>
+            </a:lnSpc>
+            <a:spcBef>
+              <a:spcPct val="0"/>
+            </a:spcBef>
+            <a:spcAft>
+              <a:spcPct val="35000"/>
+            </a:spcAft>
+            <a:buNone/>
+          </a:pPr>
+          <a:endParaRPr lang="en-GB" sz="1400" kern="1200"/>
+        </a:p>
+      </dsp:txBody>
+      <dsp:txXfrm>
+        <a:off x="3766252" y="360572"/>
+        <a:ext cx="169984" cy="232569"/>
+      </dsp:txXfrm>
+    </dsp:sp>
+    <dsp:sp modelId="{52DFAA29-E20E-7B49-9364-A3B187AE7BB9}">
+      <dsp:nvSpPr>
+        <dsp:cNvPr id="0" name=""/>
+        <dsp:cNvSpPr/>
+      </dsp:nvSpPr>
+      <dsp:spPr>
+        <a:xfrm>
+          <a:off x="4050164" y="912129"/>
+          <a:ext cx="309062" cy="309062"/>
+        </a:xfrm>
+        <a:prstGeom prst="downArrow">
+          <a:avLst>
+            <a:gd name="adj1" fmla="val 55000"/>
+            <a:gd name="adj2" fmla="val 45000"/>
+          </a:avLst>
+        </a:prstGeom>
+        <a:solidFill>
+          <a:schemeClr val="accent1">
+            <a:alpha val="90000"/>
+            <a:tint val="40000"/>
+            <a:hueOff val="0"/>
+            <a:satOff val="0"/>
+            <a:lumOff val="0"/>
+            <a:alphaOff val="0"/>
+          </a:schemeClr>
+        </a:solidFill>
+        <a:ln w="6350" cap="flat" cmpd="sng" algn="ctr">
+          <a:solidFill>
+            <a:schemeClr val="accent1">
+              <a:alpha val="90000"/>
+              <a:tint val="40000"/>
+              <a:hueOff val="0"/>
+              <a:satOff val="0"/>
+              <a:lumOff val="0"/>
+              <a:alphaOff val="0"/>
+            </a:schemeClr>
+          </a:solidFill>
+          <a:prstDash val="solid"/>
+          <a:miter lim="800000"/>
+        </a:ln>
+        <a:effectLst/>
+      </dsp:spPr>
+      <dsp:style>
+        <a:lnRef idx="1">
+          <a:scrgbClr r="0" g="0" b="0"/>
+        </a:lnRef>
+        <a:fillRef idx="1">
+          <a:scrgbClr r="0" g="0" b="0"/>
+        </a:fillRef>
+        <a:effectRef idx="2">
+          <a:scrgbClr r="0" g="0" b="0"/>
+        </a:effectRef>
+        <a:fontRef idx="minor"/>
+      </dsp:style>
+      <dsp:txBody>
+        <a:bodyPr spcFirstLastPara="0" vert="horz" wrap="square" lIns="17780" tIns="17780" rIns="17780" bIns="17780" numCol="1" spcCol="1270" anchor="ctr" anchorCtr="0">
+          <a:noAutofit/>
+        </a:bodyPr>
+        <a:lstStyle/>
+        <a:p>
+          <a:pPr marL="0" lvl="0" indent="0" algn="ctr" defTabSz="622300">
+            <a:lnSpc>
+              <a:spcPct val="90000"/>
+            </a:lnSpc>
+            <a:spcBef>
+              <a:spcPct val="0"/>
+            </a:spcBef>
+            <a:spcAft>
+              <a:spcPct val="35000"/>
+            </a:spcAft>
+            <a:buNone/>
+          </a:pPr>
+          <a:endParaRPr lang="en-GB" sz="1400" kern="1200"/>
+        </a:p>
+      </dsp:txBody>
+      <dsp:txXfrm>
+        <a:off x="4119703" y="912129"/>
+        <a:ext cx="169984" cy="232569"/>
       </dsp:txXfrm>
     </dsp:sp>
   </dsp:spTree>
@@ -5272,15 +5456,15 @@
       <dsp:cNvGrpSpPr/>
     </dsp:nvGrpSpPr>
     <dsp:grpSpPr/>
-    <dsp:sp modelId="{4FA7BACE-16B2-7640-9D09-D7EEE61BCC93}">
+    <dsp:sp modelId="{B0CC14DC-810A-5D44-B981-AB60551693A3}">
       <dsp:nvSpPr>
         <dsp:cNvPr id="0" name=""/>
         <dsp:cNvSpPr/>
       </dsp:nvSpPr>
       <dsp:spPr>
         <a:xfrm>
-          <a:off x="9242" y="0"/>
-          <a:ext cx="2762398" cy="949105"/>
+          <a:off x="0" y="0"/>
+          <a:ext cx="4942448" cy="591218"/>
         </a:xfrm>
         <a:prstGeom prst="roundRect">
           <a:avLst>
@@ -5351,12 +5535,12 @@
         </a:fontRef>
       </dsp:style>
       <dsp:txBody>
-        <a:bodyPr spcFirstLastPara="0" vert="horz" wrap="square" lIns="87630" tIns="87630" rIns="87630" bIns="87630" numCol="1" spcCol="1270" anchor="ctr" anchorCtr="0">
+        <a:bodyPr spcFirstLastPara="0" vert="horz" wrap="square" lIns="64770" tIns="64770" rIns="64770" bIns="64770" numCol="1" spcCol="1270" anchor="ctr" anchorCtr="0">
           <a:noAutofit/>
         </a:bodyPr>
         <a:lstStyle/>
         <a:p>
-          <a:pPr marL="0" lvl="0" indent="0" algn="ctr" defTabSz="1022350">
+          <a:pPr marL="0" lvl="0" indent="0" algn="l" defTabSz="755650">
             <a:lnSpc>
               <a:spcPct val="90000"/>
             </a:lnSpc>
@@ -5369,133 +5553,25 @@
             <a:buNone/>
           </a:pPr>
           <a:r>
-            <a:rPr lang="en-GB" sz="2300" kern="1200" dirty="0"/>
+            <a:rPr lang="en-GB" sz="1700" kern="1200" dirty="0"/>
             <a:t>Create engine</a:t>
           </a:r>
         </a:p>
       </dsp:txBody>
       <dsp:txXfrm>
-        <a:off x="37040" y="27798"/>
-        <a:ext cx="2706802" cy="893509"/>
+        <a:off x="17316" y="17316"/>
+        <a:ext cx="4304478" cy="556586"/>
       </dsp:txXfrm>
     </dsp:sp>
-    <dsp:sp modelId="{E536B646-A176-7840-BCB8-094919D1E361}">
+    <dsp:sp modelId="{1EF8BC82-0735-CC46-BB8A-E654A08F5E14}">
       <dsp:nvSpPr>
         <dsp:cNvPr id="0" name=""/>
         <dsp:cNvSpPr/>
       </dsp:nvSpPr>
       <dsp:spPr>
         <a:xfrm>
-          <a:off x="3047880" y="132015"/>
-          <a:ext cx="585628" cy="685074"/>
-        </a:xfrm>
-        <a:prstGeom prst="rightArrow">
-          <a:avLst>
-            <a:gd name="adj1" fmla="val 60000"/>
-            <a:gd name="adj2" fmla="val 50000"/>
-          </a:avLst>
-        </a:prstGeom>
-        <a:gradFill rotWithShape="0">
-          <a:gsLst>
-            <a:gs pos="0">
-              <a:schemeClr val="accent1">
-                <a:tint val="60000"/>
-                <a:hueOff val="0"/>
-                <a:satOff val="0"/>
-                <a:lumOff val="0"/>
-                <a:alphaOff val="0"/>
-                <a:satMod val="103000"/>
-                <a:lumMod val="102000"/>
-                <a:tint val="94000"/>
-              </a:schemeClr>
-            </a:gs>
-            <a:gs pos="50000">
-              <a:schemeClr val="accent1">
-                <a:tint val="60000"/>
-                <a:hueOff val="0"/>
-                <a:satOff val="0"/>
-                <a:lumOff val="0"/>
-                <a:alphaOff val="0"/>
-                <a:satMod val="110000"/>
-                <a:lumMod val="100000"/>
-                <a:shade val="100000"/>
-              </a:schemeClr>
-            </a:gs>
-            <a:gs pos="100000">
-              <a:schemeClr val="accent1">
-                <a:tint val="60000"/>
-                <a:hueOff val="0"/>
-                <a:satOff val="0"/>
-                <a:lumOff val="0"/>
-                <a:alphaOff val="0"/>
-                <a:lumMod val="99000"/>
-                <a:satMod val="120000"/>
-                <a:shade val="78000"/>
-              </a:schemeClr>
-            </a:gs>
-          </a:gsLst>
-          <a:lin ang="5400000" scaled="0"/>
-        </a:gradFill>
-        <a:ln>
-          <a:noFill/>
-        </a:ln>
-        <a:effectLst>
-          <a:outerShdw blurRad="57150" dist="19050" dir="5400000" algn="ctr" rotWithShape="0">
-            <a:srgbClr val="000000">
-              <a:alpha val="63000"/>
-            </a:srgbClr>
-          </a:outerShdw>
-        </a:effectLst>
-      </dsp:spPr>
-      <dsp:style>
-        <a:lnRef idx="0">
-          <a:scrgbClr r="0" g="0" b="0"/>
-        </a:lnRef>
-        <a:fillRef idx="3">
-          <a:scrgbClr r="0" g="0" b="0"/>
-        </a:fillRef>
-        <a:effectRef idx="3">
-          <a:scrgbClr r="0" g="0" b="0"/>
-        </a:effectRef>
-        <a:fontRef idx="minor">
-          <a:schemeClr val="lt1"/>
-        </a:fontRef>
-      </dsp:style>
-      <dsp:txBody>
-        <a:bodyPr spcFirstLastPara="0" vert="horz" wrap="square" lIns="0" tIns="0" rIns="0" bIns="0" numCol="1" spcCol="1270" anchor="ctr" anchorCtr="0">
-          <a:noAutofit/>
-        </a:bodyPr>
-        <a:lstStyle/>
-        <a:p>
-          <a:pPr marL="0" lvl="0" indent="0" algn="ctr" defTabSz="800100">
-            <a:lnSpc>
-              <a:spcPct val="90000"/>
-            </a:lnSpc>
-            <a:spcBef>
-              <a:spcPct val="0"/>
-            </a:spcBef>
-            <a:spcAft>
-              <a:spcPct val="35000"/>
-            </a:spcAft>
-            <a:buNone/>
-          </a:pPr>
-          <a:endParaRPr lang="en-GB" sz="1800" kern="1200"/>
-        </a:p>
-      </dsp:txBody>
-      <dsp:txXfrm>
-        <a:off x="3047880" y="269030"/>
-        <a:ext cx="409940" cy="411044"/>
-      </dsp:txXfrm>
-    </dsp:sp>
-    <dsp:sp modelId="{5E3241E2-CB33-2541-9A91-BDA2252E8DA2}">
-      <dsp:nvSpPr>
-        <dsp:cNvPr id="0" name=""/>
-        <dsp:cNvSpPr/>
-      </dsp:nvSpPr>
-      <dsp:spPr>
-        <a:xfrm>
-          <a:off x="3876600" y="0"/>
-          <a:ext cx="2762398" cy="949105"/>
+          <a:off x="436098" y="689754"/>
+          <a:ext cx="4942448" cy="591218"/>
         </a:xfrm>
         <a:prstGeom prst="roundRect">
           <a:avLst>
@@ -5566,12 +5642,12 @@
         </a:fontRef>
       </dsp:style>
       <dsp:txBody>
-        <a:bodyPr spcFirstLastPara="0" vert="horz" wrap="square" lIns="87630" tIns="87630" rIns="87630" bIns="87630" numCol="1" spcCol="1270" anchor="ctr" anchorCtr="0">
+        <a:bodyPr spcFirstLastPara="0" vert="horz" wrap="square" lIns="64770" tIns="64770" rIns="64770" bIns="64770" numCol="1" spcCol="1270" anchor="ctr" anchorCtr="0">
           <a:noAutofit/>
         </a:bodyPr>
         <a:lstStyle/>
         <a:p>
-          <a:pPr marL="0" lvl="0" indent="0" algn="ctr" defTabSz="1022350">
+          <a:pPr marL="0" lvl="0" indent="0" algn="l" defTabSz="755650">
             <a:lnSpc>
               <a:spcPct val="90000"/>
             </a:lnSpc>
@@ -5584,141 +5660,33 @@
             <a:buNone/>
           </a:pPr>
           <a:r>
-            <a:rPr lang="en-GB" sz="2300" kern="1200" dirty="0"/>
+            <a:rPr lang="en-GB" sz="1700" kern="1200" dirty="0"/>
             <a:t>Connect to local host (.</a:t>
           </a:r>
           <a:r>
-            <a:rPr lang="en-GB" sz="2300" kern="1200" dirty="0" err="1"/>
+            <a:rPr lang="en-GB" sz="1700" kern="1200" dirty="0" err="1"/>
             <a:t>gitignore</a:t>
           </a:r>
           <a:r>
-            <a:rPr lang="en-GB" sz="2300" kern="1200" dirty="0"/>
+            <a:rPr lang="en-GB" sz="1700" kern="1200" dirty="0"/>
             <a:t> password)</a:t>
           </a:r>
         </a:p>
       </dsp:txBody>
       <dsp:txXfrm>
-        <a:off x="3904398" y="27798"/>
-        <a:ext cx="2706802" cy="893509"/>
+        <a:off x="453414" y="707070"/>
+        <a:ext cx="4087426" cy="556586"/>
       </dsp:txXfrm>
     </dsp:sp>
-    <dsp:sp modelId="{ADABC1C7-73EF-454B-91B5-A7D2E2AF0126}">
+    <dsp:sp modelId="{4EE19A8D-CB9C-7A4E-9284-7259C93DA212}">
       <dsp:nvSpPr>
         <dsp:cNvPr id="0" name=""/>
         <dsp:cNvSpPr/>
       </dsp:nvSpPr>
       <dsp:spPr>
         <a:xfrm>
-          <a:off x="6915239" y="132015"/>
-          <a:ext cx="585628" cy="685074"/>
-        </a:xfrm>
-        <a:prstGeom prst="rightArrow">
-          <a:avLst>
-            <a:gd name="adj1" fmla="val 60000"/>
-            <a:gd name="adj2" fmla="val 50000"/>
-          </a:avLst>
-        </a:prstGeom>
-        <a:gradFill rotWithShape="0">
-          <a:gsLst>
-            <a:gs pos="0">
-              <a:schemeClr val="accent1">
-                <a:tint val="60000"/>
-                <a:hueOff val="0"/>
-                <a:satOff val="0"/>
-                <a:lumOff val="0"/>
-                <a:alphaOff val="0"/>
-                <a:satMod val="103000"/>
-                <a:lumMod val="102000"/>
-                <a:tint val="94000"/>
-              </a:schemeClr>
-            </a:gs>
-            <a:gs pos="50000">
-              <a:schemeClr val="accent1">
-                <a:tint val="60000"/>
-                <a:hueOff val="0"/>
-                <a:satOff val="0"/>
-                <a:lumOff val="0"/>
-                <a:alphaOff val="0"/>
-                <a:satMod val="110000"/>
-                <a:lumMod val="100000"/>
-                <a:shade val="100000"/>
-              </a:schemeClr>
-            </a:gs>
-            <a:gs pos="100000">
-              <a:schemeClr val="accent1">
-                <a:tint val="60000"/>
-                <a:hueOff val="0"/>
-                <a:satOff val="0"/>
-                <a:lumOff val="0"/>
-                <a:alphaOff val="0"/>
-                <a:lumMod val="99000"/>
-                <a:satMod val="120000"/>
-                <a:shade val="78000"/>
-              </a:schemeClr>
-            </a:gs>
-          </a:gsLst>
-          <a:lin ang="5400000" scaled="0"/>
-        </a:gradFill>
-        <a:ln>
-          <a:noFill/>
-        </a:ln>
-        <a:effectLst>
-          <a:outerShdw blurRad="57150" dist="19050" dir="5400000" algn="ctr" rotWithShape="0">
-            <a:srgbClr val="000000">
-              <a:alpha val="63000"/>
-            </a:srgbClr>
-          </a:outerShdw>
-        </a:effectLst>
-      </dsp:spPr>
-      <dsp:style>
-        <a:lnRef idx="0">
-          <a:scrgbClr r="0" g="0" b="0"/>
-        </a:lnRef>
-        <a:fillRef idx="3">
-          <a:scrgbClr r="0" g="0" b="0"/>
-        </a:fillRef>
-        <a:effectRef idx="3">
-          <a:scrgbClr r="0" g="0" b="0"/>
-        </a:effectRef>
-        <a:fontRef idx="minor">
-          <a:schemeClr val="lt1"/>
-        </a:fontRef>
-      </dsp:style>
-      <dsp:txBody>
-        <a:bodyPr spcFirstLastPara="0" vert="horz" wrap="square" lIns="0" tIns="0" rIns="0" bIns="0" numCol="1" spcCol="1270" anchor="ctr" anchorCtr="0">
-          <a:noAutofit/>
-        </a:bodyPr>
-        <a:lstStyle/>
-        <a:p>
-          <a:pPr marL="0" lvl="0" indent="0" algn="ctr" defTabSz="800100">
-            <a:lnSpc>
-              <a:spcPct val="90000"/>
-            </a:lnSpc>
-            <a:spcBef>
-              <a:spcPct val="0"/>
-            </a:spcBef>
-            <a:spcAft>
-              <a:spcPct val="35000"/>
-            </a:spcAft>
-            <a:buNone/>
-          </a:pPr>
-          <a:endParaRPr lang="en-GB" sz="1800" kern="1200"/>
-        </a:p>
-      </dsp:txBody>
-      <dsp:txXfrm>
-        <a:off x="6915239" y="269030"/>
-        <a:ext cx="409940" cy="411044"/>
-      </dsp:txXfrm>
-    </dsp:sp>
-    <dsp:sp modelId="{AC12D06C-3899-344D-B715-D5AD64585665}">
-      <dsp:nvSpPr>
-        <dsp:cNvPr id="0" name=""/>
-        <dsp:cNvSpPr/>
-      </dsp:nvSpPr>
-      <dsp:spPr>
-        <a:xfrm>
-          <a:off x="7743958" y="0"/>
-          <a:ext cx="2762398" cy="949105"/>
+          <a:off x="872196" y="1379508"/>
+          <a:ext cx="4942448" cy="591218"/>
         </a:xfrm>
         <a:prstGeom prst="roundRect">
           <a:avLst>
@@ -5789,12 +5757,12 @@
         </a:fontRef>
       </dsp:style>
       <dsp:txBody>
-        <a:bodyPr spcFirstLastPara="0" vert="horz" wrap="square" lIns="87630" tIns="87630" rIns="87630" bIns="87630" numCol="1" spcCol="1270" anchor="ctr" anchorCtr="0">
+        <a:bodyPr spcFirstLastPara="0" vert="horz" wrap="square" lIns="64770" tIns="64770" rIns="64770" bIns="64770" numCol="1" spcCol="1270" anchor="ctr" anchorCtr="0">
           <a:noAutofit/>
         </a:bodyPr>
         <a:lstStyle/>
         <a:p>
-          <a:pPr marL="0" lvl="0" indent="0" algn="ctr" defTabSz="1022350">
+          <a:pPr marL="0" lvl="0" indent="0" algn="l" defTabSz="755650">
             <a:lnSpc>
               <a:spcPct val="90000"/>
             </a:lnSpc>
@@ -5807,14 +5775,174 @@
             <a:buNone/>
           </a:pPr>
           <a:r>
-            <a:rPr lang="en-GB" sz="2300" kern="1200" dirty="0"/>
+            <a:rPr lang="en-GB" sz="1700" kern="1200" dirty="0"/>
             <a:t>Read in data for modelling</a:t>
           </a:r>
         </a:p>
       </dsp:txBody>
       <dsp:txXfrm>
-        <a:off x="7771756" y="27798"/>
-        <a:ext cx="2706802" cy="893509"/>
+        <a:off x="889512" y="1396824"/>
+        <a:ext cx="4087426" cy="556586"/>
+      </dsp:txXfrm>
+    </dsp:sp>
+    <dsp:sp modelId="{29B37D13-0E36-3848-82FB-3D91C6B22D40}">
+      <dsp:nvSpPr>
+        <dsp:cNvPr id="0" name=""/>
+        <dsp:cNvSpPr/>
+      </dsp:nvSpPr>
+      <dsp:spPr>
+        <a:xfrm>
+          <a:off x="4558156" y="448340"/>
+          <a:ext cx="384291" cy="384291"/>
+        </a:xfrm>
+        <a:prstGeom prst="downArrow">
+          <a:avLst>
+            <a:gd name="adj1" fmla="val 55000"/>
+            <a:gd name="adj2" fmla="val 45000"/>
+          </a:avLst>
+        </a:prstGeom>
+        <a:solidFill>
+          <a:schemeClr val="accent1">
+            <a:alpha val="90000"/>
+            <a:tint val="40000"/>
+            <a:hueOff val="0"/>
+            <a:satOff val="0"/>
+            <a:lumOff val="0"/>
+            <a:alphaOff val="0"/>
+          </a:schemeClr>
+        </a:solidFill>
+        <a:ln w="6350" cap="flat" cmpd="sng" algn="ctr">
+          <a:solidFill>
+            <a:schemeClr val="accent1">
+              <a:alpha val="90000"/>
+              <a:tint val="40000"/>
+              <a:hueOff val="0"/>
+              <a:satOff val="0"/>
+              <a:lumOff val="0"/>
+              <a:alphaOff val="0"/>
+            </a:schemeClr>
+          </a:solidFill>
+          <a:prstDash val="solid"/>
+          <a:miter lim="800000"/>
+        </a:ln>
+        <a:effectLst/>
+      </dsp:spPr>
+      <dsp:style>
+        <a:lnRef idx="1">
+          <a:scrgbClr r="0" g="0" b="0"/>
+        </a:lnRef>
+        <a:fillRef idx="1">
+          <a:scrgbClr r="0" g="0" b="0"/>
+        </a:fillRef>
+        <a:effectRef idx="2">
+          <a:scrgbClr r="0" g="0" b="0"/>
+        </a:effectRef>
+        <a:fontRef idx="minor"/>
+      </dsp:style>
+      <dsp:txBody>
+        <a:bodyPr spcFirstLastPara="0" vert="horz" wrap="square" lIns="21590" tIns="21590" rIns="21590" bIns="21590" numCol="1" spcCol="1270" anchor="ctr" anchorCtr="0">
+          <a:noAutofit/>
+        </a:bodyPr>
+        <a:lstStyle/>
+        <a:p>
+          <a:pPr marL="0" lvl="0" indent="0" algn="ctr" defTabSz="755650">
+            <a:lnSpc>
+              <a:spcPct val="90000"/>
+            </a:lnSpc>
+            <a:spcBef>
+              <a:spcPct val="0"/>
+            </a:spcBef>
+            <a:spcAft>
+              <a:spcPct val="35000"/>
+            </a:spcAft>
+            <a:buNone/>
+          </a:pPr>
+          <a:endParaRPr lang="en-GB" sz="1700" kern="1200"/>
+        </a:p>
+      </dsp:txBody>
+      <dsp:txXfrm>
+        <a:off x="4644621" y="448340"/>
+        <a:ext cx="211361" cy="289179"/>
+      </dsp:txXfrm>
+    </dsp:sp>
+    <dsp:sp modelId="{99474D39-C8BC-4B4B-9829-8E88047990F3}">
+      <dsp:nvSpPr>
+        <dsp:cNvPr id="0" name=""/>
+        <dsp:cNvSpPr/>
+      </dsp:nvSpPr>
+      <dsp:spPr>
+        <a:xfrm>
+          <a:off x="4994254" y="1134153"/>
+          <a:ext cx="384291" cy="384291"/>
+        </a:xfrm>
+        <a:prstGeom prst="downArrow">
+          <a:avLst>
+            <a:gd name="adj1" fmla="val 55000"/>
+            <a:gd name="adj2" fmla="val 45000"/>
+          </a:avLst>
+        </a:prstGeom>
+        <a:solidFill>
+          <a:schemeClr val="accent1">
+            <a:alpha val="90000"/>
+            <a:tint val="40000"/>
+            <a:hueOff val="0"/>
+            <a:satOff val="0"/>
+            <a:lumOff val="0"/>
+            <a:alphaOff val="0"/>
+          </a:schemeClr>
+        </a:solidFill>
+        <a:ln w="6350" cap="flat" cmpd="sng" algn="ctr">
+          <a:solidFill>
+            <a:schemeClr val="accent1">
+              <a:alpha val="90000"/>
+              <a:tint val="40000"/>
+              <a:hueOff val="0"/>
+              <a:satOff val="0"/>
+              <a:lumOff val="0"/>
+              <a:alphaOff val="0"/>
+            </a:schemeClr>
+          </a:solidFill>
+          <a:prstDash val="solid"/>
+          <a:miter lim="800000"/>
+        </a:ln>
+        <a:effectLst/>
+      </dsp:spPr>
+      <dsp:style>
+        <a:lnRef idx="1">
+          <a:scrgbClr r="0" g="0" b="0"/>
+        </a:lnRef>
+        <a:fillRef idx="1">
+          <a:scrgbClr r="0" g="0" b="0"/>
+        </a:fillRef>
+        <a:effectRef idx="2">
+          <a:scrgbClr r="0" g="0" b="0"/>
+        </a:effectRef>
+        <a:fontRef idx="minor"/>
+      </dsp:style>
+      <dsp:txBody>
+        <a:bodyPr spcFirstLastPara="0" vert="horz" wrap="square" lIns="21590" tIns="21590" rIns="21590" bIns="21590" numCol="1" spcCol="1270" anchor="ctr" anchorCtr="0">
+          <a:noAutofit/>
+        </a:bodyPr>
+        <a:lstStyle/>
+        <a:p>
+          <a:pPr marL="0" lvl="0" indent="0" algn="ctr" defTabSz="755650">
+            <a:lnSpc>
+              <a:spcPct val="90000"/>
+            </a:lnSpc>
+            <a:spcBef>
+              <a:spcPct val="0"/>
+            </a:spcBef>
+            <a:spcAft>
+              <a:spcPct val="35000"/>
+            </a:spcAft>
+            <a:buNone/>
+          </a:pPr>
+          <a:endParaRPr lang="en-GB" sz="1700" kern="1200"/>
+        </a:p>
+      </dsp:txBody>
+      <dsp:txXfrm>
+        <a:off x="5080719" y="1134153"/>
+        <a:ext cx="211361" cy="289179"/>
       </dsp:txXfrm>
     </dsp:sp>
   </dsp:spTree>
@@ -6078,16 +6206,31 @@
 </file>
 
 <file path=ppt/diagrams/layout2.xml><?xml version="1.0" encoding="utf-8"?>
-<dgm:layoutDef xmlns:dgm="http://schemas.openxmlformats.org/drawingml/2006/diagram" xmlns:a="http://schemas.openxmlformats.org/drawingml/2006/main" uniqueId="urn:microsoft.com/office/officeart/2005/8/layout/process1">
+<dgm:layoutDef xmlns:dgm="http://schemas.openxmlformats.org/drawingml/2006/diagram" xmlns:a="http://schemas.openxmlformats.org/drawingml/2006/main" uniqueId="urn:microsoft.com/office/officeart/2005/8/layout/vProcess5">
   <dgm:title val=""/>
   <dgm:desc val=""/>
   <dgm:catLst>
-    <dgm:cat type="process" pri="1000"/>
-    <dgm:cat type="convert" pri="15000"/>
+    <dgm:cat type="process" pri="14000"/>
   </dgm:catLst>
-  <dgm:sampData useDef="1">
+  <dgm:sampData>
     <dgm:dataModel>
-      <dgm:ptLst/>
+      <dgm:ptLst>
+        <dgm:pt modelId="0" type="doc"/>
+        <dgm:pt modelId="1">
+          <dgm:prSet phldr="1"/>
+        </dgm:pt>
+        <dgm:pt modelId="2">
+          <dgm:prSet phldr="1"/>
+        </dgm:pt>
+        <dgm:pt modelId="3">
+          <dgm:prSet phldr="1"/>
+        </dgm:pt>
+      </dgm:ptLst>
+      <dgm:cxnLst>
+        <dgm:cxn modelId="5" srcId="0" destId="1" srcOrd="0" destOrd="0"/>
+        <dgm:cxn modelId="6" srcId="0" destId="2" srcOrd="1" destOrd="0"/>
+        <dgm:cxn modelId="7" srcId="0" destId="3" srcOrd="2" destOrd="0"/>
+      </dgm:cxnLst>
       <dgm:bg/>
       <dgm:whole/>
     </dgm:dataModel>
@@ -6117,123 +6260,1203 @@
         <dgm:pt modelId="4"/>
       </dgm:ptLst>
       <dgm:cxnLst>
-        <dgm:cxn modelId="5" srcId="0" destId="1" srcOrd="0" destOrd="0"/>
-        <dgm:cxn modelId="6" srcId="0" destId="2" srcOrd="1" destOrd="0"/>
-        <dgm:cxn modelId="7" srcId="0" destId="3" srcOrd="2" destOrd="0"/>
-        <dgm:cxn modelId="8" srcId="0" destId="4" srcOrd="3" destOrd="0"/>
+        <dgm:cxn modelId="6" srcId="0" destId="1" srcOrd="0" destOrd="0"/>
+        <dgm:cxn modelId="7" srcId="0" destId="2" srcOrd="1" destOrd="0"/>
+        <dgm:cxn modelId="8" srcId="0" destId="3" srcOrd="2" destOrd="0"/>
+        <dgm:cxn modelId="9" srcId="0" destId="4" srcOrd="3" destOrd="0"/>
       </dgm:cxnLst>
       <dgm:bg/>
       <dgm:whole/>
     </dgm:dataModel>
   </dgm:clrData>
-  <dgm:layoutNode name="Name0">
+  <dgm:layoutNode name="outerComposite">
     <dgm:varLst>
+      <dgm:chMax val="5"/>
       <dgm:dir/>
       <dgm:resizeHandles val="exact"/>
     </dgm:varLst>
-    <dgm:choose name="Name1">
-      <dgm:if name="Name2" func="var" arg="dir" op="equ" val="norm">
-        <dgm:alg type="lin"/>
-      </dgm:if>
-      <dgm:else name="Name3">
-        <dgm:alg type="lin">
-          <dgm:param type="linDir" val="fromR"/>
-        </dgm:alg>
-      </dgm:else>
-    </dgm:choose>
+    <dgm:alg type="composite"/>
     <dgm:shape xmlns:r="http://schemas.openxmlformats.org/officeDocument/2006/relationships" r:blip="">
       <dgm:adjLst/>
     </dgm:shape>
     <dgm:presOf/>
-    <dgm:constrLst>
-      <dgm:constr type="w" for="ch" ptType="node" refType="w"/>
-      <dgm:constr type="h" for="ch" ptType="node" op="equ"/>
-      <dgm:constr type="primFontSz" for="ch" ptType="node" op="equ" val="65"/>
-      <dgm:constr type="w" for="ch" ptType="sibTrans" refType="w" refFor="ch" refPtType="node" op="equ" fact="0.4"/>
-      <dgm:constr type="h" for="ch" ptType="sibTrans" op="equ"/>
-      <dgm:constr type="primFontSz" for="des" forName="connectorText" op="equ" val="55"/>
-      <dgm:constr type="primFontSz" for="des" forName="connectorText" refType="primFontSz" refFor="ch" refPtType="node" op="lte" fact="0.8"/>
-    </dgm:constrLst>
+    <dgm:choose name="Name0">
+      <dgm:if name="Name1" func="var" arg="dir" op="equ" val="norm">
+        <dgm:constrLst>
+          <dgm:constr type="primFontSz" for="ch" ptType="node" op="equ" val="65"/>
+          <dgm:constr type="w" for="ch" forName="dummyMaxCanvas" refType="w"/>
+          <dgm:constr type="h" for="ch" forName="dummyMaxCanvas" refType="h"/>
+          <dgm:constr type="w" for="ch" forName="OneNode_1" refType="w"/>
+          <dgm:constr type="h" for="ch" forName="OneNode_1" refType="h" fact="0.5"/>
+          <dgm:constr type="ctrY" for="ch" forName="OneNode_1" refType="h" fact="0.5"/>
+          <dgm:constr type="w" for="ch" forName="TwoNodes_1" refType="w" fact="0.85"/>
+          <dgm:constr type="h" for="ch" forName="TwoNodes_1" refType="h" fact="0.45"/>
+          <dgm:constr type="t" for="ch" forName="TwoNodes_1"/>
+          <dgm:constr type="l" for="ch" forName="TwoNodes_1"/>
+          <dgm:constr type="w" for="ch" forName="TwoNodes_2" refType="w" fact="0.85"/>
+          <dgm:constr type="h" for="ch" forName="TwoNodes_2" refType="h" fact="0.45"/>
+          <dgm:constr type="b" for="ch" forName="TwoNodes_2" refType="h"/>
+          <dgm:constr type="r" for="ch" forName="TwoNodes_2" refType="w"/>
+          <dgm:constr type="w" for="ch" forName="TwoConn_1-2" refType="h" refFor="ch" refForName="TwoNodes_1" fact="0.65"/>
+          <dgm:constr type="h" for="ch" forName="TwoConn_1-2" refType="h" refFor="ch" refForName="TwoNodes_1" fact="0.65"/>
+          <dgm:constr type="ctrY" for="ch" forName="TwoConn_1-2" refType="h" fact="0.5"/>
+          <dgm:constr type="r" for="ch" forName="TwoConn_1-2" refType="r" refFor="ch" refForName="TwoNodes_1"/>
+          <dgm:constr type="r" for="ch" forName="TwoNodes_1_text" refType="l" refFor="ch" refForName="TwoConn_1-2"/>
+          <dgm:constr type="rOff" for="ch" forName="TwoNodes_1_text" refType="w" refFor="ch" refForName="TwoConn_1-2" fact="-0.5"/>
+          <dgm:constr type="t" for="ch" forName="TwoNodes_1_text" refType="t" refFor="ch" refForName="TwoNodes_1"/>
+          <dgm:constr type="b" for="ch" forName="TwoNodes_1_text" refType="b" refFor="ch" refForName="TwoNodes_1"/>
+          <dgm:constr type="l" for="ch" forName="TwoNodes_1_text" refType="l" refFor="ch" refForName="TwoNodes_1"/>
+          <dgm:constr type="r" for="ch" forName="TwoNodes_2_text" refType="l" refFor="ch" refForName="TwoConn_1-2"/>
+          <dgm:constr type="t" for="ch" forName="TwoNodes_2_text" refType="t" refFor="ch" refForName="TwoNodes_2"/>
+          <dgm:constr type="b" for="ch" forName="TwoNodes_2_text" refType="b" refFor="ch" refForName="TwoNodes_2"/>
+          <dgm:constr type="l" for="ch" forName="TwoNodes_2_text" refType="l" refFor="ch" refForName="TwoNodes_2"/>
+          <dgm:constr type="w" for="ch" forName="ThreeNodes_1" refType="w" fact="0.85"/>
+          <dgm:constr type="h" for="ch" forName="ThreeNodes_1" refType="h" fact="0.3"/>
+          <dgm:constr type="t" for="ch" forName="ThreeNodes_1"/>
+          <dgm:constr type="l" for="ch" forName="ThreeNodes_1"/>
+          <dgm:constr type="w" for="ch" forName="ThreeNodes_2" refType="w" fact="0.85"/>
+          <dgm:constr type="h" for="ch" forName="ThreeNodes_2" refType="h" fact="0.3"/>
+          <dgm:constr type="ctrY" for="ch" forName="ThreeNodes_2" refType="h" fact="0.5"/>
+          <dgm:constr type="ctrX" for="ch" forName="ThreeNodes_2" refType="w" fact="0.5"/>
+          <dgm:constr type="w" for="ch" forName="ThreeNodes_3" refType="w" fact="0.85"/>
+          <dgm:constr type="h" for="ch" forName="ThreeNodes_3" refType="h" fact="0.3"/>
+          <dgm:constr type="b" for="ch" forName="ThreeNodes_3" refType="h"/>
+          <dgm:constr type="r" for="ch" forName="ThreeNodes_3" refType="w"/>
+          <dgm:constr type="w" for="ch" forName="ThreeConn_1-2" refType="h" refFor="ch" refForName="ThreeNodes_1" fact="0.65"/>
+          <dgm:constr type="h" for="ch" forName="ThreeConn_1-2" refType="h" refFor="ch" refForName="ThreeNodes_1" fact="0.65"/>
+          <dgm:constr type="ctrY" for="ch" forName="ThreeConn_1-2" refType="h" fact="0.325"/>
+          <dgm:constr type="r" for="ch" forName="ThreeConn_1-2" refType="r" refFor="ch" refForName="ThreeNodes_1"/>
+          <dgm:constr type="w" for="ch" forName="ThreeConn_2-3" refType="h" refFor="ch" refForName="ThreeNodes_2" fact="0.65"/>
+          <dgm:constr type="h" for="ch" forName="ThreeConn_2-3" refType="h" refFor="ch" refForName="ThreeNodes_2" fact="0.65"/>
+          <dgm:constr type="ctrY" for="ch" forName="ThreeConn_2-3" refType="h" fact="0.673"/>
+          <dgm:constr type="r" for="ch" forName="ThreeConn_2-3" refType="r" refFor="ch" refForName="ThreeNodes_2"/>
+          <dgm:constr type="r" for="ch" forName="ThreeNodes_1_text" refType="l" refFor="ch" refForName="ThreeConn_1-2"/>
+          <dgm:constr type="rOff" for="ch" forName="ThreeNodes_1_text" refType="w" refFor="ch" refForName="ThreeConn_1-2" fact="-0.57"/>
+          <dgm:constr type="t" for="ch" forName="ThreeNodes_1_text" refType="t" refFor="ch" refForName="ThreeNodes_1"/>
+          <dgm:constr type="b" for="ch" forName="ThreeNodes_1_text" refType="b" refFor="ch" refForName="ThreeNodes_1"/>
+          <dgm:constr type="l" for="ch" forName="ThreeNodes_1_text" refType="l" refFor="ch" refForName="ThreeNodes_1"/>
+          <dgm:constr type="r" for="ch" forName="ThreeNodes_2_text" refType="l" refFor="ch" refForName="ThreeConn_1-2"/>
+          <dgm:constr type="t" for="ch" forName="ThreeNodes_2_text" refType="t" refFor="ch" refForName="ThreeNodes_2"/>
+          <dgm:constr type="b" for="ch" forName="ThreeNodes_2_text" refType="b" refFor="ch" refForName="ThreeNodes_2"/>
+          <dgm:constr type="l" for="ch" forName="ThreeNodes_2_text" refType="l" refFor="ch" refForName="ThreeNodes_2"/>
+          <dgm:constr type="r" for="ch" forName="ThreeNodes_3_text" refType="l" refFor="ch" refForName="ThreeConn_2-3"/>
+          <dgm:constr type="t" for="ch" forName="ThreeNodes_3_text" refType="t" refFor="ch" refForName="ThreeNodes_3"/>
+          <dgm:constr type="b" for="ch" forName="ThreeNodes_3_text" refType="b" refFor="ch" refForName="ThreeNodes_3"/>
+          <dgm:constr type="l" for="ch" forName="ThreeNodes_3_text" refType="l" refFor="ch" refForName="ThreeNodes_3"/>
+          <dgm:constr type="w" for="ch" forName="FourNodes_1" refType="w" fact="0.8"/>
+          <dgm:constr type="h" for="ch" forName="FourNodes_1" refType="h" fact="0.22"/>
+          <dgm:constr type="t" for="ch" forName="FourNodes_1"/>
+          <dgm:constr type="l" for="ch" forName="FourNodes_1"/>
+          <dgm:constr type="w" for="ch" forName="FourNodes_2" refType="w" fact="0.8"/>
+          <dgm:constr type="h" for="ch" forName="FourNodes_2" refType="h" fact="0.22"/>
+          <dgm:constr type="ctrY" for="ch" forName="FourNodes_2" refType="h" fact="0.37"/>
+          <dgm:constr type="ctrX" for="ch" forName="FourNodes_2" refType="w" fact="0.467"/>
+          <dgm:constr type="w" for="ch" forName="FourNodes_3" refType="w" fact="0.8"/>
+          <dgm:constr type="h" for="ch" forName="FourNodes_3" refType="h" fact="0.22"/>
+          <dgm:constr type="ctrY" for="ch" forName="FourNodes_3" refType="h" fact="0.63"/>
+          <dgm:constr type="ctrX" for="ch" forName="FourNodes_3" refType="w" fact="0.533"/>
+          <dgm:constr type="w" for="ch" forName="FourNodes_4" refType="w" fact="0.8"/>
+          <dgm:constr type="h" for="ch" forName="FourNodes_4" refType="h" fact="0.22"/>
+          <dgm:constr type="b" for="ch" forName="FourNodes_4" refType="h"/>
+          <dgm:constr type="r" for="ch" forName="FourNodes_4" refType="w"/>
+          <dgm:constr type="w" for="ch" forName="FourConn_1-2" refType="h" refFor="ch" refForName="FourNodes_1" fact="0.65"/>
+          <dgm:constr type="h" for="ch" forName="FourConn_1-2" refType="h" refFor="ch" refForName="FourNodes_1" fact="0.65"/>
+          <dgm:constr type="ctrY" for="ch" forName="FourConn_1-2" refType="h" fact="0.24"/>
+          <dgm:constr type="r" for="ch" forName="FourConn_1-2" refType="r" refFor="ch" refForName="FourNodes_1"/>
+          <dgm:constr type="w" for="ch" forName="FourConn_2-3" refType="h" refFor="ch" refForName="FourNodes_2" fact="0.65"/>
+          <dgm:constr type="h" for="ch" forName="FourConn_2-3" refType="h" refFor="ch" refForName="FourNodes_2" fact="0.65"/>
+          <dgm:constr type="ctrY" for="ch" forName="FourConn_2-3" refType="h" fact="0.5"/>
+          <dgm:constr type="r" for="ch" forName="FourConn_2-3" refType="r" refFor="ch" refForName="FourNodes_2"/>
+          <dgm:constr type="w" for="ch" forName="FourConn_3-4" refType="h" refFor="ch" refForName="FourNodes_3" fact="0.65"/>
+          <dgm:constr type="h" for="ch" forName="FourConn_3-4" refType="h" refFor="ch" refForName="FourNodes_3" fact="0.65"/>
+          <dgm:constr type="ctrY" for="ch" forName="FourConn_3-4" refType="h" fact="0.76"/>
+          <dgm:constr type="r" for="ch" forName="FourConn_3-4" refType="r" refFor="ch" refForName="FourNodes_3"/>
+          <dgm:constr type="r" for="ch" forName="FourNodes_1_text" refType="l" refFor="ch" refForName="FourConn_1-2"/>
+          <dgm:constr type="rOff" for="ch" forName="FourNodes_1_text" refType="w" refFor="ch" refForName="FourConn_1-2" fact="-0.7"/>
+          <dgm:constr type="t" for="ch" forName="FourNodes_1_text" refType="t" refFor="ch" refForName="FourNodes_1"/>
+          <dgm:constr type="b" for="ch" forName="FourNodes_1_text" refType="b" refFor="ch" refForName="FourNodes_1"/>
+          <dgm:constr type="l" for="ch" forName="FourNodes_1_text" refType="l" refFor="ch" refForName="FourNodes_1"/>
+          <dgm:constr type="r" for="ch" forName="FourNodes_2_text" refType="l" refFor="ch" refForName="FourConn_1-2"/>
+          <dgm:constr type="t" for="ch" forName="FourNodes_2_text" refType="t" refFor="ch" refForName="FourNodes_2"/>
+          <dgm:constr type="b" for="ch" forName="FourNodes_2_text" refType="b" refFor="ch" refForName="FourNodes_2"/>
+          <dgm:constr type="l" for="ch" forName="FourNodes_2_text" refType="l" refFor="ch" refForName="FourNodes_2"/>
+          <dgm:constr type="r" for="ch" forName="FourNodes_3_text" refType="l" refFor="ch" refForName="FourConn_2-3"/>
+          <dgm:constr type="t" for="ch" forName="FourNodes_3_text" refType="t" refFor="ch" refForName="FourNodes_3"/>
+          <dgm:constr type="b" for="ch" forName="FourNodes_3_text" refType="b" refFor="ch" refForName="FourNodes_3"/>
+          <dgm:constr type="l" for="ch" forName="FourNodes_3_text" refType="l" refFor="ch" refForName="FourNodes_3"/>
+          <dgm:constr type="r" for="ch" forName="FourNodes_4_text" refType="l" refFor="ch" refForName="FourConn_3-4"/>
+          <dgm:constr type="t" for="ch" forName="FourNodes_4_text" refType="t" refFor="ch" refForName="FourNodes_4"/>
+          <dgm:constr type="b" for="ch" forName="FourNodes_4_text" refType="b" refFor="ch" refForName="FourNodes_4"/>
+          <dgm:constr type="l" for="ch" forName="FourNodes_4_text" refType="l" refFor="ch" refForName="FourNodes_4"/>
+          <dgm:constr type="w" for="ch" forName="FiveNodes_1" refType="w" fact="0.77"/>
+          <dgm:constr type="h" for="ch" forName="FiveNodes_1" refType="h" fact="0.18"/>
+          <dgm:constr type="t" for="ch" forName="FiveNodes_1"/>
+          <dgm:constr type="l" for="ch" forName="FiveNodes_1"/>
+          <dgm:constr type="w" for="ch" forName="FiveNodes_2" refType="w" fact="0.77"/>
+          <dgm:constr type="h" for="ch" forName="FiveNodes_2" refType="h" fact="0.18"/>
+          <dgm:constr type="ctrY" for="ch" forName="FiveNodes_2" refType="h" fact="0.295"/>
+          <dgm:constr type="ctrX" for="ch" forName="FiveNodes_2" refType="w" fact="0.4425"/>
+          <dgm:constr type="w" for="ch" forName="FiveNodes_3" refType="w" fact="0.77"/>
+          <dgm:constr type="h" for="ch" forName="FiveNodes_3" refType="h" fact="0.18"/>
+          <dgm:constr type="ctrY" for="ch" forName="FiveNodes_3" refType="h" fact="0.5"/>
+          <dgm:constr type="ctrX" for="ch" forName="FiveNodes_3" refType="w" fact="0.5"/>
+          <dgm:constr type="w" for="ch" forName="FiveNodes_4" refType="w" fact="0.77"/>
+          <dgm:constr type="h" for="ch" forName="FiveNodes_4" refType="h" fact="0.18"/>
+          <dgm:constr type="ctrY" for="ch" forName="FiveNodes_4" refType="h" fact="0.705"/>
+          <dgm:constr type="ctrX" for="ch" forName="FiveNodes_4" refType="w" fact="0.5575"/>
+          <dgm:constr type="w" for="ch" forName="FiveNodes_5" refType="w" fact="0.77"/>
+          <dgm:constr type="h" for="ch" forName="FiveNodes_5" refType="h" fact="0.18"/>
+          <dgm:constr type="b" for="ch" forName="FiveNodes_5" refType="h"/>
+          <dgm:constr type="r" for="ch" forName="FiveNodes_5" refType="w"/>
+          <dgm:constr type="w" for="ch" forName="FiveConn_1-2" refType="h" refFor="ch" refForName="FiveNodes_1" fact="0.65"/>
+          <dgm:constr type="h" for="ch" forName="FiveConn_1-2" refType="h" refFor="ch" refForName="FiveNodes_1" fact="0.65"/>
+          <dgm:constr type="ctrY" for="ch" forName="FiveConn_1-2" refType="h" fact="0.19"/>
+          <dgm:constr type="r" for="ch" forName="FiveConn_1-2" refType="r" refFor="ch" refForName="FiveNodes_1"/>
+          <dgm:constr type="w" for="ch" forName="FiveConn_2-3" refType="h" refFor="ch" refForName="FiveNodes_2" fact="0.65"/>
+          <dgm:constr type="h" for="ch" forName="FiveConn_2-3" refType="h" refFor="ch" refForName="FiveNodes_2" fact="0.65"/>
+          <dgm:constr type="ctrY" for="ch" forName="FiveConn_2-3" refType="h" fact="0.395"/>
+          <dgm:constr type="r" for="ch" forName="FiveConn_2-3" refType="r" refFor="ch" refForName="FiveNodes_2"/>
+          <dgm:constr type="w" for="ch" forName="FiveConn_3-4" refType="h" refFor="ch" refForName="FiveNodes_3" fact="0.65"/>
+          <dgm:constr type="h" for="ch" forName="FiveConn_3-4" refType="h" refFor="ch" refForName="FiveNodes_3" fact="0.65"/>
+          <dgm:constr type="ctrY" for="ch" forName="FiveConn_3-4" refType="h" fact="0.597"/>
+          <dgm:constr type="r" for="ch" forName="FiveConn_3-4" refType="r" refFor="ch" refForName="FiveNodes_3"/>
+          <dgm:constr type="w" for="ch" forName="FiveConn_4-5" refType="h" refFor="ch" refForName="FiveNodes_4" fact="0.65"/>
+          <dgm:constr type="h" for="ch" forName="FiveConn_4-5" refType="h" refFor="ch" refForName="FiveNodes_4" fact="0.65"/>
+          <dgm:constr type="ctrY" for="ch" forName="FiveConn_4-5" refType="h" fact="0.804"/>
+          <dgm:constr type="r" for="ch" forName="FiveConn_4-5" refType="r" refFor="ch" refForName="FiveNodes_4"/>
+          <dgm:constr type="r" for="ch" forName="FiveNodes_1_text" refType="l" refFor="ch" refForName="FiveConn_1-2"/>
+          <dgm:constr type="rOff" for="ch" forName="FiveNodes_1_text" refType="w" refFor="ch" refForName="FiveConn_1-2" fact="-0.75"/>
+          <dgm:constr type="t" for="ch" forName="FiveNodes_1_text" refType="t" refFor="ch" refForName="FiveNodes_1"/>
+          <dgm:constr type="b" for="ch" forName="FiveNodes_1_text" refType="b" refFor="ch" refForName="FiveNodes_1"/>
+          <dgm:constr type="l" for="ch" forName="FiveNodes_1_text" refType="l" refFor="ch" refForName="FiveNodes_1"/>
+          <dgm:constr type="r" for="ch" forName="FiveNodes_2_text" refType="l" refFor="ch" refForName="FiveConn_1-2"/>
+          <dgm:constr type="t" for="ch" forName="FiveNodes_2_text" refType="t" refFor="ch" refForName="FiveNodes_2"/>
+          <dgm:constr type="b" for="ch" forName="FiveNodes_2_text" refType="b" refFor="ch" refForName="FiveNodes_2"/>
+          <dgm:constr type="l" for="ch" forName="FiveNodes_2_text" refType="l" refFor="ch" refForName="FiveNodes_2"/>
+          <dgm:constr type="r" for="ch" forName="FiveNodes_3_text" refType="l" refFor="ch" refForName="FiveConn_2-3"/>
+          <dgm:constr type="t" for="ch" forName="FiveNodes_3_text" refType="t" refFor="ch" refForName="FiveNodes_3"/>
+          <dgm:constr type="b" for="ch" forName="FiveNodes_3_text" refType="b" refFor="ch" refForName="FiveNodes_3"/>
+          <dgm:constr type="l" for="ch" forName="FiveNodes_3_text" refType="l" refFor="ch" refForName="FiveNodes_3"/>
+          <dgm:constr type="r" for="ch" forName="FiveNodes_4_text" refType="l" refFor="ch" refForName="FiveConn_3-4"/>
+          <dgm:constr type="t" for="ch" forName="FiveNodes_4_text" refType="t" refFor="ch" refForName="FiveNodes_4"/>
+          <dgm:constr type="b" for="ch" forName="FiveNodes_4_text" refType="b" refFor="ch" refForName="FiveNodes_4"/>
+          <dgm:constr type="l" for="ch" forName="FiveNodes_4_text" refType="l" refFor="ch" refForName="FiveNodes_4"/>
+          <dgm:constr type="r" for="ch" forName="FiveNodes_5_text" refType="l" refFor="ch" refForName="FiveConn_4-5"/>
+          <dgm:constr type="t" for="ch" forName="FiveNodes_5_text" refType="t" refFor="ch" refForName="FiveNodes_5"/>
+          <dgm:constr type="b" for="ch" forName="FiveNodes_5_text" refType="b" refFor="ch" refForName="FiveNodes_5"/>
+          <dgm:constr type="l" for="ch" forName="FiveNodes_5_text" refType="l" refFor="ch" refForName="FiveNodes_5"/>
+        </dgm:constrLst>
+      </dgm:if>
+      <dgm:else name="Name2">
+        <dgm:constrLst>
+          <dgm:constr type="primFontSz" for="ch" ptType="node" op="equ" val="65"/>
+          <dgm:constr type="w" for="ch" forName="dummyMaxCanvas" refType="w"/>
+          <dgm:constr type="h" for="ch" forName="dummyMaxCanvas" refType="h"/>
+          <dgm:constr type="w" for="ch" forName="OneNode_1" refType="w"/>
+          <dgm:constr type="h" for="ch" forName="OneNode_1" refType="h" fact="0.5"/>
+          <dgm:constr type="ctrY" for="ch" forName="OneNode_1" refType="h" fact="0.5"/>
+          <dgm:constr type="w" for="ch" forName="TwoNodes_1" refType="w" fact="0.85"/>
+          <dgm:constr type="h" for="ch" forName="TwoNodes_1" refType="h" fact="0.45"/>
+          <dgm:constr type="t" for="ch" forName="TwoNodes_1"/>
+          <dgm:constr type="r" for="ch" forName="TwoNodes_1" refType="w"/>
+          <dgm:constr type="w" for="ch" forName="TwoNodes_2" refType="w" fact="0.85"/>
+          <dgm:constr type="h" for="ch" forName="TwoNodes_2" refType="h" fact="0.45"/>
+          <dgm:constr type="b" for="ch" forName="TwoNodes_2" refType="h"/>
+          <dgm:constr type="l" for="ch" forName="TwoNodes_2"/>
+          <dgm:constr type="w" for="ch" forName="TwoConn_1-2" refType="h" refFor="ch" refForName="TwoNodes_1" fact="0.65"/>
+          <dgm:constr type="h" for="ch" forName="TwoConn_1-2" refType="h" refFor="ch" refForName="TwoNodes_1" fact="0.65"/>
+          <dgm:constr type="ctrY" for="ch" forName="TwoConn_1-2" refType="h" fact="0.5"/>
+          <dgm:constr type="l" for="ch" forName="TwoConn_1-2" refType="l" refFor="ch" refForName="TwoNodes_1"/>
+          <dgm:constr type="l" for="ch" forName="TwoNodes_1_text" refType="r" refFor="ch" refForName="TwoConn_1-2"/>
+          <dgm:constr type="lOff" for="ch" forName="TwoNodes_1_text" refType="w" refFor="ch" refForName="TwoConn_1-2" fact="0.5"/>
+          <dgm:constr type="t" for="ch" forName="TwoNodes_1_text" refType="t" refFor="ch" refForName="TwoNodes_1"/>
+          <dgm:constr type="b" for="ch" forName="TwoNodes_1_text" refType="b" refFor="ch" refForName="TwoNodes_1"/>
+          <dgm:constr type="r" for="ch" forName="TwoNodes_1_text" refType="r" refFor="ch" refForName="TwoNodes_1"/>
+          <dgm:constr type="l" for="ch" forName="TwoNodes_2_text" refType="r" refFor="ch" refForName="TwoConn_1-2"/>
+          <dgm:constr type="t" for="ch" forName="TwoNodes_2_text" refType="t" refFor="ch" refForName="TwoNodes_2"/>
+          <dgm:constr type="b" for="ch" forName="TwoNodes_2_text" refType="b" refFor="ch" refForName="TwoNodes_2"/>
+          <dgm:constr type="r" for="ch" forName="TwoNodes_2_text" refType="r" refFor="ch" refForName="TwoNodes_2"/>
+          <dgm:constr type="w" for="ch" forName="ThreeNodes_1" refType="w" fact="0.85"/>
+          <dgm:constr type="h" for="ch" forName="ThreeNodes_1" refType="h" fact="0.3"/>
+          <dgm:constr type="t" for="ch" forName="ThreeNodes_1"/>
+          <dgm:constr type="r" for="ch" forName="ThreeNodes_1" refType="w"/>
+          <dgm:constr type="w" for="ch" forName="ThreeNodes_2" refType="w" fact="0.85"/>
+          <dgm:constr type="h" for="ch" forName="ThreeNodes_2" refType="h" fact="0.3"/>
+          <dgm:constr type="ctrY" for="ch" forName="ThreeNodes_2" refType="h" fact="0.5"/>
+          <dgm:constr type="ctrX" for="ch" forName="ThreeNodes_2" refType="w" fact="0.5"/>
+          <dgm:constr type="w" for="ch" forName="ThreeNodes_3" refType="w" fact="0.85"/>
+          <dgm:constr type="h" for="ch" forName="ThreeNodes_3" refType="h" fact="0.3"/>
+          <dgm:constr type="b" for="ch" forName="ThreeNodes_3" refType="h"/>
+          <dgm:constr type="l" for="ch" forName="ThreeNodes_3"/>
+          <dgm:constr type="w" for="ch" forName="ThreeConn_1-2" refType="h" refFor="ch" refForName="ThreeNodes_1" fact="0.65"/>
+          <dgm:constr type="h" for="ch" forName="ThreeConn_1-2" refType="h" refFor="ch" refForName="ThreeNodes_1" fact="0.65"/>
+          <dgm:constr type="ctrY" for="ch" forName="ThreeConn_1-2" refType="h" fact="0.325"/>
+          <dgm:constr type="l" for="ch" forName="ThreeConn_1-2" refType="l" refFor="ch" refForName="ThreeNodes_1"/>
+          <dgm:constr type="w" for="ch" forName="ThreeConn_2-3" refType="h" refFor="ch" refForName="ThreeNodes_2" fact="0.65"/>
+          <dgm:constr type="h" for="ch" forName="ThreeConn_2-3" refType="h" refFor="ch" refForName="ThreeNodes_2" fact="0.65"/>
+          <dgm:constr type="ctrY" for="ch" forName="ThreeConn_2-3" refType="h" fact="0.673"/>
+          <dgm:constr type="l" for="ch" forName="ThreeConn_2-3" refType="l" refFor="ch" refForName="ThreeNodes_2"/>
+          <dgm:constr type="l" for="ch" forName="ThreeNodes_1_text" refType="r" refFor="ch" refForName="ThreeConn_1-2"/>
+          <dgm:constr type="lOff" for="ch" forName="ThreeNodes_1_text" refType="w" refFor="ch" refForName="ThreeConn_1-2" fact="0.55"/>
+          <dgm:constr type="t" for="ch" forName="ThreeNodes_1_text" refType="t" refFor="ch" refForName="ThreeNodes_1"/>
+          <dgm:constr type="b" for="ch" forName="ThreeNodes_1_text" refType="b" refFor="ch" refForName="ThreeNodes_1"/>
+          <dgm:constr type="r" for="ch" forName="ThreeNodes_1_text" refType="r" refFor="ch" refForName="ThreeNodes_1"/>
+          <dgm:constr type="l" for="ch" forName="ThreeNodes_2_text" refType="r" refFor="ch" refForName="ThreeConn_1-2"/>
+          <dgm:constr type="t" for="ch" forName="ThreeNodes_2_text" refType="t" refFor="ch" refForName="ThreeNodes_2"/>
+          <dgm:constr type="b" for="ch" forName="ThreeNodes_2_text" refType="b" refFor="ch" refForName="ThreeNodes_2"/>
+          <dgm:constr type="r" for="ch" forName="ThreeNodes_2_text" refType="r" refFor="ch" refForName="ThreeNodes_2"/>
+          <dgm:constr type="l" for="ch" forName="ThreeNodes_3_text" refType="r" refFor="ch" refForName="ThreeConn_2-3"/>
+          <dgm:constr type="t" for="ch" forName="ThreeNodes_3_text" refType="t" refFor="ch" refForName="ThreeNodes_3"/>
+          <dgm:constr type="b" for="ch" forName="ThreeNodes_3_text" refType="b" refFor="ch" refForName="ThreeNodes_3"/>
+          <dgm:constr type="r" for="ch" forName="ThreeNodes_3_text" refType="r" refFor="ch" refForName="ThreeNodes_3"/>
+          <dgm:constr type="w" for="ch" forName="FourNodes_1" refType="w" fact="0.8"/>
+          <dgm:constr type="h" for="ch" forName="FourNodes_1" refType="h" fact="0.22"/>
+          <dgm:constr type="t" for="ch" forName="FourNodes_1"/>
+          <dgm:constr type="r" for="ch" forName="FourNodes_1" refType="w"/>
+          <dgm:constr type="w" for="ch" forName="FourNodes_2" refType="w" fact="0.8"/>
+          <dgm:constr type="h" for="ch" forName="FourNodes_2" refType="h" fact="0.22"/>
+          <dgm:constr type="ctrY" for="ch" forName="FourNodes_2" refType="h" fact="0.37"/>
+          <dgm:constr type="ctrX" for="ch" forName="FourNodes_2" refType="w" fact="0.533"/>
+          <dgm:constr type="w" for="ch" forName="FourNodes_3" refType="w" fact="0.8"/>
+          <dgm:constr type="h" for="ch" forName="FourNodes_3" refType="h" fact="0.22"/>
+          <dgm:constr type="ctrY" for="ch" forName="FourNodes_3" refType="h" fact="0.63"/>
+          <dgm:constr type="ctrX" for="ch" forName="FourNodes_3" refType="w" fact="0.467"/>
+          <dgm:constr type="w" for="ch" forName="FourNodes_4" refType="w" fact="0.8"/>
+          <dgm:constr type="h" for="ch" forName="FourNodes_4" refType="h" fact="0.22"/>
+          <dgm:constr type="b" for="ch" forName="FourNodes_4" refType="h"/>
+          <dgm:constr type="l" for="ch" forName="FourNodes_4"/>
+          <dgm:constr type="w" for="ch" forName="FourConn_1-2" refType="h" refFor="ch" refForName="FourNodes_1" fact="0.65"/>
+          <dgm:constr type="h" for="ch" forName="FourConn_1-2" refType="h" refFor="ch" refForName="FourNodes_1" fact="0.65"/>
+          <dgm:constr type="ctrY" for="ch" forName="FourConn_1-2" refType="h" fact="0.24"/>
+          <dgm:constr type="l" for="ch" forName="FourConn_1-2" refType="l" refFor="ch" refForName="FourNodes_1"/>
+          <dgm:constr type="w" for="ch" forName="FourConn_2-3" refType="h" refFor="ch" refForName="FourNodes_2" fact="0.65"/>
+          <dgm:constr type="h" for="ch" forName="FourConn_2-3" refType="h" refFor="ch" refForName="FourNodes_2" fact="0.65"/>
+          <dgm:constr type="ctrY" for="ch" forName="FourConn_2-3" refType="h" fact="0.5"/>
+          <dgm:constr type="l" for="ch" forName="FourConn_2-3" refType="l" refFor="ch" refForName="FourNodes_2"/>
+          <dgm:constr type="w" for="ch" forName="FourConn_3-4" refType="h" refFor="ch" refForName="FourNodes_3" fact="0.65"/>
+          <dgm:constr type="h" for="ch" forName="FourConn_3-4" refType="h" refFor="ch" refForName="FourNodes_3" fact="0.65"/>
+          <dgm:constr type="ctrY" for="ch" forName="FourConn_3-4" refType="h" fact="0.76"/>
+          <dgm:constr type="l" for="ch" forName="FourConn_3-4" refType="l" refFor="ch" refForName="FourNodes_3"/>
+          <dgm:constr type="l" for="ch" forName="FourNodes_1_text" refType="r" refFor="ch" refForName="FourConn_1-2"/>
+          <dgm:constr type="lOff" for="ch" forName="FourNodes_1_text" refType="w" refFor="ch" refForName="FourConn_1-2" fact="0.69"/>
+          <dgm:constr type="t" for="ch" forName="FourNodes_1_text" refType="t" refFor="ch" refForName="FourNodes_1"/>
+          <dgm:constr type="b" for="ch" forName="FourNodes_1_text" refType="b" refFor="ch" refForName="FourNodes_1"/>
+          <dgm:constr type="r" for="ch" forName="FourNodes_1_text" refType="r" refFor="ch" refForName="FourNodes_1"/>
+          <dgm:constr type="l" for="ch" forName="FourNodes_2_text" refType="r" refFor="ch" refForName="FourConn_1-2"/>
+          <dgm:constr type="t" for="ch" forName="FourNodes_2_text" refType="t" refFor="ch" refForName="FourNodes_2"/>
+          <dgm:constr type="b" for="ch" forName="FourNodes_2_text" refType="b" refFor="ch" refForName="FourNodes_2"/>
+          <dgm:constr type="r" for="ch" forName="FourNodes_2_text" refType="r" refFor="ch" refForName="FourNodes_2"/>
+          <dgm:constr type="l" for="ch" forName="FourNodes_3_text" refType="r" refFor="ch" refForName="FourConn_2-3"/>
+          <dgm:constr type="t" for="ch" forName="FourNodes_3_text" refType="t" refFor="ch" refForName="FourNodes_3"/>
+          <dgm:constr type="b" for="ch" forName="FourNodes_3_text" refType="b" refFor="ch" refForName="FourNodes_3"/>
+          <dgm:constr type="r" for="ch" forName="FourNodes_3_text" refType="r" refFor="ch" refForName="FourNodes_3"/>
+          <dgm:constr type="l" for="ch" forName="FourNodes_4_text" refType="r" refFor="ch" refForName="FourConn_3-4"/>
+          <dgm:constr type="t" for="ch" forName="FourNodes_4_text" refType="t" refFor="ch" refForName="FourNodes_4"/>
+          <dgm:constr type="b" for="ch" forName="FourNodes_4_text" refType="b" refFor="ch" refForName="FourNodes_4"/>
+          <dgm:constr type="r" for="ch" forName="FourNodes_4_text" refType="r" refFor="ch" refForName="FourNodes_4"/>
+          <dgm:constr type="w" for="ch" forName="FiveNodes_1" refType="w" fact="0.77"/>
+          <dgm:constr type="h" for="ch" forName="FiveNodes_1" refType="h" fact="0.18"/>
+          <dgm:constr type="t" for="ch" forName="FiveNodes_1"/>
+          <dgm:constr type="r" for="ch" forName="FiveNodes_1" refType="w"/>
+          <dgm:constr type="w" for="ch" forName="FiveNodes_2" refType="w" fact="0.77"/>
+          <dgm:constr type="h" for="ch" forName="FiveNodes_2" refType="h" fact="0.18"/>
+          <dgm:constr type="ctrY" for="ch" forName="FiveNodes_2" refType="h" fact="0.295"/>
+          <dgm:constr type="ctrX" for="ch" forName="FiveNodes_2" refType="w" fact="0.5575"/>
+          <dgm:constr type="w" for="ch" forName="FiveNodes_3" refType="w" fact="0.77"/>
+          <dgm:constr type="h" for="ch" forName="FiveNodes_3" refType="h" fact="0.18"/>
+          <dgm:constr type="ctrY" for="ch" forName="FiveNodes_3" refType="h" fact="0.5"/>
+          <dgm:constr type="ctrX" for="ch" forName="FiveNodes_3" refType="w" fact="0.5"/>
+          <dgm:constr type="w" for="ch" forName="FiveNodes_4" refType="w" fact="0.77"/>
+          <dgm:constr type="h" for="ch" forName="FiveNodes_4" refType="h" fact="0.18"/>
+          <dgm:constr type="ctrY" for="ch" forName="FiveNodes_4" refType="h" fact="0.705"/>
+          <dgm:constr type="ctrX" for="ch" forName="FiveNodes_4" refType="w" fact="0.4425"/>
+          <dgm:constr type="w" for="ch" forName="FiveNodes_5" refType="w" fact="0.77"/>
+          <dgm:constr type="h" for="ch" forName="FiveNodes_5" refType="h" fact="0.18"/>
+          <dgm:constr type="b" for="ch" forName="FiveNodes_5" refType="h"/>
+          <dgm:constr type="l" for="ch" forName="FiveNodes_5"/>
+          <dgm:constr type="w" for="ch" forName="FiveConn_1-2" refType="h" refFor="ch" refForName="FiveNodes_1" fact="0.65"/>
+          <dgm:constr type="h" for="ch" forName="FiveConn_1-2" refType="h" refFor="ch" refForName="FiveNodes_1" fact="0.65"/>
+          <dgm:constr type="ctrY" for="ch" forName="FiveConn_1-2" refType="h" fact="0.19"/>
+          <dgm:constr type="l" for="ch" forName="FiveConn_1-2" refType="l" refFor="ch" refForName="FiveNodes_1"/>
+          <dgm:constr type="w" for="ch" forName="FiveConn_2-3" refType="h" refFor="ch" refForName="FiveNodes_2" fact="0.65"/>
+          <dgm:constr type="h" for="ch" forName="FiveConn_2-3" refType="h" refFor="ch" refForName="FiveNodes_2" fact="0.65"/>
+          <dgm:constr type="ctrY" for="ch" forName="FiveConn_2-3" refType="h" fact="0.395"/>
+          <dgm:constr type="l" for="ch" forName="FiveConn_2-3" refType="l" refFor="ch" refForName="FiveNodes_2"/>
+          <dgm:constr type="w" for="ch" forName="FiveConn_3-4" refType="h" refFor="ch" refForName="FiveNodes_3" fact="0.65"/>
+          <dgm:constr type="h" for="ch" forName="FiveConn_3-4" refType="h" refFor="ch" refForName="FiveNodes_3" fact="0.65"/>
+          <dgm:constr type="ctrY" for="ch" forName="FiveConn_3-4" refType="h" fact="0.597"/>
+          <dgm:constr type="l" for="ch" forName="FiveConn_3-4" refType="l" refFor="ch" refForName="FiveNodes_3"/>
+          <dgm:constr type="w" for="ch" forName="FiveConn_4-5" refType="h" refFor="ch" refForName="FiveNodes_4" fact="0.65"/>
+          <dgm:constr type="h" for="ch" forName="FiveConn_4-5" refType="h" refFor="ch" refForName="FiveNodes_4" fact="0.65"/>
+          <dgm:constr type="ctrY" for="ch" forName="FiveConn_4-5" refType="h" fact="0.804"/>
+          <dgm:constr type="l" for="ch" forName="FiveConn_4-5" refType="l" refFor="ch" refForName="FiveNodes_4"/>
+          <dgm:constr type="l" for="ch" forName="FiveNodes_1_text" refType="r" refFor="ch" refForName="FiveConn_1-2"/>
+          <dgm:constr type="lOff" for="ch" forName="FiveNodes_1_text" refType="w" refFor="ch" refForName="FiveConn_1-2" fact="0.73"/>
+          <dgm:constr type="t" for="ch" forName="FiveNodes_1_text" refType="t" refFor="ch" refForName="FiveNodes_1"/>
+          <dgm:constr type="b" for="ch" forName="FiveNodes_1_text" refType="b" refFor="ch" refForName="FiveNodes_1"/>
+          <dgm:constr type="r" for="ch" forName="FiveNodes_1_text" refType="r" refFor="ch" refForName="FiveNodes_1"/>
+          <dgm:constr type="l" for="ch" forName="FiveNodes_2_text" refType="r" refFor="ch" refForName="FiveConn_1-2"/>
+          <dgm:constr type="t" for="ch" forName="FiveNodes_2_text" refType="t" refFor="ch" refForName="FiveNodes_2"/>
+          <dgm:constr type="b" for="ch" forName="FiveNodes_2_text" refType="b" refFor="ch" refForName="FiveNodes_2"/>
+          <dgm:constr type="r" for="ch" forName="FiveNodes_2_text" refType="r" refFor="ch" refForName="FiveNodes_2"/>
+          <dgm:constr type="l" for="ch" forName="FiveNodes_3_text" refType="r" refFor="ch" refForName="FiveConn_2-3"/>
+          <dgm:constr type="t" for="ch" forName="FiveNodes_3_text" refType="t" refFor="ch" refForName="FiveNodes_3"/>
+          <dgm:constr type="b" for="ch" forName="FiveNodes_3_text" refType="b" refFor="ch" refForName="FiveNodes_3"/>
+          <dgm:constr type="r" for="ch" forName="FiveNodes_3_text" refType="r" refFor="ch" refForName="FiveNodes_3"/>
+          <dgm:constr type="l" for="ch" forName="FiveNodes_4_text" refType="r" refFor="ch" refForName="FiveConn_3-4"/>
+          <dgm:constr type="t" for="ch" forName="FiveNodes_4_text" refType="t" refFor="ch" refForName="FiveNodes_4"/>
+          <dgm:constr type="b" for="ch" forName="FiveNodes_4_text" refType="b" refFor="ch" refForName="FiveNodes_4"/>
+          <dgm:constr type="r" for="ch" forName="FiveNodes_4_text" refType="r" refFor="ch" refForName="FiveNodes_4"/>
+          <dgm:constr type="l" for="ch" forName="FiveNodes_5_text" refType="r" refFor="ch" refForName="FiveConn_4-5"/>
+          <dgm:constr type="t" for="ch" forName="FiveNodes_5_text" refType="t" refFor="ch" refForName="FiveNodes_5"/>
+          <dgm:constr type="b" for="ch" forName="FiveNodes_5_text" refType="b" refFor="ch" refForName="FiveNodes_5"/>
+          <dgm:constr type="r" for="ch" forName="FiveNodes_5_text" refType="r" refFor="ch" refForName="FiveNodes_5"/>
+        </dgm:constrLst>
+      </dgm:else>
+    </dgm:choose>
     <dgm:ruleLst/>
-    <dgm:forEach name="nodesForEach" axis="ch" ptType="node">
-      <dgm:layoutNode name="node">
-        <dgm:varLst>
-          <dgm:bulletEnabled val="1"/>
-        </dgm:varLst>
-        <dgm:alg type="tx"/>
-        <dgm:shape xmlns:r="http://schemas.openxmlformats.org/officeDocument/2006/relationships" type="roundRect" r:blip="">
-          <dgm:adjLst>
-            <dgm:adj idx="1" val="0.1"/>
-          </dgm:adjLst>
-        </dgm:shape>
-        <dgm:presOf axis="desOrSelf" ptType="node"/>
-        <dgm:constrLst>
-          <dgm:constr type="h" refType="w" fact="0.6"/>
-          <dgm:constr type="tMarg" refType="primFontSz" fact="0.3"/>
-          <dgm:constr type="bMarg" refType="primFontSz" fact="0.3"/>
-          <dgm:constr type="lMarg" refType="primFontSz" fact="0.3"/>
-          <dgm:constr type="rMarg" refType="primFontSz" fact="0.3"/>
-        </dgm:constrLst>
-        <dgm:ruleLst>
-          <dgm:rule type="primFontSz" val="18" fact="NaN" max="NaN"/>
-          <dgm:rule type="h" val="NaN" fact="1.5" max="NaN"/>
-          <dgm:rule type="primFontSz" val="5" fact="NaN" max="NaN"/>
-          <dgm:rule type="h" val="INF" fact="NaN" max="NaN"/>
-        </dgm:ruleLst>
-      </dgm:layoutNode>
-      <dgm:forEach name="sibTransForEach" axis="followSib" ptType="sibTrans" cnt="1">
-        <dgm:layoutNode name="sibTrans">
-          <dgm:alg type="conn">
-            <dgm:param type="begPts" val="auto"/>
-            <dgm:param type="endPts" val="auto"/>
-          </dgm:alg>
-          <dgm:shape xmlns:r="http://schemas.openxmlformats.org/officeDocument/2006/relationships" type="conn" r:blip="">
-            <dgm:adjLst/>
+    <dgm:layoutNode name="dummyMaxCanvas">
+      <dgm:varLst/>
+      <dgm:alg type="sp"/>
+      <dgm:shape xmlns:r="http://schemas.openxmlformats.org/officeDocument/2006/relationships" r:blip="">
+        <dgm:adjLst/>
+      </dgm:shape>
+      <dgm:presOf/>
+      <dgm:constrLst/>
+      <dgm:ruleLst/>
+    </dgm:layoutNode>
+    <dgm:choose name="Name3">
+      <dgm:if name="Name4" axis="ch" ptType="node" func="cnt" op="equ" val="1">
+        <dgm:layoutNode name="OneNode_1">
+          <dgm:varLst>
+            <dgm:bulletEnabled val="1"/>
+          </dgm:varLst>
+          <dgm:alg type="tx"/>
+          <dgm:shape xmlns:r="http://schemas.openxmlformats.org/officeDocument/2006/relationships" type="roundRect" r:blip="">
+            <dgm:adjLst>
+              <dgm:adj idx="1" val="0.1"/>
+            </dgm:adjLst>
           </dgm:shape>
-          <dgm:presOf axis="self"/>
+          <dgm:presOf axis="ch desOrSelf" ptType="node node" st="1 1" cnt="1 0"/>
           <dgm:constrLst>
-            <dgm:constr type="h" refType="w" fact="0.62"/>
-            <dgm:constr type="connDist"/>
-            <dgm:constr type="begPad" refType="connDist" fact="0.25"/>
-            <dgm:constr type="endPad" refType="connDist" fact="0.22"/>
+            <dgm:constr type="lMarg" refType="primFontSz" fact="0.3"/>
+            <dgm:constr type="rMarg" refType="primFontSz" fact="0.3"/>
+            <dgm:constr type="tMarg" refType="primFontSz" fact="0.3"/>
+            <dgm:constr type="bMarg" refType="primFontSz" fact="0.3"/>
           </dgm:constrLst>
-          <dgm:ruleLst/>
-          <dgm:layoutNode name="connectorText">
-            <dgm:alg type="tx">
-              <dgm:param type="autoTxRot" val="grav"/>
-            </dgm:alg>
-            <dgm:shape xmlns:r="http://schemas.openxmlformats.org/officeDocument/2006/relationships" type="conn" r:blip="" hideGeom="1">
-              <dgm:adjLst/>
-            </dgm:shape>
-            <dgm:presOf axis="self"/>
-            <dgm:constrLst>
-              <dgm:constr type="lMarg"/>
-              <dgm:constr type="rMarg"/>
-              <dgm:constr type="tMarg"/>
-              <dgm:constr type="bMarg"/>
-            </dgm:constrLst>
-            <dgm:ruleLst>
-              <dgm:rule type="primFontSz" val="5" fact="NaN" max="NaN"/>
-            </dgm:ruleLst>
-          </dgm:layoutNode>
+          <dgm:ruleLst>
+            <dgm:rule type="primFontSz" val="5" fact="NaN" max="NaN"/>
+          </dgm:ruleLst>
         </dgm:layoutNode>
-      </dgm:forEach>
-    </dgm:forEach>
+      </dgm:if>
+      <dgm:else name="Name5">
+        <dgm:choose name="Name6">
+          <dgm:if name="Name7" axis="ch" ptType="node" func="cnt" op="equ" val="2">
+            <dgm:layoutNode name="TwoNodes_1">
+              <dgm:varLst>
+                <dgm:bulletEnabled val="1"/>
+              </dgm:varLst>
+              <dgm:alg type="sp"/>
+              <dgm:shape xmlns:r="http://schemas.openxmlformats.org/officeDocument/2006/relationships" type="roundRect" r:blip="">
+                <dgm:adjLst>
+                  <dgm:adj idx="1" val="0.1"/>
+                </dgm:adjLst>
+              </dgm:shape>
+              <dgm:presOf axis="ch desOrSelf" ptType="node node" st="1 1" cnt="1 0"/>
+              <dgm:constrLst/>
+              <dgm:ruleLst/>
+            </dgm:layoutNode>
+            <dgm:layoutNode name="TwoNodes_2">
+              <dgm:varLst>
+                <dgm:bulletEnabled val="1"/>
+              </dgm:varLst>
+              <dgm:alg type="sp"/>
+              <dgm:shape xmlns:r="http://schemas.openxmlformats.org/officeDocument/2006/relationships" type="roundRect" r:blip="">
+                <dgm:adjLst>
+                  <dgm:adj idx="1" val="0.1"/>
+                </dgm:adjLst>
+              </dgm:shape>
+              <dgm:presOf axis="ch desOrSelf" ptType="node node" st="2 1" cnt="1 0"/>
+              <dgm:constrLst/>
+              <dgm:ruleLst/>
+            </dgm:layoutNode>
+            <dgm:layoutNode name="TwoConn_1-2" styleLbl="fgAccFollowNode1">
+              <dgm:varLst>
+                <dgm:bulletEnabled val="1"/>
+              </dgm:varLst>
+              <dgm:alg type="tx"/>
+              <dgm:shape xmlns:r="http://schemas.openxmlformats.org/officeDocument/2006/relationships" type="downArrow" r:blip="">
+                <dgm:adjLst>
+                  <dgm:adj idx="1" val="0.55"/>
+                  <dgm:adj idx="2" val="0.45"/>
+                </dgm:adjLst>
+              </dgm:shape>
+              <dgm:presOf axis="ch" ptType="sibTrans" cnt="1"/>
+              <dgm:constrLst>
+                <dgm:constr type="lMarg" refType="primFontSz" fact="0.1"/>
+                <dgm:constr type="rMarg" refType="primFontSz" fact="0.1"/>
+                <dgm:constr type="tMarg" refType="primFontSz" fact="0.1"/>
+                <dgm:constr type="bMarg" refType="primFontSz" fact="0.1"/>
+              </dgm:constrLst>
+              <dgm:ruleLst>
+                <dgm:rule type="primFontSz" val="5" fact="NaN" max="NaN"/>
+              </dgm:ruleLst>
+            </dgm:layoutNode>
+            <dgm:layoutNode name="TwoNodes_1_text">
+              <dgm:varLst>
+                <dgm:bulletEnabled val="1"/>
+              </dgm:varLst>
+              <dgm:alg type="tx">
+                <dgm:param type="parTxLTRAlign" val="l"/>
+                <dgm:param type="txAnchorVertCh" val="mid"/>
+              </dgm:alg>
+              <dgm:shape xmlns:r="http://schemas.openxmlformats.org/officeDocument/2006/relationships" type="roundRect" r:blip="" hideGeom="1">
+                <dgm:adjLst>
+                  <dgm:adj idx="1" val="0.1"/>
+                </dgm:adjLst>
+              </dgm:shape>
+              <dgm:presOf axis="ch desOrSelf" ptType="node node" st="1 1" cnt="1 0"/>
+              <dgm:constrLst>
+                <dgm:constr type="lMarg" refType="primFontSz" fact="0.3"/>
+                <dgm:constr type="rMarg" refType="primFontSz" fact="0.3"/>
+                <dgm:constr type="tMarg" refType="primFontSz" fact="0.3"/>
+                <dgm:constr type="bMarg" refType="primFontSz" fact="0.3"/>
+              </dgm:constrLst>
+              <dgm:ruleLst>
+                <dgm:rule type="primFontSz" val="5" fact="NaN" max="NaN"/>
+              </dgm:ruleLst>
+            </dgm:layoutNode>
+            <dgm:layoutNode name="TwoNodes_2_text">
+              <dgm:varLst>
+                <dgm:bulletEnabled val="1"/>
+              </dgm:varLst>
+              <dgm:alg type="tx">
+                <dgm:param type="parTxLTRAlign" val="l"/>
+                <dgm:param type="txAnchorVertCh" val="mid"/>
+              </dgm:alg>
+              <dgm:shape xmlns:r="http://schemas.openxmlformats.org/officeDocument/2006/relationships" type="roundRect" r:blip="" hideGeom="1">
+                <dgm:adjLst>
+                  <dgm:adj idx="1" val="0.1"/>
+                </dgm:adjLst>
+              </dgm:shape>
+              <dgm:presOf axis="ch desOrSelf" ptType="node node" st="2 1" cnt="1 0"/>
+              <dgm:constrLst>
+                <dgm:constr type="lMarg" refType="primFontSz" fact="0.3"/>
+                <dgm:constr type="rMarg" refType="primFontSz" fact="0.3"/>
+                <dgm:constr type="tMarg" refType="primFontSz" fact="0.3"/>
+                <dgm:constr type="bMarg" refType="primFontSz" fact="0.3"/>
+              </dgm:constrLst>
+              <dgm:ruleLst>
+                <dgm:rule type="primFontSz" val="5" fact="NaN" max="NaN"/>
+              </dgm:ruleLst>
+            </dgm:layoutNode>
+          </dgm:if>
+          <dgm:else name="Name8">
+            <dgm:choose name="Name9">
+              <dgm:if name="Name10" axis="ch" ptType="node" func="cnt" op="equ" val="3">
+                <dgm:layoutNode name="ThreeNodes_1">
+                  <dgm:varLst>
+                    <dgm:bulletEnabled val="1"/>
+                  </dgm:varLst>
+                  <dgm:alg type="sp"/>
+                  <dgm:shape xmlns:r="http://schemas.openxmlformats.org/officeDocument/2006/relationships" type="roundRect" r:blip="">
+                    <dgm:adjLst>
+                      <dgm:adj idx="1" val="0.1"/>
+                    </dgm:adjLst>
+                  </dgm:shape>
+                  <dgm:presOf axis="ch desOrSelf" ptType="node node" st="1 1" cnt="1 0"/>
+                  <dgm:constrLst/>
+                  <dgm:ruleLst/>
+                </dgm:layoutNode>
+                <dgm:layoutNode name="ThreeNodes_2">
+                  <dgm:varLst>
+                    <dgm:bulletEnabled val="1"/>
+                  </dgm:varLst>
+                  <dgm:alg type="sp"/>
+                  <dgm:shape xmlns:r="http://schemas.openxmlformats.org/officeDocument/2006/relationships" type="roundRect" r:blip="">
+                    <dgm:adjLst>
+                      <dgm:adj idx="1" val="0.1"/>
+                    </dgm:adjLst>
+                  </dgm:shape>
+                  <dgm:presOf axis="ch desOrSelf" ptType="node node" st="2 1" cnt="1 0"/>
+                  <dgm:constrLst/>
+                  <dgm:ruleLst/>
+                </dgm:layoutNode>
+                <dgm:layoutNode name="ThreeNodes_3">
+                  <dgm:varLst>
+                    <dgm:bulletEnabled val="1"/>
+                  </dgm:varLst>
+                  <dgm:alg type="sp"/>
+                  <dgm:shape xmlns:r="http://schemas.openxmlformats.org/officeDocument/2006/relationships" type="roundRect" r:blip="">
+                    <dgm:adjLst>
+                      <dgm:adj idx="1" val="0.1"/>
+                    </dgm:adjLst>
+                  </dgm:shape>
+                  <dgm:presOf axis="ch desOrSelf" ptType="node node" st="3 1" cnt="1 0"/>
+                  <dgm:constrLst/>
+                  <dgm:ruleLst/>
+                </dgm:layoutNode>
+                <dgm:layoutNode name="ThreeConn_1-2" styleLbl="fgAccFollowNode1">
+                  <dgm:varLst>
+                    <dgm:bulletEnabled val="1"/>
+                  </dgm:varLst>
+                  <dgm:alg type="tx"/>
+                  <dgm:shape xmlns:r="http://schemas.openxmlformats.org/officeDocument/2006/relationships" type="downArrow" r:blip="">
+                    <dgm:adjLst>
+                      <dgm:adj idx="1" val="0.55"/>
+                      <dgm:adj idx="2" val="0.45"/>
+                    </dgm:adjLst>
+                  </dgm:shape>
+                  <dgm:presOf axis="ch" ptType="sibTrans" cnt="1"/>
+                  <dgm:constrLst>
+                    <dgm:constr type="lMarg" refType="primFontSz" fact="0.1"/>
+                    <dgm:constr type="rMarg" refType="primFontSz" fact="0.1"/>
+                    <dgm:constr type="tMarg" refType="primFontSz" fact="0.1"/>
+                    <dgm:constr type="bMarg" refType="primFontSz" fact="0.1"/>
+                  </dgm:constrLst>
+                  <dgm:ruleLst>
+                    <dgm:rule type="primFontSz" val="5" fact="NaN" max="NaN"/>
+                  </dgm:ruleLst>
+                </dgm:layoutNode>
+                <dgm:layoutNode name="ThreeConn_2-3" styleLbl="fgAccFollowNode1">
+                  <dgm:varLst>
+                    <dgm:bulletEnabled val="1"/>
+                  </dgm:varLst>
+                  <dgm:alg type="tx"/>
+                  <dgm:shape xmlns:r="http://schemas.openxmlformats.org/officeDocument/2006/relationships" type="downArrow" r:blip="">
+                    <dgm:adjLst>
+                      <dgm:adj idx="1" val="0.55"/>
+                      <dgm:adj idx="2" val="0.45"/>
+                    </dgm:adjLst>
+                  </dgm:shape>
+                  <dgm:presOf axis="ch" ptType="sibTrans" st="2" cnt="1"/>
+                  <dgm:constrLst>
+                    <dgm:constr type="lMarg" refType="primFontSz" fact="0.1"/>
+                    <dgm:constr type="rMarg" refType="primFontSz" fact="0.1"/>
+                    <dgm:constr type="tMarg" refType="primFontSz" fact="0.1"/>
+                    <dgm:constr type="bMarg" refType="primFontSz" fact="0.1"/>
+                  </dgm:constrLst>
+                  <dgm:ruleLst>
+                    <dgm:rule type="primFontSz" val="5" fact="NaN" max="NaN"/>
+                  </dgm:ruleLst>
+                </dgm:layoutNode>
+                <dgm:layoutNode name="ThreeNodes_1_text">
+                  <dgm:varLst>
+                    <dgm:bulletEnabled val="1"/>
+                  </dgm:varLst>
+                  <dgm:alg type="tx">
+                    <dgm:param type="parTxLTRAlign" val="l"/>
+                    <dgm:param type="txAnchorVertCh" val="mid"/>
+                  </dgm:alg>
+                  <dgm:shape xmlns:r="http://schemas.openxmlformats.org/officeDocument/2006/relationships" type="roundRect" r:blip="" hideGeom="1">
+                    <dgm:adjLst>
+                      <dgm:adj idx="1" val="0.1"/>
+                    </dgm:adjLst>
+                  </dgm:shape>
+                  <dgm:presOf axis="ch desOrSelf" ptType="node node" st="1 1" cnt="1 0"/>
+                  <dgm:constrLst>
+                    <dgm:constr type="lMarg" refType="primFontSz" fact="0.3"/>
+                    <dgm:constr type="rMarg" refType="primFontSz" fact="0.3"/>
+                    <dgm:constr type="tMarg" refType="primFontSz" fact="0.3"/>
+                    <dgm:constr type="bMarg" refType="primFontSz" fact="0.3"/>
+                  </dgm:constrLst>
+                  <dgm:ruleLst>
+                    <dgm:rule type="primFontSz" val="5" fact="NaN" max="NaN"/>
+                  </dgm:ruleLst>
+                </dgm:layoutNode>
+                <dgm:layoutNode name="ThreeNodes_2_text">
+                  <dgm:varLst>
+                    <dgm:bulletEnabled val="1"/>
+                  </dgm:varLst>
+                  <dgm:alg type="tx">
+                    <dgm:param type="parTxLTRAlign" val="l"/>
+                    <dgm:param type="txAnchorVertCh" val="mid"/>
+                  </dgm:alg>
+                  <dgm:shape xmlns:r="http://schemas.openxmlformats.org/officeDocument/2006/relationships" type="roundRect" r:blip="" hideGeom="1">
+                    <dgm:adjLst>
+                      <dgm:adj idx="1" val="0.1"/>
+                    </dgm:adjLst>
+                  </dgm:shape>
+                  <dgm:presOf axis="ch desOrSelf" ptType="node node" st="2 1" cnt="1 0"/>
+                  <dgm:constrLst>
+                    <dgm:constr type="lMarg" refType="primFontSz" fact="0.3"/>
+                    <dgm:constr type="rMarg" refType="primFontSz" fact="0.3"/>
+                    <dgm:constr type="tMarg" refType="primFontSz" fact="0.3"/>
+                    <dgm:constr type="bMarg" refType="primFontSz" fact="0.3"/>
+                  </dgm:constrLst>
+                  <dgm:ruleLst>
+                    <dgm:rule type="primFontSz" val="5" fact="NaN" max="NaN"/>
+                  </dgm:ruleLst>
+                </dgm:layoutNode>
+                <dgm:layoutNode name="ThreeNodes_3_text">
+                  <dgm:varLst>
+                    <dgm:bulletEnabled val="1"/>
+                  </dgm:varLst>
+                  <dgm:alg type="tx">
+                    <dgm:param type="parTxLTRAlign" val="l"/>
+                    <dgm:param type="txAnchorVertCh" val="mid"/>
+                  </dgm:alg>
+                  <dgm:shape xmlns:r="http://schemas.openxmlformats.org/officeDocument/2006/relationships" type="roundRect" r:blip="" hideGeom="1">
+                    <dgm:adjLst>
+                      <dgm:adj idx="1" val="0.1"/>
+                    </dgm:adjLst>
+                  </dgm:shape>
+                  <dgm:presOf axis="ch desOrSelf" ptType="node node" st="3 1" cnt="1 0"/>
+                  <dgm:constrLst>
+                    <dgm:constr type="lMarg" refType="primFontSz" fact="0.3"/>
+                    <dgm:constr type="rMarg" refType="primFontSz" fact="0.3"/>
+                    <dgm:constr type="tMarg" refType="primFontSz" fact="0.3"/>
+                    <dgm:constr type="bMarg" refType="primFontSz" fact="0.3"/>
+                  </dgm:constrLst>
+                  <dgm:ruleLst>
+                    <dgm:rule type="primFontSz" val="5" fact="NaN" max="NaN"/>
+                  </dgm:ruleLst>
+                </dgm:layoutNode>
+              </dgm:if>
+              <dgm:else name="Name11">
+                <dgm:choose name="Name12">
+                  <dgm:if name="Name13" axis="ch" ptType="node" func="cnt" op="equ" val="4">
+                    <dgm:layoutNode name="FourNodes_1">
+                      <dgm:varLst>
+                        <dgm:bulletEnabled val="1"/>
+                      </dgm:varLst>
+                      <dgm:alg type="sp"/>
+                      <dgm:shape xmlns:r="http://schemas.openxmlformats.org/officeDocument/2006/relationships" type="roundRect" r:blip="">
+                        <dgm:adjLst>
+                          <dgm:adj idx="1" val="0.1"/>
+                        </dgm:adjLst>
+                      </dgm:shape>
+                      <dgm:presOf axis="ch desOrSelf" ptType="node node" st="1 1" cnt="1 0"/>
+                      <dgm:constrLst/>
+                      <dgm:ruleLst/>
+                    </dgm:layoutNode>
+                    <dgm:layoutNode name="FourNodes_2">
+                      <dgm:varLst>
+                        <dgm:bulletEnabled val="1"/>
+                      </dgm:varLst>
+                      <dgm:alg type="sp"/>
+                      <dgm:shape xmlns:r="http://schemas.openxmlformats.org/officeDocument/2006/relationships" type="roundRect" r:blip="">
+                        <dgm:adjLst>
+                          <dgm:adj idx="1" val="0.1"/>
+                        </dgm:adjLst>
+                      </dgm:shape>
+                      <dgm:presOf axis="ch desOrSelf" ptType="node node" st="2 1" cnt="1 0"/>
+                      <dgm:constrLst/>
+                      <dgm:ruleLst/>
+                    </dgm:layoutNode>
+                    <dgm:layoutNode name="FourNodes_3">
+                      <dgm:varLst>
+                        <dgm:bulletEnabled val="1"/>
+                      </dgm:varLst>
+                      <dgm:alg type="sp"/>
+                      <dgm:shape xmlns:r="http://schemas.openxmlformats.org/officeDocument/2006/relationships" type="roundRect" r:blip="">
+                        <dgm:adjLst>
+                          <dgm:adj idx="1" val="0.1"/>
+                        </dgm:adjLst>
+                      </dgm:shape>
+                      <dgm:presOf axis="ch desOrSelf" ptType="node node" st="3 1" cnt="1 0"/>
+                      <dgm:constrLst/>
+                      <dgm:ruleLst/>
+                    </dgm:layoutNode>
+                    <dgm:layoutNode name="FourNodes_4">
+                      <dgm:varLst>
+                        <dgm:bulletEnabled val="1"/>
+                      </dgm:varLst>
+                      <dgm:alg type="sp"/>
+                      <dgm:shape xmlns:r="http://schemas.openxmlformats.org/officeDocument/2006/relationships" type="roundRect" r:blip="">
+                        <dgm:adjLst>
+                          <dgm:adj idx="1" val="0.1"/>
+                        </dgm:adjLst>
+                      </dgm:shape>
+                      <dgm:presOf axis="ch desOrSelf" ptType="node node" st="4 1" cnt="1 0"/>
+                      <dgm:constrLst/>
+                      <dgm:ruleLst/>
+                    </dgm:layoutNode>
+                    <dgm:layoutNode name="FourConn_1-2" styleLbl="fgAccFollowNode1">
+                      <dgm:varLst>
+                        <dgm:bulletEnabled val="1"/>
+                      </dgm:varLst>
+                      <dgm:alg type="tx"/>
+                      <dgm:shape xmlns:r="http://schemas.openxmlformats.org/officeDocument/2006/relationships" type="downArrow" r:blip="">
+                        <dgm:adjLst>
+                          <dgm:adj idx="1" val="0.55"/>
+                          <dgm:adj idx="2" val="0.45"/>
+                        </dgm:adjLst>
+                      </dgm:shape>
+                      <dgm:presOf axis="ch" ptType="sibTrans" cnt="1"/>
+                      <dgm:constrLst>
+                        <dgm:constr type="lMarg" refType="primFontSz" fact="0.1"/>
+                        <dgm:constr type="rMarg" refType="primFontSz" fact="0.1"/>
+                        <dgm:constr type="tMarg" refType="primFontSz" fact="0.1"/>
+                        <dgm:constr type="bMarg" refType="primFontSz" fact="0.1"/>
+                      </dgm:constrLst>
+                      <dgm:ruleLst>
+                        <dgm:rule type="primFontSz" val="5" fact="NaN" max="NaN"/>
+                      </dgm:ruleLst>
+                    </dgm:layoutNode>
+                    <dgm:layoutNode name="FourConn_2-3" styleLbl="fgAccFollowNode1">
+                      <dgm:varLst>
+                        <dgm:bulletEnabled val="1"/>
+                      </dgm:varLst>
+                      <dgm:alg type="tx"/>
+                      <dgm:shape xmlns:r="http://schemas.openxmlformats.org/officeDocument/2006/relationships" type="downArrow" r:blip="">
+                        <dgm:adjLst>
+                          <dgm:adj idx="1" val="0.55"/>
+                          <dgm:adj idx="2" val="0.45"/>
+                        </dgm:adjLst>
+                      </dgm:shape>
+                      <dgm:presOf axis="ch" ptType="sibTrans" st="2" cnt="1"/>
+                      <dgm:constrLst>
+                        <dgm:constr type="lMarg" refType="primFontSz" fact="0.1"/>
+                        <dgm:constr type="rMarg" refType="primFontSz" fact="0.1"/>
+                        <dgm:constr type="tMarg" refType="primFontSz" fact="0.1"/>
+                        <dgm:constr type="bMarg" refType="primFontSz" fact="0.1"/>
+                      </dgm:constrLst>
+                      <dgm:ruleLst>
+                        <dgm:rule type="primFontSz" val="5" fact="NaN" max="NaN"/>
+                      </dgm:ruleLst>
+                    </dgm:layoutNode>
+                    <dgm:layoutNode name="FourConn_3-4" styleLbl="fgAccFollowNode1">
+                      <dgm:varLst>
+                        <dgm:bulletEnabled val="1"/>
+                      </dgm:varLst>
+                      <dgm:alg type="tx"/>
+                      <dgm:shape xmlns:r="http://schemas.openxmlformats.org/officeDocument/2006/relationships" type="downArrow" r:blip="">
+                        <dgm:adjLst>
+                          <dgm:adj idx="1" val="0.55"/>
+                          <dgm:adj idx="2" val="0.45"/>
+                        </dgm:adjLst>
+                      </dgm:shape>
+                      <dgm:presOf axis="ch" ptType="sibTrans" st="3" cnt="1"/>
+                      <dgm:constrLst>
+                        <dgm:constr type="lMarg" refType="primFontSz" fact="0.1"/>
+                        <dgm:constr type="rMarg" refType="primFontSz" fact="0.1"/>
+                        <dgm:constr type="tMarg" refType="primFontSz" fact="0.1"/>
+                        <dgm:constr type="bMarg" refType="primFontSz" fact="0.1"/>
+                      </dgm:constrLst>
+                      <dgm:ruleLst>
+                        <dgm:rule type="primFontSz" val="5" fact="NaN" max="NaN"/>
+                      </dgm:ruleLst>
+                    </dgm:layoutNode>
+                    <dgm:layoutNode name="FourNodes_1_text">
+                      <dgm:varLst>
+                        <dgm:bulletEnabled val="1"/>
+                      </dgm:varLst>
+                      <dgm:alg type="tx">
+                        <dgm:param type="parTxLTRAlign" val="l"/>
+                        <dgm:param type="txAnchorVertCh" val="mid"/>
+                      </dgm:alg>
+                      <dgm:shape xmlns:r="http://schemas.openxmlformats.org/officeDocument/2006/relationships" type="roundRect" r:blip="" hideGeom="1">
+                        <dgm:adjLst>
+                          <dgm:adj idx="1" val="0.1"/>
+                        </dgm:adjLst>
+                      </dgm:shape>
+                      <dgm:presOf axis="ch desOrSelf" ptType="node node" st="1 1" cnt="1 0"/>
+                      <dgm:constrLst>
+                        <dgm:constr type="lMarg" refType="primFontSz" fact="0.3"/>
+                        <dgm:constr type="rMarg" refType="primFontSz" fact="0.3"/>
+                        <dgm:constr type="tMarg" refType="primFontSz" fact="0.3"/>
+                        <dgm:constr type="bMarg" refType="primFontSz" fact="0.3"/>
+                      </dgm:constrLst>
+                      <dgm:ruleLst>
+                        <dgm:rule type="primFontSz" val="5" fact="NaN" max="NaN"/>
+                      </dgm:ruleLst>
+                    </dgm:layoutNode>
+                    <dgm:layoutNode name="FourNodes_2_text">
+                      <dgm:varLst>
+                        <dgm:bulletEnabled val="1"/>
+                      </dgm:varLst>
+                      <dgm:alg type="tx">
+                        <dgm:param type="parTxLTRAlign" val="l"/>
+                        <dgm:param type="txAnchorVertCh" val="mid"/>
+                      </dgm:alg>
+                      <dgm:shape xmlns:r="http://schemas.openxmlformats.org/officeDocument/2006/relationships" type="roundRect" r:blip="" hideGeom="1">
+                        <dgm:adjLst>
+                          <dgm:adj idx="1" val="0.1"/>
+                        </dgm:adjLst>
+                      </dgm:shape>
+                      <dgm:presOf axis="ch desOrSelf" ptType="node node" st="2 1" cnt="1 0"/>
+                      <dgm:constrLst>
+                        <dgm:constr type="lMarg" refType="primFontSz" fact="0.3"/>
+                        <dgm:constr type="rMarg" refType="primFontSz" fact="0.3"/>
+                        <dgm:constr type="tMarg" refType="primFontSz" fact="0.3"/>
+                        <dgm:constr type="bMarg" refType="primFontSz" fact="0.3"/>
+                      </dgm:constrLst>
+                      <dgm:ruleLst>
+                        <dgm:rule type="primFontSz" val="5" fact="NaN" max="NaN"/>
+                      </dgm:ruleLst>
+                    </dgm:layoutNode>
+                    <dgm:layoutNode name="FourNodes_3_text">
+                      <dgm:varLst>
+                        <dgm:bulletEnabled val="1"/>
+                      </dgm:varLst>
+                      <dgm:alg type="tx">
+                        <dgm:param type="parTxLTRAlign" val="l"/>
+                        <dgm:param type="txAnchorVertCh" val="mid"/>
+                      </dgm:alg>
+                      <dgm:shape xmlns:r="http://schemas.openxmlformats.org/officeDocument/2006/relationships" type="roundRect" r:blip="" hideGeom="1">
+                        <dgm:adjLst>
+                          <dgm:adj idx="1" val="0.1"/>
+                        </dgm:adjLst>
+                      </dgm:shape>
+                      <dgm:presOf axis="ch desOrSelf" ptType="node node" st="3 1" cnt="1 0"/>
+                      <dgm:constrLst>
+                        <dgm:constr type="lMarg" refType="primFontSz" fact="0.3"/>
+                        <dgm:constr type="rMarg" refType="primFontSz" fact="0.3"/>
+                        <dgm:constr type="tMarg" refType="primFontSz" fact="0.3"/>
+                        <dgm:constr type="bMarg" refType="primFontSz" fact="0.3"/>
+                      </dgm:constrLst>
+                      <dgm:ruleLst>
+                        <dgm:rule type="primFontSz" val="5" fact="NaN" max="NaN"/>
+                      </dgm:ruleLst>
+                    </dgm:layoutNode>
+                    <dgm:layoutNode name="FourNodes_4_text">
+                      <dgm:varLst>
+                        <dgm:bulletEnabled val="1"/>
+                      </dgm:varLst>
+                      <dgm:alg type="tx">
+                        <dgm:param type="parTxLTRAlign" val="l"/>
+                        <dgm:param type="txAnchorVertCh" val="mid"/>
+                      </dgm:alg>
+                      <dgm:shape xmlns:r="http://schemas.openxmlformats.org/officeDocument/2006/relationships" type="roundRect" r:blip="" hideGeom="1">
+                        <dgm:adjLst>
+                          <dgm:adj idx="1" val="0.1"/>
+                        </dgm:adjLst>
+                      </dgm:shape>
+                      <dgm:presOf axis="ch desOrSelf" ptType="node node" st="4 1" cnt="1 0"/>
+                      <dgm:constrLst>
+                        <dgm:constr type="lMarg" refType="primFontSz" fact="0.3"/>
+                        <dgm:constr type="rMarg" refType="primFontSz" fact="0.3"/>
+                        <dgm:constr type="tMarg" refType="primFontSz" fact="0.3"/>
+                        <dgm:constr type="bMarg" refType="primFontSz" fact="0.3"/>
+                      </dgm:constrLst>
+                      <dgm:ruleLst>
+                        <dgm:rule type="primFontSz" val="5" fact="NaN" max="NaN"/>
+                      </dgm:ruleLst>
+                    </dgm:layoutNode>
+                  </dgm:if>
+                  <dgm:else name="Name14">
+                    <dgm:choose name="Name15">
+                      <dgm:if name="Name16" axis="ch" ptType="node" func="cnt" op="gte" val="5">
+                        <dgm:layoutNode name="FiveNodes_1">
+                          <dgm:varLst>
+                            <dgm:bulletEnabled val="1"/>
+                          </dgm:varLst>
+                          <dgm:alg type="sp"/>
+                          <dgm:shape xmlns:r="http://schemas.openxmlformats.org/officeDocument/2006/relationships" type="roundRect" r:blip="">
+                            <dgm:adjLst>
+                              <dgm:adj idx="1" val="0.1"/>
+                            </dgm:adjLst>
+                          </dgm:shape>
+                          <dgm:presOf axis="ch desOrSelf" ptType="node node" st="1 1" cnt="1 0"/>
+                          <dgm:constrLst/>
+                          <dgm:ruleLst/>
+                        </dgm:layoutNode>
+                        <dgm:layoutNode name="FiveNodes_2">
+                          <dgm:varLst>
+                            <dgm:bulletEnabled val="1"/>
+                          </dgm:varLst>
+                          <dgm:alg type="sp"/>
+                          <dgm:shape xmlns:r="http://schemas.openxmlformats.org/officeDocument/2006/relationships" type="roundRect" r:blip="">
+                            <dgm:adjLst>
+                              <dgm:adj idx="1" val="0.1"/>
+                            </dgm:adjLst>
+                          </dgm:shape>
+                          <dgm:presOf axis="ch desOrSelf" ptType="node node" st="2 1" cnt="1 0"/>
+                          <dgm:constrLst/>
+                          <dgm:ruleLst/>
+                        </dgm:layoutNode>
+                        <dgm:layoutNode name="FiveNodes_3">
+                          <dgm:varLst>
+                            <dgm:bulletEnabled val="1"/>
+                          </dgm:varLst>
+                          <dgm:alg type="sp"/>
+                          <dgm:shape xmlns:r="http://schemas.openxmlformats.org/officeDocument/2006/relationships" type="roundRect" r:blip="">
+                            <dgm:adjLst>
+                              <dgm:adj idx="1" val="0.1"/>
+                            </dgm:adjLst>
+                          </dgm:shape>
+                          <dgm:presOf axis="ch desOrSelf" ptType="node node" st="3 1" cnt="1 0"/>
+                          <dgm:constrLst/>
+                          <dgm:ruleLst/>
+                        </dgm:layoutNode>
+                        <dgm:layoutNode name="FiveNodes_4">
+                          <dgm:varLst>
+                            <dgm:bulletEnabled val="1"/>
+                          </dgm:varLst>
+                          <dgm:alg type="sp"/>
+                          <dgm:shape xmlns:r="http://schemas.openxmlformats.org/officeDocument/2006/relationships" type="roundRect" r:blip="">
+                            <dgm:adjLst>
+                              <dgm:adj idx="1" val="0.1"/>
+                            </dgm:adjLst>
+                          </dgm:shape>
+                          <dgm:presOf axis="ch desOrSelf" ptType="node node" st="4 1" cnt="1 0"/>
+                          <dgm:constrLst/>
+                          <dgm:ruleLst/>
+                        </dgm:layoutNode>
+                        <dgm:layoutNode name="FiveNodes_5">
+                          <dgm:varLst>
+                            <dgm:bulletEnabled val="1"/>
+                          </dgm:varLst>
+                          <dgm:alg type="sp"/>
+                          <dgm:shape xmlns:r="http://schemas.openxmlformats.org/officeDocument/2006/relationships" type="roundRect" r:blip="">
+                            <dgm:adjLst>
+                              <dgm:adj idx="1" val="0.1"/>
+                            </dgm:adjLst>
+                          </dgm:shape>
+                          <dgm:presOf axis="ch desOrSelf" ptType="node node" st="5 1" cnt="1 0"/>
+                          <dgm:constrLst/>
+                          <dgm:ruleLst/>
+                        </dgm:layoutNode>
+                        <dgm:layoutNode name="FiveConn_1-2" styleLbl="fgAccFollowNode1">
+                          <dgm:varLst>
+                            <dgm:bulletEnabled val="1"/>
+                          </dgm:varLst>
+                          <dgm:alg type="tx"/>
+                          <dgm:shape xmlns:r="http://schemas.openxmlformats.org/officeDocument/2006/relationships" type="downArrow" r:blip="">
+                            <dgm:adjLst>
+                              <dgm:adj idx="1" val="0.55"/>
+                              <dgm:adj idx="2" val="0.45"/>
+                            </dgm:adjLst>
+                          </dgm:shape>
+                          <dgm:presOf axis="ch" ptType="sibTrans" cnt="1"/>
+                          <dgm:constrLst>
+                            <dgm:constr type="lMarg" refType="primFontSz" fact="0.1"/>
+                            <dgm:constr type="rMarg" refType="primFontSz" fact="0.1"/>
+                            <dgm:constr type="tMarg" refType="primFontSz" fact="0.1"/>
+                            <dgm:constr type="bMarg" refType="primFontSz" fact="0.1"/>
+                          </dgm:constrLst>
+                          <dgm:ruleLst>
+                            <dgm:rule type="primFontSz" val="5" fact="NaN" max="NaN"/>
+                          </dgm:ruleLst>
+                        </dgm:layoutNode>
+                        <dgm:layoutNode name="FiveConn_2-3" styleLbl="fgAccFollowNode1">
+                          <dgm:varLst>
+                            <dgm:bulletEnabled val="1"/>
+                          </dgm:varLst>
+                          <dgm:alg type="tx"/>
+                          <dgm:shape xmlns:r="http://schemas.openxmlformats.org/officeDocument/2006/relationships" type="downArrow" r:blip="">
+                            <dgm:adjLst>
+                              <dgm:adj idx="1" val="0.55"/>
+                              <dgm:adj idx="2" val="0.45"/>
+                            </dgm:adjLst>
+                          </dgm:shape>
+                          <dgm:presOf axis="ch" ptType="sibTrans" st="2" cnt="1"/>
+                          <dgm:constrLst>
+                            <dgm:constr type="lMarg" refType="primFontSz" fact="0.1"/>
+                            <dgm:constr type="rMarg" refType="primFontSz" fact="0.1"/>
+                            <dgm:constr type="tMarg" refType="primFontSz" fact="0.1"/>
+                            <dgm:constr type="bMarg" refType="primFontSz" fact="0.1"/>
+                          </dgm:constrLst>
+                          <dgm:ruleLst>
+                            <dgm:rule type="primFontSz" val="5" fact="NaN" max="NaN"/>
+                          </dgm:ruleLst>
+                        </dgm:layoutNode>
+                        <dgm:layoutNode name="FiveConn_3-4" styleLbl="fgAccFollowNode1">
+                          <dgm:varLst>
+                            <dgm:bulletEnabled val="1"/>
+                          </dgm:varLst>
+                          <dgm:alg type="tx"/>
+                          <dgm:shape xmlns:r="http://schemas.openxmlformats.org/officeDocument/2006/relationships" type="downArrow" r:blip="">
+                            <dgm:adjLst>
+                              <dgm:adj idx="1" val="0.55"/>
+                              <dgm:adj idx="2" val="0.45"/>
+                            </dgm:adjLst>
+                          </dgm:shape>
+                          <dgm:presOf axis="ch" ptType="sibTrans" st="3" cnt="1"/>
+                          <dgm:constrLst>
+                            <dgm:constr type="lMarg" refType="primFontSz" fact="0.1"/>
+                            <dgm:constr type="rMarg" refType="primFontSz" fact="0.1"/>
+                            <dgm:constr type="tMarg" refType="primFontSz" fact="0.1"/>
+                            <dgm:constr type="bMarg" refType="primFontSz" fact="0.1"/>
+                          </dgm:constrLst>
+                          <dgm:ruleLst>
+                            <dgm:rule type="primFontSz" val="5" fact="NaN" max="NaN"/>
+                          </dgm:ruleLst>
+                        </dgm:layoutNode>
+                        <dgm:layoutNode name="FiveConn_4-5" styleLbl="fgAccFollowNode1">
+                          <dgm:varLst>
+                            <dgm:bulletEnabled val="1"/>
+                          </dgm:varLst>
+                          <dgm:alg type="tx"/>
+                          <dgm:shape xmlns:r="http://schemas.openxmlformats.org/officeDocument/2006/relationships" type="downArrow" r:blip="">
+                            <dgm:adjLst>
+                              <dgm:adj idx="1" val="0.55"/>
+                              <dgm:adj idx="2" val="0.45"/>
+                            </dgm:adjLst>
+                          </dgm:shape>
+                          <dgm:presOf axis="ch" ptType="sibTrans" st="4" cnt="1"/>
+                          <dgm:constrLst>
+                            <dgm:constr type="lMarg" refType="primFontSz" fact="0.1"/>
+                            <dgm:constr type="rMarg" refType="primFontSz" fact="0.1"/>
+                            <dgm:constr type="tMarg" refType="primFontSz" fact="0.1"/>
+                            <dgm:constr type="bMarg" refType="primFontSz" fact="0.1"/>
+                          </dgm:constrLst>
+                          <dgm:ruleLst>
+                            <dgm:rule type="primFontSz" val="5" fact="NaN" max="NaN"/>
+                          </dgm:ruleLst>
+                        </dgm:layoutNode>
+                        <dgm:layoutNode name="FiveNodes_1_text">
+                          <dgm:varLst>
+                            <dgm:bulletEnabled val="1"/>
+                          </dgm:varLst>
+                          <dgm:alg type="tx">
+                            <dgm:param type="parTxLTRAlign" val="l"/>
+                            <dgm:param type="txAnchorVertCh" val="mid"/>
+                          </dgm:alg>
+                          <dgm:shape xmlns:r="http://schemas.openxmlformats.org/officeDocument/2006/relationships" type="roundRect" r:blip="" hideGeom="1">
+                            <dgm:adjLst>
+                              <dgm:adj idx="1" val="0.1"/>
+                            </dgm:adjLst>
+                          </dgm:shape>
+                          <dgm:presOf axis="ch desOrSelf" ptType="node node" st="1 1" cnt="1 0"/>
+                          <dgm:constrLst>
+                            <dgm:constr type="lMarg" refType="primFontSz" fact="0.3"/>
+                            <dgm:constr type="rMarg" refType="primFontSz" fact="0.3"/>
+                            <dgm:constr type="tMarg" refType="primFontSz" fact="0.3"/>
+                            <dgm:constr type="bMarg" refType="primFontSz" fact="0.3"/>
+                          </dgm:constrLst>
+                          <dgm:ruleLst>
+                            <dgm:rule type="primFontSz" val="5" fact="NaN" max="NaN"/>
+                          </dgm:ruleLst>
+                        </dgm:layoutNode>
+                        <dgm:layoutNode name="FiveNodes_2_text">
+                          <dgm:varLst>
+                            <dgm:bulletEnabled val="1"/>
+                          </dgm:varLst>
+                          <dgm:alg type="tx">
+                            <dgm:param type="parTxLTRAlign" val="l"/>
+                            <dgm:param type="txAnchorVertCh" val="mid"/>
+                          </dgm:alg>
+                          <dgm:shape xmlns:r="http://schemas.openxmlformats.org/officeDocument/2006/relationships" type="roundRect" r:blip="" hideGeom="1">
+                            <dgm:adjLst>
+                              <dgm:adj idx="1" val="0.1"/>
+                            </dgm:adjLst>
+                          </dgm:shape>
+                          <dgm:presOf axis="ch desOrSelf" ptType="node node" st="2 1" cnt="1 0"/>
+                          <dgm:constrLst>
+                            <dgm:constr type="lMarg" refType="primFontSz" fact="0.3"/>
+                            <dgm:constr type="rMarg" refType="primFontSz" fact="0.3"/>
+                            <dgm:constr type="tMarg" refType="primFontSz" fact="0.3"/>
+                            <dgm:constr type="bMarg" refType="primFontSz" fact="0.3"/>
+                          </dgm:constrLst>
+                          <dgm:ruleLst>
+                            <dgm:rule type="primFontSz" val="5" fact="NaN" max="NaN"/>
+                          </dgm:ruleLst>
+                        </dgm:layoutNode>
+                        <dgm:layoutNode name="FiveNodes_3_text">
+                          <dgm:varLst>
+                            <dgm:bulletEnabled val="1"/>
+                          </dgm:varLst>
+                          <dgm:alg type="tx">
+                            <dgm:param type="parTxLTRAlign" val="l"/>
+                            <dgm:param type="txAnchorVertCh" val="mid"/>
+                          </dgm:alg>
+                          <dgm:shape xmlns:r="http://schemas.openxmlformats.org/officeDocument/2006/relationships" type="roundRect" r:blip="" hideGeom="1">
+                            <dgm:adjLst>
+                              <dgm:adj idx="1" val="0.1"/>
+                            </dgm:adjLst>
+                          </dgm:shape>
+                          <dgm:presOf axis="ch desOrSelf" ptType="node node" st="3 1" cnt="1 0"/>
+                          <dgm:constrLst>
+                            <dgm:constr type="lMarg" refType="primFontSz" fact="0.3"/>
+                            <dgm:constr type="rMarg" refType="primFontSz" fact="0.3"/>
+                            <dgm:constr type="tMarg" refType="primFontSz" fact="0.3"/>
+                            <dgm:constr type="bMarg" refType="primFontSz" fact="0.3"/>
+                          </dgm:constrLst>
+                          <dgm:ruleLst>
+                            <dgm:rule type="primFontSz" val="5" fact="NaN" max="NaN"/>
+                          </dgm:ruleLst>
+                        </dgm:layoutNode>
+                        <dgm:layoutNode name="FiveNodes_4_text">
+                          <dgm:varLst>
+                            <dgm:bulletEnabled val="1"/>
+                          </dgm:varLst>
+                          <dgm:alg type="tx">
+                            <dgm:param type="parTxLTRAlign" val="l"/>
+                            <dgm:param type="txAnchorVertCh" val="mid"/>
+                          </dgm:alg>
+                          <dgm:shape xmlns:r="http://schemas.openxmlformats.org/officeDocument/2006/relationships" type="roundRect" r:blip="" hideGeom="1">
+                            <dgm:adjLst>
+                              <dgm:adj idx="1" val="0.1"/>
+                            </dgm:adjLst>
+                          </dgm:shape>
+                          <dgm:presOf axis="ch desOrSelf" ptType="node node" st="4 1" cnt="1 0"/>
+                          <dgm:constrLst>
+                            <dgm:constr type="lMarg" refType="primFontSz" fact="0.3"/>
+                            <dgm:constr type="rMarg" refType="primFontSz" fact="0.3"/>
+                            <dgm:constr type="tMarg" refType="primFontSz" fact="0.3"/>
+                            <dgm:constr type="bMarg" refType="primFontSz" fact="0.3"/>
+                          </dgm:constrLst>
+                          <dgm:ruleLst>
+                            <dgm:rule type="primFontSz" val="5" fact="NaN" max="NaN"/>
+                          </dgm:ruleLst>
+                        </dgm:layoutNode>
+                        <dgm:layoutNode name="FiveNodes_5_text">
+                          <dgm:varLst>
+                            <dgm:bulletEnabled val="1"/>
+                          </dgm:varLst>
+                          <dgm:alg type="tx">
+                            <dgm:param type="parTxLTRAlign" val="l"/>
+                            <dgm:param type="txAnchorVertCh" val="mid"/>
+                          </dgm:alg>
+                          <dgm:shape xmlns:r="http://schemas.openxmlformats.org/officeDocument/2006/relationships" type="roundRect" r:blip="" hideGeom="1">
+                            <dgm:adjLst>
+                              <dgm:adj idx="1" val="0.1"/>
+                            </dgm:adjLst>
+                          </dgm:shape>
+                          <dgm:presOf axis="ch desOrSelf" ptType="node node" st="5 1" cnt="1 0"/>
+                          <dgm:constrLst>
+                            <dgm:constr type="lMarg" refType="primFontSz" fact="0.3"/>
+                            <dgm:constr type="rMarg" refType="primFontSz" fact="0.3"/>
+                            <dgm:constr type="tMarg" refType="primFontSz" fact="0.3"/>
+                            <dgm:constr type="bMarg" refType="primFontSz" fact="0.3"/>
+                          </dgm:constrLst>
+                          <dgm:ruleLst>
+                            <dgm:rule type="primFontSz" val="5" fact="NaN" max="NaN"/>
+                          </dgm:ruleLst>
+                        </dgm:layoutNode>
+                      </dgm:if>
+                      <dgm:else name="Name17"/>
+                    </dgm:choose>
+                  </dgm:else>
+                </dgm:choose>
+              </dgm:else>
+            </dgm:choose>
+          </dgm:else>
+        </dgm:choose>
+      </dgm:else>
+    </dgm:choose>
   </dgm:layoutNode>
 </dgm:layoutDef>
 </file>
 
 <file path=ppt/diagrams/layout3.xml><?xml version="1.0" encoding="utf-8"?>
-<dgm:layoutDef xmlns:dgm="http://schemas.openxmlformats.org/drawingml/2006/diagram" xmlns:a="http://schemas.openxmlformats.org/drawingml/2006/main" uniqueId="urn:microsoft.com/office/officeart/2005/8/layout/process1">
+<dgm:layoutDef xmlns:dgm="http://schemas.openxmlformats.org/drawingml/2006/diagram" xmlns:a="http://schemas.openxmlformats.org/drawingml/2006/main" uniqueId="urn:microsoft.com/office/officeart/2005/8/layout/vProcess5">
   <dgm:title val=""/>
   <dgm:desc val=""/>
   <dgm:catLst>
-    <dgm:cat type="process" pri="1000"/>
-    <dgm:cat type="convert" pri="15000"/>
+    <dgm:cat type="process" pri="14000"/>
   </dgm:catLst>
-  <dgm:sampData useDef="1">
+  <dgm:sampData>
     <dgm:dataModel>
-      <dgm:ptLst/>
+      <dgm:ptLst>
+        <dgm:pt modelId="0" type="doc"/>
+        <dgm:pt modelId="1">
+          <dgm:prSet phldr="1"/>
+        </dgm:pt>
+        <dgm:pt modelId="2">
+          <dgm:prSet phldr="1"/>
+        </dgm:pt>
+        <dgm:pt modelId="3">
+          <dgm:prSet phldr="1"/>
+        </dgm:pt>
+      </dgm:ptLst>
+      <dgm:cxnLst>
+        <dgm:cxn modelId="5" srcId="0" destId="1" srcOrd="0" destOrd="0"/>
+        <dgm:cxn modelId="6" srcId="0" destId="2" srcOrd="1" destOrd="0"/>
+        <dgm:cxn modelId="7" srcId="0" destId="3" srcOrd="2" destOrd="0"/>
+      </dgm:cxnLst>
       <dgm:bg/>
       <dgm:whole/>
     </dgm:dataModel>
@@ -6263,108 +7486,1173 @@
         <dgm:pt modelId="4"/>
       </dgm:ptLst>
       <dgm:cxnLst>
-        <dgm:cxn modelId="5" srcId="0" destId="1" srcOrd="0" destOrd="0"/>
-        <dgm:cxn modelId="6" srcId="0" destId="2" srcOrd="1" destOrd="0"/>
-        <dgm:cxn modelId="7" srcId="0" destId="3" srcOrd="2" destOrd="0"/>
-        <dgm:cxn modelId="8" srcId="0" destId="4" srcOrd="3" destOrd="0"/>
+        <dgm:cxn modelId="6" srcId="0" destId="1" srcOrd="0" destOrd="0"/>
+        <dgm:cxn modelId="7" srcId="0" destId="2" srcOrd="1" destOrd="0"/>
+        <dgm:cxn modelId="8" srcId="0" destId="3" srcOrd="2" destOrd="0"/>
+        <dgm:cxn modelId="9" srcId="0" destId="4" srcOrd="3" destOrd="0"/>
       </dgm:cxnLst>
       <dgm:bg/>
       <dgm:whole/>
     </dgm:dataModel>
   </dgm:clrData>
-  <dgm:layoutNode name="Name0">
+  <dgm:layoutNode name="outerComposite">
     <dgm:varLst>
+      <dgm:chMax val="5"/>
       <dgm:dir/>
       <dgm:resizeHandles val="exact"/>
     </dgm:varLst>
-    <dgm:choose name="Name1">
-      <dgm:if name="Name2" func="var" arg="dir" op="equ" val="norm">
-        <dgm:alg type="lin"/>
-      </dgm:if>
-      <dgm:else name="Name3">
-        <dgm:alg type="lin">
-          <dgm:param type="linDir" val="fromR"/>
-        </dgm:alg>
-      </dgm:else>
-    </dgm:choose>
+    <dgm:alg type="composite"/>
     <dgm:shape xmlns:r="http://schemas.openxmlformats.org/officeDocument/2006/relationships" r:blip="">
       <dgm:adjLst/>
     </dgm:shape>
     <dgm:presOf/>
-    <dgm:constrLst>
-      <dgm:constr type="w" for="ch" ptType="node" refType="w"/>
-      <dgm:constr type="h" for="ch" ptType="node" op="equ"/>
-      <dgm:constr type="primFontSz" for="ch" ptType="node" op="equ" val="65"/>
-      <dgm:constr type="w" for="ch" ptType="sibTrans" refType="w" refFor="ch" refPtType="node" op="equ" fact="0.4"/>
-      <dgm:constr type="h" for="ch" ptType="sibTrans" op="equ"/>
-      <dgm:constr type="primFontSz" for="des" forName="connectorText" op="equ" val="55"/>
-      <dgm:constr type="primFontSz" for="des" forName="connectorText" refType="primFontSz" refFor="ch" refPtType="node" op="lte" fact="0.8"/>
-    </dgm:constrLst>
+    <dgm:choose name="Name0">
+      <dgm:if name="Name1" func="var" arg="dir" op="equ" val="norm">
+        <dgm:constrLst>
+          <dgm:constr type="primFontSz" for="ch" ptType="node" op="equ" val="65"/>
+          <dgm:constr type="w" for="ch" forName="dummyMaxCanvas" refType="w"/>
+          <dgm:constr type="h" for="ch" forName="dummyMaxCanvas" refType="h"/>
+          <dgm:constr type="w" for="ch" forName="OneNode_1" refType="w"/>
+          <dgm:constr type="h" for="ch" forName="OneNode_1" refType="h" fact="0.5"/>
+          <dgm:constr type="ctrY" for="ch" forName="OneNode_1" refType="h" fact="0.5"/>
+          <dgm:constr type="w" for="ch" forName="TwoNodes_1" refType="w" fact="0.85"/>
+          <dgm:constr type="h" for="ch" forName="TwoNodes_1" refType="h" fact="0.45"/>
+          <dgm:constr type="t" for="ch" forName="TwoNodes_1"/>
+          <dgm:constr type="l" for="ch" forName="TwoNodes_1"/>
+          <dgm:constr type="w" for="ch" forName="TwoNodes_2" refType="w" fact="0.85"/>
+          <dgm:constr type="h" for="ch" forName="TwoNodes_2" refType="h" fact="0.45"/>
+          <dgm:constr type="b" for="ch" forName="TwoNodes_2" refType="h"/>
+          <dgm:constr type="r" for="ch" forName="TwoNodes_2" refType="w"/>
+          <dgm:constr type="w" for="ch" forName="TwoConn_1-2" refType="h" refFor="ch" refForName="TwoNodes_1" fact="0.65"/>
+          <dgm:constr type="h" for="ch" forName="TwoConn_1-2" refType="h" refFor="ch" refForName="TwoNodes_1" fact="0.65"/>
+          <dgm:constr type="ctrY" for="ch" forName="TwoConn_1-2" refType="h" fact="0.5"/>
+          <dgm:constr type="r" for="ch" forName="TwoConn_1-2" refType="r" refFor="ch" refForName="TwoNodes_1"/>
+          <dgm:constr type="r" for="ch" forName="TwoNodes_1_text" refType="l" refFor="ch" refForName="TwoConn_1-2"/>
+          <dgm:constr type="rOff" for="ch" forName="TwoNodes_1_text" refType="w" refFor="ch" refForName="TwoConn_1-2" fact="-0.5"/>
+          <dgm:constr type="t" for="ch" forName="TwoNodes_1_text" refType="t" refFor="ch" refForName="TwoNodes_1"/>
+          <dgm:constr type="b" for="ch" forName="TwoNodes_1_text" refType="b" refFor="ch" refForName="TwoNodes_1"/>
+          <dgm:constr type="l" for="ch" forName="TwoNodes_1_text" refType="l" refFor="ch" refForName="TwoNodes_1"/>
+          <dgm:constr type="r" for="ch" forName="TwoNodes_2_text" refType="l" refFor="ch" refForName="TwoConn_1-2"/>
+          <dgm:constr type="t" for="ch" forName="TwoNodes_2_text" refType="t" refFor="ch" refForName="TwoNodes_2"/>
+          <dgm:constr type="b" for="ch" forName="TwoNodes_2_text" refType="b" refFor="ch" refForName="TwoNodes_2"/>
+          <dgm:constr type="l" for="ch" forName="TwoNodes_2_text" refType="l" refFor="ch" refForName="TwoNodes_2"/>
+          <dgm:constr type="w" for="ch" forName="ThreeNodes_1" refType="w" fact="0.85"/>
+          <dgm:constr type="h" for="ch" forName="ThreeNodes_1" refType="h" fact="0.3"/>
+          <dgm:constr type="t" for="ch" forName="ThreeNodes_1"/>
+          <dgm:constr type="l" for="ch" forName="ThreeNodes_1"/>
+          <dgm:constr type="w" for="ch" forName="ThreeNodes_2" refType="w" fact="0.85"/>
+          <dgm:constr type="h" for="ch" forName="ThreeNodes_2" refType="h" fact="0.3"/>
+          <dgm:constr type="ctrY" for="ch" forName="ThreeNodes_2" refType="h" fact="0.5"/>
+          <dgm:constr type="ctrX" for="ch" forName="ThreeNodes_2" refType="w" fact="0.5"/>
+          <dgm:constr type="w" for="ch" forName="ThreeNodes_3" refType="w" fact="0.85"/>
+          <dgm:constr type="h" for="ch" forName="ThreeNodes_3" refType="h" fact="0.3"/>
+          <dgm:constr type="b" for="ch" forName="ThreeNodes_3" refType="h"/>
+          <dgm:constr type="r" for="ch" forName="ThreeNodes_3" refType="w"/>
+          <dgm:constr type="w" for="ch" forName="ThreeConn_1-2" refType="h" refFor="ch" refForName="ThreeNodes_1" fact="0.65"/>
+          <dgm:constr type="h" for="ch" forName="ThreeConn_1-2" refType="h" refFor="ch" refForName="ThreeNodes_1" fact="0.65"/>
+          <dgm:constr type="ctrY" for="ch" forName="ThreeConn_1-2" refType="h" fact="0.325"/>
+          <dgm:constr type="r" for="ch" forName="ThreeConn_1-2" refType="r" refFor="ch" refForName="ThreeNodes_1"/>
+          <dgm:constr type="w" for="ch" forName="ThreeConn_2-3" refType="h" refFor="ch" refForName="ThreeNodes_2" fact="0.65"/>
+          <dgm:constr type="h" for="ch" forName="ThreeConn_2-3" refType="h" refFor="ch" refForName="ThreeNodes_2" fact="0.65"/>
+          <dgm:constr type="ctrY" for="ch" forName="ThreeConn_2-3" refType="h" fact="0.673"/>
+          <dgm:constr type="r" for="ch" forName="ThreeConn_2-3" refType="r" refFor="ch" refForName="ThreeNodes_2"/>
+          <dgm:constr type="r" for="ch" forName="ThreeNodes_1_text" refType="l" refFor="ch" refForName="ThreeConn_1-2"/>
+          <dgm:constr type="rOff" for="ch" forName="ThreeNodes_1_text" refType="w" refFor="ch" refForName="ThreeConn_1-2" fact="-0.57"/>
+          <dgm:constr type="t" for="ch" forName="ThreeNodes_1_text" refType="t" refFor="ch" refForName="ThreeNodes_1"/>
+          <dgm:constr type="b" for="ch" forName="ThreeNodes_1_text" refType="b" refFor="ch" refForName="ThreeNodes_1"/>
+          <dgm:constr type="l" for="ch" forName="ThreeNodes_1_text" refType="l" refFor="ch" refForName="ThreeNodes_1"/>
+          <dgm:constr type="r" for="ch" forName="ThreeNodes_2_text" refType="l" refFor="ch" refForName="ThreeConn_1-2"/>
+          <dgm:constr type="t" for="ch" forName="ThreeNodes_2_text" refType="t" refFor="ch" refForName="ThreeNodes_2"/>
+          <dgm:constr type="b" for="ch" forName="ThreeNodes_2_text" refType="b" refFor="ch" refForName="ThreeNodes_2"/>
+          <dgm:constr type="l" for="ch" forName="ThreeNodes_2_text" refType="l" refFor="ch" refForName="ThreeNodes_2"/>
+          <dgm:constr type="r" for="ch" forName="ThreeNodes_3_text" refType="l" refFor="ch" refForName="ThreeConn_2-3"/>
+          <dgm:constr type="t" for="ch" forName="ThreeNodes_3_text" refType="t" refFor="ch" refForName="ThreeNodes_3"/>
+          <dgm:constr type="b" for="ch" forName="ThreeNodes_3_text" refType="b" refFor="ch" refForName="ThreeNodes_3"/>
+          <dgm:constr type="l" for="ch" forName="ThreeNodes_3_text" refType="l" refFor="ch" refForName="ThreeNodes_3"/>
+          <dgm:constr type="w" for="ch" forName="FourNodes_1" refType="w" fact="0.8"/>
+          <dgm:constr type="h" for="ch" forName="FourNodes_1" refType="h" fact="0.22"/>
+          <dgm:constr type="t" for="ch" forName="FourNodes_1"/>
+          <dgm:constr type="l" for="ch" forName="FourNodes_1"/>
+          <dgm:constr type="w" for="ch" forName="FourNodes_2" refType="w" fact="0.8"/>
+          <dgm:constr type="h" for="ch" forName="FourNodes_2" refType="h" fact="0.22"/>
+          <dgm:constr type="ctrY" for="ch" forName="FourNodes_2" refType="h" fact="0.37"/>
+          <dgm:constr type="ctrX" for="ch" forName="FourNodes_2" refType="w" fact="0.467"/>
+          <dgm:constr type="w" for="ch" forName="FourNodes_3" refType="w" fact="0.8"/>
+          <dgm:constr type="h" for="ch" forName="FourNodes_3" refType="h" fact="0.22"/>
+          <dgm:constr type="ctrY" for="ch" forName="FourNodes_3" refType="h" fact="0.63"/>
+          <dgm:constr type="ctrX" for="ch" forName="FourNodes_3" refType="w" fact="0.533"/>
+          <dgm:constr type="w" for="ch" forName="FourNodes_4" refType="w" fact="0.8"/>
+          <dgm:constr type="h" for="ch" forName="FourNodes_4" refType="h" fact="0.22"/>
+          <dgm:constr type="b" for="ch" forName="FourNodes_4" refType="h"/>
+          <dgm:constr type="r" for="ch" forName="FourNodes_4" refType="w"/>
+          <dgm:constr type="w" for="ch" forName="FourConn_1-2" refType="h" refFor="ch" refForName="FourNodes_1" fact="0.65"/>
+          <dgm:constr type="h" for="ch" forName="FourConn_1-2" refType="h" refFor="ch" refForName="FourNodes_1" fact="0.65"/>
+          <dgm:constr type="ctrY" for="ch" forName="FourConn_1-2" refType="h" fact="0.24"/>
+          <dgm:constr type="r" for="ch" forName="FourConn_1-2" refType="r" refFor="ch" refForName="FourNodes_1"/>
+          <dgm:constr type="w" for="ch" forName="FourConn_2-3" refType="h" refFor="ch" refForName="FourNodes_2" fact="0.65"/>
+          <dgm:constr type="h" for="ch" forName="FourConn_2-3" refType="h" refFor="ch" refForName="FourNodes_2" fact="0.65"/>
+          <dgm:constr type="ctrY" for="ch" forName="FourConn_2-3" refType="h" fact="0.5"/>
+          <dgm:constr type="r" for="ch" forName="FourConn_2-3" refType="r" refFor="ch" refForName="FourNodes_2"/>
+          <dgm:constr type="w" for="ch" forName="FourConn_3-4" refType="h" refFor="ch" refForName="FourNodes_3" fact="0.65"/>
+          <dgm:constr type="h" for="ch" forName="FourConn_3-4" refType="h" refFor="ch" refForName="FourNodes_3" fact="0.65"/>
+          <dgm:constr type="ctrY" for="ch" forName="FourConn_3-4" refType="h" fact="0.76"/>
+          <dgm:constr type="r" for="ch" forName="FourConn_3-4" refType="r" refFor="ch" refForName="FourNodes_3"/>
+          <dgm:constr type="r" for="ch" forName="FourNodes_1_text" refType="l" refFor="ch" refForName="FourConn_1-2"/>
+          <dgm:constr type="rOff" for="ch" forName="FourNodes_1_text" refType="w" refFor="ch" refForName="FourConn_1-2" fact="-0.7"/>
+          <dgm:constr type="t" for="ch" forName="FourNodes_1_text" refType="t" refFor="ch" refForName="FourNodes_1"/>
+          <dgm:constr type="b" for="ch" forName="FourNodes_1_text" refType="b" refFor="ch" refForName="FourNodes_1"/>
+          <dgm:constr type="l" for="ch" forName="FourNodes_1_text" refType="l" refFor="ch" refForName="FourNodes_1"/>
+          <dgm:constr type="r" for="ch" forName="FourNodes_2_text" refType="l" refFor="ch" refForName="FourConn_1-2"/>
+          <dgm:constr type="t" for="ch" forName="FourNodes_2_text" refType="t" refFor="ch" refForName="FourNodes_2"/>
+          <dgm:constr type="b" for="ch" forName="FourNodes_2_text" refType="b" refFor="ch" refForName="FourNodes_2"/>
+          <dgm:constr type="l" for="ch" forName="FourNodes_2_text" refType="l" refFor="ch" refForName="FourNodes_2"/>
+          <dgm:constr type="r" for="ch" forName="FourNodes_3_text" refType="l" refFor="ch" refForName="FourConn_2-3"/>
+          <dgm:constr type="t" for="ch" forName="FourNodes_3_text" refType="t" refFor="ch" refForName="FourNodes_3"/>
+          <dgm:constr type="b" for="ch" forName="FourNodes_3_text" refType="b" refFor="ch" refForName="FourNodes_3"/>
+          <dgm:constr type="l" for="ch" forName="FourNodes_3_text" refType="l" refFor="ch" refForName="FourNodes_3"/>
+          <dgm:constr type="r" for="ch" forName="FourNodes_4_text" refType="l" refFor="ch" refForName="FourConn_3-4"/>
+          <dgm:constr type="t" for="ch" forName="FourNodes_4_text" refType="t" refFor="ch" refForName="FourNodes_4"/>
+          <dgm:constr type="b" for="ch" forName="FourNodes_4_text" refType="b" refFor="ch" refForName="FourNodes_4"/>
+          <dgm:constr type="l" for="ch" forName="FourNodes_4_text" refType="l" refFor="ch" refForName="FourNodes_4"/>
+          <dgm:constr type="w" for="ch" forName="FiveNodes_1" refType="w" fact="0.77"/>
+          <dgm:constr type="h" for="ch" forName="FiveNodes_1" refType="h" fact="0.18"/>
+          <dgm:constr type="t" for="ch" forName="FiveNodes_1"/>
+          <dgm:constr type="l" for="ch" forName="FiveNodes_1"/>
+          <dgm:constr type="w" for="ch" forName="FiveNodes_2" refType="w" fact="0.77"/>
+          <dgm:constr type="h" for="ch" forName="FiveNodes_2" refType="h" fact="0.18"/>
+          <dgm:constr type="ctrY" for="ch" forName="FiveNodes_2" refType="h" fact="0.295"/>
+          <dgm:constr type="ctrX" for="ch" forName="FiveNodes_2" refType="w" fact="0.4425"/>
+          <dgm:constr type="w" for="ch" forName="FiveNodes_3" refType="w" fact="0.77"/>
+          <dgm:constr type="h" for="ch" forName="FiveNodes_3" refType="h" fact="0.18"/>
+          <dgm:constr type="ctrY" for="ch" forName="FiveNodes_3" refType="h" fact="0.5"/>
+          <dgm:constr type="ctrX" for="ch" forName="FiveNodes_3" refType="w" fact="0.5"/>
+          <dgm:constr type="w" for="ch" forName="FiveNodes_4" refType="w" fact="0.77"/>
+          <dgm:constr type="h" for="ch" forName="FiveNodes_4" refType="h" fact="0.18"/>
+          <dgm:constr type="ctrY" for="ch" forName="FiveNodes_4" refType="h" fact="0.705"/>
+          <dgm:constr type="ctrX" for="ch" forName="FiveNodes_4" refType="w" fact="0.5575"/>
+          <dgm:constr type="w" for="ch" forName="FiveNodes_5" refType="w" fact="0.77"/>
+          <dgm:constr type="h" for="ch" forName="FiveNodes_5" refType="h" fact="0.18"/>
+          <dgm:constr type="b" for="ch" forName="FiveNodes_5" refType="h"/>
+          <dgm:constr type="r" for="ch" forName="FiveNodes_5" refType="w"/>
+          <dgm:constr type="w" for="ch" forName="FiveConn_1-2" refType="h" refFor="ch" refForName="FiveNodes_1" fact="0.65"/>
+          <dgm:constr type="h" for="ch" forName="FiveConn_1-2" refType="h" refFor="ch" refForName="FiveNodes_1" fact="0.65"/>
+          <dgm:constr type="ctrY" for="ch" forName="FiveConn_1-2" refType="h" fact="0.19"/>
+          <dgm:constr type="r" for="ch" forName="FiveConn_1-2" refType="r" refFor="ch" refForName="FiveNodes_1"/>
+          <dgm:constr type="w" for="ch" forName="FiveConn_2-3" refType="h" refFor="ch" refForName="FiveNodes_2" fact="0.65"/>
+          <dgm:constr type="h" for="ch" forName="FiveConn_2-3" refType="h" refFor="ch" refForName="FiveNodes_2" fact="0.65"/>
+          <dgm:constr type="ctrY" for="ch" forName="FiveConn_2-3" refType="h" fact="0.395"/>
+          <dgm:constr type="r" for="ch" forName="FiveConn_2-3" refType="r" refFor="ch" refForName="FiveNodes_2"/>
+          <dgm:constr type="w" for="ch" forName="FiveConn_3-4" refType="h" refFor="ch" refForName="FiveNodes_3" fact="0.65"/>
+          <dgm:constr type="h" for="ch" forName="FiveConn_3-4" refType="h" refFor="ch" refForName="FiveNodes_3" fact="0.65"/>
+          <dgm:constr type="ctrY" for="ch" forName="FiveConn_3-4" refType="h" fact="0.597"/>
+          <dgm:constr type="r" for="ch" forName="FiveConn_3-4" refType="r" refFor="ch" refForName="FiveNodes_3"/>
+          <dgm:constr type="w" for="ch" forName="FiveConn_4-5" refType="h" refFor="ch" refForName="FiveNodes_4" fact="0.65"/>
+          <dgm:constr type="h" for="ch" forName="FiveConn_4-5" refType="h" refFor="ch" refForName="FiveNodes_4" fact="0.65"/>
+          <dgm:constr type="ctrY" for="ch" forName="FiveConn_4-5" refType="h" fact="0.804"/>
+          <dgm:constr type="r" for="ch" forName="FiveConn_4-5" refType="r" refFor="ch" refForName="FiveNodes_4"/>
+          <dgm:constr type="r" for="ch" forName="FiveNodes_1_text" refType="l" refFor="ch" refForName="FiveConn_1-2"/>
+          <dgm:constr type="rOff" for="ch" forName="FiveNodes_1_text" refType="w" refFor="ch" refForName="FiveConn_1-2" fact="-0.75"/>
+          <dgm:constr type="t" for="ch" forName="FiveNodes_1_text" refType="t" refFor="ch" refForName="FiveNodes_1"/>
+          <dgm:constr type="b" for="ch" forName="FiveNodes_1_text" refType="b" refFor="ch" refForName="FiveNodes_1"/>
+          <dgm:constr type="l" for="ch" forName="FiveNodes_1_text" refType="l" refFor="ch" refForName="FiveNodes_1"/>
+          <dgm:constr type="r" for="ch" forName="FiveNodes_2_text" refType="l" refFor="ch" refForName="FiveConn_1-2"/>
+          <dgm:constr type="t" for="ch" forName="FiveNodes_2_text" refType="t" refFor="ch" refForName="FiveNodes_2"/>
+          <dgm:constr type="b" for="ch" forName="FiveNodes_2_text" refType="b" refFor="ch" refForName="FiveNodes_2"/>
+          <dgm:constr type="l" for="ch" forName="FiveNodes_2_text" refType="l" refFor="ch" refForName="FiveNodes_2"/>
+          <dgm:constr type="r" for="ch" forName="FiveNodes_3_text" refType="l" refFor="ch" refForName="FiveConn_2-3"/>
+          <dgm:constr type="t" for="ch" forName="FiveNodes_3_text" refType="t" refFor="ch" refForName="FiveNodes_3"/>
+          <dgm:constr type="b" for="ch" forName="FiveNodes_3_text" refType="b" refFor="ch" refForName="FiveNodes_3"/>
+          <dgm:constr type="l" for="ch" forName="FiveNodes_3_text" refType="l" refFor="ch" refForName="FiveNodes_3"/>
+          <dgm:constr type="r" for="ch" forName="FiveNodes_4_text" refType="l" refFor="ch" refForName="FiveConn_3-4"/>
+          <dgm:constr type="t" for="ch" forName="FiveNodes_4_text" refType="t" refFor="ch" refForName="FiveNodes_4"/>
+          <dgm:constr type="b" for="ch" forName="FiveNodes_4_text" refType="b" refFor="ch" refForName="FiveNodes_4"/>
+          <dgm:constr type="l" for="ch" forName="FiveNodes_4_text" refType="l" refFor="ch" refForName="FiveNodes_4"/>
+          <dgm:constr type="r" for="ch" forName="FiveNodes_5_text" refType="l" refFor="ch" refForName="FiveConn_4-5"/>
+          <dgm:constr type="t" for="ch" forName="FiveNodes_5_text" refType="t" refFor="ch" refForName="FiveNodes_5"/>
+          <dgm:constr type="b" for="ch" forName="FiveNodes_5_text" refType="b" refFor="ch" refForName="FiveNodes_5"/>
+          <dgm:constr type="l" for="ch" forName="FiveNodes_5_text" refType="l" refFor="ch" refForName="FiveNodes_5"/>
+        </dgm:constrLst>
+      </dgm:if>
+      <dgm:else name="Name2">
+        <dgm:constrLst>
+          <dgm:constr type="primFontSz" for="ch" ptType="node" op="equ" val="65"/>
+          <dgm:constr type="w" for="ch" forName="dummyMaxCanvas" refType="w"/>
+          <dgm:constr type="h" for="ch" forName="dummyMaxCanvas" refType="h"/>
+          <dgm:constr type="w" for="ch" forName="OneNode_1" refType="w"/>
+          <dgm:constr type="h" for="ch" forName="OneNode_1" refType="h" fact="0.5"/>
+          <dgm:constr type="ctrY" for="ch" forName="OneNode_1" refType="h" fact="0.5"/>
+          <dgm:constr type="w" for="ch" forName="TwoNodes_1" refType="w" fact="0.85"/>
+          <dgm:constr type="h" for="ch" forName="TwoNodes_1" refType="h" fact="0.45"/>
+          <dgm:constr type="t" for="ch" forName="TwoNodes_1"/>
+          <dgm:constr type="r" for="ch" forName="TwoNodes_1" refType="w"/>
+          <dgm:constr type="w" for="ch" forName="TwoNodes_2" refType="w" fact="0.85"/>
+          <dgm:constr type="h" for="ch" forName="TwoNodes_2" refType="h" fact="0.45"/>
+          <dgm:constr type="b" for="ch" forName="TwoNodes_2" refType="h"/>
+          <dgm:constr type="l" for="ch" forName="TwoNodes_2"/>
+          <dgm:constr type="w" for="ch" forName="TwoConn_1-2" refType="h" refFor="ch" refForName="TwoNodes_1" fact="0.65"/>
+          <dgm:constr type="h" for="ch" forName="TwoConn_1-2" refType="h" refFor="ch" refForName="TwoNodes_1" fact="0.65"/>
+          <dgm:constr type="ctrY" for="ch" forName="TwoConn_1-2" refType="h" fact="0.5"/>
+          <dgm:constr type="l" for="ch" forName="TwoConn_1-2" refType="l" refFor="ch" refForName="TwoNodes_1"/>
+          <dgm:constr type="l" for="ch" forName="TwoNodes_1_text" refType="r" refFor="ch" refForName="TwoConn_1-2"/>
+          <dgm:constr type="lOff" for="ch" forName="TwoNodes_1_text" refType="w" refFor="ch" refForName="TwoConn_1-2" fact="0.5"/>
+          <dgm:constr type="t" for="ch" forName="TwoNodes_1_text" refType="t" refFor="ch" refForName="TwoNodes_1"/>
+          <dgm:constr type="b" for="ch" forName="TwoNodes_1_text" refType="b" refFor="ch" refForName="TwoNodes_1"/>
+          <dgm:constr type="r" for="ch" forName="TwoNodes_1_text" refType="r" refFor="ch" refForName="TwoNodes_1"/>
+          <dgm:constr type="l" for="ch" forName="TwoNodes_2_text" refType="r" refFor="ch" refForName="TwoConn_1-2"/>
+          <dgm:constr type="t" for="ch" forName="TwoNodes_2_text" refType="t" refFor="ch" refForName="TwoNodes_2"/>
+          <dgm:constr type="b" for="ch" forName="TwoNodes_2_text" refType="b" refFor="ch" refForName="TwoNodes_2"/>
+          <dgm:constr type="r" for="ch" forName="TwoNodes_2_text" refType="r" refFor="ch" refForName="TwoNodes_2"/>
+          <dgm:constr type="w" for="ch" forName="ThreeNodes_1" refType="w" fact="0.85"/>
+          <dgm:constr type="h" for="ch" forName="ThreeNodes_1" refType="h" fact="0.3"/>
+          <dgm:constr type="t" for="ch" forName="ThreeNodes_1"/>
+          <dgm:constr type="r" for="ch" forName="ThreeNodes_1" refType="w"/>
+          <dgm:constr type="w" for="ch" forName="ThreeNodes_2" refType="w" fact="0.85"/>
+          <dgm:constr type="h" for="ch" forName="ThreeNodes_2" refType="h" fact="0.3"/>
+          <dgm:constr type="ctrY" for="ch" forName="ThreeNodes_2" refType="h" fact="0.5"/>
+          <dgm:constr type="ctrX" for="ch" forName="ThreeNodes_2" refType="w" fact="0.5"/>
+          <dgm:constr type="w" for="ch" forName="ThreeNodes_3" refType="w" fact="0.85"/>
+          <dgm:constr type="h" for="ch" forName="ThreeNodes_3" refType="h" fact="0.3"/>
+          <dgm:constr type="b" for="ch" forName="ThreeNodes_3" refType="h"/>
+          <dgm:constr type="l" for="ch" forName="ThreeNodes_3"/>
+          <dgm:constr type="w" for="ch" forName="ThreeConn_1-2" refType="h" refFor="ch" refForName="ThreeNodes_1" fact="0.65"/>
+          <dgm:constr type="h" for="ch" forName="ThreeConn_1-2" refType="h" refFor="ch" refForName="ThreeNodes_1" fact="0.65"/>
+          <dgm:constr type="ctrY" for="ch" forName="ThreeConn_1-2" refType="h" fact="0.325"/>
+          <dgm:constr type="l" for="ch" forName="ThreeConn_1-2" refType="l" refFor="ch" refForName="ThreeNodes_1"/>
+          <dgm:constr type="w" for="ch" forName="ThreeConn_2-3" refType="h" refFor="ch" refForName="ThreeNodes_2" fact="0.65"/>
+          <dgm:constr type="h" for="ch" forName="ThreeConn_2-3" refType="h" refFor="ch" refForName="ThreeNodes_2" fact="0.65"/>
+          <dgm:constr type="ctrY" for="ch" forName="ThreeConn_2-3" refType="h" fact="0.673"/>
+          <dgm:constr type="l" for="ch" forName="ThreeConn_2-3" refType="l" refFor="ch" refForName="ThreeNodes_2"/>
+          <dgm:constr type="l" for="ch" forName="ThreeNodes_1_text" refType="r" refFor="ch" refForName="ThreeConn_1-2"/>
+          <dgm:constr type="lOff" for="ch" forName="ThreeNodes_1_text" refType="w" refFor="ch" refForName="ThreeConn_1-2" fact="0.55"/>
+          <dgm:constr type="t" for="ch" forName="ThreeNodes_1_text" refType="t" refFor="ch" refForName="ThreeNodes_1"/>
+          <dgm:constr type="b" for="ch" forName="ThreeNodes_1_text" refType="b" refFor="ch" refForName="ThreeNodes_1"/>
+          <dgm:constr type="r" for="ch" forName="ThreeNodes_1_text" refType="r" refFor="ch" refForName="ThreeNodes_1"/>
+          <dgm:constr type="l" for="ch" forName="ThreeNodes_2_text" refType="r" refFor="ch" refForName="ThreeConn_1-2"/>
+          <dgm:constr type="t" for="ch" forName="ThreeNodes_2_text" refType="t" refFor="ch" refForName="ThreeNodes_2"/>
+          <dgm:constr type="b" for="ch" forName="ThreeNodes_2_text" refType="b" refFor="ch" refForName="ThreeNodes_2"/>
+          <dgm:constr type="r" for="ch" forName="ThreeNodes_2_text" refType="r" refFor="ch" refForName="ThreeNodes_2"/>
+          <dgm:constr type="l" for="ch" forName="ThreeNodes_3_text" refType="r" refFor="ch" refForName="ThreeConn_2-3"/>
+          <dgm:constr type="t" for="ch" forName="ThreeNodes_3_text" refType="t" refFor="ch" refForName="ThreeNodes_3"/>
+          <dgm:constr type="b" for="ch" forName="ThreeNodes_3_text" refType="b" refFor="ch" refForName="ThreeNodes_3"/>
+          <dgm:constr type="r" for="ch" forName="ThreeNodes_3_text" refType="r" refFor="ch" refForName="ThreeNodes_3"/>
+          <dgm:constr type="w" for="ch" forName="FourNodes_1" refType="w" fact="0.8"/>
+          <dgm:constr type="h" for="ch" forName="FourNodes_1" refType="h" fact="0.22"/>
+          <dgm:constr type="t" for="ch" forName="FourNodes_1"/>
+          <dgm:constr type="r" for="ch" forName="FourNodes_1" refType="w"/>
+          <dgm:constr type="w" for="ch" forName="FourNodes_2" refType="w" fact="0.8"/>
+          <dgm:constr type="h" for="ch" forName="FourNodes_2" refType="h" fact="0.22"/>
+          <dgm:constr type="ctrY" for="ch" forName="FourNodes_2" refType="h" fact="0.37"/>
+          <dgm:constr type="ctrX" for="ch" forName="FourNodes_2" refType="w" fact="0.533"/>
+          <dgm:constr type="w" for="ch" forName="FourNodes_3" refType="w" fact="0.8"/>
+          <dgm:constr type="h" for="ch" forName="FourNodes_3" refType="h" fact="0.22"/>
+          <dgm:constr type="ctrY" for="ch" forName="FourNodes_3" refType="h" fact="0.63"/>
+          <dgm:constr type="ctrX" for="ch" forName="FourNodes_3" refType="w" fact="0.467"/>
+          <dgm:constr type="w" for="ch" forName="FourNodes_4" refType="w" fact="0.8"/>
+          <dgm:constr type="h" for="ch" forName="FourNodes_4" refType="h" fact="0.22"/>
+          <dgm:constr type="b" for="ch" forName="FourNodes_4" refType="h"/>
+          <dgm:constr type="l" for="ch" forName="FourNodes_4"/>
+          <dgm:constr type="w" for="ch" forName="FourConn_1-2" refType="h" refFor="ch" refForName="FourNodes_1" fact="0.65"/>
+          <dgm:constr type="h" for="ch" forName="FourConn_1-2" refType="h" refFor="ch" refForName="FourNodes_1" fact="0.65"/>
+          <dgm:constr type="ctrY" for="ch" forName="FourConn_1-2" refType="h" fact="0.24"/>
+          <dgm:constr type="l" for="ch" forName="FourConn_1-2" refType="l" refFor="ch" refForName="FourNodes_1"/>
+          <dgm:constr type="w" for="ch" forName="FourConn_2-3" refType="h" refFor="ch" refForName="FourNodes_2" fact="0.65"/>
+          <dgm:constr type="h" for="ch" forName="FourConn_2-3" refType="h" refFor="ch" refForName="FourNodes_2" fact="0.65"/>
+          <dgm:constr type="ctrY" for="ch" forName="FourConn_2-3" refType="h" fact="0.5"/>
+          <dgm:constr type="l" for="ch" forName="FourConn_2-3" refType="l" refFor="ch" refForName="FourNodes_2"/>
+          <dgm:constr type="w" for="ch" forName="FourConn_3-4" refType="h" refFor="ch" refForName="FourNodes_3" fact="0.65"/>
+          <dgm:constr type="h" for="ch" forName="FourConn_3-4" refType="h" refFor="ch" refForName="FourNodes_3" fact="0.65"/>
+          <dgm:constr type="ctrY" for="ch" forName="FourConn_3-4" refType="h" fact="0.76"/>
+          <dgm:constr type="l" for="ch" forName="FourConn_3-4" refType="l" refFor="ch" refForName="FourNodes_3"/>
+          <dgm:constr type="l" for="ch" forName="FourNodes_1_text" refType="r" refFor="ch" refForName="FourConn_1-2"/>
+          <dgm:constr type="lOff" for="ch" forName="FourNodes_1_text" refType="w" refFor="ch" refForName="FourConn_1-2" fact="0.69"/>
+          <dgm:constr type="t" for="ch" forName="FourNodes_1_text" refType="t" refFor="ch" refForName="FourNodes_1"/>
+          <dgm:constr type="b" for="ch" forName="FourNodes_1_text" refType="b" refFor="ch" refForName="FourNodes_1"/>
+          <dgm:constr type="r" for="ch" forName="FourNodes_1_text" refType="r" refFor="ch" refForName="FourNodes_1"/>
+          <dgm:constr type="l" for="ch" forName="FourNodes_2_text" refType="r" refFor="ch" refForName="FourConn_1-2"/>
+          <dgm:constr type="t" for="ch" forName="FourNodes_2_text" refType="t" refFor="ch" refForName="FourNodes_2"/>
+          <dgm:constr type="b" for="ch" forName="FourNodes_2_text" refType="b" refFor="ch" refForName="FourNodes_2"/>
+          <dgm:constr type="r" for="ch" forName="FourNodes_2_text" refType="r" refFor="ch" refForName="FourNodes_2"/>
+          <dgm:constr type="l" for="ch" forName="FourNodes_3_text" refType="r" refFor="ch" refForName="FourConn_2-3"/>
+          <dgm:constr type="t" for="ch" forName="FourNodes_3_text" refType="t" refFor="ch" refForName="FourNodes_3"/>
+          <dgm:constr type="b" for="ch" forName="FourNodes_3_text" refType="b" refFor="ch" refForName="FourNodes_3"/>
+          <dgm:constr type="r" for="ch" forName="FourNodes_3_text" refType="r" refFor="ch" refForName="FourNodes_3"/>
+          <dgm:constr type="l" for="ch" forName="FourNodes_4_text" refType="r" refFor="ch" refForName="FourConn_3-4"/>
+          <dgm:constr type="t" for="ch" forName="FourNodes_4_text" refType="t" refFor="ch" refForName="FourNodes_4"/>
+          <dgm:constr type="b" for="ch" forName="FourNodes_4_text" refType="b" refFor="ch" refForName="FourNodes_4"/>
+          <dgm:constr type="r" for="ch" forName="FourNodes_4_text" refType="r" refFor="ch" refForName="FourNodes_4"/>
+          <dgm:constr type="w" for="ch" forName="FiveNodes_1" refType="w" fact="0.77"/>
+          <dgm:constr type="h" for="ch" forName="FiveNodes_1" refType="h" fact="0.18"/>
+          <dgm:constr type="t" for="ch" forName="FiveNodes_1"/>
+          <dgm:constr type="r" for="ch" forName="FiveNodes_1" refType="w"/>
+          <dgm:constr type="w" for="ch" forName="FiveNodes_2" refType="w" fact="0.77"/>
+          <dgm:constr type="h" for="ch" forName="FiveNodes_2" refType="h" fact="0.18"/>
+          <dgm:constr type="ctrY" for="ch" forName="FiveNodes_2" refType="h" fact="0.295"/>
+          <dgm:constr type="ctrX" for="ch" forName="FiveNodes_2" refType="w" fact="0.5575"/>
+          <dgm:constr type="w" for="ch" forName="FiveNodes_3" refType="w" fact="0.77"/>
+          <dgm:constr type="h" for="ch" forName="FiveNodes_3" refType="h" fact="0.18"/>
+          <dgm:constr type="ctrY" for="ch" forName="FiveNodes_3" refType="h" fact="0.5"/>
+          <dgm:constr type="ctrX" for="ch" forName="FiveNodes_3" refType="w" fact="0.5"/>
+          <dgm:constr type="w" for="ch" forName="FiveNodes_4" refType="w" fact="0.77"/>
+          <dgm:constr type="h" for="ch" forName="FiveNodes_4" refType="h" fact="0.18"/>
+          <dgm:constr type="ctrY" for="ch" forName="FiveNodes_4" refType="h" fact="0.705"/>
+          <dgm:constr type="ctrX" for="ch" forName="FiveNodes_4" refType="w" fact="0.4425"/>
+          <dgm:constr type="w" for="ch" forName="FiveNodes_5" refType="w" fact="0.77"/>
+          <dgm:constr type="h" for="ch" forName="FiveNodes_5" refType="h" fact="0.18"/>
+          <dgm:constr type="b" for="ch" forName="FiveNodes_5" refType="h"/>
+          <dgm:constr type="l" for="ch" forName="FiveNodes_5"/>
+          <dgm:constr type="w" for="ch" forName="FiveConn_1-2" refType="h" refFor="ch" refForName="FiveNodes_1" fact="0.65"/>
+          <dgm:constr type="h" for="ch" forName="FiveConn_1-2" refType="h" refFor="ch" refForName="FiveNodes_1" fact="0.65"/>
+          <dgm:constr type="ctrY" for="ch" forName="FiveConn_1-2" refType="h" fact="0.19"/>
+          <dgm:constr type="l" for="ch" forName="FiveConn_1-2" refType="l" refFor="ch" refForName="FiveNodes_1"/>
+          <dgm:constr type="w" for="ch" forName="FiveConn_2-3" refType="h" refFor="ch" refForName="FiveNodes_2" fact="0.65"/>
+          <dgm:constr type="h" for="ch" forName="FiveConn_2-3" refType="h" refFor="ch" refForName="FiveNodes_2" fact="0.65"/>
+          <dgm:constr type="ctrY" for="ch" forName="FiveConn_2-3" refType="h" fact="0.395"/>
+          <dgm:constr type="l" for="ch" forName="FiveConn_2-3" refType="l" refFor="ch" refForName="FiveNodes_2"/>
+          <dgm:constr type="w" for="ch" forName="FiveConn_3-4" refType="h" refFor="ch" refForName="FiveNodes_3" fact="0.65"/>
+          <dgm:constr type="h" for="ch" forName="FiveConn_3-4" refType="h" refFor="ch" refForName="FiveNodes_3" fact="0.65"/>
+          <dgm:constr type="ctrY" for="ch" forName="FiveConn_3-4" refType="h" fact="0.597"/>
+          <dgm:constr type="l" for="ch" forName="FiveConn_3-4" refType="l" refFor="ch" refForName="FiveNodes_3"/>
+          <dgm:constr type="w" for="ch" forName="FiveConn_4-5" refType="h" refFor="ch" refForName="FiveNodes_4" fact="0.65"/>
+          <dgm:constr type="h" for="ch" forName="FiveConn_4-5" refType="h" refFor="ch" refForName="FiveNodes_4" fact="0.65"/>
+          <dgm:constr type="ctrY" for="ch" forName="FiveConn_4-5" refType="h" fact="0.804"/>
+          <dgm:constr type="l" for="ch" forName="FiveConn_4-5" refType="l" refFor="ch" refForName="FiveNodes_4"/>
+          <dgm:constr type="l" for="ch" forName="FiveNodes_1_text" refType="r" refFor="ch" refForName="FiveConn_1-2"/>
+          <dgm:constr type="lOff" for="ch" forName="FiveNodes_1_text" refType="w" refFor="ch" refForName="FiveConn_1-2" fact="0.73"/>
+          <dgm:constr type="t" for="ch" forName="FiveNodes_1_text" refType="t" refFor="ch" refForName="FiveNodes_1"/>
+          <dgm:constr type="b" for="ch" forName="FiveNodes_1_text" refType="b" refFor="ch" refForName="FiveNodes_1"/>
+          <dgm:constr type="r" for="ch" forName="FiveNodes_1_text" refType="r" refFor="ch" refForName="FiveNodes_1"/>
+          <dgm:constr type="l" for="ch" forName="FiveNodes_2_text" refType="r" refFor="ch" refForName="FiveConn_1-2"/>
+          <dgm:constr type="t" for="ch" forName="FiveNodes_2_text" refType="t" refFor="ch" refForName="FiveNodes_2"/>
+          <dgm:constr type="b" for="ch" forName="FiveNodes_2_text" refType="b" refFor="ch" refForName="FiveNodes_2"/>
+          <dgm:constr type="r" for="ch" forName="FiveNodes_2_text" refType="r" refFor="ch" refForName="FiveNodes_2"/>
+          <dgm:constr type="l" for="ch" forName="FiveNodes_3_text" refType="r" refFor="ch" refForName="FiveConn_2-3"/>
+          <dgm:constr type="t" for="ch" forName="FiveNodes_3_text" refType="t" refFor="ch" refForName="FiveNodes_3"/>
+          <dgm:constr type="b" for="ch" forName="FiveNodes_3_text" refType="b" refFor="ch" refForName="FiveNodes_3"/>
+          <dgm:constr type="r" for="ch" forName="FiveNodes_3_text" refType="r" refFor="ch" refForName="FiveNodes_3"/>
+          <dgm:constr type="l" for="ch" forName="FiveNodes_4_text" refType="r" refFor="ch" refForName="FiveConn_3-4"/>
+          <dgm:constr type="t" for="ch" forName="FiveNodes_4_text" refType="t" refFor="ch" refForName="FiveNodes_4"/>
+          <dgm:constr type="b" for="ch" forName="FiveNodes_4_text" refType="b" refFor="ch" refForName="FiveNodes_4"/>
+          <dgm:constr type="r" for="ch" forName="FiveNodes_4_text" refType="r" refFor="ch" refForName="FiveNodes_4"/>
+          <dgm:constr type="l" for="ch" forName="FiveNodes_5_text" refType="r" refFor="ch" refForName="FiveConn_4-5"/>
+          <dgm:constr type="t" for="ch" forName="FiveNodes_5_text" refType="t" refFor="ch" refForName="FiveNodes_5"/>
+          <dgm:constr type="b" for="ch" forName="FiveNodes_5_text" refType="b" refFor="ch" refForName="FiveNodes_5"/>
+          <dgm:constr type="r" for="ch" forName="FiveNodes_5_text" refType="r" refFor="ch" refForName="FiveNodes_5"/>
+        </dgm:constrLst>
+      </dgm:else>
+    </dgm:choose>
     <dgm:ruleLst/>
-    <dgm:forEach name="nodesForEach" axis="ch" ptType="node">
-      <dgm:layoutNode name="node">
-        <dgm:varLst>
-          <dgm:bulletEnabled val="1"/>
-        </dgm:varLst>
-        <dgm:alg type="tx"/>
-        <dgm:shape xmlns:r="http://schemas.openxmlformats.org/officeDocument/2006/relationships" type="roundRect" r:blip="">
-          <dgm:adjLst>
-            <dgm:adj idx="1" val="0.1"/>
-          </dgm:adjLst>
-        </dgm:shape>
-        <dgm:presOf axis="desOrSelf" ptType="node"/>
-        <dgm:constrLst>
-          <dgm:constr type="h" refType="w" fact="0.6"/>
-          <dgm:constr type="tMarg" refType="primFontSz" fact="0.3"/>
-          <dgm:constr type="bMarg" refType="primFontSz" fact="0.3"/>
-          <dgm:constr type="lMarg" refType="primFontSz" fact="0.3"/>
-          <dgm:constr type="rMarg" refType="primFontSz" fact="0.3"/>
-        </dgm:constrLst>
-        <dgm:ruleLst>
-          <dgm:rule type="primFontSz" val="18" fact="NaN" max="NaN"/>
-          <dgm:rule type="h" val="NaN" fact="1.5" max="NaN"/>
-          <dgm:rule type="primFontSz" val="5" fact="NaN" max="NaN"/>
-          <dgm:rule type="h" val="INF" fact="NaN" max="NaN"/>
-        </dgm:ruleLst>
-      </dgm:layoutNode>
-      <dgm:forEach name="sibTransForEach" axis="followSib" ptType="sibTrans" cnt="1">
-        <dgm:layoutNode name="sibTrans">
-          <dgm:alg type="conn">
-            <dgm:param type="begPts" val="auto"/>
-            <dgm:param type="endPts" val="auto"/>
-          </dgm:alg>
-          <dgm:shape xmlns:r="http://schemas.openxmlformats.org/officeDocument/2006/relationships" type="conn" r:blip="">
-            <dgm:adjLst/>
+    <dgm:layoutNode name="dummyMaxCanvas">
+      <dgm:varLst/>
+      <dgm:alg type="sp"/>
+      <dgm:shape xmlns:r="http://schemas.openxmlformats.org/officeDocument/2006/relationships" r:blip="">
+        <dgm:adjLst/>
+      </dgm:shape>
+      <dgm:presOf/>
+      <dgm:constrLst/>
+      <dgm:ruleLst/>
+    </dgm:layoutNode>
+    <dgm:choose name="Name3">
+      <dgm:if name="Name4" axis="ch" ptType="node" func="cnt" op="equ" val="1">
+        <dgm:layoutNode name="OneNode_1">
+          <dgm:varLst>
+            <dgm:bulletEnabled val="1"/>
+          </dgm:varLst>
+          <dgm:alg type="tx"/>
+          <dgm:shape xmlns:r="http://schemas.openxmlformats.org/officeDocument/2006/relationships" type="roundRect" r:blip="">
+            <dgm:adjLst>
+              <dgm:adj idx="1" val="0.1"/>
+            </dgm:adjLst>
           </dgm:shape>
-          <dgm:presOf axis="self"/>
+          <dgm:presOf axis="ch desOrSelf" ptType="node node" st="1 1" cnt="1 0"/>
           <dgm:constrLst>
-            <dgm:constr type="h" refType="w" fact="0.62"/>
-            <dgm:constr type="connDist"/>
-            <dgm:constr type="begPad" refType="connDist" fact="0.25"/>
-            <dgm:constr type="endPad" refType="connDist" fact="0.22"/>
+            <dgm:constr type="lMarg" refType="primFontSz" fact="0.3"/>
+            <dgm:constr type="rMarg" refType="primFontSz" fact="0.3"/>
+            <dgm:constr type="tMarg" refType="primFontSz" fact="0.3"/>
+            <dgm:constr type="bMarg" refType="primFontSz" fact="0.3"/>
           </dgm:constrLst>
-          <dgm:ruleLst/>
-          <dgm:layoutNode name="connectorText">
-            <dgm:alg type="tx">
-              <dgm:param type="autoTxRot" val="grav"/>
-            </dgm:alg>
-            <dgm:shape xmlns:r="http://schemas.openxmlformats.org/officeDocument/2006/relationships" type="conn" r:blip="" hideGeom="1">
-              <dgm:adjLst/>
-            </dgm:shape>
-            <dgm:presOf axis="self"/>
-            <dgm:constrLst>
-              <dgm:constr type="lMarg"/>
-              <dgm:constr type="rMarg"/>
-              <dgm:constr type="tMarg"/>
-              <dgm:constr type="bMarg"/>
-            </dgm:constrLst>
-            <dgm:ruleLst>
-              <dgm:rule type="primFontSz" val="5" fact="NaN" max="NaN"/>
-            </dgm:ruleLst>
-          </dgm:layoutNode>
+          <dgm:ruleLst>
+            <dgm:rule type="primFontSz" val="5" fact="NaN" max="NaN"/>
+          </dgm:ruleLst>
         </dgm:layoutNode>
-      </dgm:forEach>
-    </dgm:forEach>
+      </dgm:if>
+      <dgm:else name="Name5">
+        <dgm:choose name="Name6">
+          <dgm:if name="Name7" axis="ch" ptType="node" func="cnt" op="equ" val="2">
+            <dgm:layoutNode name="TwoNodes_1">
+              <dgm:varLst>
+                <dgm:bulletEnabled val="1"/>
+              </dgm:varLst>
+              <dgm:alg type="sp"/>
+              <dgm:shape xmlns:r="http://schemas.openxmlformats.org/officeDocument/2006/relationships" type="roundRect" r:blip="">
+                <dgm:adjLst>
+                  <dgm:adj idx="1" val="0.1"/>
+                </dgm:adjLst>
+              </dgm:shape>
+              <dgm:presOf axis="ch desOrSelf" ptType="node node" st="1 1" cnt="1 0"/>
+              <dgm:constrLst/>
+              <dgm:ruleLst/>
+            </dgm:layoutNode>
+            <dgm:layoutNode name="TwoNodes_2">
+              <dgm:varLst>
+                <dgm:bulletEnabled val="1"/>
+              </dgm:varLst>
+              <dgm:alg type="sp"/>
+              <dgm:shape xmlns:r="http://schemas.openxmlformats.org/officeDocument/2006/relationships" type="roundRect" r:blip="">
+                <dgm:adjLst>
+                  <dgm:adj idx="1" val="0.1"/>
+                </dgm:adjLst>
+              </dgm:shape>
+              <dgm:presOf axis="ch desOrSelf" ptType="node node" st="2 1" cnt="1 0"/>
+              <dgm:constrLst/>
+              <dgm:ruleLst/>
+            </dgm:layoutNode>
+            <dgm:layoutNode name="TwoConn_1-2" styleLbl="fgAccFollowNode1">
+              <dgm:varLst>
+                <dgm:bulletEnabled val="1"/>
+              </dgm:varLst>
+              <dgm:alg type="tx"/>
+              <dgm:shape xmlns:r="http://schemas.openxmlformats.org/officeDocument/2006/relationships" type="downArrow" r:blip="">
+                <dgm:adjLst>
+                  <dgm:adj idx="1" val="0.55"/>
+                  <dgm:adj idx="2" val="0.45"/>
+                </dgm:adjLst>
+              </dgm:shape>
+              <dgm:presOf axis="ch" ptType="sibTrans" cnt="1"/>
+              <dgm:constrLst>
+                <dgm:constr type="lMarg" refType="primFontSz" fact="0.1"/>
+                <dgm:constr type="rMarg" refType="primFontSz" fact="0.1"/>
+                <dgm:constr type="tMarg" refType="primFontSz" fact="0.1"/>
+                <dgm:constr type="bMarg" refType="primFontSz" fact="0.1"/>
+              </dgm:constrLst>
+              <dgm:ruleLst>
+                <dgm:rule type="primFontSz" val="5" fact="NaN" max="NaN"/>
+              </dgm:ruleLst>
+            </dgm:layoutNode>
+            <dgm:layoutNode name="TwoNodes_1_text">
+              <dgm:varLst>
+                <dgm:bulletEnabled val="1"/>
+              </dgm:varLst>
+              <dgm:alg type="tx">
+                <dgm:param type="parTxLTRAlign" val="l"/>
+                <dgm:param type="txAnchorVertCh" val="mid"/>
+              </dgm:alg>
+              <dgm:shape xmlns:r="http://schemas.openxmlformats.org/officeDocument/2006/relationships" type="roundRect" r:blip="" hideGeom="1">
+                <dgm:adjLst>
+                  <dgm:adj idx="1" val="0.1"/>
+                </dgm:adjLst>
+              </dgm:shape>
+              <dgm:presOf axis="ch desOrSelf" ptType="node node" st="1 1" cnt="1 0"/>
+              <dgm:constrLst>
+                <dgm:constr type="lMarg" refType="primFontSz" fact="0.3"/>
+                <dgm:constr type="rMarg" refType="primFontSz" fact="0.3"/>
+                <dgm:constr type="tMarg" refType="primFontSz" fact="0.3"/>
+                <dgm:constr type="bMarg" refType="primFontSz" fact="0.3"/>
+              </dgm:constrLst>
+              <dgm:ruleLst>
+                <dgm:rule type="primFontSz" val="5" fact="NaN" max="NaN"/>
+              </dgm:ruleLst>
+            </dgm:layoutNode>
+            <dgm:layoutNode name="TwoNodes_2_text">
+              <dgm:varLst>
+                <dgm:bulletEnabled val="1"/>
+              </dgm:varLst>
+              <dgm:alg type="tx">
+                <dgm:param type="parTxLTRAlign" val="l"/>
+                <dgm:param type="txAnchorVertCh" val="mid"/>
+              </dgm:alg>
+              <dgm:shape xmlns:r="http://schemas.openxmlformats.org/officeDocument/2006/relationships" type="roundRect" r:blip="" hideGeom="1">
+                <dgm:adjLst>
+                  <dgm:adj idx="1" val="0.1"/>
+                </dgm:adjLst>
+              </dgm:shape>
+              <dgm:presOf axis="ch desOrSelf" ptType="node node" st="2 1" cnt="1 0"/>
+              <dgm:constrLst>
+                <dgm:constr type="lMarg" refType="primFontSz" fact="0.3"/>
+                <dgm:constr type="rMarg" refType="primFontSz" fact="0.3"/>
+                <dgm:constr type="tMarg" refType="primFontSz" fact="0.3"/>
+                <dgm:constr type="bMarg" refType="primFontSz" fact="0.3"/>
+              </dgm:constrLst>
+              <dgm:ruleLst>
+                <dgm:rule type="primFontSz" val="5" fact="NaN" max="NaN"/>
+              </dgm:ruleLst>
+            </dgm:layoutNode>
+          </dgm:if>
+          <dgm:else name="Name8">
+            <dgm:choose name="Name9">
+              <dgm:if name="Name10" axis="ch" ptType="node" func="cnt" op="equ" val="3">
+                <dgm:layoutNode name="ThreeNodes_1">
+                  <dgm:varLst>
+                    <dgm:bulletEnabled val="1"/>
+                  </dgm:varLst>
+                  <dgm:alg type="sp"/>
+                  <dgm:shape xmlns:r="http://schemas.openxmlformats.org/officeDocument/2006/relationships" type="roundRect" r:blip="">
+                    <dgm:adjLst>
+                      <dgm:adj idx="1" val="0.1"/>
+                    </dgm:adjLst>
+                  </dgm:shape>
+                  <dgm:presOf axis="ch desOrSelf" ptType="node node" st="1 1" cnt="1 0"/>
+                  <dgm:constrLst/>
+                  <dgm:ruleLst/>
+                </dgm:layoutNode>
+                <dgm:layoutNode name="ThreeNodes_2">
+                  <dgm:varLst>
+                    <dgm:bulletEnabled val="1"/>
+                  </dgm:varLst>
+                  <dgm:alg type="sp"/>
+                  <dgm:shape xmlns:r="http://schemas.openxmlformats.org/officeDocument/2006/relationships" type="roundRect" r:blip="">
+                    <dgm:adjLst>
+                      <dgm:adj idx="1" val="0.1"/>
+                    </dgm:adjLst>
+                  </dgm:shape>
+                  <dgm:presOf axis="ch desOrSelf" ptType="node node" st="2 1" cnt="1 0"/>
+                  <dgm:constrLst/>
+                  <dgm:ruleLst/>
+                </dgm:layoutNode>
+                <dgm:layoutNode name="ThreeNodes_3">
+                  <dgm:varLst>
+                    <dgm:bulletEnabled val="1"/>
+                  </dgm:varLst>
+                  <dgm:alg type="sp"/>
+                  <dgm:shape xmlns:r="http://schemas.openxmlformats.org/officeDocument/2006/relationships" type="roundRect" r:blip="">
+                    <dgm:adjLst>
+                      <dgm:adj idx="1" val="0.1"/>
+                    </dgm:adjLst>
+                  </dgm:shape>
+                  <dgm:presOf axis="ch desOrSelf" ptType="node node" st="3 1" cnt="1 0"/>
+                  <dgm:constrLst/>
+                  <dgm:ruleLst/>
+                </dgm:layoutNode>
+                <dgm:layoutNode name="ThreeConn_1-2" styleLbl="fgAccFollowNode1">
+                  <dgm:varLst>
+                    <dgm:bulletEnabled val="1"/>
+                  </dgm:varLst>
+                  <dgm:alg type="tx"/>
+                  <dgm:shape xmlns:r="http://schemas.openxmlformats.org/officeDocument/2006/relationships" type="downArrow" r:blip="">
+                    <dgm:adjLst>
+                      <dgm:adj idx="1" val="0.55"/>
+                      <dgm:adj idx="2" val="0.45"/>
+                    </dgm:adjLst>
+                  </dgm:shape>
+                  <dgm:presOf axis="ch" ptType="sibTrans" cnt="1"/>
+                  <dgm:constrLst>
+                    <dgm:constr type="lMarg" refType="primFontSz" fact="0.1"/>
+                    <dgm:constr type="rMarg" refType="primFontSz" fact="0.1"/>
+                    <dgm:constr type="tMarg" refType="primFontSz" fact="0.1"/>
+                    <dgm:constr type="bMarg" refType="primFontSz" fact="0.1"/>
+                  </dgm:constrLst>
+                  <dgm:ruleLst>
+                    <dgm:rule type="primFontSz" val="5" fact="NaN" max="NaN"/>
+                  </dgm:ruleLst>
+                </dgm:layoutNode>
+                <dgm:layoutNode name="ThreeConn_2-3" styleLbl="fgAccFollowNode1">
+                  <dgm:varLst>
+                    <dgm:bulletEnabled val="1"/>
+                  </dgm:varLst>
+                  <dgm:alg type="tx"/>
+                  <dgm:shape xmlns:r="http://schemas.openxmlformats.org/officeDocument/2006/relationships" type="downArrow" r:blip="">
+                    <dgm:adjLst>
+                      <dgm:adj idx="1" val="0.55"/>
+                      <dgm:adj idx="2" val="0.45"/>
+                    </dgm:adjLst>
+                  </dgm:shape>
+                  <dgm:presOf axis="ch" ptType="sibTrans" st="2" cnt="1"/>
+                  <dgm:constrLst>
+                    <dgm:constr type="lMarg" refType="primFontSz" fact="0.1"/>
+                    <dgm:constr type="rMarg" refType="primFontSz" fact="0.1"/>
+                    <dgm:constr type="tMarg" refType="primFontSz" fact="0.1"/>
+                    <dgm:constr type="bMarg" refType="primFontSz" fact="0.1"/>
+                  </dgm:constrLst>
+                  <dgm:ruleLst>
+                    <dgm:rule type="primFontSz" val="5" fact="NaN" max="NaN"/>
+                  </dgm:ruleLst>
+                </dgm:layoutNode>
+                <dgm:layoutNode name="ThreeNodes_1_text">
+                  <dgm:varLst>
+                    <dgm:bulletEnabled val="1"/>
+                  </dgm:varLst>
+                  <dgm:alg type="tx">
+                    <dgm:param type="parTxLTRAlign" val="l"/>
+                    <dgm:param type="txAnchorVertCh" val="mid"/>
+                  </dgm:alg>
+                  <dgm:shape xmlns:r="http://schemas.openxmlformats.org/officeDocument/2006/relationships" type="roundRect" r:blip="" hideGeom="1">
+                    <dgm:adjLst>
+                      <dgm:adj idx="1" val="0.1"/>
+                    </dgm:adjLst>
+                  </dgm:shape>
+                  <dgm:presOf axis="ch desOrSelf" ptType="node node" st="1 1" cnt="1 0"/>
+                  <dgm:constrLst>
+                    <dgm:constr type="lMarg" refType="primFontSz" fact="0.3"/>
+                    <dgm:constr type="rMarg" refType="primFontSz" fact="0.3"/>
+                    <dgm:constr type="tMarg" refType="primFontSz" fact="0.3"/>
+                    <dgm:constr type="bMarg" refType="primFontSz" fact="0.3"/>
+                  </dgm:constrLst>
+                  <dgm:ruleLst>
+                    <dgm:rule type="primFontSz" val="5" fact="NaN" max="NaN"/>
+                  </dgm:ruleLst>
+                </dgm:layoutNode>
+                <dgm:layoutNode name="ThreeNodes_2_text">
+                  <dgm:varLst>
+                    <dgm:bulletEnabled val="1"/>
+                  </dgm:varLst>
+                  <dgm:alg type="tx">
+                    <dgm:param type="parTxLTRAlign" val="l"/>
+                    <dgm:param type="txAnchorVertCh" val="mid"/>
+                  </dgm:alg>
+                  <dgm:shape xmlns:r="http://schemas.openxmlformats.org/officeDocument/2006/relationships" type="roundRect" r:blip="" hideGeom="1">
+                    <dgm:adjLst>
+                      <dgm:adj idx="1" val="0.1"/>
+                    </dgm:adjLst>
+                  </dgm:shape>
+                  <dgm:presOf axis="ch desOrSelf" ptType="node node" st="2 1" cnt="1 0"/>
+                  <dgm:constrLst>
+                    <dgm:constr type="lMarg" refType="primFontSz" fact="0.3"/>
+                    <dgm:constr type="rMarg" refType="primFontSz" fact="0.3"/>
+                    <dgm:constr type="tMarg" refType="primFontSz" fact="0.3"/>
+                    <dgm:constr type="bMarg" refType="primFontSz" fact="0.3"/>
+                  </dgm:constrLst>
+                  <dgm:ruleLst>
+                    <dgm:rule type="primFontSz" val="5" fact="NaN" max="NaN"/>
+                  </dgm:ruleLst>
+                </dgm:layoutNode>
+                <dgm:layoutNode name="ThreeNodes_3_text">
+                  <dgm:varLst>
+                    <dgm:bulletEnabled val="1"/>
+                  </dgm:varLst>
+                  <dgm:alg type="tx">
+                    <dgm:param type="parTxLTRAlign" val="l"/>
+                    <dgm:param type="txAnchorVertCh" val="mid"/>
+                  </dgm:alg>
+                  <dgm:shape xmlns:r="http://schemas.openxmlformats.org/officeDocument/2006/relationships" type="roundRect" r:blip="" hideGeom="1">
+                    <dgm:adjLst>
+                      <dgm:adj idx="1" val="0.1"/>
+                    </dgm:adjLst>
+                  </dgm:shape>
+                  <dgm:presOf axis="ch desOrSelf" ptType="node node" st="3 1" cnt="1 0"/>
+                  <dgm:constrLst>
+                    <dgm:constr type="lMarg" refType="primFontSz" fact="0.3"/>
+                    <dgm:constr type="rMarg" refType="primFontSz" fact="0.3"/>
+                    <dgm:constr type="tMarg" refType="primFontSz" fact="0.3"/>
+                    <dgm:constr type="bMarg" refType="primFontSz" fact="0.3"/>
+                  </dgm:constrLst>
+                  <dgm:ruleLst>
+                    <dgm:rule type="primFontSz" val="5" fact="NaN" max="NaN"/>
+                  </dgm:ruleLst>
+                </dgm:layoutNode>
+              </dgm:if>
+              <dgm:else name="Name11">
+                <dgm:choose name="Name12">
+                  <dgm:if name="Name13" axis="ch" ptType="node" func="cnt" op="equ" val="4">
+                    <dgm:layoutNode name="FourNodes_1">
+                      <dgm:varLst>
+                        <dgm:bulletEnabled val="1"/>
+                      </dgm:varLst>
+                      <dgm:alg type="sp"/>
+                      <dgm:shape xmlns:r="http://schemas.openxmlformats.org/officeDocument/2006/relationships" type="roundRect" r:blip="">
+                        <dgm:adjLst>
+                          <dgm:adj idx="1" val="0.1"/>
+                        </dgm:adjLst>
+                      </dgm:shape>
+                      <dgm:presOf axis="ch desOrSelf" ptType="node node" st="1 1" cnt="1 0"/>
+                      <dgm:constrLst/>
+                      <dgm:ruleLst/>
+                    </dgm:layoutNode>
+                    <dgm:layoutNode name="FourNodes_2">
+                      <dgm:varLst>
+                        <dgm:bulletEnabled val="1"/>
+                      </dgm:varLst>
+                      <dgm:alg type="sp"/>
+                      <dgm:shape xmlns:r="http://schemas.openxmlformats.org/officeDocument/2006/relationships" type="roundRect" r:blip="">
+                        <dgm:adjLst>
+                          <dgm:adj idx="1" val="0.1"/>
+                        </dgm:adjLst>
+                      </dgm:shape>
+                      <dgm:presOf axis="ch desOrSelf" ptType="node node" st="2 1" cnt="1 0"/>
+                      <dgm:constrLst/>
+                      <dgm:ruleLst/>
+                    </dgm:layoutNode>
+                    <dgm:layoutNode name="FourNodes_3">
+                      <dgm:varLst>
+                        <dgm:bulletEnabled val="1"/>
+                      </dgm:varLst>
+                      <dgm:alg type="sp"/>
+                      <dgm:shape xmlns:r="http://schemas.openxmlformats.org/officeDocument/2006/relationships" type="roundRect" r:blip="">
+                        <dgm:adjLst>
+                          <dgm:adj idx="1" val="0.1"/>
+                        </dgm:adjLst>
+                      </dgm:shape>
+                      <dgm:presOf axis="ch desOrSelf" ptType="node node" st="3 1" cnt="1 0"/>
+                      <dgm:constrLst/>
+                      <dgm:ruleLst/>
+                    </dgm:layoutNode>
+                    <dgm:layoutNode name="FourNodes_4">
+                      <dgm:varLst>
+                        <dgm:bulletEnabled val="1"/>
+                      </dgm:varLst>
+                      <dgm:alg type="sp"/>
+                      <dgm:shape xmlns:r="http://schemas.openxmlformats.org/officeDocument/2006/relationships" type="roundRect" r:blip="">
+                        <dgm:adjLst>
+                          <dgm:adj idx="1" val="0.1"/>
+                        </dgm:adjLst>
+                      </dgm:shape>
+                      <dgm:presOf axis="ch desOrSelf" ptType="node node" st="4 1" cnt="1 0"/>
+                      <dgm:constrLst/>
+                      <dgm:ruleLst/>
+                    </dgm:layoutNode>
+                    <dgm:layoutNode name="FourConn_1-2" styleLbl="fgAccFollowNode1">
+                      <dgm:varLst>
+                        <dgm:bulletEnabled val="1"/>
+                      </dgm:varLst>
+                      <dgm:alg type="tx"/>
+                      <dgm:shape xmlns:r="http://schemas.openxmlformats.org/officeDocument/2006/relationships" type="downArrow" r:blip="">
+                        <dgm:adjLst>
+                          <dgm:adj idx="1" val="0.55"/>
+                          <dgm:adj idx="2" val="0.45"/>
+                        </dgm:adjLst>
+                      </dgm:shape>
+                      <dgm:presOf axis="ch" ptType="sibTrans" cnt="1"/>
+                      <dgm:constrLst>
+                        <dgm:constr type="lMarg" refType="primFontSz" fact="0.1"/>
+                        <dgm:constr type="rMarg" refType="primFontSz" fact="0.1"/>
+                        <dgm:constr type="tMarg" refType="primFontSz" fact="0.1"/>
+                        <dgm:constr type="bMarg" refType="primFontSz" fact="0.1"/>
+                      </dgm:constrLst>
+                      <dgm:ruleLst>
+                        <dgm:rule type="primFontSz" val="5" fact="NaN" max="NaN"/>
+                      </dgm:ruleLst>
+                    </dgm:layoutNode>
+                    <dgm:layoutNode name="FourConn_2-3" styleLbl="fgAccFollowNode1">
+                      <dgm:varLst>
+                        <dgm:bulletEnabled val="1"/>
+                      </dgm:varLst>
+                      <dgm:alg type="tx"/>
+                      <dgm:shape xmlns:r="http://schemas.openxmlformats.org/officeDocument/2006/relationships" type="downArrow" r:blip="">
+                        <dgm:adjLst>
+                          <dgm:adj idx="1" val="0.55"/>
+                          <dgm:adj idx="2" val="0.45"/>
+                        </dgm:adjLst>
+                      </dgm:shape>
+                      <dgm:presOf axis="ch" ptType="sibTrans" st="2" cnt="1"/>
+                      <dgm:constrLst>
+                        <dgm:constr type="lMarg" refType="primFontSz" fact="0.1"/>
+                        <dgm:constr type="rMarg" refType="primFontSz" fact="0.1"/>
+                        <dgm:constr type="tMarg" refType="primFontSz" fact="0.1"/>
+                        <dgm:constr type="bMarg" refType="primFontSz" fact="0.1"/>
+                      </dgm:constrLst>
+                      <dgm:ruleLst>
+                        <dgm:rule type="primFontSz" val="5" fact="NaN" max="NaN"/>
+                      </dgm:ruleLst>
+                    </dgm:layoutNode>
+                    <dgm:layoutNode name="FourConn_3-4" styleLbl="fgAccFollowNode1">
+                      <dgm:varLst>
+                        <dgm:bulletEnabled val="1"/>
+                      </dgm:varLst>
+                      <dgm:alg type="tx"/>
+                      <dgm:shape xmlns:r="http://schemas.openxmlformats.org/officeDocument/2006/relationships" type="downArrow" r:blip="">
+                        <dgm:adjLst>
+                          <dgm:adj idx="1" val="0.55"/>
+                          <dgm:adj idx="2" val="0.45"/>
+                        </dgm:adjLst>
+                      </dgm:shape>
+                      <dgm:presOf axis="ch" ptType="sibTrans" st="3" cnt="1"/>
+                      <dgm:constrLst>
+                        <dgm:constr type="lMarg" refType="primFontSz" fact="0.1"/>
+                        <dgm:constr type="rMarg" refType="primFontSz" fact="0.1"/>
+                        <dgm:constr type="tMarg" refType="primFontSz" fact="0.1"/>
+                        <dgm:constr type="bMarg" refType="primFontSz" fact="0.1"/>
+                      </dgm:constrLst>
+                      <dgm:ruleLst>
+                        <dgm:rule type="primFontSz" val="5" fact="NaN" max="NaN"/>
+                      </dgm:ruleLst>
+                    </dgm:layoutNode>
+                    <dgm:layoutNode name="FourNodes_1_text">
+                      <dgm:varLst>
+                        <dgm:bulletEnabled val="1"/>
+                      </dgm:varLst>
+                      <dgm:alg type="tx">
+                        <dgm:param type="parTxLTRAlign" val="l"/>
+                        <dgm:param type="txAnchorVertCh" val="mid"/>
+                      </dgm:alg>
+                      <dgm:shape xmlns:r="http://schemas.openxmlformats.org/officeDocument/2006/relationships" type="roundRect" r:blip="" hideGeom="1">
+                        <dgm:adjLst>
+                          <dgm:adj idx="1" val="0.1"/>
+                        </dgm:adjLst>
+                      </dgm:shape>
+                      <dgm:presOf axis="ch desOrSelf" ptType="node node" st="1 1" cnt="1 0"/>
+                      <dgm:constrLst>
+                        <dgm:constr type="lMarg" refType="primFontSz" fact="0.3"/>
+                        <dgm:constr type="rMarg" refType="primFontSz" fact="0.3"/>
+                        <dgm:constr type="tMarg" refType="primFontSz" fact="0.3"/>
+                        <dgm:constr type="bMarg" refType="primFontSz" fact="0.3"/>
+                      </dgm:constrLst>
+                      <dgm:ruleLst>
+                        <dgm:rule type="primFontSz" val="5" fact="NaN" max="NaN"/>
+                      </dgm:ruleLst>
+                    </dgm:layoutNode>
+                    <dgm:layoutNode name="FourNodes_2_text">
+                      <dgm:varLst>
+                        <dgm:bulletEnabled val="1"/>
+                      </dgm:varLst>
+                      <dgm:alg type="tx">
+                        <dgm:param type="parTxLTRAlign" val="l"/>
+                        <dgm:param type="txAnchorVertCh" val="mid"/>
+                      </dgm:alg>
+                      <dgm:shape xmlns:r="http://schemas.openxmlformats.org/officeDocument/2006/relationships" type="roundRect" r:blip="" hideGeom="1">
+                        <dgm:adjLst>
+                          <dgm:adj idx="1" val="0.1"/>
+                        </dgm:adjLst>
+                      </dgm:shape>
+                      <dgm:presOf axis="ch desOrSelf" ptType="node node" st="2 1" cnt="1 0"/>
+                      <dgm:constrLst>
+                        <dgm:constr type="lMarg" refType="primFontSz" fact="0.3"/>
+                        <dgm:constr type="rMarg" refType="primFontSz" fact="0.3"/>
+                        <dgm:constr type="tMarg" refType="primFontSz" fact="0.3"/>
+                        <dgm:constr type="bMarg" refType="primFontSz" fact="0.3"/>
+                      </dgm:constrLst>
+                      <dgm:ruleLst>
+                        <dgm:rule type="primFontSz" val="5" fact="NaN" max="NaN"/>
+                      </dgm:ruleLst>
+                    </dgm:layoutNode>
+                    <dgm:layoutNode name="FourNodes_3_text">
+                      <dgm:varLst>
+                        <dgm:bulletEnabled val="1"/>
+                      </dgm:varLst>
+                      <dgm:alg type="tx">
+                        <dgm:param type="parTxLTRAlign" val="l"/>
+                        <dgm:param type="txAnchorVertCh" val="mid"/>
+                      </dgm:alg>
+                      <dgm:shape xmlns:r="http://schemas.openxmlformats.org/officeDocument/2006/relationships" type="roundRect" r:blip="" hideGeom="1">
+                        <dgm:adjLst>
+                          <dgm:adj idx="1" val="0.1"/>
+                        </dgm:adjLst>
+                      </dgm:shape>
+                      <dgm:presOf axis="ch desOrSelf" ptType="node node" st="3 1" cnt="1 0"/>
+                      <dgm:constrLst>
+                        <dgm:constr type="lMarg" refType="primFontSz" fact="0.3"/>
+                        <dgm:constr type="rMarg" refType="primFontSz" fact="0.3"/>
+                        <dgm:constr type="tMarg" refType="primFontSz" fact="0.3"/>
+                        <dgm:constr type="bMarg" refType="primFontSz" fact="0.3"/>
+                      </dgm:constrLst>
+                      <dgm:ruleLst>
+                        <dgm:rule type="primFontSz" val="5" fact="NaN" max="NaN"/>
+                      </dgm:ruleLst>
+                    </dgm:layoutNode>
+                    <dgm:layoutNode name="FourNodes_4_text">
+                      <dgm:varLst>
+                        <dgm:bulletEnabled val="1"/>
+                      </dgm:varLst>
+                      <dgm:alg type="tx">
+                        <dgm:param type="parTxLTRAlign" val="l"/>
+                        <dgm:param type="txAnchorVertCh" val="mid"/>
+                      </dgm:alg>
+                      <dgm:shape xmlns:r="http://schemas.openxmlformats.org/officeDocument/2006/relationships" type="roundRect" r:blip="" hideGeom="1">
+                        <dgm:adjLst>
+                          <dgm:adj idx="1" val="0.1"/>
+                        </dgm:adjLst>
+                      </dgm:shape>
+                      <dgm:presOf axis="ch desOrSelf" ptType="node node" st="4 1" cnt="1 0"/>
+                      <dgm:constrLst>
+                        <dgm:constr type="lMarg" refType="primFontSz" fact="0.3"/>
+                        <dgm:constr type="rMarg" refType="primFontSz" fact="0.3"/>
+                        <dgm:constr type="tMarg" refType="primFontSz" fact="0.3"/>
+                        <dgm:constr type="bMarg" refType="primFontSz" fact="0.3"/>
+                      </dgm:constrLst>
+                      <dgm:ruleLst>
+                        <dgm:rule type="primFontSz" val="5" fact="NaN" max="NaN"/>
+                      </dgm:ruleLst>
+                    </dgm:layoutNode>
+                  </dgm:if>
+                  <dgm:else name="Name14">
+                    <dgm:choose name="Name15">
+                      <dgm:if name="Name16" axis="ch" ptType="node" func="cnt" op="gte" val="5">
+                        <dgm:layoutNode name="FiveNodes_1">
+                          <dgm:varLst>
+                            <dgm:bulletEnabled val="1"/>
+                          </dgm:varLst>
+                          <dgm:alg type="sp"/>
+                          <dgm:shape xmlns:r="http://schemas.openxmlformats.org/officeDocument/2006/relationships" type="roundRect" r:blip="">
+                            <dgm:adjLst>
+                              <dgm:adj idx="1" val="0.1"/>
+                            </dgm:adjLst>
+                          </dgm:shape>
+                          <dgm:presOf axis="ch desOrSelf" ptType="node node" st="1 1" cnt="1 0"/>
+                          <dgm:constrLst/>
+                          <dgm:ruleLst/>
+                        </dgm:layoutNode>
+                        <dgm:layoutNode name="FiveNodes_2">
+                          <dgm:varLst>
+                            <dgm:bulletEnabled val="1"/>
+                          </dgm:varLst>
+                          <dgm:alg type="sp"/>
+                          <dgm:shape xmlns:r="http://schemas.openxmlformats.org/officeDocument/2006/relationships" type="roundRect" r:blip="">
+                            <dgm:adjLst>
+                              <dgm:adj idx="1" val="0.1"/>
+                            </dgm:adjLst>
+                          </dgm:shape>
+                          <dgm:presOf axis="ch desOrSelf" ptType="node node" st="2 1" cnt="1 0"/>
+                          <dgm:constrLst/>
+                          <dgm:ruleLst/>
+                        </dgm:layoutNode>
+                        <dgm:layoutNode name="FiveNodes_3">
+                          <dgm:varLst>
+                            <dgm:bulletEnabled val="1"/>
+                          </dgm:varLst>
+                          <dgm:alg type="sp"/>
+                          <dgm:shape xmlns:r="http://schemas.openxmlformats.org/officeDocument/2006/relationships" type="roundRect" r:blip="">
+                            <dgm:adjLst>
+                              <dgm:adj idx="1" val="0.1"/>
+                            </dgm:adjLst>
+                          </dgm:shape>
+                          <dgm:presOf axis="ch desOrSelf" ptType="node node" st="3 1" cnt="1 0"/>
+                          <dgm:constrLst/>
+                          <dgm:ruleLst/>
+                        </dgm:layoutNode>
+                        <dgm:layoutNode name="FiveNodes_4">
+                          <dgm:varLst>
+                            <dgm:bulletEnabled val="1"/>
+                          </dgm:varLst>
+                          <dgm:alg type="sp"/>
+                          <dgm:shape xmlns:r="http://schemas.openxmlformats.org/officeDocument/2006/relationships" type="roundRect" r:blip="">
+                            <dgm:adjLst>
+                              <dgm:adj idx="1" val="0.1"/>
+                            </dgm:adjLst>
+                          </dgm:shape>
+                          <dgm:presOf axis="ch desOrSelf" ptType="node node" st="4 1" cnt="1 0"/>
+                          <dgm:constrLst/>
+                          <dgm:ruleLst/>
+                        </dgm:layoutNode>
+                        <dgm:layoutNode name="FiveNodes_5">
+                          <dgm:varLst>
+                            <dgm:bulletEnabled val="1"/>
+                          </dgm:varLst>
+                          <dgm:alg type="sp"/>
+                          <dgm:shape xmlns:r="http://schemas.openxmlformats.org/officeDocument/2006/relationships" type="roundRect" r:blip="">
+                            <dgm:adjLst>
+                              <dgm:adj idx="1" val="0.1"/>
+                            </dgm:adjLst>
+                          </dgm:shape>
+                          <dgm:presOf axis="ch desOrSelf" ptType="node node" st="5 1" cnt="1 0"/>
+                          <dgm:constrLst/>
+                          <dgm:ruleLst/>
+                        </dgm:layoutNode>
+                        <dgm:layoutNode name="FiveConn_1-2" styleLbl="fgAccFollowNode1">
+                          <dgm:varLst>
+                            <dgm:bulletEnabled val="1"/>
+                          </dgm:varLst>
+                          <dgm:alg type="tx"/>
+                          <dgm:shape xmlns:r="http://schemas.openxmlformats.org/officeDocument/2006/relationships" type="downArrow" r:blip="">
+                            <dgm:adjLst>
+                              <dgm:adj idx="1" val="0.55"/>
+                              <dgm:adj idx="2" val="0.45"/>
+                            </dgm:adjLst>
+                          </dgm:shape>
+                          <dgm:presOf axis="ch" ptType="sibTrans" cnt="1"/>
+                          <dgm:constrLst>
+                            <dgm:constr type="lMarg" refType="primFontSz" fact="0.1"/>
+                            <dgm:constr type="rMarg" refType="primFontSz" fact="0.1"/>
+                            <dgm:constr type="tMarg" refType="primFontSz" fact="0.1"/>
+                            <dgm:constr type="bMarg" refType="primFontSz" fact="0.1"/>
+                          </dgm:constrLst>
+                          <dgm:ruleLst>
+                            <dgm:rule type="primFontSz" val="5" fact="NaN" max="NaN"/>
+                          </dgm:ruleLst>
+                        </dgm:layoutNode>
+                        <dgm:layoutNode name="FiveConn_2-3" styleLbl="fgAccFollowNode1">
+                          <dgm:varLst>
+                            <dgm:bulletEnabled val="1"/>
+                          </dgm:varLst>
+                          <dgm:alg type="tx"/>
+                          <dgm:shape xmlns:r="http://schemas.openxmlformats.org/officeDocument/2006/relationships" type="downArrow" r:blip="">
+                            <dgm:adjLst>
+                              <dgm:adj idx="1" val="0.55"/>
+                              <dgm:adj idx="2" val="0.45"/>
+                            </dgm:adjLst>
+                          </dgm:shape>
+                          <dgm:presOf axis="ch" ptType="sibTrans" st="2" cnt="1"/>
+                          <dgm:constrLst>
+                            <dgm:constr type="lMarg" refType="primFontSz" fact="0.1"/>
+                            <dgm:constr type="rMarg" refType="primFontSz" fact="0.1"/>
+                            <dgm:constr type="tMarg" refType="primFontSz" fact="0.1"/>
+                            <dgm:constr type="bMarg" refType="primFontSz" fact="0.1"/>
+                          </dgm:constrLst>
+                          <dgm:ruleLst>
+                            <dgm:rule type="primFontSz" val="5" fact="NaN" max="NaN"/>
+                          </dgm:ruleLst>
+                        </dgm:layoutNode>
+                        <dgm:layoutNode name="FiveConn_3-4" styleLbl="fgAccFollowNode1">
+                          <dgm:varLst>
+                            <dgm:bulletEnabled val="1"/>
+                          </dgm:varLst>
+                          <dgm:alg type="tx"/>
+                          <dgm:shape xmlns:r="http://schemas.openxmlformats.org/officeDocument/2006/relationships" type="downArrow" r:blip="">
+                            <dgm:adjLst>
+                              <dgm:adj idx="1" val="0.55"/>
+                              <dgm:adj idx="2" val="0.45"/>
+                            </dgm:adjLst>
+                          </dgm:shape>
+                          <dgm:presOf axis="ch" ptType="sibTrans" st="3" cnt="1"/>
+                          <dgm:constrLst>
+                            <dgm:constr type="lMarg" refType="primFontSz" fact="0.1"/>
+                            <dgm:constr type="rMarg" refType="primFontSz" fact="0.1"/>
+                            <dgm:constr type="tMarg" refType="primFontSz" fact="0.1"/>
+                            <dgm:constr type="bMarg" refType="primFontSz" fact="0.1"/>
+                          </dgm:constrLst>
+                          <dgm:ruleLst>
+                            <dgm:rule type="primFontSz" val="5" fact="NaN" max="NaN"/>
+                          </dgm:ruleLst>
+                        </dgm:layoutNode>
+                        <dgm:layoutNode name="FiveConn_4-5" styleLbl="fgAccFollowNode1">
+                          <dgm:varLst>
+                            <dgm:bulletEnabled val="1"/>
+                          </dgm:varLst>
+                          <dgm:alg type="tx"/>
+                          <dgm:shape xmlns:r="http://schemas.openxmlformats.org/officeDocument/2006/relationships" type="downArrow" r:blip="">
+                            <dgm:adjLst>
+                              <dgm:adj idx="1" val="0.55"/>
+                              <dgm:adj idx="2" val="0.45"/>
+                            </dgm:adjLst>
+                          </dgm:shape>
+                          <dgm:presOf axis="ch" ptType="sibTrans" st="4" cnt="1"/>
+                          <dgm:constrLst>
+                            <dgm:constr type="lMarg" refType="primFontSz" fact="0.1"/>
+                            <dgm:constr type="rMarg" refType="primFontSz" fact="0.1"/>
+                            <dgm:constr type="tMarg" refType="primFontSz" fact="0.1"/>
+                            <dgm:constr type="bMarg" refType="primFontSz" fact="0.1"/>
+                          </dgm:constrLst>
+                          <dgm:ruleLst>
+                            <dgm:rule type="primFontSz" val="5" fact="NaN" max="NaN"/>
+                          </dgm:ruleLst>
+                        </dgm:layoutNode>
+                        <dgm:layoutNode name="FiveNodes_1_text">
+                          <dgm:varLst>
+                            <dgm:bulletEnabled val="1"/>
+                          </dgm:varLst>
+                          <dgm:alg type="tx">
+                            <dgm:param type="parTxLTRAlign" val="l"/>
+                            <dgm:param type="txAnchorVertCh" val="mid"/>
+                          </dgm:alg>
+                          <dgm:shape xmlns:r="http://schemas.openxmlformats.org/officeDocument/2006/relationships" type="roundRect" r:blip="" hideGeom="1">
+                            <dgm:adjLst>
+                              <dgm:adj idx="1" val="0.1"/>
+                            </dgm:adjLst>
+                          </dgm:shape>
+                          <dgm:presOf axis="ch desOrSelf" ptType="node node" st="1 1" cnt="1 0"/>
+                          <dgm:constrLst>
+                            <dgm:constr type="lMarg" refType="primFontSz" fact="0.3"/>
+                            <dgm:constr type="rMarg" refType="primFontSz" fact="0.3"/>
+                            <dgm:constr type="tMarg" refType="primFontSz" fact="0.3"/>
+                            <dgm:constr type="bMarg" refType="primFontSz" fact="0.3"/>
+                          </dgm:constrLst>
+                          <dgm:ruleLst>
+                            <dgm:rule type="primFontSz" val="5" fact="NaN" max="NaN"/>
+                          </dgm:ruleLst>
+                        </dgm:layoutNode>
+                        <dgm:layoutNode name="FiveNodes_2_text">
+                          <dgm:varLst>
+                            <dgm:bulletEnabled val="1"/>
+                          </dgm:varLst>
+                          <dgm:alg type="tx">
+                            <dgm:param type="parTxLTRAlign" val="l"/>
+                            <dgm:param type="txAnchorVertCh" val="mid"/>
+                          </dgm:alg>
+                          <dgm:shape xmlns:r="http://schemas.openxmlformats.org/officeDocument/2006/relationships" type="roundRect" r:blip="" hideGeom="1">
+                            <dgm:adjLst>
+                              <dgm:adj idx="1" val="0.1"/>
+                            </dgm:adjLst>
+                          </dgm:shape>
+                          <dgm:presOf axis="ch desOrSelf" ptType="node node" st="2 1" cnt="1 0"/>
+                          <dgm:constrLst>
+                            <dgm:constr type="lMarg" refType="primFontSz" fact="0.3"/>
+                            <dgm:constr type="rMarg" refType="primFontSz" fact="0.3"/>
+                            <dgm:constr type="tMarg" refType="primFontSz" fact="0.3"/>
+                            <dgm:constr type="bMarg" refType="primFontSz" fact="0.3"/>
+                          </dgm:constrLst>
+                          <dgm:ruleLst>
+                            <dgm:rule type="primFontSz" val="5" fact="NaN" max="NaN"/>
+                          </dgm:ruleLst>
+                        </dgm:layoutNode>
+                        <dgm:layoutNode name="FiveNodes_3_text">
+                          <dgm:varLst>
+                            <dgm:bulletEnabled val="1"/>
+                          </dgm:varLst>
+                          <dgm:alg type="tx">
+                            <dgm:param type="parTxLTRAlign" val="l"/>
+                            <dgm:param type="txAnchorVertCh" val="mid"/>
+                          </dgm:alg>
+                          <dgm:shape xmlns:r="http://schemas.openxmlformats.org/officeDocument/2006/relationships" type="roundRect" r:blip="" hideGeom="1">
+                            <dgm:adjLst>
+                              <dgm:adj idx="1" val="0.1"/>
+                            </dgm:adjLst>
+                          </dgm:shape>
+                          <dgm:presOf axis="ch desOrSelf" ptType="node node" st="3 1" cnt="1 0"/>
+                          <dgm:constrLst>
+                            <dgm:constr type="lMarg" refType="primFontSz" fact="0.3"/>
+                            <dgm:constr type="rMarg" refType="primFontSz" fact="0.3"/>
+                            <dgm:constr type="tMarg" refType="primFontSz" fact="0.3"/>
+                            <dgm:constr type="bMarg" refType="primFontSz" fact="0.3"/>
+                          </dgm:constrLst>
+                          <dgm:ruleLst>
+                            <dgm:rule type="primFontSz" val="5" fact="NaN" max="NaN"/>
+                          </dgm:ruleLst>
+                        </dgm:layoutNode>
+                        <dgm:layoutNode name="FiveNodes_4_text">
+                          <dgm:varLst>
+                            <dgm:bulletEnabled val="1"/>
+                          </dgm:varLst>
+                          <dgm:alg type="tx">
+                            <dgm:param type="parTxLTRAlign" val="l"/>
+                            <dgm:param type="txAnchorVertCh" val="mid"/>
+                          </dgm:alg>
+                          <dgm:shape xmlns:r="http://schemas.openxmlformats.org/officeDocument/2006/relationships" type="roundRect" r:blip="" hideGeom="1">
+                            <dgm:adjLst>
+                              <dgm:adj idx="1" val="0.1"/>
+                            </dgm:adjLst>
+                          </dgm:shape>
+                          <dgm:presOf axis="ch desOrSelf" ptType="node node" st="4 1" cnt="1 0"/>
+                          <dgm:constrLst>
+                            <dgm:constr type="lMarg" refType="primFontSz" fact="0.3"/>
+                            <dgm:constr type="rMarg" refType="primFontSz" fact="0.3"/>
+                            <dgm:constr type="tMarg" refType="primFontSz" fact="0.3"/>
+                            <dgm:constr type="bMarg" refType="primFontSz" fact="0.3"/>
+                          </dgm:constrLst>
+                          <dgm:ruleLst>
+                            <dgm:rule type="primFontSz" val="5" fact="NaN" max="NaN"/>
+                          </dgm:ruleLst>
+                        </dgm:layoutNode>
+                        <dgm:layoutNode name="FiveNodes_5_text">
+                          <dgm:varLst>
+                            <dgm:bulletEnabled val="1"/>
+                          </dgm:varLst>
+                          <dgm:alg type="tx">
+                            <dgm:param type="parTxLTRAlign" val="l"/>
+                            <dgm:param type="txAnchorVertCh" val="mid"/>
+                          </dgm:alg>
+                          <dgm:shape xmlns:r="http://schemas.openxmlformats.org/officeDocument/2006/relationships" type="roundRect" r:blip="" hideGeom="1">
+                            <dgm:adjLst>
+                              <dgm:adj idx="1" val="0.1"/>
+                            </dgm:adjLst>
+                          </dgm:shape>
+                          <dgm:presOf axis="ch desOrSelf" ptType="node node" st="5 1" cnt="1 0"/>
+                          <dgm:constrLst>
+                            <dgm:constr type="lMarg" refType="primFontSz" fact="0.3"/>
+                            <dgm:constr type="rMarg" refType="primFontSz" fact="0.3"/>
+                            <dgm:constr type="tMarg" refType="primFontSz" fact="0.3"/>
+                            <dgm:constr type="bMarg" refType="primFontSz" fact="0.3"/>
+                          </dgm:constrLst>
+                          <dgm:ruleLst>
+                            <dgm:rule type="primFontSz" val="5" fact="NaN" max="NaN"/>
+                          </dgm:ruleLst>
+                        </dgm:layoutNode>
+                      </dgm:if>
+                      <dgm:else name="Name17"/>
+                    </dgm:choose>
+                  </dgm:else>
+                </dgm:choose>
+              </dgm:else>
+            </dgm:choose>
+          </dgm:else>
+        </dgm:choose>
+      </dgm:else>
+    </dgm:choose>
   </dgm:layoutNode>
 </dgm:layoutDef>
 </file>
@@ -9620,7 +11908,7 @@
           <a:p>
             <a:fld id="{A117FC55-09B6-664E-A48C-8C39C1B8D896}" type="datetimeFigureOut">
               <a:rPr lang="en-US" smtClean="0"/>
-              <a:t>6/1/2023</a:t>
+              <a:t>6/1/23</a:t>
             </a:fld>
             <a:endParaRPr lang="en-US"/>
           </a:p>
@@ -9820,7 +12108,7 @@
           <a:p>
             <a:fld id="{A117FC55-09B6-664E-A48C-8C39C1B8D896}" type="datetimeFigureOut">
               <a:rPr lang="en-US" smtClean="0"/>
-              <a:t>6/1/2023</a:t>
+              <a:t>6/1/23</a:t>
             </a:fld>
             <a:endParaRPr lang="en-US"/>
           </a:p>
@@ -10030,7 +12318,7 @@
           <a:p>
             <a:fld id="{A117FC55-09B6-664E-A48C-8C39C1B8D896}" type="datetimeFigureOut">
               <a:rPr lang="en-US" smtClean="0"/>
-              <a:t>6/1/2023</a:t>
+              <a:t>6/1/23</a:t>
             </a:fld>
             <a:endParaRPr lang="en-US"/>
           </a:p>
@@ -10230,7 +12518,7 @@
           <a:p>
             <a:fld id="{A117FC55-09B6-664E-A48C-8C39C1B8D896}" type="datetimeFigureOut">
               <a:rPr lang="en-US" smtClean="0"/>
-              <a:t>6/1/2023</a:t>
+              <a:t>6/1/23</a:t>
             </a:fld>
             <a:endParaRPr lang="en-US"/>
           </a:p>
@@ -10506,7 +12794,7 @@
           <a:p>
             <a:fld id="{A117FC55-09B6-664E-A48C-8C39C1B8D896}" type="datetimeFigureOut">
               <a:rPr lang="en-US" smtClean="0"/>
-              <a:t>6/1/2023</a:t>
+              <a:t>6/1/23</a:t>
             </a:fld>
             <a:endParaRPr lang="en-US"/>
           </a:p>
@@ -10774,7 +13062,7 @@
           <a:p>
             <a:fld id="{A117FC55-09B6-664E-A48C-8C39C1B8D896}" type="datetimeFigureOut">
               <a:rPr lang="en-US" smtClean="0"/>
-              <a:t>6/1/2023</a:t>
+              <a:t>6/1/23</a:t>
             </a:fld>
             <a:endParaRPr lang="en-US"/>
           </a:p>
@@ -11189,7 +13477,7 @@
           <a:p>
             <a:fld id="{A117FC55-09B6-664E-A48C-8C39C1B8D896}" type="datetimeFigureOut">
               <a:rPr lang="en-US" smtClean="0"/>
-              <a:t>6/1/2023</a:t>
+              <a:t>6/1/23</a:t>
             </a:fld>
             <a:endParaRPr lang="en-US"/>
           </a:p>
@@ -11331,7 +13619,7 @@
           <a:p>
             <a:fld id="{A117FC55-09B6-664E-A48C-8C39C1B8D896}" type="datetimeFigureOut">
               <a:rPr lang="en-US" smtClean="0"/>
-              <a:t>6/1/2023</a:t>
+              <a:t>6/1/23</a:t>
             </a:fld>
             <a:endParaRPr lang="en-US"/>
           </a:p>
@@ -11444,7 +13732,7 @@
           <a:p>
             <a:fld id="{A117FC55-09B6-664E-A48C-8C39C1B8D896}" type="datetimeFigureOut">
               <a:rPr lang="en-US" smtClean="0"/>
-              <a:t>6/1/2023</a:t>
+              <a:t>6/1/23</a:t>
             </a:fld>
             <a:endParaRPr lang="en-US"/>
           </a:p>
@@ -11757,7 +14045,7 @@
           <a:p>
             <a:fld id="{A117FC55-09B6-664E-A48C-8C39C1B8D896}" type="datetimeFigureOut">
               <a:rPr lang="en-US" smtClean="0"/>
-              <a:t>6/1/2023</a:t>
+              <a:t>6/1/23</a:t>
             </a:fld>
             <a:endParaRPr lang="en-US"/>
           </a:p>
@@ -12046,7 +14334,7 @@
           <a:p>
             <a:fld id="{A117FC55-09B6-664E-A48C-8C39C1B8D896}" type="datetimeFigureOut">
               <a:rPr lang="en-US" smtClean="0"/>
-              <a:t>6/1/2023</a:t>
+              <a:t>6/1/23</a:t>
             </a:fld>
             <a:endParaRPr lang="en-US"/>
           </a:p>
@@ -12289,7 +14577,7 @@
           <a:p>
             <a:fld id="{A117FC55-09B6-664E-A48C-8C39C1B8D896}" type="datetimeFigureOut">
               <a:rPr lang="en-US" smtClean="0"/>
-              <a:t>6/1/2023</a:t>
+              <a:t>6/1/23</a:t>
             </a:fld>
             <a:endParaRPr lang="en-US"/>
           </a:p>
@@ -13614,14 +15902,6 @@
 <file path=ppt/slides/slide10.xml><?xml version="1.0" encoding="utf-8"?>
 <p:sld xmlns:a="http://schemas.openxmlformats.org/drawingml/2006/main" xmlns:r="http://schemas.openxmlformats.org/officeDocument/2006/relationships" xmlns:p="http://schemas.openxmlformats.org/presentationml/2006/main">
   <p:cSld>
-    <p:bg>
-      <p:bgPr>
-        <a:solidFill>
-          <a:schemeClr val="bg1"/>
-        </a:solidFill>
-        <a:effectLst/>
-      </p:bgPr>
-    </p:bg>
     <p:spTree>
       <p:nvGrpSpPr>
         <p:cNvPr id="1" name=""/>
@@ -13654,8 +15934,8 @@
         </p:nvSpPr>
         <p:spPr>
           <a:xfrm>
-            <a:off x="248195" y="327025"/>
-            <a:ext cx="7102824" cy="887821"/>
+            <a:off x="248195" y="327026"/>
+            <a:ext cx="7102824" cy="738324"/>
           </a:xfrm>
         </p:spPr>
         <p:txBody>
@@ -13690,67 +15970,132 @@
         </p:nvSpPr>
         <p:spPr>
           <a:xfrm>
-            <a:off x="481013" y="1724297"/>
-            <a:ext cx="6337798" cy="4481242"/>
+            <a:off x="481013" y="1580322"/>
+            <a:ext cx="6337798" cy="4625217"/>
           </a:xfrm>
         </p:spPr>
         <p:txBody>
           <a:bodyPr anchor="t">
-            <a:normAutofit/>
+            <a:normAutofit lnSpcReduction="10000"/>
           </a:bodyPr>
           <a:lstStyle/>
           <a:p>
+            <a:pPr marL="0" indent="0">
+              <a:buNone/>
+            </a:pPr>
             <a:r>
-              <a:rPr lang="en-US" sz="1800" i="1" dirty="0"/>
-              <a:t>Used Google </a:t>
-            </a:r>
-            <a:r>
-              <a:rPr lang="en-US" sz="1800" i="1" dirty="0" err="1"/>
-              <a:t>Colab</a:t>
-            </a:r>
-            <a:endParaRPr lang="en-US" sz="1800" i="1" dirty="0"/>
-          </a:p>
-          <a:p>
-            <a:r>
-              <a:rPr lang="en-US" sz="1800" i="1" dirty="0"/>
-              <a:t>Time-series model – ARMIA family</a:t>
+              <a:rPr lang="en-US" sz="1800" u="sng" dirty="0"/>
+              <a:t>OVERVIEW:</a:t>
             </a:r>
           </a:p>
           <a:p>
+            <a:pPr>
+              <a:spcBef>
+                <a:spcPts val="1800"/>
+              </a:spcBef>
+            </a:pPr>
             <a:r>
-              <a:rPr lang="en-US" sz="1800" i="1" dirty="0"/>
-              <a:t>Test ARMA, ARIMA, SARIMA</a:t>
+              <a:rPr lang="en-US" sz="1800" dirty="0"/>
+              <a:t>Developed a time-series model:</a:t>
             </a:r>
           </a:p>
           <a:p>
+            <a:pPr lvl="1">
+              <a:spcBef>
+                <a:spcPts val="1800"/>
+              </a:spcBef>
+            </a:pPr>
             <a:r>
-              <a:rPr lang="en-US" sz="1800" i="1" dirty="0"/>
-              <a:t>Used “For Loop” to iterate through a range of model inputs and print results:</a:t>
+              <a:rPr lang="en-US" sz="1400" dirty="0"/>
+              <a:t>Time is the independent variable (x-axis)</a:t>
             </a:r>
           </a:p>
           <a:p>
-            <a:pPr lvl="1"/>
+            <a:pPr>
+              <a:spcBef>
+                <a:spcPts val="1800"/>
+              </a:spcBef>
+            </a:pPr>
             <a:r>
-              <a:rPr lang="en-US" sz="1400" i="1" dirty="0"/>
-              <a:t>Seeking to </a:t>
+              <a:rPr lang="en-US" sz="1800" dirty="0"/>
+              <a:t>Opted for “ARMIA family” of time-series model;</a:t>
             </a:r>
+          </a:p>
+          <a:p>
+            <a:pPr lvl="1">
+              <a:spcBef>
+                <a:spcPts val="1800"/>
+              </a:spcBef>
+            </a:pPr>
             <a:r>
-              <a:rPr lang="en-US" sz="1400" i="1" dirty="0" err="1"/>
-              <a:t>minimise</a:t>
+              <a:rPr lang="en-US" sz="1400" dirty="0"/>
+              <a:t>3 types: ARMA, ARIMA, SARIMA models</a:t>
             </a:r>
+          </a:p>
+          <a:p>
+            <a:pPr lvl="1">
+              <a:spcBef>
+                <a:spcPts val="1800"/>
+              </a:spcBef>
+            </a:pPr>
             <a:r>
-              <a:rPr lang="en-US" sz="1400" i="1" dirty="0"/>
-              <a:t> Root Mean Square Error (RMSE)</a:t>
+              <a:rPr lang="en-US" sz="1400" dirty="0"/>
+              <a:t>Determine best of these - lowest error (RMSE)</a:t>
+            </a:r>
+          </a:p>
+          <a:p>
+            <a:pPr>
+              <a:spcBef>
+                <a:spcPts val="1800"/>
+              </a:spcBef>
+            </a:pPr>
+            <a:r>
+              <a:rPr lang="en-US" sz="1800" dirty="0"/>
+              <a:t>Use “For Loop” to iterate through model inputs:</a:t>
+            </a:r>
+          </a:p>
+          <a:p>
+            <a:pPr lvl="1">
+              <a:spcBef>
+                <a:spcPts val="1800"/>
+              </a:spcBef>
+            </a:pPr>
+            <a:r>
+              <a:rPr lang="en-US" sz="1400" dirty="0"/>
+              <a:t>This determines input combination that minimises RMSE</a:t>
+            </a:r>
+          </a:p>
+          <a:p>
+            <a:pPr>
+              <a:spcBef>
+                <a:spcPts val="1800"/>
+              </a:spcBef>
+            </a:pPr>
+            <a:r>
+              <a:rPr lang="en-US" sz="1800" dirty="0"/>
+              <a:t>Resulting “optimised” model should produce lower error measure.</a:t>
+            </a:r>
+          </a:p>
+          <a:p>
+            <a:pPr marL="0" indent="0">
+              <a:spcBef>
+                <a:spcPts val="1800"/>
+              </a:spcBef>
+              <a:buNone/>
+            </a:pPr>
+            <a:r>
+              <a:rPr lang="en-US" sz="1800" i="1" dirty="0"/>
+              <a:t>… let’s see the results</a:t>
             </a:r>
           </a:p>
         </p:txBody>
       </p:sp>
       <p:pic>
         <p:nvPicPr>
-          <p:cNvPr id="10" name="Picture 9" descr="Computer script on a screen">
+          <p:cNvPr id="17" name="Picture 16">
             <a:extLst>
               <a:ext uri="{FF2B5EF4-FFF2-40B4-BE49-F238E27FC236}">
-                <a16:creationId xmlns:a16="http://schemas.microsoft.com/office/drawing/2014/main" id="{EFDFD0E6-ECC6-9F32-D2FA-05E22492CF73}"/>
+                <a16:creationId xmlns:a16="http://schemas.microsoft.com/office/drawing/2014/main" id="{09A3A618-C514-B577-926B-07A3725630EC}"/>
               </a:ext>
             </a:extLst>
           </p:cNvPr>
@@ -13759,80 +16104,58 @@
           </p:cNvPicPr>
           <p:nvPr/>
         </p:nvPicPr>
-        <p:blipFill rotWithShape="1">
-          <a:blip r:embed="rId3">
-            <a:alphaModFix amt="72000"/>
-            <a:extLst>
-              <a:ext uri="{BEBA8EAE-BF5A-486C-A8C5-ECC9F3942E4B}">
-                <a14:imgProps xmlns:a14="http://schemas.microsoft.com/office/drawing/2010/main">
-                  <a14:imgLayer r:embed="rId4">
-                    <a14:imgEffect>
-                      <a14:colorTemperature colorTemp="4700"/>
-                    </a14:imgEffect>
-                    <a14:imgEffect>
-                      <a14:saturation sat="66000"/>
-                    </a14:imgEffect>
-                  </a14:imgLayer>
-                </a14:imgProps>
-              </a:ext>
-            </a:extLst>
-          </a:blip>
-          <a:srcRect l="96" r="39293" b="-2"/>
-          <a:stretch/>
+        <p:blipFill>
+          <a:blip r:embed="rId3"/>
+          <a:stretch>
+            <a:fillRect/>
+          </a:stretch>
         </p:blipFill>
         <p:spPr>
           <a:xfrm>
-            <a:off x="7351018" y="1588"/>
-            <a:ext cx="6225645" cy="6856412"/>
+            <a:off x="330200" y="963418"/>
+            <a:ext cx="5765800" cy="355600"/>
           </a:xfrm>
-          <a:custGeom>
+          <a:prstGeom prst="rect">
             <a:avLst/>
-            <a:gdLst/>
-            <a:ahLst/>
-            <a:cxnLst/>
-            <a:rect l="l" t="t" r="r" b="b"/>
-            <a:pathLst>
-              <a:path w="5620032" h="6856412">
-                <a:moveTo>
-                  <a:pt x="13187" y="0"/>
-                </a:moveTo>
-                <a:lnTo>
-                  <a:pt x="5620032" y="0"/>
-                </a:lnTo>
-                <a:lnTo>
-                  <a:pt x="5620032" y="6856412"/>
-                </a:lnTo>
-                <a:lnTo>
-                  <a:pt x="0" y="6856412"/>
-                </a:lnTo>
-                <a:lnTo>
-                  <a:pt x="64318" y="6298274"/>
-                </a:lnTo>
-                <a:cubicBezTo>
-                  <a:pt x="203221" y="4970220"/>
-                  <a:pt x="240510" y="3632077"/>
-                  <a:pt x="97152" y="2276000"/>
-                </a:cubicBezTo>
-                <a:cubicBezTo>
-                  <a:pt x="35713" y="1694824"/>
-                  <a:pt x="7455" y="1116942"/>
-                  <a:pt x="6154" y="541737"/>
-                </a:cubicBezTo>
-                <a:close/>
-              </a:path>
-            </a:pathLst>
-          </a:custGeom>
-          <a:solidFill>
-            <a:schemeClr val="tx1"/>
-          </a:solidFill>
+          </a:prstGeom>
         </p:spPr>
       </p:pic>
       <p:pic>
         <p:nvPicPr>
-          <p:cNvPr id="17" name="Picture 16">
+          <p:cNvPr id="3" name="Picture 2">
             <a:extLst>
               <a:ext uri="{FF2B5EF4-FFF2-40B4-BE49-F238E27FC236}">
-                <a16:creationId xmlns:a16="http://schemas.microsoft.com/office/drawing/2014/main" id="{09A3A618-C514-B577-926B-07A3725630EC}"/>
+                <a16:creationId xmlns:a16="http://schemas.microsoft.com/office/drawing/2014/main" id="{09D85D52-027C-B18B-02FB-00676ECE9532}"/>
+              </a:ext>
+            </a:extLst>
+          </p:cNvPr>
+          <p:cNvPicPr>
+            <a:picLocks noChangeAspect="1"/>
+          </p:cNvPicPr>
+          <p:nvPr/>
+        </p:nvPicPr>
+        <p:blipFill>
+          <a:blip r:embed="rId4"/>
+          <a:stretch>
+            <a:fillRect/>
+          </a:stretch>
+        </p:blipFill>
+        <p:spPr>
+          <a:xfrm>
+            <a:off x="6987208" y="1065350"/>
+            <a:ext cx="5204791" cy="1410993"/>
+          </a:xfrm>
+          <a:prstGeom prst="rect">
+            <a:avLst/>
+          </a:prstGeom>
+        </p:spPr>
+      </p:pic>
+      <p:pic>
+        <p:nvPicPr>
+          <p:cNvPr id="4" name="Picture 3">
+            <a:extLst>
+              <a:ext uri="{FF2B5EF4-FFF2-40B4-BE49-F238E27FC236}">
+                <a16:creationId xmlns:a16="http://schemas.microsoft.com/office/drawing/2014/main" id="{DF098503-A864-EB90-6621-EAE20C0E9263}"/>
               </a:ext>
             </a:extLst>
           </p:cNvPr>
@@ -13849,14 +16172,230 @@
         </p:blipFill>
         <p:spPr>
           <a:xfrm>
-            <a:off x="481013" y="1217023"/>
-            <a:ext cx="5765800" cy="355600"/>
+            <a:off x="5946912" y="2881622"/>
+            <a:ext cx="6245087" cy="1412251"/>
           </a:xfrm>
           <a:prstGeom prst="rect">
             <a:avLst/>
           </a:prstGeom>
         </p:spPr>
       </p:pic>
+      <p:pic>
+        <p:nvPicPr>
+          <p:cNvPr id="5" name="Picture 4">
+            <a:extLst>
+              <a:ext uri="{FF2B5EF4-FFF2-40B4-BE49-F238E27FC236}">
+                <a16:creationId xmlns:a16="http://schemas.microsoft.com/office/drawing/2014/main" id="{046F8869-D37F-BC5C-8703-8D117AF1A3BA}"/>
+              </a:ext>
+            </a:extLst>
+          </p:cNvPr>
+          <p:cNvPicPr>
+            <a:picLocks noChangeAspect="1"/>
+          </p:cNvPicPr>
+          <p:nvPr/>
+        </p:nvPicPr>
+        <p:blipFill>
+          <a:blip r:embed="rId6"/>
+          <a:stretch>
+            <a:fillRect/>
+          </a:stretch>
+        </p:blipFill>
+        <p:spPr>
+          <a:xfrm>
+            <a:off x="6880362" y="4777207"/>
+            <a:ext cx="5311637" cy="1840321"/>
+          </a:xfrm>
+          <a:prstGeom prst="rect">
+            <a:avLst/>
+          </a:prstGeom>
+        </p:spPr>
+      </p:pic>
+      <p:sp>
+        <p:nvSpPr>
+          <p:cNvPr id="6" name="Right Arrow 5">
+            <a:extLst>
+              <a:ext uri="{FF2B5EF4-FFF2-40B4-BE49-F238E27FC236}">
+                <a16:creationId xmlns:a16="http://schemas.microsoft.com/office/drawing/2014/main" id="{D547D4B9-A8D7-3925-33F9-ECD40E1EA6C6}"/>
+              </a:ext>
+            </a:extLst>
+          </p:cNvPr>
+          <p:cNvSpPr/>
+          <p:nvPr/>
+        </p:nvSpPr>
+        <p:spPr>
+          <a:xfrm rot="19544805">
+            <a:off x="5118603" y="2255541"/>
+            <a:ext cx="1906422" cy="228991"/>
+          </a:xfrm>
+          <a:prstGeom prst="rightArrow">
+            <a:avLst>
+              <a:gd name="adj1" fmla="val 25623"/>
+              <a:gd name="adj2" fmla="val 123360"/>
+            </a:avLst>
+          </a:prstGeom>
+          <a:solidFill>
+            <a:schemeClr val="accent1">
+              <a:alpha val="50000"/>
+            </a:schemeClr>
+          </a:solidFill>
+          <a:ln>
+            <a:solidFill>
+              <a:schemeClr val="accent1">
+                <a:shade val="15000"/>
+                <a:alpha val="50032"/>
+              </a:schemeClr>
+            </a:solidFill>
+          </a:ln>
+        </p:spPr>
+        <p:style>
+          <a:lnRef idx="2">
+            <a:schemeClr val="accent1">
+              <a:shade val="15000"/>
+            </a:schemeClr>
+          </a:lnRef>
+          <a:fillRef idx="1">
+            <a:schemeClr val="accent1"/>
+          </a:fillRef>
+          <a:effectRef idx="0">
+            <a:schemeClr val="accent1"/>
+          </a:effectRef>
+          <a:fontRef idx="minor">
+            <a:schemeClr val="lt1"/>
+          </a:fontRef>
+        </p:style>
+        <p:txBody>
+          <a:bodyPr rtlCol="0" anchor="ctr"/>
+          <a:lstStyle/>
+          <a:p>
+            <a:pPr algn="ctr"/>
+            <a:endParaRPr lang="en-US"/>
+          </a:p>
+        </p:txBody>
+      </p:sp>
+      <p:sp>
+        <p:nvSpPr>
+          <p:cNvPr id="7" name="Right Arrow 6">
+            <a:extLst>
+              <a:ext uri="{FF2B5EF4-FFF2-40B4-BE49-F238E27FC236}">
+                <a16:creationId xmlns:a16="http://schemas.microsoft.com/office/drawing/2014/main" id="{07100C67-DB72-A764-226D-52DA5D719766}"/>
+              </a:ext>
+            </a:extLst>
+          </p:cNvPr>
+          <p:cNvSpPr/>
+          <p:nvPr/>
+        </p:nvSpPr>
+        <p:spPr>
+          <a:xfrm rot="21041174">
+            <a:off x="5224037" y="4033103"/>
+            <a:ext cx="718326" cy="203987"/>
+          </a:xfrm>
+          <a:prstGeom prst="rightArrow">
+            <a:avLst>
+              <a:gd name="adj1" fmla="val 25623"/>
+              <a:gd name="adj2" fmla="val 93231"/>
+            </a:avLst>
+          </a:prstGeom>
+          <a:solidFill>
+            <a:schemeClr val="accent1">
+              <a:alpha val="50000"/>
+            </a:schemeClr>
+          </a:solidFill>
+          <a:ln>
+            <a:solidFill>
+              <a:schemeClr val="accent1">
+                <a:shade val="15000"/>
+                <a:alpha val="50032"/>
+              </a:schemeClr>
+            </a:solidFill>
+          </a:ln>
+        </p:spPr>
+        <p:style>
+          <a:lnRef idx="2">
+            <a:schemeClr val="accent1">
+              <a:shade val="15000"/>
+            </a:schemeClr>
+          </a:lnRef>
+          <a:fillRef idx="1">
+            <a:schemeClr val="accent1"/>
+          </a:fillRef>
+          <a:effectRef idx="0">
+            <a:schemeClr val="accent1"/>
+          </a:effectRef>
+          <a:fontRef idx="minor">
+            <a:schemeClr val="lt1"/>
+          </a:fontRef>
+        </p:style>
+        <p:txBody>
+          <a:bodyPr rtlCol="0" anchor="ctr"/>
+          <a:lstStyle/>
+          <a:p>
+            <a:pPr algn="ctr"/>
+            <a:endParaRPr lang="en-US"/>
+          </a:p>
+        </p:txBody>
+      </p:sp>
+      <p:sp>
+        <p:nvSpPr>
+          <p:cNvPr id="9" name="Right Arrow 8">
+            <a:extLst>
+              <a:ext uri="{FF2B5EF4-FFF2-40B4-BE49-F238E27FC236}">
+                <a16:creationId xmlns:a16="http://schemas.microsoft.com/office/drawing/2014/main" id="{C2E535D7-179D-769B-628B-3016CE5FB82B}"/>
+              </a:ext>
+            </a:extLst>
+          </p:cNvPr>
+          <p:cNvSpPr/>
+          <p:nvPr/>
+        </p:nvSpPr>
+        <p:spPr>
+          <a:xfrm rot="814490">
+            <a:off x="5956806" y="5316339"/>
+            <a:ext cx="899990" cy="216552"/>
+          </a:xfrm>
+          <a:prstGeom prst="rightArrow">
+            <a:avLst>
+              <a:gd name="adj1" fmla="val 25623"/>
+              <a:gd name="adj2" fmla="val 93231"/>
+            </a:avLst>
+          </a:prstGeom>
+          <a:solidFill>
+            <a:schemeClr val="accent1">
+              <a:alpha val="50000"/>
+            </a:schemeClr>
+          </a:solidFill>
+          <a:ln>
+            <a:solidFill>
+              <a:schemeClr val="accent1">
+                <a:shade val="15000"/>
+                <a:alpha val="50032"/>
+              </a:schemeClr>
+            </a:solidFill>
+          </a:ln>
+        </p:spPr>
+        <p:style>
+          <a:lnRef idx="2">
+            <a:schemeClr val="accent1">
+              <a:shade val="15000"/>
+            </a:schemeClr>
+          </a:lnRef>
+          <a:fillRef idx="1">
+            <a:schemeClr val="accent1"/>
+          </a:fillRef>
+          <a:effectRef idx="0">
+            <a:schemeClr val="accent1"/>
+          </a:effectRef>
+          <a:fontRef idx="minor">
+            <a:schemeClr val="lt1"/>
+          </a:fontRef>
+        </p:style>
+        <p:txBody>
+          <a:bodyPr rtlCol="0" anchor="ctr"/>
+          <a:lstStyle/>
+          <a:p>
+            <a:pPr algn="ctr"/>
+            <a:endParaRPr lang="en-US"/>
+          </a:p>
+        </p:txBody>
+      </p:sp>
     </p:spTree>
     <p:extLst>
       <p:ext uri="{BB962C8B-B14F-4D97-AF65-F5344CB8AC3E}">
@@ -13872,6 +16411,2109 @@
       <p188:commentRel xmlns:p188="http://schemas.microsoft.com/office/powerpoint/2018/8/main" r:id="rId2"/>
     </p:ext>
   </p:extLst>
+</p:sld>
+</file>
+
+<file path=ppt/slides/slide11.xml><?xml version="1.0" encoding="utf-8"?>
+<p:sld xmlns:a="http://schemas.openxmlformats.org/drawingml/2006/main" xmlns:r="http://schemas.openxmlformats.org/officeDocument/2006/relationships" xmlns:p="http://schemas.openxmlformats.org/presentationml/2006/main">
+  <p:cSld>
+    <p:spTree>
+      <p:nvGrpSpPr>
+        <p:cNvPr id="1" name=""/>
+        <p:cNvGrpSpPr/>
+        <p:nvPr/>
+      </p:nvGrpSpPr>
+      <p:grpSpPr>
+        <a:xfrm>
+          <a:off x="0" y="0"/>
+          <a:ext cx="0" cy="0"/>
+          <a:chOff x="0" y="0"/>
+          <a:chExt cx="0" cy="0"/>
+        </a:xfrm>
+      </p:grpSpPr>
+      <p:sp>
+        <p:nvSpPr>
+          <p:cNvPr id="2" name="Title 1">
+            <a:extLst>
+              <a:ext uri="{FF2B5EF4-FFF2-40B4-BE49-F238E27FC236}">
+                <a16:creationId xmlns:a16="http://schemas.microsoft.com/office/drawing/2014/main" id="{D908F106-8D88-C209-A956-433AB8F08539}"/>
+              </a:ext>
+            </a:extLst>
+          </p:cNvPr>
+          <p:cNvSpPr>
+            <a:spLocks noGrp="1"/>
+          </p:cNvSpPr>
+          <p:nvPr>
+            <p:ph type="title"/>
+          </p:nvPr>
+        </p:nvSpPr>
+        <p:spPr>
+          <a:xfrm>
+            <a:off x="248195" y="327026"/>
+            <a:ext cx="7102824" cy="438288"/>
+          </a:xfrm>
+        </p:spPr>
+        <p:txBody>
+          <a:bodyPr anchor="b">
+            <a:normAutofit/>
+          </a:bodyPr>
+          <a:lstStyle/>
+          <a:p>
+            <a:r>
+              <a:rPr lang="en-US" sz="2400" b="1" dirty="0"/>
+              <a:t>Machine-Learning Model: # 1</a:t>
+            </a:r>
+            <a:endParaRPr lang="en-US" sz="2400" dirty="0"/>
+          </a:p>
+        </p:txBody>
+      </p:sp>
+      <p:sp>
+        <p:nvSpPr>
+          <p:cNvPr id="8" name="Content Placeholder 7">
+            <a:extLst>
+              <a:ext uri="{FF2B5EF4-FFF2-40B4-BE49-F238E27FC236}">
+                <a16:creationId xmlns:a16="http://schemas.microsoft.com/office/drawing/2014/main" id="{C210AE1D-4386-F821-6C9B-6F551CFF3CEC}"/>
+              </a:ext>
+            </a:extLst>
+          </p:cNvPr>
+          <p:cNvSpPr>
+            <a:spLocks noGrp="1"/>
+          </p:cNvSpPr>
+          <p:nvPr>
+            <p:ph idx="1"/>
+          </p:nvPr>
+        </p:nvSpPr>
+        <p:spPr>
+          <a:xfrm>
+            <a:off x="481013" y="1203602"/>
+            <a:ext cx="6565830" cy="5001937"/>
+          </a:xfrm>
+        </p:spPr>
+        <p:txBody>
+          <a:bodyPr anchor="t">
+            <a:normAutofit/>
+          </a:bodyPr>
+          <a:lstStyle/>
+          <a:p>
+            <a:pPr marL="0" indent="0">
+              <a:buNone/>
+            </a:pPr>
+            <a:r>
+              <a:rPr lang="en-US" sz="2000" i="1" u="sng" dirty="0"/>
+              <a:t>Electricity Generated from Non-Renewable Production: Global</a:t>
+            </a:r>
+          </a:p>
+          <a:p>
+            <a:pPr marL="0" indent="0">
+              <a:buNone/>
+            </a:pPr>
+            <a:endParaRPr lang="en-US" sz="2000" i="1" u="sng" dirty="0"/>
+          </a:p>
+          <a:p>
+            <a:pPr marL="342900" indent="-342900">
+              <a:buFont typeface="+mj-lt"/>
+              <a:buAutoNum type="arabicPeriod"/>
+            </a:pPr>
+            <a:r>
+              <a:rPr lang="en-US" sz="1800" dirty="0"/>
+              <a:t>Select Model-type:</a:t>
+            </a:r>
+          </a:p>
+          <a:p>
+            <a:pPr marL="0" indent="0">
+              <a:buNone/>
+            </a:pPr>
+            <a:r>
+              <a:rPr lang="en-US" sz="1800" dirty="0"/>
+              <a:t>	Tested each model type:</a:t>
+            </a:r>
+          </a:p>
+          <a:p>
+            <a:pPr marL="0" indent="0">
+              <a:buNone/>
+            </a:pPr>
+            <a:endParaRPr lang="en-US" sz="1800" dirty="0"/>
+          </a:p>
+          <a:p>
+            <a:pPr marL="0" indent="0">
+              <a:buNone/>
+            </a:pPr>
+            <a:endParaRPr lang="en-US" sz="1800" dirty="0"/>
+          </a:p>
+          <a:p>
+            <a:pPr marL="0" indent="0">
+              <a:buNone/>
+            </a:pPr>
+            <a:endParaRPr lang="en-US" sz="1800" dirty="0"/>
+          </a:p>
+          <a:p>
+            <a:pPr marL="0" indent="0">
+              <a:buNone/>
+            </a:pPr>
+            <a:endParaRPr lang="en-US" sz="1800" dirty="0"/>
+          </a:p>
+          <a:p>
+            <a:pPr marL="0" indent="0">
+              <a:buNone/>
+            </a:pPr>
+            <a:r>
+              <a:rPr lang="en-US" sz="1800" dirty="0"/>
+              <a:t>2. Optimise:</a:t>
+            </a:r>
+          </a:p>
+          <a:p>
+            <a:pPr marL="0" indent="0">
+              <a:buNone/>
+            </a:pPr>
+            <a:r>
+              <a:rPr lang="en-US" sz="1800" dirty="0"/>
+              <a:t>	Run ’for loop’ on range of p, d, q inputs:</a:t>
+            </a:r>
+          </a:p>
+          <a:p>
+            <a:pPr marL="0" indent="0">
+              <a:buNone/>
+            </a:pPr>
+            <a:endParaRPr lang="en-US" sz="1800" dirty="0"/>
+          </a:p>
+        </p:txBody>
+      </p:sp>
+      <p:pic>
+        <p:nvPicPr>
+          <p:cNvPr id="17" name="Picture 16">
+            <a:extLst>
+              <a:ext uri="{FF2B5EF4-FFF2-40B4-BE49-F238E27FC236}">
+                <a16:creationId xmlns:a16="http://schemas.microsoft.com/office/drawing/2014/main" id="{09A3A618-C514-B577-926B-07A3725630EC}"/>
+              </a:ext>
+            </a:extLst>
+          </p:cNvPr>
+          <p:cNvPicPr>
+            <a:picLocks noChangeAspect="1"/>
+          </p:cNvPicPr>
+          <p:nvPr/>
+        </p:nvPicPr>
+        <p:blipFill>
+          <a:blip r:embed="rId3"/>
+          <a:stretch>
+            <a:fillRect/>
+          </a:stretch>
+        </p:blipFill>
+        <p:spPr>
+          <a:xfrm>
+            <a:off x="-85517" y="765314"/>
+            <a:ext cx="5765800" cy="355600"/>
+          </a:xfrm>
+          <a:prstGeom prst="rect">
+            <a:avLst/>
+          </a:prstGeom>
+        </p:spPr>
+      </p:pic>
+      <p:pic>
+        <p:nvPicPr>
+          <p:cNvPr id="1026" name="Picture 2">
+            <a:extLst>
+              <a:ext uri="{FF2B5EF4-FFF2-40B4-BE49-F238E27FC236}">
+                <a16:creationId xmlns:a16="http://schemas.microsoft.com/office/drawing/2014/main" id="{7B6B14E6-8093-7AFC-BA91-1F62F35AE091}"/>
+              </a:ext>
+            </a:extLst>
+          </p:cNvPr>
+          <p:cNvPicPr>
+            <a:picLocks noChangeAspect="1" noChangeArrowheads="1"/>
+          </p:cNvPicPr>
+          <p:nvPr/>
+        </p:nvPicPr>
+        <p:blipFill>
+          <a:blip r:embed="rId4">
+            <a:extLst>
+              <a:ext uri="{28A0092B-C50C-407E-A947-70E740481C1C}">
+                <a14:useLocalDpi xmlns:a14="http://schemas.microsoft.com/office/drawing/2010/main" val="0"/>
+              </a:ext>
+            </a:extLst>
+          </a:blip>
+          <a:srcRect/>
+          <a:stretch>
+            <a:fillRect/>
+          </a:stretch>
+        </p:blipFill>
+        <p:spPr bwMode="auto">
+          <a:xfrm>
+            <a:off x="7273968" y="72611"/>
+            <a:ext cx="4023714" cy="3435902"/>
+          </a:xfrm>
+          <a:prstGeom prst="rect">
+            <a:avLst/>
+          </a:prstGeom>
+          <a:noFill/>
+          <a:extLst>
+            <a:ext uri="{909E8E84-426E-40DD-AFC4-6F175D3DCCD1}">
+              <a14:hiddenFill xmlns:a14="http://schemas.microsoft.com/office/drawing/2010/main">
+                <a:solidFill>
+                  <a:srgbClr val="FFFFFF"/>
+                </a:solidFill>
+              </a14:hiddenFill>
+            </a:ext>
+          </a:extLst>
+        </p:spPr>
+      </p:pic>
+      <p:graphicFrame>
+        <p:nvGraphicFramePr>
+          <p:cNvPr id="3" name="Table 3">
+            <a:extLst>
+              <a:ext uri="{FF2B5EF4-FFF2-40B4-BE49-F238E27FC236}">
+                <a16:creationId xmlns:a16="http://schemas.microsoft.com/office/drawing/2014/main" id="{A9972180-3C49-E9ED-67ED-00C22CDA249D}"/>
+              </a:ext>
+            </a:extLst>
+          </p:cNvPr>
+          <p:cNvGraphicFramePr>
+            <a:graphicFrameLocks noGrp="1"/>
+          </p:cNvGraphicFramePr>
+          <p:nvPr/>
+        </p:nvGraphicFramePr>
+        <p:xfrm>
+          <a:off x="1473132" y="2696885"/>
+          <a:ext cx="3438939" cy="1242392"/>
+        </p:xfrm>
+        <a:graphic>
+          <a:graphicData uri="http://schemas.openxmlformats.org/drawingml/2006/table">
+            <a:tbl>
+              <a:tblPr firstRow="1" bandRow="1">
+                <a:tableStyleId>{5940675A-B579-460E-94D1-54222C63F5DA}</a:tableStyleId>
+              </a:tblPr>
+              <a:tblGrid>
+                <a:gridCol w="2161761">
+                  <a:extLst>
+                    <a:ext uri="{9D8B030D-6E8A-4147-A177-3AD203B41FA5}">
+                      <a16:colId xmlns:a16="http://schemas.microsoft.com/office/drawing/2014/main" val="754295320"/>
+                    </a:ext>
+                  </a:extLst>
+                </a:gridCol>
+                <a:gridCol w="1277178">
+                  <a:extLst>
+                    <a:ext uri="{9D8B030D-6E8A-4147-A177-3AD203B41FA5}">
+                      <a16:colId xmlns:a16="http://schemas.microsoft.com/office/drawing/2014/main" val="1306992251"/>
+                    </a:ext>
+                  </a:extLst>
+                </a:gridCol>
+              </a:tblGrid>
+              <a:tr h="310598">
+                <a:tc>
+                  <a:txBody>
+                    <a:bodyPr/>
+                    <a:lstStyle/>
+                    <a:p>
+                      <a:r>
+                        <a:rPr lang="en-US" sz="1400" dirty="0"/>
+                        <a:t>Model Type</a:t>
+                      </a:r>
+                    </a:p>
+                  </a:txBody>
+                  <a:tcPr/>
+                </a:tc>
+                <a:tc>
+                  <a:txBody>
+                    <a:bodyPr/>
+                    <a:lstStyle/>
+                    <a:p>
+                      <a:r>
+                        <a:rPr lang="en-US" sz="1400" dirty="0"/>
+                        <a:t>RMSE</a:t>
+                      </a:r>
+                    </a:p>
+                  </a:txBody>
+                  <a:tcPr/>
+                </a:tc>
+                <a:extLst>
+                  <a:ext uri="{0D108BD9-81ED-4DB2-BD59-A6C34878D82A}">
+                    <a16:rowId xmlns:a16="http://schemas.microsoft.com/office/drawing/2014/main" val="283917126"/>
+                  </a:ext>
+                </a:extLst>
+              </a:tr>
+              <a:tr h="310598">
+                <a:tc>
+                  <a:txBody>
+                    <a:bodyPr/>
+                    <a:lstStyle/>
+                    <a:p>
+                      <a:r>
+                        <a:rPr lang="en-US" sz="1400" dirty="0">
+                          <a:highlight>
+                            <a:srgbClr val="FFFF00"/>
+                          </a:highlight>
+                        </a:rPr>
+                        <a:t>ARMA</a:t>
+                      </a:r>
+                    </a:p>
+                  </a:txBody>
+                  <a:tcPr/>
+                </a:tc>
+                <a:tc>
+                  <a:txBody>
+                    <a:bodyPr/>
+                    <a:lstStyle/>
+                    <a:p>
+                      <a:r>
+                        <a:rPr lang="en-US" sz="1400" dirty="0">
+                          <a:highlight>
+                            <a:srgbClr val="FFFF00"/>
+                          </a:highlight>
+                        </a:rPr>
+                        <a:t>91,579</a:t>
+                      </a:r>
+                    </a:p>
+                  </a:txBody>
+                  <a:tcPr/>
+                </a:tc>
+                <a:extLst>
+                  <a:ext uri="{0D108BD9-81ED-4DB2-BD59-A6C34878D82A}">
+                    <a16:rowId xmlns:a16="http://schemas.microsoft.com/office/drawing/2014/main" val="191034770"/>
+                  </a:ext>
+                </a:extLst>
+              </a:tr>
+              <a:tr h="310598">
+                <a:tc>
+                  <a:txBody>
+                    <a:bodyPr/>
+                    <a:lstStyle/>
+                    <a:p>
+                      <a:r>
+                        <a:rPr lang="en-US" sz="1400" dirty="0"/>
+                        <a:t>ARIMA</a:t>
+                      </a:r>
+                    </a:p>
+                  </a:txBody>
+                  <a:tcPr/>
+                </a:tc>
+                <a:tc>
+                  <a:txBody>
+                    <a:bodyPr/>
+                    <a:lstStyle/>
+                    <a:p>
+                      <a:r>
+                        <a:rPr lang="en-US" sz="1400" dirty="0"/>
+                        <a:t>93,053</a:t>
+                      </a:r>
+                    </a:p>
+                  </a:txBody>
+                  <a:tcPr/>
+                </a:tc>
+                <a:extLst>
+                  <a:ext uri="{0D108BD9-81ED-4DB2-BD59-A6C34878D82A}">
+                    <a16:rowId xmlns:a16="http://schemas.microsoft.com/office/drawing/2014/main" val="3906511109"/>
+                  </a:ext>
+                </a:extLst>
+              </a:tr>
+              <a:tr h="310598">
+                <a:tc>
+                  <a:txBody>
+                    <a:bodyPr/>
+                    <a:lstStyle/>
+                    <a:p>
+                      <a:r>
+                        <a:rPr lang="en-US" sz="1400" dirty="0"/>
+                        <a:t>SARIMA</a:t>
+                      </a:r>
+                    </a:p>
+                  </a:txBody>
+                  <a:tcPr/>
+                </a:tc>
+                <a:tc>
+                  <a:txBody>
+                    <a:bodyPr/>
+                    <a:lstStyle/>
+                    <a:p>
+                      <a:r>
+                        <a:rPr lang="en-US" sz="1400" dirty="0"/>
+                        <a:t>209,550</a:t>
+                      </a:r>
+                    </a:p>
+                  </a:txBody>
+                  <a:tcPr/>
+                </a:tc>
+                <a:extLst>
+                  <a:ext uri="{0D108BD9-81ED-4DB2-BD59-A6C34878D82A}">
+                    <a16:rowId xmlns:a16="http://schemas.microsoft.com/office/drawing/2014/main" val="2354428180"/>
+                  </a:ext>
+                </a:extLst>
+              </a:tr>
+            </a:tbl>
+          </a:graphicData>
+        </a:graphic>
+      </p:graphicFrame>
+      <p:graphicFrame>
+        <p:nvGraphicFramePr>
+          <p:cNvPr id="5" name="Table 5">
+            <a:extLst>
+              <a:ext uri="{FF2B5EF4-FFF2-40B4-BE49-F238E27FC236}">
+                <a16:creationId xmlns:a16="http://schemas.microsoft.com/office/drawing/2014/main" id="{C86A1D4F-9D30-41E7-2F9D-AC83E11CAF32}"/>
+              </a:ext>
+            </a:extLst>
+          </p:cNvPr>
+          <p:cNvGraphicFramePr>
+            <a:graphicFrameLocks noGrp="1"/>
+          </p:cNvGraphicFramePr>
+          <p:nvPr/>
+        </p:nvGraphicFramePr>
+        <p:xfrm>
+          <a:off x="1473132" y="4945058"/>
+          <a:ext cx="3451018" cy="975003"/>
+        </p:xfrm>
+        <a:graphic>
+          <a:graphicData uri="http://schemas.openxmlformats.org/drawingml/2006/table">
+            <a:tbl>
+              <a:tblPr firstRow="1" bandRow="1">
+                <a:tableStyleId>{5940675A-B579-460E-94D1-54222C63F5DA}</a:tableStyleId>
+              </a:tblPr>
+              <a:tblGrid>
+                <a:gridCol w="2172770">
+                  <a:extLst>
+                    <a:ext uri="{9D8B030D-6E8A-4147-A177-3AD203B41FA5}">
+                      <a16:colId xmlns:a16="http://schemas.microsoft.com/office/drawing/2014/main" val="4200679468"/>
+                    </a:ext>
+                  </a:extLst>
+                </a:gridCol>
+                <a:gridCol w="1278248">
+                  <a:extLst>
+                    <a:ext uri="{9D8B030D-6E8A-4147-A177-3AD203B41FA5}">
+                      <a16:colId xmlns:a16="http://schemas.microsoft.com/office/drawing/2014/main" val="2933361331"/>
+                    </a:ext>
+                  </a:extLst>
+                </a:gridCol>
+              </a:tblGrid>
+              <a:tr h="325001">
+                <a:tc>
+                  <a:txBody>
+                    <a:bodyPr/>
+                    <a:lstStyle/>
+                    <a:p>
+                      <a:r>
+                        <a:rPr lang="en-US" sz="1400" dirty="0"/>
+                        <a:t>Model Type</a:t>
+                      </a:r>
+                    </a:p>
+                  </a:txBody>
+                  <a:tcPr/>
+                </a:tc>
+                <a:tc>
+                  <a:txBody>
+                    <a:bodyPr/>
+                    <a:lstStyle/>
+                    <a:p>
+                      <a:r>
+                        <a:rPr lang="en-US" sz="1400" dirty="0"/>
+                        <a:t>RMSE</a:t>
+                      </a:r>
+                    </a:p>
+                  </a:txBody>
+                  <a:tcPr/>
+                </a:tc>
+                <a:extLst>
+                  <a:ext uri="{0D108BD9-81ED-4DB2-BD59-A6C34878D82A}">
+                    <a16:rowId xmlns:a16="http://schemas.microsoft.com/office/drawing/2014/main" val="2168659519"/>
+                  </a:ext>
+                </a:extLst>
+              </a:tr>
+              <a:tr h="325001">
+                <a:tc>
+                  <a:txBody>
+                    <a:bodyPr/>
+                    <a:lstStyle/>
+                    <a:p>
+                      <a:r>
+                        <a:rPr lang="en-US" sz="1400" dirty="0"/>
+                        <a:t>ARMA (v1)</a:t>
+                      </a:r>
+                    </a:p>
+                  </a:txBody>
+                  <a:tcPr/>
+                </a:tc>
+                <a:tc>
+                  <a:txBody>
+                    <a:bodyPr/>
+                    <a:lstStyle/>
+                    <a:p>
+                      <a:r>
+                        <a:rPr lang="en-US" sz="1400" dirty="0"/>
+                        <a:t>91,579</a:t>
+                      </a:r>
+                    </a:p>
+                  </a:txBody>
+                  <a:tcPr/>
+                </a:tc>
+                <a:extLst>
+                  <a:ext uri="{0D108BD9-81ED-4DB2-BD59-A6C34878D82A}">
+                    <a16:rowId xmlns:a16="http://schemas.microsoft.com/office/drawing/2014/main" val="2608068250"/>
+                  </a:ext>
+                </a:extLst>
+              </a:tr>
+              <a:tr h="325001">
+                <a:tc>
+                  <a:txBody>
+                    <a:bodyPr/>
+                    <a:lstStyle/>
+                    <a:p>
+                      <a:r>
+                        <a:rPr lang="en-US" sz="1400" dirty="0">
+                          <a:highlight>
+                            <a:srgbClr val="FFFF00"/>
+                          </a:highlight>
+                        </a:rPr>
+                        <a:t>ARMA (v2) </a:t>
+                      </a:r>
+                      <a:r>
+                        <a:rPr lang="en-US" sz="1400" i="1" dirty="0">
+                          <a:highlight>
+                            <a:srgbClr val="FFFF00"/>
+                          </a:highlight>
+                        </a:rPr>
+                        <a:t>optimised</a:t>
+                      </a:r>
+                    </a:p>
+                  </a:txBody>
+                  <a:tcPr/>
+                </a:tc>
+                <a:tc>
+                  <a:txBody>
+                    <a:bodyPr/>
+                    <a:lstStyle/>
+                    <a:p>
+                      <a:r>
+                        <a:rPr lang="en-US" sz="1400" dirty="0">
+                          <a:highlight>
+                            <a:srgbClr val="FFFF00"/>
+                          </a:highlight>
+                        </a:rPr>
+                        <a:t>87,669</a:t>
+                      </a:r>
+                    </a:p>
+                  </a:txBody>
+                  <a:tcPr/>
+                </a:tc>
+                <a:extLst>
+                  <a:ext uri="{0D108BD9-81ED-4DB2-BD59-A6C34878D82A}">
+                    <a16:rowId xmlns:a16="http://schemas.microsoft.com/office/drawing/2014/main" val="1507114978"/>
+                  </a:ext>
+                </a:extLst>
+              </a:tr>
+            </a:tbl>
+          </a:graphicData>
+        </a:graphic>
+      </p:graphicFrame>
+      <p:pic>
+        <p:nvPicPr>
+          <p:cNvPr id="1028" name="Picture 4">
+            <a:extLst>
+              <a:ext uri="{FF2B5EF4-FFF2-40B4-BE49-F238E27FC236}">
+                <a16:creationId xmlns:a16="http://schemas.microsoft.com/office/drawing/2014/main" id="{C9AE7D9E-AC68-D802-AAC3-32F93823F6DC}"/>
+              </a:ext>
+            </a:extLst>
+          </p:cNvPr>
+          <p:cNvPicPr>
+            <a:picLocks noChangeAspect="1" noChangeArrowheads="1"/>
+          </p:cNvPicPr>
+          <p:nvPr/>
+        </p:nvPicPr>
+        <p:blipFill>
+          <a:blip r:embed="rId5">
+            <a:extLst>
+              <a:ext uri="{28A0092B-C50C-407E-A947-70E740481C1C}">
+                <a14:useLocalDpi xmlns:a14="http://schemas.microsoft.com/office/drawing/2010/main" val="0"/>
+              </a:ext>
+            </a:extLst>
+          </a:blip>
+          <a:srcRect/>
+          <a:stretch>
+            <a:fillRect/>
+          </a:stretch>
+        </p:blipFill>
+        <p:spPr bwMode="auto">
+          <a:xfrm>
+            <a:off x="7240837" y="3475049"/>
+            <a:ext cx="4023714" cy="3382951"/>
+          </a:xfrm>
+          <a:prstGeom prst="rect">
+            <a:avLst/>
+          </a:prstGeom>
+          <a:noFill/>
+          <a:extLst>
+            <a:ext uri="{909E8E84-426E-40DD-AFC4-6F175D3DCCD1}">
+              <a14:hiddenFill xmlns:a14="http://schemas.microsoft.com/office/drawing/2010/main">
+                <a:solidFill>
+                  <a:srgbClr val="FFFFFF"/>
+                </a:solidFill>
+              </a14:hiddenFill>
+            </a:ext>
+          </a:extLst>
+        </p:spPr>
+      </p:pic>
+    </p:spTree>
+    <p:extLst>
+      <p:ext uri="{BB962C8B-B14F-4D97-AF65-F5344CB8AC3E}">
+        <p14:creationId xmlns:p14="http://schemas.microsoft.com/office/powerpoint/2010/main" val="2121675444"/>
+      </p:ext>
+    </p:extLst>
+  </p:cSld>
+  <p:clrMapOvr>
+    <a:masterClrMapping/>
+  </p:clrMapOvr>
+  <p:extLst>
+    <p:ext uri="{6950BFC3-D8DA-4A85-94F7-54DA5524770B}">
+      <p188:commentRel xmlns:p188="http://schemas.microsoft.com/office/powerpoint/2018/8/main" r:id="rId2"/>
+    </p:ext>
+  </p:extLst>
+</p:sld>
+</file>
+
+<file path=ppt/slides/slide12.xml><?xml version="1.0" encoding="utf-8"?>
+<p:sld xmlns:a="http://schemas.openxmlformats.org/drawingml/2006/main" xmlns:r="http://schemas.openxmlformats.org/officeDocument/2006/relationships" xmlns:p="http://schemas.openxmlformats.org/presentationml/2006/main">
+  <p:cSld>
+    <p:spTree>
+      <p:nvGrpSpPr>
+        <p:cNvPr id="1" name=""/>
+        <p:cNvGrpSpPr/>
+        <p:nvPr/>
+      </p:nvGrpSpPr>
+      <p:grpSpPr>
+        <a:xfrm>
+          <a:off x="0" y="0"/>
+          <a:ext cx="0" cy="0"/>
+          <a:chOff x="0" y="0"/>
+          <a:chExt cx="0" cy="0"/>
+        </a:xfrm>
+      </p:grpSpPr>
+      <p:sp>
+        <p:nvSpPr>
+          <p:cNvPr id="2" name="Title 1">
+            <a:extLst>
+              <a:ext uri="{FF2B5EF4-FFF2-40B4-BE49-F238E27FC236}">
+                <a16:creationId xmlns:a16="http://schemas.microsoft.com/office/drawing/2014/main" id="{D908F106-8D88-C209-A956-433AB8F08539}"/>
+              </a:ext>
+            </a:extLst>
+          </p:cNvPr>
+          <p:cNvSpPr>
+            <a:spLocks noGrp="1"/>
+          </p:cNvSpPr>
+          <p:nvPr>
+            <p:ph type="title"/>
+          </p:nvPr>
+        </p:nvSpPr>
+        <p:spPr>
+          <a:xfrm>
+            <a:off x="248195" y="327026"/>
+            <a:ext cx="7102824" cy="438288"/>
+          </a:xfrm>
+        </p:spPr>
+        <p:txBody>
+          <a:bodyPr anchor="b">
+            <a:normAutofit/>
+          </a:bodyPr>
+          <a:lstStyle/>
+          <a:p>
+            <a:r>
+              <a:rPr lang="en-US" sz="2400" b="1" dirty="0"/>
+              <a:t>Machine-Learning Model: # 2</a:t>
+            </a:r>
+            <a:endParaRPr lang="en-US" sz="2400" dirty="0"/>
+          </a:p>
+        </p:txBody>
+      </p:sp>
+      <p:sp>
+        <p:nvSpPr>
+          <p:cNvPr id="8" name="Content Placeholder 7">
+            <a:extLst>
+              <a:ext uri="{FF2B5EF4-FFF2-40B4-BE49-F238E27FC236}">
+                <a16:creationId xmlns:a16="http://schemas.microsoft.com/office/drawing/2014/main" id="{C210AE1D-4386-F821-6C9B-6F551CFF3CEC}"/>
+              </a:ext>
+            </a:extLst>
+          </p:cNvPr>
+          <p:cNvSpPr>
+            <a:spLocks noGrp="1"/>
+          </p:cNvSpPr>
+          <p:nvPr>
+            <p:ph idx="1"/>
+          </p:nvPr>
+        </p:nvSpPr>
+        <p:spPr>
+          <a:xfrm>
+            <a:off x="481013" y="1203602"/>
+            <a:ext cx="6565830" cy="5001937"/>
+          </a:xfrm>
+        </p:spPr>
+        <p:txBody>
+          <a:bodyPr anchor="t">
+            <a:normAutofit/>
+          </a:bodyPr>
+          <a:lstStyle/>
+          <a:p>
+            <a:pPr marL="0" indent="0">
+              <a:buNone/>
+            </a:pPr>
+            <a:r>
+              <a:rPr lang="en-US" sz="2000" i="1" u="sng" dirty="0"/>
+              <a:t>Electricity Generated from Renewable Production: Global</a:t>
+            </a:r>
+          </a:p>
+          <a:p>
+            <a:pPr marL="0" indent="0">
+              <a:buNone/>
+            </a:pPr>
+            <a:endParaRPr lang="en-US" sz="2000" i="1" u="sng" dirty="0"/>
+          </a:p>
+          <a:p>
+            <a:pPr marL="342900" indent="-342900">
+              <a:buFont typeface="+mj-lt"/>
+              <a:buAutoNum type="arabicPeriod"/>
+            </a:pPr>
+            <a:r>
+              <a:rPr lang="en-US" sz="1800" dirty="0"/>
+              <a:t>Select Model-type:</a:t>
+            </a:r>
+          </a:p>
+          <a:p>
+            <a:pPr marL="0" indent="0">
+              <a:buNone/>
+            </a:pPr>
+            <a:r>
+              <a:rPr lang="en-US" sz="1800" dirty="0"/>
+              <a:t>	Tested each model type:</a:t>
+            </a:r>
+          </a:p>
+          <a:p>
+            <a:pPr marL="0" indent="0">
+              <a:buNone/>
+            </a:pPr>
+            <a:endParaRPr lang="en-US" sz="1800" dirty="0"/>
+          </a:p>
+          <a:p>
+            <a:pPr marL="0" indent="0">
+              <a:buNone/>
+            </a:pPr>
+            <a:endParaRPr lang="en-US" sz="1800" dirty="0"/>
+          </a:p>
+          <a:p>
+            <a:pPr marL="0" indent="0">
+              <a:buNone/>
+            </a:pPr>
+            <a:endParaRPr lang="en-US" sz="1800" dirty="0"/>
+          </a:p>
+          <a:p>
+            <a:pPr marL="0" indent="0">
+              <a:buNone/>
+            </a:pPr>
+            <a:endParaRPr lang="en-US" sz="1800" dirty="0"/>
+          </a:p>
+          <a:p>
+            <a:pPr marL="0" indent="0">
+              <a:buNone/>
+            </a:pPr>
+            <a:r>
+              <a:rPr lang="en-US" sz="1800" dirty="0"/>
+              <a:t>2. Optimise:</a:t>
+            </a:r>
+          </a:p>
+          <a:p>
+            <a:pPr marL="0" indent="0">
+              <a:buNone/>
+            </a:pPr>
+            <a:r>
+              <a:rPr lang="en-US" sz="1800" dirty="0"/>
+              <a:t>	Run ’for loop’ on range of p, d, q inputs:</a:t>
+            </a:r>
+          </a:p>
+          <a:p>
+            <a:pPr marL="0" indent="0">
+              <a:buNone/>
+            </a:pPr>
+            <a:endParaRPr lang="en-US" sz="1800" dirty="0"/>
+          </a:p>
+        </p:txBody>
+      </p:sp>
+      <p:pic>
+        <p:nvPicPr>
+          <p:cNvPr id="17" name="Picture 16">
+            <a:extLst>
+              <a:ext uri="{FF2B5EF4-FFF2-40B4-BE49-F238E27FC236}">
+                <a16:creationId xmlns:a16="http://schemas.microsoft.com/office/drawing/2014/main" id="{09A3A618-C514-B577-926B-07A3725630EC}"/>
+              </a:ext>
+            </a:extLst>
+          </p:cNvPr>
+          <p:cNvPicPr>
+            <a:picLocks noChangeAspect="1"/>
+          </p:cNvPicPr>
+          <p:nvPr/>
+        </p:nvPicPr>
+        <p:blipFill>
+          <a:blip r:embed="rId3"/>
+          <a:stretch>
+            <a:fillRect/>
+          </a:stretch>
+        </p:blipFill>
+        <p:spPr>
+          <a:xfrm>
+            <a:off x="-85517" y="765314"/>
+            <a:ext cx="5765800" cy="355600"/>
+          </a:xfrm>
+          <a:prstGeom prst="rect">
+            <a:avLst/>
+          </a:prstGeom>
+        </p:spPr>
+      </p:pic>
+      <p:graphicFrame>
+        <p:nvGraphicFramePr>
+          <p:cNvPr id="3" name="Table 3">
+            <a:extLst>
+              <a:ext uri="{FF2B5EF4-FFF2-40B4-BE49-F238E27FC236}">
+                <a16:creationId xmlns:a16="http://schemas.microsoft.com/office/drawing/2014/main" id="{A9972180-3C49-E9ED-67ED-00C22CDA249D}"/>
+              </a:ext>
+            </a:extLst>
+          </p:cNvPr>
+          <p:cNvGraphicFramePr>
+            <a:graphicFrameLocks noGrp="1"/>
+          </p:cNvGraphicFramePr>
+          <p:nvPr/>
+        </p:nvGraphicFramePr>
+        <p:xfrm>
+          <a:off x="1473132" y="2696885"/>
+          <a:ext cx="3438939" cy="1242392"/>
+        </p:xfrm>
+        <a:graphic>
+          <a:graphicData uri="http://schemas.openxmlformats.org/drawingml/2006/table">
+            <a:tbl>
+              <a:tblPr firstRow="1" bandRow="1">
+                <a:tableStyleId>{5940675A-B579-460E-94D1-54222C63F5DA}</a:tableStyleId>
+              </a:tblPr>
+              <a:tblGrid>
+                <a:gridCol w="2161761">
+                  <a:extLst>
+                    <a:ext uri="{9D8B030D-6E8A-4147-A177-3AD203B41FA5}">
+                      <a16:colId xmlns:a16="http://schemas.microsoft.com/office/drawing/2014/main" val="754295320"/>
+                    </a:ext>
+                  </a:extLst>
+                </a:gridCol>
+                <a:gridCol w="1277178">
+                  <a:extLst>
+                    <a:ext uri="{9D8B030D-6E8A-4147-A177-3AD203B41FA5}">
+                      <a16:colId xmlns:a16="http://schemas.microsoft.com/office/drawing/2014/main" val="1306992251"/>
+                    </a:ext>
+                  </a:extLst>
+                </a:gridCol>
+              </a:tblGrid>
+              <a:tr h="310598">
+                <a:tc>
+                  <a:txBody>
+                    <a:bodyPr/>
+                    <a:lstStyle/>
+                    <a:p>
+                      <a:r>
+                        <a:rPr lang="en-US" sz="1400" dirty="0"/>
+                        <a:t>Model Type</a:t>
+                      </a:r>
+                    </a:p>
+                  </a:txBody>
+                  <a:tcPr/>
+                </a:tc>
+                <a:tc>
+                  <a:txBody>
+                    <a:bodyPr/>
+                    <a:lstStyle/>
+                    <a:p>
+                      <a:r>
+                        <a:rPr lang="en-US" sz="1400" dirty="0"/>
+                        <a:t>RMSE</a:t>
+                      </a:r>
+                    </a:p>
+                  </a:txBody>
+                  <a:tcPr/>
+                </a:tc>
+                <a:extLst>
+                  <a:ext uri="{0D108BD9-81ED-4DB2-BD59-A6C34878D82A}">
+                    <a16:rowId xmlns:a16="http://schemas.microsoft.com/office/drawing/2014/main" val="283917126"/>
+                  </a:ext>
+                </a:extLst>
+              </a:tr>
+              <a:tr h="310598">
+                <a:tc>
+                  <a:txBody>
+                    <a:bodyPr/>
+                    <a:lstStyle/>
+                    <a:p>
+                      <a:r>
+                        <a:rPr lang="en-US" sz="1400" dirty="0">
+                          <a:highlight>
+                            <a:srgbClr val="FFFF00"/>
+                          </a:highlight>
+                        </a:rPr>
+                        <a:t>ARMA</a:t>
+                      </a:r>
+                    </a:p>
+                  </a:txBody>
+                  <a:tcPr/>
+                </a:tc>
+                <a:tc>
+                  <a:txBody>
+                    <a:bodyPr/>
+                    <a:lstStyle/>
+                    <a:p>
+                      <a:r>
+                        <a:rPr lang="en-US" sz="1400" dirty="0">
+                          <a:highlight>
+                            <a:srgbClr val="FFFF00"/>
+                          </a:highlight>
+                        </a:rPr>
+                        <a:t>15,229</a:t>
+                      </a:r>
+                    </a:p>
+                  </a:txBody>
+                  <a:tcPr/>
+                </a:tc>
+                <a:extLst>
+                  <a:ext uri="{0D108BD9-81ED-4DB2-BD59-A6C34878D82A}">
+                    <a16:rowId xmlns:a16="http://schemas.microsoft.com/office/drawing/2014/main" val="191034770"/>
+                  </a:ext>
+                </a:extLst>
+              </a:tr>
+              <a:tr h="310598">
+                <a:tc>
+                  <a:txBody>
+                    <a:bodyPr/>
+                    <a:lstStyle/>
+                    <a:p>
+                      <a:r>
+                        <a:rPr lang="en-US" sz="1400" dirty="0"/>
+                        <a:t>ARIMA</a:t>
+                      </a:r>
+                    </a:p>
+                  </a:txBody>
+                  <a:tcPr/>
+                </a:tc>
+                <a:tc>
+                  <a:txBody>
+                    <a:bodyPr/>
+                    <a:lstStyle/>
+                    <a:p>
+                      <a:r>
+                        <a:rPr lang="en-US" sz="1400" dirty="0"/>
+                        <a:t>38,725</a:t>
+                      </a:r>
+                    </a:p>
+                  </a:txBody>
+                  <a:tcPr/>
+                </a:tc>
+                <a:extLst>
+                  <a:ext uri="{0D108BD9-81ED-4DB2-BD59-A6C34878D82A}">
+                    <a16:rowId xmlns:a16="http://schemas.microsoft.com/office/drawing/2014/main" val="3906511109"/>
+                  </a:ext>
+                </a:extLst>
+              </a:tr>
+              <a:tr h="310598">
+                <a:tc>
+                  <a:txBody>
+                    <a:bodyPr/>
+                    <a:lstStyle/>
+                    <a:p>
+                      <a:r>
+                        <a:rPr lang="en-US" sz="1400" dirty="0"/>
+                        <a:t>SARIMA</a:t>
+                      </a:r>
+                    </a:p>
+                  </a:txBody>
+                  <a:tcPr/>
+                </a:tc>
+                <a:tc>
+                  <a:txBody>
+                    <a:bodyPr/>
+                    <a:lstStyle/>
+                    <a:p>
+                      <a:r>
+                        <a:rPr lang="en-US" sz="1400" dirty="0"/>
+                        <a:t>18,686</a:t>
+                      </a:r>
+                    </a:p>
+                  </a:txBody>
+                  <a:tcPr/>
+                </a:tc>
+                <a:extLst>
+                  <a:ext uri="{0D108BD9-81ED-4DB2-BD59-A6C34878D82A}">
+                    <a16:rowId xmlns:a16="http://schemas.microsoft.com/office/drawing/2014/main" val="2354428180"/>
+                  </a:ext>
+                </a:extLst>
+              </a:tr>
+            </a:tbl>
+          </a:graphicData>
+        </a:graphic>
+      </p:graphicFrame>
+      <p:graphicFrame>
+        <p:nvGraphicFramePr>
+          <p:cNvPr id="5" name="Table 5">
+            <a:extLst>
+              <a:ext uri="{FF2B5EF4-FFF2-40B4-BE49-F238E27FC236}">
+                <a16:creationId xmlns:a16="http://schemas.microsoft.com/office/drawing/2014/main" id="{C86A1D4F-9D30-41E7-2F9D-AC83E11CAF32}"/>
+              </a:ext>
+            </a:extLst>
+          </p:cNvPr>
+          <p:cNvGraphicFramePr>
+            <a:graphicFrameLocks noGrp="1"/>
+          </p:cNvGraphicFramePr>
+          <p:nvPr/>
+        </p:nvGraphicFramePr>
+        <p:xfrm>
+          <a:off x="1473132" y="4945058"/>
+          <a:ext cx="3451018" cy="975003"/>
+        </p:xfrm>
+        <a:graphic>
+          <a:graphicData uri="http://schemas.openxmlformats.org/drawingml/2006/table">
+            <a:tbl>
+              <a:tblPr firstRow="1" bandRow="1">
+                <a:tableStyleId>{5940675A-B579-460E-94D1-54222C63F5DA}</a:tableStyleId>
+              </a:tblPr>
+              <a:tblGrid>
+                <a:gridCol w="2172770">
+                  <a:extLst>
+                    <a:ext uri="{9D8B030D-6E8A-4147-A177-3AD203B41FA5}">
+                      <a16:colId xmlns:a16="http://schemas.microsoft.com/office/drawing/2014/main" val="4200679468"/>
+                    </a:ext>
+                  </a:extLst>
+                </a:gridCol>
+                <a:gridCol w="1278248">
+                  <a:extLst>
+                    <a:ext uri="{9D8B030D-6E8A-4147-A177-3AD203B41FA5}">
+                      <a16:colId xmlns:a16="http://schemas.microsoft.com/office/drawing/2014/main" val="2933361331"/>
+                    </a:ext>
+                  </a:extLst>
+                </a:gridCol>
+              </a:tblGrid>
+              <a:tr h="325001">
+                <a:tc>
+                  <a:txBody>
+                    <a:bodyPr/>
+                    <a:lstStyle/>
+                    <a:p>
+                      <a:r>
+                        <a:rPr lang="en-US" sz="1400" dirty="0"/>
+                        <a:t>Model Type</a:t>
+                      </a:r>
+                    </a:p>
+                  </a:txBody>
+                  <a:tcPr/>
+                </a:tc>
+                <a:tc>
+                  <a:txBody>
+                    <a:bodyPr/>
+                    <a:lstStyle/>
+                    <a:p>
+                      <a:r>
+                        <a:rPr lang="en-US" sz="1400" dirty="0"/>
+                        <a:t>RMSE</a:t>
+                      </a:r>
+                    </a:p>
+                  </a:txBody>
+                  <a:tcPr/>
+                </a:tc>
+                <a:extLst>
+                  <a:ext uri="{0D108BD9-81ED-4DB2-BD59-A6C34878D82A}">
+                    <a16:rowId xmlns:a16="http://schemas.microsoft.com/office/drawing/2014/main" val="2168659519"/>
+                  </a:ext>
+                </a:extLst>
+              </a:tr>
+              <a:tr h="325001">
+                <a:tc>
+                  <a:txBody>
+                    <a:bodyPr/>
+                    <a:lstStyle/>
+                    <a:p>
+                      <a:r>
+                        <a:rPr lang="en-US" sz="1400" dirty="0"/>
+                        <a:t>ARMA (v1)</a:t>
+                      </a:r>
+                    </a:p>
+                  </a:txBody>
+                  <a:tcPr/>
+                </a:tc>
+                <a:tc>
+                  <a:txBody>
+                    <a:bodyPr/>
+                    <a:lstStyle/>
+                    <a:p>
+                      <a:r>
+                        <a:rPr lang="en-US" sz="1400" dirty="0"/>
+                        <a:t>15,229</a:t>
+                      </a:r>
+                    </a:p>
+                  </a:txBody>
+                  <a:tcPr/>
+                </a:tc>
+                <a:extLst>
+                  <a:ext uri="{0D108BD9-81ED-4DB2-BD59-A6C34878D82A}">
+                    <a16:rowId xmlns:a16="http://schemas.microsoft.com/office/drawing/2014/main" val="2608068250"/>
+                  </a:ext>
+                </a:extLst>
+              </a:tr>
+              <a:tr h="325001">
+                <a:tc>
+                  <a:txBody>
+                    <a:bodyPr/>
+                    <a:lstStyle/>
+                    <a:p>
+                      <a:r>
+                        <a:rPr lang="en-US" sz="1400" dirty="0">
+                          <a:highlight>
+                            <a:srgbClr val="FFFF00"/>
+                          </a:highlight>
+                        </a:rPr>
+                        <a:t>ARMA (v2) </a:t>
+                      </a:r>
+                      <a:r>
+                        <a:rPr lang="en-US" sz="1400" i="1" dirty="0">
+                          <a:highlight>
+                            <a:srgbClr val="FFFF00"/>
+                          </a:highlight>
+                        </a:rPr>
+                        <a:t>optimised</a:t>
+                      </a:r>
+                    </a:p>
+                  </a:txBody>
+                  <a:tcPr/>
+                </a:tc>
+                <a:tc>
+                  <a:txBody>
+                    <a:bodyPr/>
+                    <a:lstStyle/>
+                    <a:p>
+                      <a:r>
+                        <a:rPr lang="en-US" sz="1400" dirty="0">
+                          <a:highlight>
+                            <a:srgbClr val="FFFF00"/>
+                          </a:highlight>
+                        </a:rPr>
+                        <a:t>11,995</a:t>
+                      </a:r>
+                    </a:p>
+                  </a:txBody>
+                  <a:tcPr/>
+                </a:tc>
+                <a:extLst>
+                  <a:ext uri="{0D108BD9-81ED-4DB2-BD59-A6C34878D82A}">
+                    <a16:rowId xmlns:a16="http://schemas.microsoft.com/office/drawing/2014/main" val="1507114978"/>
+                  </a:ext>
+                </a:extLst>
+              </a:tr>
+            </a:tbl>
+          </a:graphicData>
+        </a:graphic>
+      </p:graphicFrame>
+      <p:pic>
+        <p:nvPicPr>
+          <p:cNvPr id="2050" name="Picture 2">
+            <a:extLst>
+              <a:ext uri="{FF2B5EF4-FFF2-40B4-BE49-F238E27FC236}">
+                <a16:creationId xmlns:a16="http://schemas.microsoft.com/office/drawing/2014/main" id="{3F770D87-4530-492D-6BFC-256BB7A80732}"/>
+              </a:ext>
+            </a:extLst>
+          </p:cNvPr>
+          <p:cNvPicPr>
+            <a:picLocks noChangeAspect="1" noChangeArrowheads="1"/>
+          </p:cNvPicPr>
+          <p:nvPr/>
+        </p:nvPicPr>
+        <p:blipFill>
+          <a:blip r:embed="rId4">
+            <a:extLst>
+              <a:ext uri="{28A0092B-C50C-407E-A947-70E740481C1C}">
+                <a14:useLocalDpi xmlns:a14="http://schemas.microsoft.com/office/drawing/2010/main" val="0"/>
+              </a:ext>
+            </a:extLst>
+          </a:blip>
+          <a:srcRect/>
+          <a:stretch>
+            <a:fillRect/>
+          </a:stretch>
+        </p:blipFill>
+        <p:spPr bwMode="auto">
+          <a:xfrm>
+            <a:off x="7249220" y="245859"/>
+            <a:ext cx="4015332" cy="3201504"/>
+          </a:xfrm>
+          <a:prstGeom prst="rect">
+            <a:avLst/>
+          </a:prstGeom>
+          <a:noFill/>
+          <a:extLst>
+            <a:ext uri="{909E8E84-426E-40DD-AFC4-6F175D3DCCD1}">
+              <a14:hiddenFill xmlns:a14="http://schemas.microsoft.com/office/drawing/2010/main">
+                <a:solidFill>
+                  <a:srgbClr val="FFFFFF"/>
+                </a:solidFill>
+              </a14:hiddenFill>
+            </a:ext>
+          </a:extLst>
+        </p:spPr>
+      </p:pic>
+      <p:pic>
+        <p:nvPicPr>
+          <p:cNvPr id="2052" name="Picture 4">
+            <a:extLst>
+              <a:ext uri="{FF2B5EF4-FFF2-40B4-BE49-F238E27FC236}">
+                <a16:creationId xmlns:a16="http://schemas.microsoft.com/office/drawing/2014/main" id="{E3F743A7-38F9-4671-CF39-66166A3FB6EF}"/>
+              </a:ext>
+            </a:extLst>
+          </p:cNvPr>
+          <p:cNvPicPr>
+            <a:picLocks noChangeAspect="1" noChangeArrowheads="1"/>
+          </p:cNvPicPr>
+          <p:nvPr/>
+        </p:nvPicPr>
+        <p:blipFill>
+          <a:blip r:embed="rId5">
+            <a:extLst>
+              <a:ext uri="{28A0092B-C50C-407E-A947-70E740481C1C}">
+                <a14:useLocalDpi xmlns:a14="http://schemas.microsoft.com/office/drawing/2010/main" val="0"/>
+              </a:ext>
+            </a:extLst>
+          </a:blip>
+          <a:srcRect/>
+          <a:stretch>
+            <a:fillRect/>
+          </a:stretch>
+        </p:blipFill>
+        <p:spPr bwMode="auto">
+          <a:xfrm>
+            <a:off x="7249220" y="3410637"/>
+            <a:ext cx="4015332" cy="3201504"/>
+          </a:xfrm>
+          <a:prstGeom prst="rect">
+            <a:avLst/>
+          </a:prstGeom>
+          <a:noFill/>
+          <a:extLst>
+            <a:ext uri="{909E8E84-426E-40DD-AFC4-6F175D3DCCD1}">
+              <a14:hiddenFill xmlns:a14="http://schemas.microsoft.com/office/drawing/2010/main">
+                <a:solidFill>
+                  <a:srgbClr val="FFFFFF"/>
+                </a:solidFill>
+              </a14:hiddenFill>
+            </a:ext>
+          </a:extLst>
+        </p:spPr>
+      </p:pic>
+    </p:spTree>
+    <p:extLst>
+      <p:ext uri="{BB962C8B-B14F-4D97-AF65-F5344CB8AC3E}">
+        <p14:creationId xmlns:p14="http://schemas.microsoft.com/office/powerpoint/2010/main" val="4162233844"/>
+      </p:ext>
+    </p:extLst>
+  </p:cSld>
+  <p:clrMapOvr>
+    <a:masterClrMapping/>
+  </p:clrMapOvr>
+  <p:extLst>
+    <p:ext uri="{6950BFC3-D8DA-4A85-94F7-54DA5524770B}">
+      <p188:commentRel xmlns:p188="http://schemas.microsoft.com/office/powerpoint/2018/8/main" r:id="rId2"/>
+    </p:ext>
+  </p:extLst>
+</p:sld>
+</file>
+
+<file path=ppt/slides/slide13.xml><?xml version="1.0" encoding="utf-8"?>
+<p:sld xmlns:a="http://schemas.openxmlformats.org/drawingml/2006/main" xmlns:r="http://schemas.openxmlformats.org/officeDocument/2006/relationships" xmlns:p="http://schemas.openxmlformats.org/presentationml/2006/main">
+  <p:cSld>
+    <p:spTree>
+      <p:nvGrpSpPr>
+        <p:cNvPr id="1" name=""/>
+        <p:cNvGrpSpPr/>
+        <p:nvPr/>
+      </p:nvGrpSpPr>
+      <p:grpSpPr>
+        <a:xfrm>
+          <a:off x="0" y="0"/>
+          <a:ext cx="0" cy="0"/>
+          <a:chOff x="0" y="0"/>
+          <a:chExt cx="0" cy="0"/>
+        </a:xfrm>
+      </p:grpSpPr>
+      <p:sp>
+        <p:nvSpPr>
+          <p:cNvPr id="2" name="Title 1">
+            <a:extLst>
+              <a:ext uri="{FF2B5EF4-FFF2-40B4-BE49-F238E27FC236}">
+                <a16:creationId xmlns:a16="http://schemas.microsoft.com/office/drawing/2014/main" id="{D908F106-8D88-C209-A956-433AB8F08539}"/>
+              </a:ext>
+            </a:extLst>
+          </p:cNvPr>
+          <p:cNvSpPr>
+            <a:spLocks noGrp="1"/>
+          </p:cNvSpPr>
+          <p:nvPr>
+            <p:ph type="title"/>
+          </p:nvPr>
+        </p:nvSpPr>
+        <p:spPr>
+          <a:xfrm>
+            <a:off x="248195" y="327026"/>
+            <a:ext cx="7102824" cy="438288"/>
+          </a:xfrm>
+        </p:spPr>
+        <p:txBody>
+          <a:bodyPr anchor="b">
+            <a:normAutofit/>
+          </a:bodyPr>
+          <a:lstStyle/>
+          <a:p>
+            <a:r>
+              <a:rPr lang="en-US" sz="2400" b="1" dirty="0"/>
+              <a:t>Machine-Learning Model: # 3</a:t>
+            </a:r>
+            <a:endParaRPr lang="en-US" sz="2400" dirty="0"/>
+          </a:p>
+        </p:txBody>
+      </p:sp>
+      <p:sp>
+        <p:nvSpPr>
+          <p:cNvPr id="8" name="Content Placeholder 7">
+            <a:extLst>
+              <a:ext uri="{FF2B5EF4-FFF2-40B4-BE49-F238E27FC236}">
+                <a16:creationId xmlns:a16="http://schemas.microsoft.com/office/drawing/2014/main" id="{C210AE1D-4386-F821-6C9B-6F551CFF3CEC}"/>
+              </a:ext>
+            </a:extLst>
+          </p:cNvPr>
+          <p:cNvSpPr>
+            <a:spLocks noGrp="1"/>
+          </p:cNvSpPr>
+          <p:nvPr>
+            <p:ph idx="1"/>
+          </p:nvPr>
+        </p:nvSpPr>
+        <p:spPr>
+          <a:xfrm>
+            <a:off x="481013" y="1203602"/>
+            <a:ext cx="6565830" cy="5001937"/>
+          </a:xfrm>
+        </p:spPr>
+        <p:txBody>
+          <a:bodyPr anchor="t">
+            <a:normAutofit/>
+          </a:bodyPr>
+          <a:lstStyle/>
+          <a:p>
+            <a:pPr marL="0" indent="0">
+              <a:buNone/>
+            </a:pPr>
+            <a:r>
+              <a:rPr lang="en-US" sz="2000" i="1" u="sng" dirty="0"/>
+              <a:t>Electricity Generated from Solar Production: Australia</a:t>
+            </a:r>
+          </a:p>
+          <a:p>
+            <a:pPr marL="0" indent="0">
+              <a:buNone/>
+            </a:pPr>
+            <a:endParaRPr lang="en-US" sz="2000" i="1" u="sng" dirty="0"/>
+          </a:p>
+          <a:p>
+            <a:pPr marL="342900" indent="-342900">
+              <a:buFont typeface="+mj-lt"/>
+              <a:buAutoNum type="arabicPeriod"/>
+            </a:pPr>
+            <a:r>
+              <a:rPr lang="en-US" sz="1800" dirty="0"/>
+              <a:t>Select Model-type:</a:t>
+            </a:r>
+          </a:p>
+          <a:p>
+            <a:pPr marL="0" indent="0">
+              <a:buNone/>
+            </a:pPr>
+            <a:r>
+              <a:rPr lang="en-US" sz="1800" dirty="0"/>
+              <a:t>	Tested each model type:</a:t>
+            </a:r>
+          </a:p>
+          <a:p>
+            <a:pPr marL="0" indent="0">
+              <a:buNone/>
+            </a:pPr>
+            <a:endParaRPr lang="en-US" sz="1800" dirty="0"/>
+          </a:p>
+          <a:p>
+            <a:pPr marL="0" indent="0">
+              <a:buNone/>
+            </a:pPr>
+            <a:endParaRPr lang="en-US" sz="1800" dirty="0"/>
+          </a:p>
+          <a:p>
+            <a:pPr marL="0" indent="0">
+              <a:buNone/>
+            </a:pPr>
+            <a:endParaRPr lang="en-US" sz="1800" dirty="0"/>
+          </a:p>
+          <a:p>
+            <a:pPr marL="0" indent="0">
+              <a:buNone/>
+            </a:pPr>
+            <a:endParaRPr lang="en-US" sz="1800" dirty="0"/>
+          </a:p>
+          <a:p>
+            <a:pPr marL="0" indent="0">
+              <a:buNone/>
+            </a:pPr>
+            <a:r>
+              <a:rPr lang="en-US" sz="1800" dirty="0"/>
+              <a:t>2. Optimise:</a:t>
+            </a:r>
+          </a:p>
+          <a:p>
+            <a:pPr marL="0" indent="0">
+              <a:buNone/>
+            </a:pPr>
+            <a:r>
+              <a:rPr lang="en-US" sz="1800" dirty="0"/>
+              <a:t>	Run ’for loop’ on range of p, d, q inputs:</a:t>
+            </a:r>
+          </a:p>
+          <a:p>
+            <a:pPr marL="0" indent="0">
+              <a:buNone/>
+            </a:pPr>
+            <a:endParaRPr lang="en-US" sz="1800" dirty="0"/>
+          </a:p>
+        </p:txBody>
+      </p:sp>
+      <p:pic>
+        <p:nvPicPr>
+          <p:cNvPr id="17" name="Picture 16">
+            <a:extLst>
+              <a:ext uri="{FF2B5EF4-FFF2-40B4-BE49-F238E27FC236}">
+                <a16:creationId xmlns:a16="http://schemas.microsoft.com/office/drawing/2014/main" id="{09A3A618-C514-B577-926B-07A3725630EC}"/>
+              </a:ext>
+            </a:extLst>
+          </p:cNvPr>
+          <p:cNvPicPr>
+            <a:picLocks noChangeAspect="1"/>
+          </p:cNvPicPr>
+          <p:nvPr/>
+        </p:nvPicPr>
+        <p:blipFill>
+          <a:blip r:embed="rId3"/>
+          <a:stretch>
+            <a:fillRect/>
+          </a:stretch>
+        </p:blipFill>
+        <p:spPr>
+          <a:xfrm>
+            <a:off x="-85517" y="765314"/>
+            <a:ext cx="5765800" cy="355600"/>
+          </a:xfrm>
+          <a:prstGeom prst="rect">
+            <a:avLst/>
+          </a:prstGeom>
+        </p:spPr>
+      </p:pic>
+      <p:graphicFrame>
+        <p:nvGraphicFramePr>
+          <p:cNvPr id="3" name="Table 3">
+            <a:extLst>
+              <a:ext uri="{FF2B5EF4-FFF2-40B4-BE49-F238E27FC236}">
+                <a16:creationId xmlns:a16="http://schemas.microsoft.com/office/drawing/2014/main" id="{A9972180-3C49-E9ED-67ED-00C22CDA249D}"/>
+              </a:ext>
+            </a:extLst>
+          </p:cNvPr>
+          <p:cNvGraphicFramePr>
+            <a:graphicFrameLocks noGrp="1"/>
+          </p:cNvGraphicFramePr>
+          <p:nvPr/>
+        </p:nvGraphicFramePr>
+        <p:xfrm>
+          <a:off x="1473132" y="2696885"/>
+          <a:ext cx="3438939" cy="1242392"/>
+        </p:xfrm>
+        <a:graphic>
+          <a:graphicData uri="http://schemas.openxmlformats.org/drawingml/2006/table">
+            <a:tbl>
+              <a:tblPr firstRow="1" bandRow="1">
+                <a:tableStyleId>{5940675A-B579-460E-94D1-54222C63F5DA}</a:tableStyleId>
+              </a:tblPr>
+              <a:tblGrid>
+                <a:gridCol w="2161761">
+                  <a:extLst>
+                    <a:ext uri="{9D8B030D-6E8A-4147-A177-3AD203B41FA5}">
+                      <a16:colId xmlns:a16="http://schemas.microsoft.com/office/drawing/2014/main" val="754295320"/>
+                    </a:ext>
+                  </a:extLst>
+                </a:gridCol>
+                <a:gridCol w="1277178">
+                  <a:extLst>
+                    <a:ext uri="{9D8B030D-6E8A-4147-A177-3AD203B41FA5}">
+                      <a16:colId xmlns:a16="http://schemas.microsoft.com/office/drawing/2014/main" val="1306992251"/>
+                    </a:ext>
+                  </a:extLst>
+                </a:gridCol>
+              </a:tblGrid>
+              <a:tr h="310598">
+                <a:tc>
+                  <a:txBody>
+                    <a:bodyPr/>
+                    <a:lstStyle/>
+                    <a:p>
+                      <a:r>
+                        <a:rPr lang="en-US" sz="1400" dirty="0"/>
+                        <a:t>Model Type</a:t>
+                      </a:r>
+                    </a:p>
+                  </a:txBody>
+                  <a:tcPr/>
+                </a:tc>
+                <a:tc>
+                  <a:txBody>
+                    <a:bodyPr/>
+                    <a:lstStyle/>
+                    <a:p>
+                      <a:r>
+                        <a:rPr lang="en-US" sz="1400" dirty="0"/>
+                        <a:t>RMSE</a:t>
+                      </a:r>
+                    </a:p>
+                  </a:txBody>
+                  <a:tcPr/>
+                </a:tc>
+                <a:extLst>
+                  <a:ext uri="{0D108BD9-81ED-4DB2-BD59-A6C34878D82A}">
+                    <a16:rowId xmlns:a16="http://schemas.microsoft.com/office/drawing/2014/main" val="283917126"/>
+                  </a:ext>
+                </a:extLst>
+              </a:tr>
+              <a:tr h="310598">
+                <a:tc>
+                  <a:txBody>
+                    <a:bodyPr/>
+                    <a:lstStyle/>
+                    <a:p>
+                      <a:r>
+                        <a:rPr lang="en-US" sz="1400" dirty="0"/>
+                        <a:t>ARMA</a:t>
+                      </a:r>
+                    </a:p>
+                  </a:txBody>
+                  <a:tcPr/>
+                </a:tc>
+                <a:tc>
+                  <a:txBody>
+                    <a:bodyPr/>
+                    <a:lstStyle/>
+                    <a:p>
+                      <a:r>
+                        <a:rPr lang="en-US" sz="1400" dirty="0"/>
+                        <a:t>1,738</a:t>
+                      </a:r>
+                    </a:p>
+                  </a:txBody>
+                  <a:tcPr/>
+                </a:tc>
+                <a:extLst>
+                  <a:ext uri="{0D108BD9-81ED-4DB2-BD59-A6C34878D82A}">
+                    <a16:rowId xmlns:a16="http://schemas.microsoft.com/office/drawing/2014/main" val="191034770"/>
+                  </a:ext>
+                </a:extLst>
+              </a:tr>
+              <a:tr h="310598">
+                <a:tc>
+                  <a:txBody>
+                    <a:bodyPr/>
+                    <a:lstStyle/>
+                    <a:p>
+                      <a:r>
+                        <a:rPr lang="en-US" sz="1400" dirty="0"/>
+                        <a:t>ARIMA</a:t>
+                      </a:r>
+                    </a:p>
+                  </a:txBody>
+                  <a:tcPr/>
+                </a:tc>
+                <a:tc>
+                  <a:txBody>
+                    <a:bodyPr/>
+                    <a:lstStyle/>
+                    <a:p>
+                      <a:r>
+                        <a:rPr lang="en-US" sz="1400" dirty="0"/>
+                        <a:t>1,733</a:t>
+                      </a:r>
+                    </a:p>
+                  </a:txBody>
+                  <a:tcPr/>
+                </a:tc>
+                <a:extLst>
+                  <a:ext uri="{0D108BD9-81ED-4DB2-BD59-A6C34878D82A}">
+                    <a16:rowId xmlns:a16="http://schemas.microsoft.com/office/drawing/2014/main" val="3906511109"/>
+                  </a:ext>
+                </a:extLst>
+              </a:tr>
+              <a:tr h="310598">
+                <a:tc>
+                  <a:txBody>
+                    <a:bodyPr/>
+                    <a:lstStyle/>
+                    <a:p>
+                      <a:r>
+                        <a:rPr lang="en-US" sz="1400" dirty="0">
+                          <a:highlight>
+                            <a:srgbClr val="FFFF00"/>
+                          </a:highlight>
+                        </a:rPr>
+                        <a:t>SARIMA</a:t>
+                      </a:r>
+                    </a:p>
+                  </a:txBody>
+                  <a:tcPr/>
+                </a:tc>
+                <a:tc>
+                  <a:txBody>
+                    <a:bodyPr/>
+                    <a:lstStyle/>
+                    <a:p>
+                      <a:r>
+                        <a:rPr lang="en-US" sz="1400" dirty="0">
+                          <a:highlight>
+                            <a:srgbClr val="FFFF00"/>
+                          </a:highlight>
+                        </a:rPr>
+                        <a:t>541</a:t>
+                      </a:r>
+                    </a:p>
+                  </a:txBody>
+                  <a:tcPr/>
+                </a:tc>
+                <a:extLst>
+                  <a:ext uri="{0D108BD9-81ED-4DB2-BD59-A6C34878D82A}">
+                    <a16:rowId xmlns:a16="http://schemas.microsoft.com/office/drawing/2014/main" val="2354428180"/>
+                  </a:ext>
+                </a:extLst>
+              </a:tr>
+            </a:tbl>
+          </a:graphicData>
+        </a:graphic>
+      </p:graphicFrame>
+      <p:graphicFrame>
+        <p:nvGraphicFramePr>
+          <p:cNvPr id="5" name="Table 5">
+            <a:extLst>
+              <a:ext uri="{FF2B5EF4-FFF2-40B4-BE49-F238E27FC236}">
+                <a16:creationId xmlns:a16="http://schemas.microsoft.com/office/drawing/2014/main" id="{C86A1D4F-9D30-41E7-2F9D-AC83E11CAF32}"/>
+              </a:ext>
+            </a:extLst>
+          </p:cNvPr>
+          <p:cNvGraphicFramePr>
+            <a:graphicFrameLocks noGrp="1"/>
+          </p:cNvGraphicFramePr>
+          <p:nvPr/>
+        </p:nvGraphicFramePr>
+        <p:xfrm>
+          <a:off x="1473132" y="4945058"/>
+          <a:ext cx="3451018" cy="975003"/>
+        </p:xfrm>
+        <a:graphic>
+          <a:graphicData uri="http://schemas.openxmlformats.org/drawingml/2006/table">
+            <a:tbl>
+              <a:tblPr firstRow="1" bandRow="1">
+                <a:tableStyleId>{5940675A-B579-460E-94D1-54222C63F5DA}</a:tableStyleId>
+              </a:tblPr>
+              <a:tblGrid>
+                <a:gridCol w="2172770">
+                  <a:extLst>
+                    <a:ext uri="{9D8B030D-6E8A-4147-A177-3AD203B41FA5}">
+                      <a16:colId xmlns:a16="http://schemas.microsoft.com/office/drawing/2014/main" val="4200679468"/>
+                    </a:ext>
+                  </a:extLst>
+                </a:gridCol>
+                <a:gridCol w="1278248">
+                  <a:extLst>
+                    <a:ext uri="{9D8B030D-6E8A-4147-A177-3AD203B41FA5}">
+                      <a16:colId xmlns:a16="http://schemas.microsoft.com/office/drawing/2014/main" val="2933361331"/>
+                    </a:ext>
+                  </a:extLst>
+                </a:gridCol>
+              </a:tblGrid>
+              <a:tr h="325001">
+                <a:tc>
+                  <a:txBody>
+                    <a:bodyPr/>
+                    <a:lstStyle/>
+                    <a:p>
+                      <a:r>
+                        <a:rPr lang="en-US" sz="1400" dirty="0"/>
+                        <a:t>Model Type</a:t>
+                      </a:r>
+                    </a:p>
+                  </a:txBody>
+                  <a:tcPr/>
+                </a:tc>
+                <a:tc>
+                  <a:txBody>
+                    <a:bodyPr/>
+                    <a:lstStyle/>
+                    <a:p>
+                      <a:r>
+                        <a:rPr lang="en-US" sz="1400" dirty="0"/>
+                        <a:t>RMSE</a:t>
+                      </a:r>
+                    </a:p>
+                  </a:txBody>
+                  <a:tcPr/>
+                </a:tc>
+                <a:extLst>
+                  <a:ext uri="{0D108BD9-81ED-4DB2-BD59-A6C34878D82A}">
+                    <a16:rowId xmlns:a16="http://schemas.microsoft.com/office/drawing/2014/main" val="2168659519"/>
+                  </a:ext>
+                </a:extLst>
+              </a:tr>
+              <a:tr h="325001">
+                <a:tc>
+                  <a:txBody>
+                    <a:bodyPr/>
+                    <a:lstStyle/>
+                    <a:p>
+                      <a:r>
+                        <a:rPr lang="en-US" sz="1400" dirty="0"/>
+                        <a:t>SARIMA (v1)</a:t>
+                      </a:r>
+                    </a:p>
+                  </a:txBody>
+                  <a:tcPr/>
+                </a:tc>
+                <a:tc>
+                  <a:txBody>
+                    <a:bodyPr/>
+                    <a:lstStyle/>
+                    <a:p>
+                      <a:r>
+                        <a:rPr lang="en-US" sz="1400" dirty="0"/>
+                        <a:t>541</a:t>
+                      </a:r>
+                    </a:p>
+                  </a:txBody>
+                  <a:tcPr/>
+                </a:tc>
+                <a:extLst>
+                  <a:ext uri="{0D108BD9-81ED-4DB2-BD59-A6C34878D82A}">
+                    <a16:rowId xmlns:a16="http://schemas.microsoft.com/office/drawing/2014/main" val="2608068250"/>
+                  </a:ext>
+                </a:extLst>
+              </a:tr>
+              <a:tr h="325001">
+                <a:tc>
+                  <a:txBody>
+                    <a:bodyPr/>
+                    <a:lstStyle/>
+                    <a:p>
+                      <a:r>
+                        <a:rPr lang="en-US" sz="1400" dirty="0">
+                          <a:highlight>
+                            <a:srgbClr val="FFFF00"/>
+                          </a:highlight>
+                        </a:rPr>
+                        <a:t>SARIMA (v2) </a:t>
+                      </a:r>
+                      <a:r>
+                        <a:rPr lang="en-US" sz="1400" i="1" dirty="0">
+                          <a:highlight>
+                            <a:srgbClr val="FFFF00"/>
+                          </a:highlight>
+                        </a:rPr>
+                        <a:t>optimised</a:t>
+                      </a:r>
+                    </a:p>
+                  </a:txBody>
+                  <a:tcPr/>
+                </a:tc>
+                <a:tc>
+                  <a:txBody>
+                    <a:bodyPr/>
+                    <a:lstStyle/>
+                    <a:p>
+                      <a:r>
+                        <a:rPr lang="en-US" sz="1400" dirty="0">
+                          <a:highlight>
+                            <a:srgbClr val="FFFF00"/>
+                          </a:highlight>
+                        </a:rPr>
+                        <a:t>531</a:t>
+                      </a:r>
+                    </a:p>
+                  </a:txBody>
+                  <a:tcPr/>
+                </a:tc>
+                <a:extLst>
+                  <a:ext uri="{0D108BD9-81ED-4DB2-BD59-A6C34878D82A}">
+                    <a16:rowId xmlns:a16="http://schemas.microsoft.com/office/drawing/2014/main" val="1507114978"/>
+                  </a:ext>
+                </a:extLst>
+              </a:tr>
+            </a:tbl>
+          </a:graphicData>
+        </a:graphic>
+      </p:graphicFrame>
+      <p:pic>
+        <p:nvPicPr>
+          <p:cNvPr id="3074" name="Picture 2">
+            <a:extLst>
+              <a:ext uri="{FF2B5EF4-FFF2-40B4-BE49-F238E27FC236}">
+                <a16:creationId xmlns:a16="http://schemas.microsoft.com/office/drawing/2014/main" id="{245A8EA5-2CA7-8E59-D9EE-C63DC2213477}"/>
+              </a:ext>
+            </a:extLst>
+          </p:cNvPr>
+          <p:cNvPicPr>
+            <a:picLocks noChangeAspect="1" noChangeArrowheads="1"/>
+          </p:cNvPicPr>
+          <p:nvPr/>
+        </p:nvPicPr>
+        <p:blipFill>
+          <a:blip r:embed="rId4">
+            <a:extLst>
+              <a:ext uri="{28A0092B-C50C-407E-A947-70E740481C1C}">
+                <a14:useLocalDpi xmlns:a14="http://schemas.microsoft.com/office/drawing/2010/main" val="0"/>
+              </a:ext>
+            </a:extLst>
+          </a:blip>
+          <a:srcRect/>
+          <a:stretch>
+            <a:fillRect/>
+          </a:stretch>
+        </p:blipFill>
+        <p:spPr bwMode="auto">
+          <a:xfrm>
+            <a:off x="7351019" y="171156"/>
+            <a:ext cx="3913532" cy="3211795"/>
+          </a:xfrm>
+          <a:prstGeom prst="rect">
+            <a:avLst/>
+          </a:prstGeom>
+          <a:noFill/>
+          <a:extLst>
+            <a:ext uri="{909E8E84-426E-40DD-AFC4-6F175D3DCCD1}">
+              <a14:hiddenFill xmlns:a14="http://schemas.microsoft.com/office/drawing/2010/main">
+                <a:solidFill>
+                  <a:srgbClr val="FFFFFF"/>
+                </a:solidFill>
+              </a14:hiddenFill>
+            </a:ext>
+          </a:extLst>
+        </p:spPr>
+      </p:pic>
+      <p:pic>
+        <p:nvPicPr>
+          <p:cNvPr id="3076" name="Picture 4">
+            <a:extLst>
+              <a:ext uri="{FF2B5EF4-FFF2-40B4-BE49-F238E27FC236}">
+                <a16:creationId xmlns:a16="http://schemas.microsoft.com/office/drawing/2014/main" id="{45AAF7A8-5C3B-BF20-38C8-A2040FAE16CF}"/>
+              </a:ext>
+            </a:extLst>
+          </p:cNvPr>
+          <p:cNvPicPr>
+            <a:picLocks noChangeAspect="1" noChangeArrowheads="1"/>
+          </p:cNvPicPr>
+          <p:nvPr/>
+        </p:nvPicPr>
+        <p:blipFill>
+          <a:blip r:embed="rId5">
+            <a:extLst>
+              <a:ext uri="{28A0092B-C50C-407E-A947-70E740481C1C}">
+                <a14:useLocalDpi xmlns:a14="http://schemas.microsoft.com/office/drawing/2010/main" val="0"/>
+              </a:ext>
+            </a:extLst>
+          </a:blip>
+          <a:srcRect/>
+          <a:stretch>
+            <a:fillRect/>
+          </a:stretch>
+        </p:blipFill>
+        <p:spPr bwMode="auto">
+          <a:xfrm>
+            <a:off x="7351019" y="3319179"/>
+            <a:ext cx="3913532" cy="3211795"/>
+          </a:xfrm>
+          <a:prstGeom prst="rect">
+            <a:avLst/>
+          </a:prstGeom>
+          <a:noFill/>
+          <a:extLst>
+            <a:ext uri="{909E8E84-426E-40DD-AFC4-6F175D3DCCD1}">
+              <a14:hiddenFill xmlns:a14="http://schemas.microsoft.com/office/drawing/2010/main">
+                <a:solidFill>
+                  <a:srgbClr val="FFFFFF"/>
+                </a:solidFill>
+              </a14:hiddenFill>
+            </a:ext>
+          </a:extLst>
+        </p:spPr>
+      </p:pic>
+    </p:spTree>
+    <p:extLst>
+      <p:ext uri="{BB962C8B-B14F-4D97-AF65-F5344CB8AC3E}">
+        <p14:creationId xmlns:p14="http://schemas.microsoft.com/office/powerpoint/2010/main" val="2890502088"/>
+      </p:ext>
+    </p:extLst>
+  </p:cSld>
+  <p:clrMapOvr>
+    <a:masterClrMapping/>
+  </p:clrMapOvr>
+  <p:extLst>
+    <p:ext uri="{6950BFC3-D8DA-4A85-94F7-54DA5524770B}">
+      <p188:commentRel xmlns:p188="http://schemas.microsoft.com/office/powerpoint/2018/8/main" r:id="rId2"/>
+    </p:ext>
+  </p:extLst>
+</p:sld>
+</file>
+
+<file path=ppt/slides/slide14.xml><?xml version="1.0" encoding="utf-8"?>
+<p:sld xmlns:a="http://schemas.openxmlformats.org/drawingml/2006/main" xmlns:r="http://schemas.openxmlformats.org/officeDocument/2006/relationships" xmlns:p="http://schemas.openxmlformats.org/presentationml/2006/main">
+  <p:cSld>
+    <p:spTree>
+      <p:nvGrpSpPr>
+        <p:cNvPr id="1" name=""/>
+        <p:cNvGrpSpPr/>
+        <p:nvPr/>
+      </p:nvGrpSpPr>
+      <p:grpSpPr>
+        <a:xfrm>
+          <a:off x="0" y="0"/>
+          <a:ext cx="0" cy="0"/>
+          <a:chOff x="0" y="0"/>
+          <a:chExt cx="0" cy="0"/>
+        </a:xfrm>
+      </p:grpSpPr>
+      <p:sp>
+        <p:nvSpPr>
+          <p:cNvPr id="2" name="Title 1">
+            <a:extLst>
+              <a:ext uri="{FF2B5EF4-FFF2-40B4-BE49-F238E27FC236}">
+                <a16:creationId xmlns:a16="http://schemas.microsoft.com/office/drawing/2014/main" id="{D908F106-8D88-C209-A956-433AB8F08539}"/>
+              </a:ext>
+            </a:extLst>
+          </p:cNvPr>
+          <p:cNvSpPr>
+            <a:spLocks noGrp="1"/>
+          </p:cNvSpPr>
+          <p:nvPr>
+            <p:ph type="title"/>
+          </p:nvPr>
+        </p:nvSpPr>
+        <p:spPr>
+          <a:xfrm>
+            <a:off x="248195" y="327026"/>
+            <a:ext cx="7102824" cy="438288"/>
+          </a:xfrm>
+        </p:spPr>
+        <p:txBody>
+          <a:bodyPr anchor="b">
+            <a:normAutofit/>
+          </a:bodyPr>
+          <a:lstStyle/>
+          <a:p>
+            <a:r>
+              <a:rPr lang="en-US" sz="2400" b="1" dirty="0"/>
+              <a:t>Machine-Learning Model: Forecasts Generated</a:t>
+            </a:r>
+            <a:endParaRPr lang="en-US" sz="2400" dirty="0"/>
+          </a:p>
+        </p:txBody>
+      </p:sp>
+      <p:pic>
+        <p:nvPicPr>
+          <p:cNvPr id="17" name="Picture 16">
+            <a:extLst>
+              <a:ext uri="{FF2B5EF4-FFF2-40B4-BE49-F238E27FC236}">
+                <a16:creationId xmlns:a16="http://schemas.microsoft.com/office/drawing/2014/main" id="{09A3A618-C514-B577-926B-07A3725630EC}"/>
+              </a:ext>
+            </a:extLst>
+          </p:cNvPr>
+          <p:cNvPicPr>
+            <a:picLocks noChangeAspect="1"/>
+          </p:cNvPicPr>
+          <p:nvPr/>
+        </p:nvPicPr>
+        <p:blipFill>
+          <a:blip r:embed="rId2"/>
+          <a:stretch>
+            <a:fillRect/>
+          </a:stretch>
+        </p:blipFill>
+        <p:spPr>
+          <a:xfrm>
+            <a:off x="-85517" y="765314"/>
+            <a:ext cx="5765800" cy="355600"/>
+          </a:xfrm>
+          <a:prstGeom prst="rect">
+            <a:avLst/>
+          </a:prstGeom>
+        </p:spPr>
+      </p:pic>
+      <p:pic>
+        <p:nvPicPr>
+          <p:cNvPr id="7" name="Picture 6">
+            <a:extLst>
+              <a:ext uri="{FF2B5EF4-FFF2-40B4-BE49-F238E27FC236}">
+                <a16:creationId xmlns:a16="http://schemas.microsoft.com/office/drawing/2014/main" id="{8A656F53-5A35-CB29-B236-4DA4B44707EC}"/>
+              </a:ext>
+            </a:extLst>
+          </p:cNvPr>
+          <p:cNvPicPr>
+            <a:picLocks noChangeAspect="1"/>
+          </p:cNvPicPr>
+          <p:nvPr/>
+        </p:nvPicPr>
+        <p:blipFill>
+          <a:blip r:embed="rId3"/>
+          <a:stretch>
+            <a:fillRect/>
+          </a:stretch>
+        </p:blipFill>
+        <p:spPr>
+          <a:xfrm>
+            <a:off x="6095999" y="1647458"/>
+            <a:ext cx="5792565" cy="4753899"/>
+          </a:xfrm>
+          <a:prstGeom prst="rect">
+            <a:avLst/>
+          </a:prstGeom>
+        </p:spPr>
+      </p:pic>
+      <p:pic>
+        <p:nvPicPr>
+          <p:cNvPr id="9" name="Picture 8">
+            <a:extLst>
+              <a:ext uri="{FF2B5EF4-FFF2-40B4-BE49-F238E27FC236}">
+                <a16:creationId xmlns:a16="http://schemas.microsoft.com/office/drawing/2014/main" id="{A0DD9CF0-2819-0CAF-639D-8F462B040803}"/>
+              </a:ext>
+            </a:extLst>
+          </p:cNvPr>
+          <p:cNvPicPr>
+            <a:picLocks noChangeAspect="1"/>
+          </p:cNvPicPr>
+          <p:nvPr/>
+        </p:nvPicPr>
+        <p:blipFill>
+          <a:blip r:embed="rId4"/>
+          <a:stretch>
+            <a:fillRect/>
+          </a:stretch>
+        </p:blipFill>
+        <p:spPr>
+          <a:xfrm>
+            <a:off x="0" y="1708220"/>
+            <a:ext cx="5949155" cy="4743380"/>
+          </a:xfrm>
+          <a:prstGeom prst="rect">
+            <a:avLst/>
+          </a:prstGeom>
+        </p:spPr>
+      </p:pic>
+    </p:spTree>
+    <p:extLst>
+      <p:ext uri="{BB962C8B-B14F-4D97-AF65-F5344CB8AC3E}">
+        <p14:creationId xmlns:p14="http://schemas.microsoft.com/office/powerpoint/2010/main" val="2622176731"/>
+      </p:ext>
+    </p:extLst>
+  </p:cSld>
+  <p:clrMapOvr>
+    <a:masterClrMapping/>
+  </p:clrMapOvr>
 </p:sld>
 </file>
 
@@ -15947,12 +20589,8 @@
               <a:buAutoNum type="arabicPeriod"/>
             </a:pPr>
             <a:r>
-              <a:rPr lang="en-US" sz="1800" dirty="0">
-                <a:solidFill>
-                  <a:srgbClr val="FF0000"/>
-                </a:solidFill>
-              </a:rPr>
-              <a:t>Solar-based electricity-generation in Australia.</a:t>
+              <a:rPr lang="en-US" sz="1800" dirty="0"/>
+              <a:t>Growth of Renewable-based electricity-generation globally.</a:t>
             </a:r>
           </a:p>
           <a:p>
@@ -15965,7 +20603,7 @@
             </a:pPr>
             <a:r>
               <a:rPr lang="en-US" sz="1800" dirty="0"/>
-              <a:t>Growth of Renewable-based electricity-generation globally.</a:t>
+              <a:t>Solar-based electricity-generation in Australia.</a:t>
             </a:r>
           </a:p>
           <a:p>
@@ -16802,8 +21440,8 @@
         </p:nvSpPr>
         <p:spPr>
           <a:xfrm>
-            <a:off x="5589700" y="211142"/>
-            <a:ext cx="6002110" cy="1495425"/>
+            <a:off x="5125519" y="211142"/>
+            <a:ext cx="6932503" cy="845127"/>
           </a:xfrm>
         </p:spPr>
         <p:txBody>
@@ -16813,15 +21451,8 @@
           <a:lstStyle/>
           <a:p>
             <a:r>
-              <a:rPr lang="en-US" sz="3600" b="1" dirty="0"/>
-              <a:t>2. Cleanse Data</a:t>
-            </a:r>
-            <a:br>
-              <a:rPr lang="en-US" sz="3600" b="1" dirty="0"/>
-            </a:br>
-            <a:r>
-              <a:rPr lang="en-US" sz="3600" b="1" dirty="0"/>
-              <a:t>(Extract, Transform, Load)</a:t>
+              <a:rPr lang="en-US" sz="3000" b="1" dirty="0"/>
+              <a:t>2. Cleanse Data (Extract, Transform, Load)</a:t>
             </a:r>
           </a:p>
         </p:txBody>
@@ -16844,19 +21475,19 @@
         </p:nvSpPr>
         <p:spPr>
           <a:xfrm>
-            <a:off x="5451160" y="2243530"/>
-            <a:ext cx="6002110" cy="4229091"/>
+            <a:off x="5451160" y="1267412"/>
+            <a:ext cx="6002110" cy="5205210"/>
           </a:xfrm>
         </p:spPr>
         <p:txBody>
           <a:bodyPr>
-            <a:normAutofit fontScale="47500" lnSpcReduction="20000"/>
+            <a:normAutofit fontScale="85000" lnSpcReduction="20000"/>
           </a:bodyPr>
           <a:lstStyle/>
           <a:p>
             <a:pPr marL="0" indent="0">
               <a:spcBef>
-                <a:spcPts val="2200"/>
+                <a:spcPts val="1500"/>
               </a:spcBef>
               <a:buNone/>
             </a:pPr>
@@ -16868,7 +21499,7 @@
           <a:p>
             <a:pPr>
               <a:spcBef>
-                <a:spcPts val="2200"/>
+                <a:spcPts val="1500"/>
               </a:spcBef>
             </a:pPr>
             <a:r>
@@ -16879,7 +21510,7 @@
           <a:p>
             <a:pPr>
               <a:spcBef>
-                <a:spcPts val="2200"/>
+                <a:spcPts val="1500"/>
               </a:spcBef>
             </a:pPr>
             <a:r>
@@ -16890,17 +21521,20 @@
           <a:p>
             <a:pPr>
               <a:spcBef>
-                <a:spcPts val="2200"/>
+                <a:spcPts val="1500"/>
               </a:spcBef>
             </a:pPr>
             <a:r>
               <a:rPr lang="en-US" sz="2000" dirty="0"/>
-              <a:t>Standardised all datasets with 3-digit country codes (ISO 3166-1) </a:t>
+              <a:t>Standardised all datasets with 3-digit country codes (ISO 3166-1)</a:t>
             </a:r>
-            <a:r>
-              <a:rPr lang="en-US" sz="2000" i="1" dirty="0"/>
-              <a:t>include technical info on how we did this </a:t>
-            </a:r>
+          </a:p>
+          <a:p>
+            <a:pPr>
+              <a:spcBef>
+                <a:spcPts val="1500"/>
+              </a:spcBef>
+            </a:pPr>
             <a:r>
               <a:rPr lang="en-US" sz="2000" dirty="0"/>
               <a:t>Transformed GDP and Population data (from annual to monthly)</a:t>
@@ -16909,7 +21543,7 @@
           <a:p>
             <a:pPr>
               <a:spcBef>
-                <a:spcPts val="2200"/>
+                <a:spcPts val="1500"/>
               </a:spcBef>
             </a:pPr>
             <a:r>
@@ -16920,7 +21554,7 @@
           <a:p>
             <a:pPr lvl="1">
               <a:spcBef>
-                <a:spcPts val="2200"/>
+                <a:spcPts val="1500"/>
               </a:spcBef>
             </a:pPr>
             <a:r>
@@ -16931,7 +21565,7 @@
           <a:p>
             <a:pPr lvl="1">
               <a:spcBef>
-                <a:spcPts val="2200"/>
+                <a:spcPts val="1500"/>
               </a:spcBef>
             </a:pPr>
             <a:r>
@@ -16942,7 +21576,7 @@
           <a:p>
             <a:pPr lvl="1">
               <a:spcBef>
-                <a:spcPts val="2200"/>
+                <a:spcPts val="1500"/>
               </a:spcBef>
             </a:pPr>
             <a:r>
@@ -16953,7 +21587,7 @@
           <a:p>
             <a:pPr lvl="1">
               <a:spcBef>
-                <a:spcPts val="2200"/>
+                <a:spcPts val="1500"/>
               </a:spcBef>
             </a:pPr>
             <a:r>
@@ -16964,7 +21598,7 @@
           <a:p>
             <a:pPr lvl="1">
               <a:spcBef>
-                <a:spcPts val="2200"/>
+                <a:spcPts val="1500"/>
               </a:spcBef>
             </a:pPr>
             <a:r>
@@ -16975,28 +21609,13 @@
           <a:p>
             <a:pPr lvl="1">
               <a:spcBef>
-                <a:spcPts val="2200"/>
+                <a:spcPts val="1500"/>
               </a:spcBef>
             </a:pPr>
             <a:r>
               <a:rPr lang="en-US" sz="1600" i="1" dirty="0"/>
               <a:t>Used merge function to merge the datasets</a:t>
             </a:r>
-          </a:p>
-          <a:p>
-            <a:pPr lvl="1">
-              <a:spcBef>
-                <a:spcPts val="2200"/>
-              </a:spcBef>
-            </a:pPr>
-            <a:endParaRPr lang="en-US" sz="1600" i="1" dirty="0"/>
-          </a:p>
-          <a:p>
-            <a:pPr>
-              <a:spcBef>
-                <a:spcPts val="2200"/>
-              </a:spcBef>
-            </a:pPr>
             <a:endParaRPr lang="en-US" sz="2000" i="1" dirty="0"/>
           </a:p>
         </p:txBody>
@@ -17053,7 +21672,7 @@
         </p:blipFill>
         <p:spPr>
           <a:xfrm>
-            <a:off x="5115472" y="1706567"/>
+            <a:off x="5125518" y="911811"/>
             <a:ext cx="5765800" cy="355600"/>
           </a:xfrm>
           <a:prstGeom prst="rect">
@@ -17098,10 +21717,10 @@
       </p:grpSpPr>
       <p:pic>
         <p:nvPicPr>
-          <p:cNvPr id="7" name="Picture 6" descr="Illuminated server room panel">
+          <p:cNvPr id="3" name="Picture 2">
             <a:extLst>
               <a:ext uri="{FF2B5EF4-FFF2-40B4-BE49-F238E27FC236}">
-                <a16:creationId xmlns:a16="http://schemas.microsoft.com/office/drawing/2014/main" id="{1655B1A0-4E94-E2BB-C010-6BB3D375E16F}"/>
+                <a16:creationId xmlns:a16="http://schemas.microsoft.com/office/drawing/2014/main" id="{31CCC13B-A083-D626-E61E-EEDBB3CCF455}"/>
               </a:ext>
             </a:extLst>
           </p:cNvPr>
@@ -17111,17 +21730,15 @@
           <p:nvPr/>
         </p:nvPicPr>
         <p:blipFill>
-          <a:blip r:embed="rId3">
-            <a:alphaModFix amt="20000"/>
-          </a:blip>
+          <a:blip r:embed="rId3"/>
           <a:stretch>
             <a:fillRect/>
           </a:stretch>
         </p:blipFill>
         <p:spPr>
           <a:xfrm>
-            <a:off x="0" y="-13024"/>
-            <a:ext cx="12192000" cy="8126016"/>
+            <a:off x="4461468" y="452333"/>
+            <a:ext cx="7730532" cy="5591591"/>
           </a:xfrm>
           <a:prstGeom prst="rect">
             <a:avLst/>
@@ -17144,21 +21761,39 @@
             <p:ph type="title"/>
           </p:nvPr>
         </p:nvSpPr>
-        <p:spPr/>
+        <p:spPr>
+          <a:xfrm>
+            <a:off x="150725" y="92090"/>
+            <a:ext cx="7345345" cy="912745"/>
+          </a:xfrm>
+        </p:spPr>
         <p:txBody>
           <a:bodyPr>
-            <a:normAutofit/>
+            <a:normAutofit fontScale="90000"/>
           </a:bodyPr>
           <a:lstStyle/>
           <a:p>
             <a:r>
-              <a:rPr lang="en-US" sz="3600" b="1" kern="1200" dirty="0">
+              <a:rPr lang="en-US" sz="3000" b="1" kern="1200" dirty="0">
                 <a:ea typeface="+mn-ea"/>
                 <a:cs typeface="+mn-cs"/>
               </a:rPr>
-              <a:t>3. Export data into database (PostgreSQL)</a:t>
+              <a:t>3. Export data into database</a:t>
             </a:r>
-            <a:endParaRPr lang="en-US" sz="3600" b="1" dirty="0"/>
+            <a:br>
+              <a:rPr lang="en-US" sz="3000" b="1" kern="1200" dirty="0">
+                <a:ea typeface="+mn-ea"/>
+                <a:cs typeface="+mn-cs"/>
+              </a:rPr>
+            </a:br>
+            <a:r>
+              <a:rPr lang="en-US" sz="3000" b="1" kern="1200" dirty="0">
+                <a:ea typeface="+mn-ea"/>
+                <a:cs typeface="+mn-cs"/>
+              </a:rPr>
+              <a:t>(PostgreSQL)</a:t>
+            </a:r>
+            <a:endParaRPr lang="en-US" sz="3000" b="1" dirty="0"/>
           </a:p>
         </p:txBody>
       </p:sp>
@@ -17178,14 +21813,14 @@
             <p:ph idx="1"/>
             <p:extLst>
               <p:ext uri="{D42A27DB-BD31-4B8C-83A1-F6EECF244321}">
-                <p14:modId xmlns:p14="http://schemas.microsoft.com/office/powerpoint/2010/main" val="731283854"/>
+                <p14:modId xmlns:p14="http://schemas.microsoft.com/office/powerpoint/2010/main" val="4115258536"/>
               </p:ext>
             </p:extLst>
           </p:nvPr>
         </p:nvGraphicFramePr>
         <p:xfrm>
-          <a:off x="670034" y="1690688"/>
-          <a:ext cx="10515600" cy="949105"/>
+          <a:off x="281354" y="1272526"/>
+          <a:ext cx="4712677" cy="1584934"/>
         </p:xfrm>
         <a:graphic>
           <a:graphicData uri="http://schemas.openxmlformats.org/drawingml/2006/diagram">
@@ -17207,8 +21842,8 @@
         </p:nvSpPr>
         <p:spPr>
           <a:xfrm>
-            <a:off x="838200" y="3105834"/>
-            <a:ext cx="10515600" cy="646331"/>
+            <a:off x="150725" y="3322175"/>
+            <a:ext cx="7345345" cy="923330"/>
           </a:xfrm>
           <a:prstGeom prst="rect">
             <a:avLst/>
@@ -17222,21 +21857,31 @@
           <a:lstStyle/>
           <a:p>
             <a:r>
-              <a:rPr lang="en-US" sz="3600" b="1" dirty="0">
+              <a:rPr lang="en-US" sz="2700" b="1" dirty="0">
                 <a:latin typeface="+mj-lt"/>
               </a:rPr>
               <a:t>4</a:t>
             </a:r>
             <a:r>
-              <a:rPr lang="en-US" sz="3600" b="1" kern="1200" dirty="0">
+              <a:rPr lang="en-US" sz="2700" b="1" kern="1200" dirty="0">
                 <a:latin typeface="+mj-lt"/>
                 <a:ea typeface="+mn-ea"/>
                 <a:cs typeface="+mn-cs"/>
               </a:rPr>
-              <a:t>. Retrieve data from database (</a:t>
+              <a:t>. Retrieve data from database</a:t>
+            </a:r>
+          </a:p>
+          <a:p>
+            <a:r>
+              <a:rPr lang="en-US" sz="2700" b="1" kern="1200" dirty="0">
+                <a:latin typeface="+mj-lt"/>
+                <a:ea typeface="+mn-ea"/>
+                <a:cs typeface="+mn-cs"/>
+              </a:rPr>
+              <a:t>(</a:t>
             </a:r>
             <a:r>
-              <a:rPr lang="en-US" sz="3600" b="1" kern="1200" dirty="0" err="1">
+              <a:rPr lang="en-US" sz="2700" b="1" kern="1200" dirty="0" err="1">
                 <a:latin typeface="+mj-lt"/>
                 <a:ea typeface="+mn-ea"/>
                 <a:cs typeface="+mn-cs"/>
@@ -17244,14 +21889,14 @@
               <a:t>SQLAlchemy</a:t>
             </a:r>
             <a:r>
-              <a:rPr lang="en-US" sz="3600" b="1" kern="1200" dirty="0">
+              <a:rPr lang="en-US" sz="2700" b="1" kern="1200" dirty="0">
                 <a:latin typeface="+mj-lt"/>
                 <a:ea typeface="+mn-ea"/>
                 <a:cs typeface="+mn-cs"/>
               </a:rPr>
               <a:t>)</a:t>
             </a:r>
-            <a:endParaRPr lang="en-US" sz="3600" dirty="0">
+            <a:endParaRPr lang="en-US" sz="2700" dirty="0">
               <a:latin typeface="+mj-lt"/>
             </a:endParaRPr>
           </a:p>
@@ -17272,14 +21917,14 @@
           <p:nvPr>
             <p:extLst>
               <p:ext uri="{D42A27DB-BD31-4B8C-83A1-F6EECF244321}">
-                <p14:modId xmlns:p14="http://schemas.microsoft.com/office/powerpoint/2010/main" val="1424271527"/>
+                <p14:modId xmlns:p14="http://schemas.microsoft.com/office/powerpoint/2010/main" val="780924753"/>
               </p:ext>
             </p:extLst>
           </p:nvPr>
         </p:nvGraphicFramePr>
         <p:xfrm>
-          <a:off x="670034" y="4218206"/>
-          <a:ext cx="10515600" cy="949105"/>
+          <a:off x="281355" y="4340888"/>
+          <a:ext cx="5814645" cy="1970727"/>
         </p:xfrm>
         <a:graphic>
           <a:graphicData uri="http://schemas.openxmlformats.org/drawingml/2006/diagram">
@@ -17287,45 +21932,6 @@
           </a:graphicData>
         </a:graphic>
       </p:graphicFrame>
-      <p:sp>
-        <p:nvSpPr>
-          <p:cNvPr id="9" name="TextBox 8">
-            <a:extLst>
-              <a:ext uri="{FF2B5EF4-FFF2-40B4-BE49-F238E27FC236}">
-                <a16:creationId xmlns:a16="http://schemas.microsoft.com/office/drawing/2014/main" id="{1F2A7D3B-662F-9EBF-4044-3C96B3AD2FB5}"/>
-              </a:ext>
-            </a:extLst>
-          </p:cNvPr>
-          <p:cNvSpPr txBox="1"/>
-          <p:nvPr/>
-        </p:nvSpPr>
-        <p:spPr>
-          <a:xfrm>
-            <a:off x="7949682" y="365125"/>
-            <a:ext cx="3676261" cy="369332"/>
-          </a:xfrm>
-          <a:prstGeom prst="rect">
-            <a:avLst/>
-          </a:prstGeom>
-          <a:noFill/>
-        </p:spPr>
-        <p:txBody>
-          <a:bodyPr wrap="square" rtlCol="0">
-            <a:spAutoFit/>
-          </a:bodyPr>
-          <a:lstStyle/>
-          <a:p>
-            <a:r>
-              <a:rPr lang="en-US" dirty="0">
-                <a:solidFill>
-                  <a:srgbClr val="FF0000"/>
-                </a:solidFill>
-              </a:rPr>
-              <a:t>INCLUDE QUICK-DBD DIAGRAM</a:t>
-            </a:r>
-          </a:p>
-        </p:txBody>
-      </p:sp>
     </p:spTree>
     <p:extLst>
       <p:ext uri="{BB962C8B-B14F-4D97-AF65-F5344CB8AC3E}">

--- a/Presentation/Proj4_presentation.pptx
+++ b/Presentation/Proj4_presentation.pptx
@@ -1,9 +1,12 @@
 
 <file path=ppt/presentation.xml><?xml version="1.0" encoding="utf-8"?>
-<p:presentation xmlns:a="http://schemas.openxmlformats.org/drawingml/2006/main" xmlns:r="http://schemas.openxmlformats.org/officeDocument/2006/relationships" xmlns:p="http://schemas.openxmlformats.org/presentationml/2006/main" saveSubsetFonts="1" autoCompressPictures="0">
+<p:presentation xmlns:a="http://schemas.openxmlformats.org/drawingml/2006/main" xmlns:r="http://schemas.openxmlformats.org/officeDocument/2006/relationships" xmlns:p="http://schemas.openxmlformats.org/presentationml/2006/main" showSpecialPlsOnTitleSld="0" saveSubsetFonts="1" autoCompressPictures="0">
   <p:sldMasterIdLst>
     <p:sldMasterId id="2147483648" r:id="rId1"/>
   </p:sldMasterIdLst>
+  <p:notesMasterIdLst>
+    <p:notesMasterId r:id="rId16"/>
+  </p:notesMasterIdLst>
   <p:sldIdLst>
     <p:sldId id="256" r:id="rId2"/>
     <p:sldId id="257" r:id="rId3"/>
@@ -128,6 +131,7 @@
 <file path=ppt/authors.xml><?xml version="1.0" encoding="utf-8"?>
 <p188:authorLst xmlns:a="http://schemas.openxmlformats.org/drawingml/2006/main" xmlns:r="http://schemas.openxmlformats.org/officeDocument/2006/relationships" xmlns:p188="http://schemas.microsoft.com/office/powerpoint/2018/8/main">
   <p188:author id="{0EC2D70F-E384-9803-E3F1-EF16A3855103}" name="Oliver King" initials="OK" userId="2f8be3b40744adfd" providerId="Windows Live"/>
+  <p188:author id="{210206AB-430C-125E-3CF9-8271501E1E77}" name="Mohsen Farrokhrouz" initials="MF" userId="ad2061eca19da9a1" providerId="Windows Live"/>
 </p188:authorLst>
 </file>
 
@@ -200,6 +204,20 @@
       <pc:sldMk xmlns:pc="http://schemas.microsoft.com/office/powerpoint/2013/main/command" cId="4117987035" sldId="267"/>
       <ac:spMk id="3" creationId="{97817015-EDDD-71A7-5B9F-77642F1574A2}"/>
     </ac:deMkLst>
+    <p188:replyLst>
+      <p188:reply id="{AA1D0EC5-3D60-421A-AA63-E809B7E521BE}" authorId="{210206AB-430C-125E-3CF9-8271501E1E77}" created="2023-06-01T09:24:44.788">
+        <p188:txBody>
+          <a:bodyPr/>
+          <a:lstStyle/>
+          <a:p>
+            <a:r>
+              <a:rPr lang="en-AU"/>
+              <a:t>Rearranged and Resolved</a:t>
+            </a:r>
+          </a:p>
+        </p188:txBody>
+      </p188:reply>
+    </p188:replyLst>
     <p188:txBody>
       <a:bodyPr/>
       <a:lstStyle/>
@@ -3420,8 +3438,6 @@
     <dgm:cxn modelId="{6B76A52E-4B59-9841-A066-7BC4DED5E464}" srcId="{A62FF51C-C761-DC4D-8D4D-A4BEEEE1E40E}" destId="{2226237A-BBDD-F240-B636-696E5A3F73FA}" srcOrd="0" destOrd="0" parTransId="{166FD673-124C-1243-885C-0DCC45700B96}" sibTransId="{2F8C3794-C210-F342-97DD-16FAE25302CC}"/>
     <dgm:cxn modelId="{C9EC3C36-59A0-1B41-837F-8DA9C4297046}" type="presOf" srcId="{50AF8974-B3BB-2B40-8D42-BD4F702D6681}" destId="{81EB66CF-0842-4240-8CF1-4635DDB5DA37}" srcOrd="0" destOrd="0" presId="urn:microsoft.com/office/officeart/2005/8/layout/chevron2"/>
     <dgm:cxn modelId="{AE090E3A-494E-3440-B0E8-2741125156EB}" type="presOf" srcId="{F3AD1DA9-4C09-1740-8685-7F7C82914C75}" destId="{C8FB3212-F9BD-714B-91A2-0DFF71DAFF28}" srcOrd="0" destOrd="0" presId="urn:microsoft.com/office/officeart/2005/8/layout/chevron2"/>
-    <dgm:cxn modelId="{54A7BE53-1483-E04B-8795-D1F2BFC6B3ED}" type="presOf" srcId="{B7EAE4D8-817B-0546-A572-06E6D63807F1}" destId="{6EE28908-DD59-2847-929A-38C430F0B19F}" srcOrd="0" destOrd="0" presId="urn:microsoft.com/office/officeart/2005/8/layout/chevron2"/>
-    <dgm:cxn modelId="{E542E056-4172-6A4D-BD2F-4F3C53081B6F}" type="presOf" srcId="{19F60B9A-F6F3-3045-A587-B2B518082C4F}" destId="{E2E8E3C3-6FDF-9446-98CF-6A830EDBB04D}" srcOrd="0" destOrd="0" presId="urn:microsoft.com/office/officeart/2005/8/layout/chevron2"/>
     <dgm:cxn modelId="{794D3A5B-1F66-9441-9FF2-549747AADA21}" type="presOf" srcId="{0C74DDE5-75CB-124B-B5C4-976264A60AC4}" destId="{F0F316E0-926D-5E44-AE5A-D486244BC255}" srcOrd="0" destOrd="0" presId="urn:microsoft.com/office/officeart/2005/8/layout/chevron2"/>
     <dgm:cxn modelId="{6794A463-5F1A-D340-A8E8-BF92611A31F7}" type="presOf" srcId="{2226237A-BBDD-F240-B636-696E5A3F73FA}" destId="{63D2E7AD-D9DC-554C-A9D5-CC3A0C436858}" srcOrd="0" destOrd="0" presId="urn:microsoft.com/office/officeart/2005/8/layout/chevron2"/>
     <dgm:cxn modelId="{1EA8AB67-2E27-1246-8A44-BDEF417AAA48}" type="presOf" srcId="{A62FF51C-C761-DC4D-8D4D-A4BEEEE1E40E}" destId="{A9925412-98E5-754D-AD61-0A7C67317DFA}" srcOrd="0" destOrd="0" presId="urn:microsoft.com/office/officeart/2005/8/layout/chevron2"/>
@@ -3429,6 +3445,8 @@
     <dgm:cxn modelId="{00DDE86B-2926-8B48-9BD2-190A17697D7F}" srcId="{F3AD1DA9-4C09-1740-8685-7F7C82914C75}" destId="{19F60B9A-F6F3-3045-A587-B2B518082C4F}" srcOrd="0" destOrd="0" parTransId="{F31E8743-D360-7343-A450-C2C8684FEF73}" sibTransId="{2C70B312-D2F7-B540-9E35-1D73BFF274D1}"/>
     <dgm:cxn modelId="{474DCA6E-482E-A64A-8E5E-B008E0B3D745}" type="presOf" srcId="{A06E0055-4D58-BD41-8E67-874541574EE3}" destId="{FC420762-C8C7-D843-9B91-39162E67B737}" srcOrd="0" destOrd="0" presId="urn:microsoft.com/office/officeart/2005/8/layout/chevron2"/>
     <dgm:cxn modelId="{AE043973-D797-F747-9F54-A45D0B37DCC0}" type="presOf" srcId="{1316ED57-B987-A746-8491-E847B0D65357}" destId="{BF5814CC-75DE-454F-9842-D5F74FDAFBF9}" srcOrd="0" destOrd="0" presId="urn:microsoft.com/office/officeart/2005/8/layout/chevron2"/>
+    <dgm:cxn modelId="{54A7BE53-1483-E04B-8795-D1F2BFC6B3ED}" type="presOf" srcId="{B7EAE4D8-817B-0546-A572-06E6D63807F1}" destId="{6EE28908-DD59-2847-929A-38C430F0B19F}" srcOrd="0" destOrd="0" presId="urn:microsoft.com/office/officeart/2005/8/layout/chevron2"/>
+    <dgm:cxn modelId="{E542E056-4172-6A4D-BD2F-4F3C53081B6F}" type="presOf" srcId="{19F60B9A-F6F3-3045-A587-B2B518082C4F}" destId="{E2E8E3C3-6FDF-9446-98CF-6A830EDBB04D}" srcOrd="0" destOrd="0" presId="urn:microsoft.com/office/officeart/2005/8/layout/chevron2"/>
     <dgm:cxn modelId="{D3586587-2F7A-B847-ACCC-D0CA5B2D0961}" srcId="{19F60B9A-F6F3-3045-A587-B2B518082C4F}" destId="{1316ED57-B987-A746-8491-E847B0D65357}" srcOrd="0" destOrd="0" parTransId="{714A4B8E-37D0-884F-8899-974210EE1C78}" sibTransId="{799D8249-EC17-D54F-8EE1-FFCC2A1D2A4D}"/>
     <dgm:cxn modelId="{398A58A0-DB71-D447-8DF8-96FDC84D9B88}" srcId="{0C74DDE5-75CB-124B-B5C4-976264A60AC4}" destId="{53506C35-F3DF-2544-B56E-E4D90B5E4331}" srcOrd="0" destOrd="0" parTransId="{25C8C944-AE17-B64B-904D-15E10A5BFAC0}" sibTransId="{E9AE0E25-60DF-3546-9312-C6CA7A8BDF65}"/>
     <dgm:cxn modelId="{D7D5EAA7-3AEF-414D-BFFA-6D989D535776}" srcId="{F3AD1DA9-4C09-1740-8685-7F7C82914C75}" destId="{A62FF51C-C761-DC4D-8D4D-A4BEEEE1E40E}" srcOrd="4" destOrd="0" parTransId="{0675E263-70A6-4446-A2D9-D2D6110F48A2}" sibTransId="{9A7E60D6-57BD-7444-8122-73BE6CE07FB4}"/>
@@ -3914,9 +3932,9 @@
   <dgm:cxnLst>
     <dgm:cxn modelId="{9BFBC51D-441C-A147-8E73-298CDC8F73C0}" srcId="{5C78B4C1-F6FA-4A49-802F-77977558D053}" destId="{54C580C9-5B36-D643-A90A-488254D81868}" srcOrd="1" destOrd="0" parTransId="{71204BC0-967A-E443-BE47-48E16FFCCCD8}" sibTransId="{8FA9DF7E-8289-9F42-BD53-43860EBE5B1D}"/>
     <dgm:cxn modelId="{78F0342D-96D3-C449-B7C5-BC321DA0D11A}" type="presOf" srcId="{0A340C7F-32D6-DB45-A542-F6602CBD8AA4}" destId="{9815FFFB-2873-DA48-B072-A4D63622ACD0}" srcOrd="1" destOrd="0" presId="urn:microsoft.com/office/officeart/2005/8/layout/vProcess5"/>
-    <dgm:cxn modelId="{D5936358-88E1-C142-BD92-8003DA0F8BA8}" type="presOf" srcId="{54C580C9-5B36-D643-A90A-488254D81868}" destId="{AE9A4F57-D1CD-8748-8ED3-32A08F84F1A7}" srcOrd="1" destOrd="0" presId="urn:microsoft.com/office/officeart/2005/8/layout/vProcess5"/>
     <dgm:cxn modelId="{0554F667-0113-2C4C-BE28-1805A527F2D6}" type="presOf" srcId="{7DB915FC-2CF5-B54C-B10C-4A01354DF7A2}" destId="{29B37D13-0E36-3848-82FB-3D91C6B22D40}" srcOrd="0" destOrd="0" presId="urn:microsoft.com/office/officeart/2005/8/layout/vProcess5"/>
     <dgm:cxn modelId="{F3E3A56D-63E4-1943-9A18-A30F3AED8E9D}" type="presOf" srcId="{8FA9DF7E-8289-9F42-BD53-43860EBE5B1D}" destId="{99474D39-C8BC-4B4B-9829-8E88047990F3}" srcOrd="0" destOrd="0" presId="urn:microsoft.com/office/officeart/2005/8/layout/vProcess5"/>
+    <dgm:cxn modelId="{D5936358-88E1-C142-BD92-8003DA0F8BA8}" type="presOf" srcId="{54C580C9-5B36-D643-A90A-488254D81868}" destId="{AE9A4F57-D1CD-8748-8ED3-32A08F84F1A7}" srcOrd="1" destOrd="0" presId="urn:microsoft.com/office/officeart/2005/8/layout/vProcess5"/>
     <dgm:cxn modelId="{4DD6D09E-0C5E-F04F-BD44-771206F9AF5E}" type="presOf" srcId="{54C580C9-5B36-D643-A90A-488254D81868}" destId="{1EF8BC82-0735-CC46-BB8A-E654A08F5E14}" srcOrd="0" destOrd="0" presId="urn:microsoft.com/office/officeart/2005/8/layout/vProcess5"/>
     <dgm:cxn modelId="{B5F04D9F-4B5C-1949-AE2C-541CD1CC4A69}" srcId="{5C78B4C1-F6FA-4A49-802F-77977558D053}" destId="{0A340C7F-32D6-DB45-A542-F6602CBD8AA4}" srcOrd="2" destOrd="0" parTransId="{3A041A63-C458-1942-9BFC-FE7B403EF74D}" sibTransId="{871D0F82-E88C-A341-BDA3-8AE5B319B8F6}"/>
     <dgm:cxn modelId="{34867BAE-1FA6-BA49-A712-973E905ACFF1}" type="presOf" srcId="{67E6D007-BDC1-954F-B9D1-B487462B0B09}" destId="{B0CC14DC-810A-5D44-B981-AB60551693A3}" srcOrd="0" destOrd="0" presId="urn:microsoft.com/office/officeart/2005/8/layout/vProcess5"/>
@@ -11759,6 +11777,356 @@
 </dgm:styleDef>
 </file>
 
+<file path=ppt/notesMasters/notesMaster1.xml><?xml version="1.0" encoding="utf-8"?>
+<p:notesMaster xmlns:a="http://schemas.openxmlformats.org/drawingml/2006/main" xmlns:r="http://schemas.openxmlformats.org/officeDocument/2006/relationships" xmlns:p="http://schemas.openxmlformats.org/presentationml/2006/main">
+  <p:cSld>
+    <p:bg>
+      <p:bgRef idx="1001">
+        <a:schemeClr val="bg1"/>
+      </p:bgRef>
+    </p:bg>
+    <p:spTree>
+      <p:nvGrpSpPr>
+        <p:cNvPr id="1" name=""/>
+        <p:cNvGrpSpPr/>
+        <p:nvPr/>
+      </p:nvGrpSpPr>
+      <p:grpSpPr>
+        <a:xfrm>
+          <a:off x="0" y="0"/>
+          <a:ext cx="0" cy="0"/>
+          <a:chOff x="0" y="0"/>
+          <a:chExt cx="0" cy="0"/>
+        </a:xfrm>
+      </p:grpSpPr>
+      <p:sp>
+        <p:nvSpPr>
+          <p:cNvPr id="2" name="Header Placeholder 1"/>
+          <p:cNvSpPr>
+            <a:spLocks noGrp="1"/>
+          </p:cNvSpPr>
+          <p:nvPr>
+            <p:ph type="hdr" sz="quarter"/>
+          </p:nvPr>
+        </p:nvSpPr>
+        <p:spPr>
+          <a:xfrm>
+            <a:off x="0" y="0"/>
+            <a:ext cx="2971800" cy="458788"/>
+          </a:xfrm>
+          <a:prstGeom prst="rect">
+            <a:avLst/>
+          </a:prstGeom>
+        </p:spPr>
+        <p:txBody>
+          <a:bodyPr vert="horz" lIns="91440" tIns="45720" rIns="91440" bIns="45720" rtlCol="0"/>
+          <a:lstStyle>
+            <a:lvl1pPr algn="l">
+              <a:defRPr sz="1200"/>
+            </a:lvl1pPr>
+          </a:lstStyle>
+          <a:p>
+            <a:endParaRPr lang="en-AU"/>
+          </a:p>
+        </p:txBody>
+      </p:sp>
+      <p:sp>
+        <p:nvSpPr>
+          <p:cNvPr id="3" name="Date Placeholder 2"/>
+          <p:cNvSpPr>
+            <a:spLocks noGrp="1"/>
+          </p:cNvSpPr>
+          <p:nvPr>
+            <p:ph type="dt" idx="1"/>
+          </p:nvPr>
+        </p:nvSpPr>
+        <p:spPr>
+          <a:xfrm>
+            <a:off x="3884613" y="0"/>
+            <a:ext cx="2971800" cy="458788"/>
+          </a:xfrm>
+          <a:prstGeom prst="rect">
+            <a:avLst/>
+          </a:prstGeom>
+        </p:spPr>
+        <p:txBody>
+          <a:bodyPr vert="horz" lIns="91440" tIns="45720" rIns="91440" bIns="45720" rtlCol="0"/>
+          <a:lstStyle>
+            <a:lvl1pPr algn="r">
+              <a:defRPr sz="1200"/>
+            </a:lvl1pPr>
+          </a:lstStyle>
+          <a:p>
+            <a:fld id="{485A6EB2-FA01-4BFD-AAFB-A06C68F7E8CB}" type="datetimeFigureOut">
+              <a:rPr lang="en-AU" smtClean="0"/>
+              <a:t>1/06/2023</a:t>
+            </a:fld>
+            <a:endParaRPr lang="en-AU"/>
+          </a:p>
+        </p:txBody>
+      </p:sp>
+      <p:sp>
+        <p:nvSpPr>
+          <p:cNvPr id="4" name="Slide Image Placeholder 3"/>
+          <p:cNvSpPr>
+            <a:spLocks noGrp="1" noRot="1" noChangeAspect="1"/>
+          </p:cNvSpPr>
+          <p:nvPr>
+            <p:ph type="sldImg" idx="2"/>
+          </p:nvPr>
+        </p:nvSpPr>
+        <p:spPr>
+          <a:xfrm>
+            <a:off x="685800" y="1143000"/>
+            <a:ext cx="5486400" cy="3086100"/>
+          </a:xfrm>
+          <a:prstGeom prst="rect">
+            <a:avLst/>
+          </a:prstGeom>
+          <a:noFill/>
+          <a:ln w="12700">
+            <a:solidFill>
+              <a:prstClr val="black"/>
+            </a:solidFill>
+          </a:ln>
+        </p:spPr>
+        <p:txBody>
+          <a:bodyPr vert="horz" lIns="91440" tIns="45720" rIns="91440" bIns="45720" rtlCol="0" anchor="ctr"/>
+          <a:lstStyle/>
+          <a:p>
+            <a:endParaRPr lang="en-AU"/>
+          </a:p>
+        </p:txBody>
+      </p:sp>
+      <p:sp>
+        <p:nvSpPr>
+          <p:cNvPr id="5" name="Notes Placeholder 4"/>
+          <p:cNvSpPr>
+            <a:spLocks noGrp="1"/>
+          </p:cNvSpPr>
+          <p:nvPr>
+            <p:ph type="body" sz="quarter" idx="3"/>
+          </p:nvPr>
+        </p:nvSpPr>
+        <p:spPr>
+          <a:xfrm>
+            <a:off x="685800" y="4400550"/>
+            <a:ext cx="5486400" cy="3600450"/>
+          </a:xfrm>
+          <a:prstGeom prst="rect">
+            <a:avLst/>
+          </a:prstGeom>
+        </p:spPr>
+        <p:txBody>
+          <a:bodyPr vert="horz" lIns="91440" tIns="45720" rIns="91440" bIns="45720" rtlCol="0"/>
+          <a:lstStyle/>
+          <a:p>
+            <a:pPr lvl="0"/>
+            <a:r>
+              <a:rPr lang="en-US"/>
+              <a:t>Click to edit Master text styles</a:t>
+            </a:r>
+          </a:p>
+          <a:p>
+            <a:pPr lvl="1"/>
+            <a:r>
+              <a:rPr lang="en-US"/>
+              <a:t>Second level</a:t>
+            </a:r>
+          </a:p>
+          <a:p>
+            <a:pPr lvl="2"/>
+            <a:r>
+              <a:rPr lang="en-US"/>
+              <a:t>Third level</a:t>
+            </a:r>
+          </a:p>
+          <a:p>
+            <a:pPr lvl="3"/>
+            <a:r>
+              <a:rPr lang="en-US"/>
+              <a:t>Fourth level</a:t>
+            </a:r>
+          </a:p>
+          <a:p>
+            <a:pPr lvl="4"/>
+            <a:r>
+              <a:rPr lang="en-US"/>
+              <a:t>Fifth level</a:t>
+            </a:r>
+            <a:endParaRPr lang="en-AU"/>
+          </a:p>
+        </p:txBody>
+      </p:sp>
+      <p:sp>
+        <p:nvSpPr>
+          <p:cNvPr id="6" name="Footer Placeholder 5"/>
+          <p:cNvSpPr>
+            <a:spLocks noGrp="1"/>
+          </p:cNvSpPr>
+          <p:nvPr>
+            <p:ph type="ftr" sz="quarter" idx="4"/>
+          </p:nvPr>
+        </p:nvSpPr>
+        <p:spPr>
+          <a:xfrm>
+            <a:off x="0" y="8685213"/>
+            <a:ext cx="2971800" cy="458787"/>
+          </a:xfrm>
+          <a:prstGeom prst="rect">
+            <a:avLst/>
+          </a:prstGeom>
+        </p:spPr>
+        <p:txBody>
+          <a:bodyPr vert="horz" lIns="91440" tIns="45720" rIns="91440" bIns="45720" rtlCol="0" anchor="b"/>
+          <a:lstStyle>
+            <a:lvl1pPr algn="l">
+              <a:defRPr sz="1200"/>
+            </a:lvl1pPr>
+          </a:lstStyle>
+          <a:p>
+            <a:endParaRPr lang="en-AU"/>
+          </a:p>
+        </p:txBody>
+      </p:sp>
+      <p:sp>
+        <p:nvSpPr>
+          <p:cNvPr id="7" name="Slide Number Placeholder 6"/>
+          <p:cNvSpPr>
+            <a:spLocks noGrp="1"/>
+          </p:cNvSpPr>
+          <p:nvPr>
+            <p:ph type="sldNum" sz="quarter" idx="5"/>
+          </p:nvPr>
+        </p:nvSpPr>
+        <p:spPr>
+          <a:xfrm>
+            <a:off x="3884613" y="8685213"/>
+            <a:ext cx="2971800" cy="458787"/>
+          </a:xfrm>
+          <a:prstGeom prst="rect">
+            <a:avLst/>
+          </a:prstGeom>
+        </p:spPr>
+        <p:txBody>
+          <a:bodyPr vert="horz" lIns="91440" tIns="45720" rIns="91440" bIns="45720" rtlCol="0" anchor="b"/>
+          <a:lstStyle>
+            <a:lvl1pPr algn="r">
+              <a:defRPr sz="1200"/>
+            </a:lvl1pPr>
+          </a:lstStyle>
+          <a:p>
+            <a:fld id="{0CD2B6D0-44CB-486A-BE25-CE78810180F6}" type="slidenum">
+              <a:rPr lang="en-AU" smtClean="0"/>
+              <a:t>‹#›</a:t>
+            </a:fld>
+            <a:endParaRPr lang="en-AU"/>
+          </a:p>
+        </p:txBody>
+      </p:sp>
+    </p:spTree>
+    <p:extLst>
+      <p:ext uri="{BB962C8B-B14F-4D97-AF65-F5344CB8AC3E}">
+        <p14:creationId xmlns:p14="http://schemas.microsoft.com/office/powerpoint/2010/main" val="1866114266"/>
+      </p:ext>
+    </p:extLst>
+  </p:cSld>
+  <p:clrMap bg1="lt1" tx1="dk1" bg2="lt2" tx2="dk2" accent1="accent1" accent2="accent2" accent3="accent3" accent4="accent4" accent5="accent5" accent6="accent6" hlink="hlink" folHlink="folHlink"/>
+  <p:notesStyle>
+    <a:lvl1pPr marL="0" algn="l" defTabSz="914400" rtl="0" eaLnBrk="1" latinLnBrk="0" hangingPunct="1">
+      <a:defRPr sz="1200" kern="1200">
+        <a:solidFill>
+          <a:schemeClr val="tx1"/>
+        </a:solidFill>
+        <a:latin typeface="+mn-lt"/>
+        <a:ea typeface="+mn-ea"/>
+        <a:cs typeface="+mn-cs"/>
+      </a:defRPr>
+    </a:lvl1pPr>
+    <a:lvl2pPr marL="457200" algn="l" defTabSz="914400" rtl="0" eaLnBrk="1" latinLnBrk="0" hangingPunct="1">
+      <a:defRPr sz="1200" kern="1200">
+        <a:solidFill>
+          <a:schemeClr val="tx1"/>
+        </a:solidFill>
+        <a:latin typeface="+mn-lt"/>
+        <a:ea typeface="+mn-ea"/>
+        <a:cs typeface="+mn-cs"/>
+      </a:defRPr>
+    </a:lvl2pPr>
+    <a:lvl3pPr marL="914400" algn="l" defTabSz="914400" rtl="0" eaLnBrk="1" latinLnBrk="0" hangingPunct="1">
+      <a:defRPr sz="1200" kern="1200">
+        <a:solidFill>
+          <a:schemeClr val="tx1"/>
+        </a:solidFill>
+        <a:latin typeface="+mn-lt"/>
+        <a:ea typeface="+mn-ea"/>
+        <a:cs typeface="+mn-cs"/>
+      </a:defRPr>
+    </a:lvl3pPr>
+    <a:lvl4pPr marL="1371600" algn="l" defTabSz="914400" rtl="0" eaLnBrk="1" latinLnBrk="0" hangingPunct="1">
+      <a:defRPr sz="1200" kern="1200">
+        <a:solidFill>
+          <a:schemeClr val="tx1"/>
+        </a:solidFill>
+        <a:latin typeface="+mn-lt"/>
+        <a:ea typeface="+mn-ea"/>
+        <a:cs typeface="+mn-cs"/>
+      </a:defRPr>
+    </a:lvl4pPr>
+    <a:lvl5pPr marL="1828800" algn="l" defTabSz="914400" rtl="0" eaLnBrk="1" latinLnBrk="0" hangingPunct="1">
+      <a:defRPr sz="1200" kern="1200">
+        <a:solidFill>
+          <a:schemeClr val="tx1"/>
+        </a:solidFill>
+        <a:latin typeface="+mn-lt"/>
+        <a:ea typeface="+mn-ea"/>
+        <a:cs typeface="+mn-cs"/>
+      </a:defRPr>
+    </a:lvl5pPr>
+    <a:lvl6pPr marL="2286000" algn="l" defTabSz="914400" rtl="0" eaLnBrk="1" latinLnBrk="0" hangingPunct="1">
+      <a:defRPr sz="1200" kern="1200">
+        <a:solidFill>
+          <a:schemeClr val="tx1"/>
+        </a:solidFill>
+        <a:latin typeface="+mn-lt"/>
+        <a:ea typeface="+mn-ea"/>
+        <a:cs typeface="+mn-cs"/>
+      </a:defRPr>
+    </a:lvl6pPr>
+    <a:lvl7pPr marL="2743200" algn="l" defTabSz="914400" rtl="0" eaLnBrk="1" latinLnBrk="0" hangingPunct="1">
+      <a:defRPr sz="1200" kern="1200">
+        <a:solidFill>
+          <a:schemeClr val="tx1"/>
+        </a:solidFill>
+        <a:latin typeface="+mn-lt"/>
+        <a:ea typeface="+mn-ea"/>
+        <a:cs typeface="+mn-cs"/>
+      </a:defRPr>
+    </a:lvl7pPr>
+    <a:lvl8pPr marL="3200400" algn="l" defTabSz="914400" rtl="0" eaLnBrk="1" latinLnBrk="0" hangingPunct="1">
+      <a:defRPr sz="1200" kern="1200">
+        <a:solidFill>
+          <a:schemeClr val="tx1"/>
+        </a:solidFill>
+        <a:latin typeface="+mn-lt"/>
+        <a:ea typeface="+mn-ea"/>
+        <a:cs typeface="+mn-cs"/>
+      </a:defRPr>
+    </a:lvl8pPr>
+    <a:lvl9pPr marL="3657600" algn="l" defTabSz="914400" rtl="0" eaLnBrk="1" latinLnBrk="0" hangingPunct="1">
+      <a:defRPr sz="1200" kern="1200">
+        <a:solidFill>
+          <a:schemeClr val="tx1"/>
+        </a:solidFill>
+        <a:latin typeface="+mn-lt"/>
+        <a:ea typeface="+mn-ea"/>
+        <a:cs typeface="+mn-cs"/>
+      </a:defRPr>
+    </a:lvl9pPr>
+  </p:notesStyle>
+</p:notesMaster>
+</file>
+
 <file path=ppt/slideLayouts/slideLayout1.xml><?xml version="1.0" encoding="utf-8"?>
 <p:sldLayout xmlns:a="http://schemas.openxmlformats.org/drawingml/2006/main" xmlns:r="http://schemas.openxmlformats.org/officeDocument/2006/relationships" xmlns:p="http://schemas.openxmlformats.org/presentationml/2006/main" type="title" preserve="1">
   <p:cSld name="Title Slide">
@@ -11906,9 +12274,9 @@
           <a:bodyPr/>
           <a:lstStyle/>
           <a:p>
-            <a:fld id="{A117FC55-09B6-664E-A48C-8C39C1B8D896}" type="datetimeFigureOut">
+            <a:fld id="{520E703A-A14B-4DE5-A03C-A003D78AD194}" type="datetime1">
               <a:rPr lang="en-US" smtClean="0"/>
-              <a:t>6/1/23</a:t>
+              <a:t>6/1/2023</a:t>
             </a:fld>
             <a:endParaRPr lang="en-US"/>
           </a:p>
@@ -12106,9 +12474,9 @@
           <a:bodyPr/>
           <a:lstStyle/>
           <a:p>
-            <a:fld id="{A117FC55-09B6-664E-A48C-8C39C1B8D896}" type="datetimeFigureOut">
+            <a:fld id="{73D8D68A-9EBE-4C58-A0CF-9A94687A3376}" type="datetime1">
               <a:rPr lang="en-US" smtClean="0"/>
-              <a:t>6/1/23</a:t>
+              <a:t>6/1/2023</a:t>
             </a:fld>
             <a:endParaRPr lang="en-US"/>
           </a:p>
@@ -12316,9 +12684,9 @@
           <a:bodyPr/>
           <a:lstStyle/>
           <a:p>
-            <a:fld id="{A117FC55-09B6-664E-A48C-8C39C1B8D896}" type="datetimeFigureOut">
+            <a:fld id="{7B4A25C5-8483-46B4-8B64-03D8BB6EDD43}" type="datetime1">
               <a:rPr lang="en-US" smtClean="0"/>
-              <a:t>6/1/23</a:t>
+              <a:t>6/1/2023</a:t>
             </a:fld>
             <a:endParaRPr lang="en-US"/>
           </a:p>
@@ -12497,35 +12865,6 @@
       </p:sp>
       <p:sp>
         <p:nvSpPr>
-          <p:cNvPr id="4" name="Date Placeholder 3">
-            <a:extLst>
-              <a:ext uri="{FF2B5EF4-FFF2-40B4-BE49-F238E27FC236}">
-                <a16:creationId xmlns:a16="http://schemas.microsoft.com/office/drawing/2014/main" id="{1511E257-80E4-5F79-AA47-EB5D1D294682}"/>
-              </a:ext>
-            </a:extLst>
-          </p:cNvPr>
-          <p:cNvSpPr>
-            <a:spLocks noGrp="1"/>
-          </p:cNvSpPr>
-          <p:nvPr>
-            <p:ph type="dt" sz="half" idx="10"/>
-          </p:nvPr>
-        </p:nvSpPr>
-        <p:spPr/>
-        <p:txBody>
-          <a:bodyPr/>
-          <a:lstStyle/>
-          <a:p>
-            <a:fld id="{A117FC55-09B6-664E-A48C-8C39C1B8D896}" type="datetimeFigureOut">
-              <a:rPr lang="en-US" smtClean="0"/>
-              <a:t>6/1/23</a:t>
-            </a:fld>
-            <a:endParaRPr lang="en-US"/>
-          </a:p>
-        </p:txBody>
-      </p:sp>
-      <p:sp>
-        <p:nvSpPr>
           <p:cNvPr id="5" name="Footer Placeholder 4">
             <a:extLst>
               <a:ext uri="{FF2B5EF4-FFF2-40B4-BE49-F238E27FC236}">
@@ -12565,13 +12904,29 @@
             <p:ph type="sldNum" sz="quarter" idx="12"/>
           </p:nvPr>
         </p:nvSpPr>
-        <p:spPr/>
+        <p:spPr>
+          <a:xfrm>
+            <a:off x="60278" y="6492875"/>
+            <a:ext cx="2743200" cy="365125"/>
+          </a:xfrm>
+        </p:spPr>
         <p:txBody>
           <a:bodyPr/>
-          <a:lstStyle/>
+          <a:lstStyle>
+            <a:lvl1pPr algn="l">
+              <a:defRPr sz="1600" b="1" i="1" u="sng">
+                <a:solidFill>
+                  <a:schemeClr val="tx1"/>
+                </a:solidFill>
+                <a:latin typeface="Aharoni" panose="020B0604020202020204" pitchFamily="2" charset="-79"/>
+                <a:cs typeface="Aharoni" panose="020B0604020202020204" pitchFamily="2" charset="-79"/>
+              </a:defRPr>
+            </a:lvl1pPr>
+          </a:lstStyle>
           <a:p>
             <a:fld id="{4F34D30B-D7E0-FB45-A278-C7D854F08543}" type="slidenum">
               <a:rPr lang="en-US" smtClean="0"/>
+              <a:pPr/>
               <a:t>‹#›</a:t>
             </a:fld>
             <a:endParaRPr lang="en-US"/>
@@ -12792,9 +13147,9 @@
           <a:bodyPr/>
           <a:lstStyle/>
           <a:p>
-            <a:fld id="{A117FC55-09B6-664E-A48C-8C39C1B8D896}" type="datetimeFigureOut">
+            <a:fld id="{770AA5BA-DC1A-44D0-AEF4-00125352215D}" type="datetime1">
               <a:rPr lang="en-US" smtClean="0"/>
-              <a:t>6/1/23</a:t>
+              <a:t>6/1/2023</a:t>
             </a:fld>
             <a:endParaRPr lang="en-US"/>
           </a:p>
@@ -13060,9 +13415,9 @@
           <a:bodyPr/>
           <a:lstStyle/>
           <a:p>
-            <a:fld id="{A117FC55-09B6-664E-A48C-8C39C1B8D896}" type="datetimeFigureOut">
+            <a:fld id="{2AB21B40-432C-4CD2-BDB9-F21B8E6039C6}" type="datetime1">
               <a:rPr lang="en-US" smtClean="0"/>
-              <a:t>6/1/23</a:t>
+              <a:t>6/1/2023</a:t>
             </a:fld>
             <a:endParaRPr lang="en-US"/>
           </a:p>
@@ -13475,9 +13830,9 @@
           <a:bodyPr/>
           <a:lstStyle/>
           <a:p>
-            <a:fld id="{A117FC55-09B6-664E-A48C-8C39C1B8D896}" type="datetimeFigureOut">
+            <a:fld id="{5D6B19EF-D3DF-423D-B02F-A4992B6DF41D}" type="datetime1">
               <a:rPr lang="en-US" smtClean="0"/>
-              <a:t>6/1/23</a:t>
+              <a:t>6/1/2023</a:t>
             </a:fld>
             <a:endParaRPr lang="en-US"/>
           </a:p>
@@ -13617,9 +13972,9 @@
           <a:bodyPr/>
           <a:lstStyle/>
           <a:p>
-            <a:fld id="{A117FC55-09B6-664E-A48C-8C39C1B8D896}" type="datetimeFigureOut">
+            <a:fld id="{840DB5C2-2B49-4D22-8F79-03C9DF57F18B}" type="datetime1">
               <a:rPr lang="en-US" smtClean="0"/>
-              <a:t>6/1/23</a:t>
+              <a:t>6/1/2023</a:t>
             </a:fld>
             <a:endParaRPr lang="en-US"/>
           </a:p>
@@ -13730,9 +14085,9 @@
           <a:bodyPr/>
           <a:lstStyle/>
           <a:p>
-            <a:fld id="{A117FC55-09B6-664E-A48C-8C39C1B8D896}" type="datetimeFigureOut">
+            <a:fld id="{631DE7E8-C68D-4BD3-AB6A-F707AF362335}" type="datetime1">
               <a:rPr lang="en-US" smtClean="0"/>
-              <a:t>6/1/23</a:t>
+              <a:t>6/1/2023</a:t>
             </a:fld>
             <a:endParaRPr lang="en-US"/>
           </a:p>
@@ -14043,9 +14398,9 @@
           <a:bodyPr/>
           <a:lstStyle/>
           <a:p>
-            <a:fld id="{A117FC55-09B6-664E-A48C-8C39C1B8D896}" type="datetimeFigureOut">
+            <a:fld id="{F9AC128F-B800-42E7-874E-2705FBAC753E}" type="datetime1">
               <a:rPr lang="en-US" smtClean="0"/>
-              <a:t>6/1/23</a:t>
+              <a:t>6/1/2023</a:t>
             </a:fld>
             <a:endParaRPr lang="en-US"/>
           </a:p>
@@ -14332,9 +14687,9 @@
           <a:bodyPr/>
           <a:lstStyle/>
           <a:p>
-            <a:fld id="{A117FC55-09B6-664E-A48C-8C39C1B8D896}" type="datetimeFigureOut">
+            <a:fld id="{97C6F4EF-788B-474B-A7B4-C61B78D3DEEE}" type="datetime1">
               <a:rPr lang="en-US" smtClean="0"/>
-              <a:t>6/1/23</a:t>
+              <a:t>6/1/2023</a:t>
             </a:fld>
             <a:endParaRPr lang="en-US"/>
           </a:p>
@@ -14575,9 +14930,9 @@
             </a:lvl1pPr>
           </a:lstStyle>
           <a:p>
-            <a:fld id="{A117FC55-09B6-664E-A48C-8C39C1B8D896}" type="datetimeFigureOut">
+            <a:fld id="{41359ADD-F6F9-41E2-B3AA-6E6D79540949}" type="datetime1">
               <a:rPr lang="en-US" smtClean="0"/>
-              <a:t>6/1/23</a:t>
+              <a:t>6/1/2023</a:t>
             </a:fld>
             <a:endParaRPr lang="en-US"/>
           </a:p>
@@ -14694,6 +15049,7 @@
     <p:sldLayoutId id="2147483658" r:id="rId10"/>
     <p:sldLayoutId id="2147483659" r:id="rId11"/>
   </p:sldLayoutIdLst>
+  <p:hf hdr="0" ftr="0" dt="0"/>
   <p:txStyles>
     <p:titleStyle>
       <a:lvl1pPr algn="l" defTabSz="914400" rtl="0" eaLnBrk="1" latinLnBrk="0" hangingPunct="1">
@@ -16396,6 +16752,36 @@
           </a:p>
         </p:txBody>
       </p:sp>
+      <p:sp>
+        <p:nvSpPr>
+          <p:cNvPr id="10" name="Slide Number Placeholder 9">
+            <a:extLst>
+              <a:ext uri="{FF2B5EF4-FFF2-40B4-BE49-F238E27FC236}">
+                <a16:creationId xmlns:a16="http://schemas.microsoft.com/office/drawing/2014/main" id="{C68AC21D-35E9-E70F-6295-92CDEEA90F74}"/>
+              </a:ext>
+            </a:extLst>
+          </p:cNvPr>
+          <p:cNvSpPr>
+            <a:spLocks noGrp="1"/>
+          </p:cNvSpPr>
+          <p:nvPr>
+            <p:ph type="sldNum" sz="quarter" idx="12"/>
+          </p:nvPr>
+        </p:nvSpPr>
+        <p:spPr/>
+        <p:txBody>
+          <a:bodyPr/>
+          <a:lstStyle/>
+          <a:p>
+            <a:fld id="{4F34D30B-D7E0-FB45-A278-C7D854F08543}" type="slidenum">
+              <a:rPr lang="en-US" smtClean="0"/>
+              <a:pPr/>
+              <a:t>10</a:t>
+            </a:fld>
+            <a:endParaRPr lang="en-US"/>
+          </a:p>
+        </p:txBody>
+      </p:sp>
     </p:spTree>
     <p:extLst>
       <p:ext uri="{BB962C8B-B14F-4D97-AF65-F5344CB8AC3E}">
@@ -17045,6 +17431,36 @@
           </a:extLst>
         </p:spPr>
       </p:pic>
+      <p:sp>
+        <p:nvSpPr>
+          <p:cNvPr id="4" name="Slide Number Placeholder 3">
+            <a:extLst>
+              <a:ext uri="{FF2B5EF4-FFF2-40B4-BE49-F238E27FC236}">
+                <a16:creationId xmlns:a16="http://schemas.microsoft.com/office/drawing/2014/main" id="{F29E5F23-CC05-16B1-FFFA-CCBBE652B285}"/>
+              </a:ext>
+            </a:extLst>
+          </p:cNvPr>
+          <p:cNvSpPr>
+            <a:spLocks noGrp="1"/>
+          </p:cNvSpPr>
+          <p:nvPr>
+            <p:ph type="sldNum" sz="quarter" idx="12"/>
+          </p:nvPr>
+        </p:nvSpPr>
+        <p:spPr/>
+        <p:txBody>
+          <a:bodyPr/>
+          <a:lstStyle/>
+          <a:p>
+            <a:fld id="{4F34D30B-D7E0-FB45-A278-C7D854F08543}" type="slidenum">
+              <a:rPr lang="en-US" smtClean="0"/>
+              <a:pPr/>
+              <a:t>11</a:t>
+            </a:fld>
+            <a:endParaRPr lang="en-US"/>
+          </a:p>
+        </p:txBody>
+      </p:sp>
     </p:spTree>
     <p:extLst>
       <p:ext uri="{BB962C8B-B14F-4D97-AF65-F5344CB8AC3E}">
@@ -17694,6 +18110,36 @@
           </a:extLst>
         </p:spPr>
       </p:pic>
+      <p:sp>
+        <p:nvSpPr>
+          <p:cNvPr id="4" name="Slide Number Placeholder 3">
+            <a:extLst>
+              <a:ext uri="{FF2B5EF4-FFF2-40B4-BE49-F238E27FC236}">
+                <a16:creationId xmlns:a16="http://schemas.microsoft.com/office/drawing/2014/main" id="{6AF44AE2-CC26-34C2-EF36-90ED0458D067}"/>
+              </a:ext>
+            </a:extLst>
+          </p:cNvPr>
+          <p:cNvSpPr>
+            <a:spLocks noGrp="1"/>
+          </p:cNvSpPr>
+          <p:nvPr>
+            <p:ph type="sldNum" sz="quarter" idx="12"/>
+          </p:nvPr>
+        </p:nvSpPr>
+        <p:spPr/>
+        <p:txBody>
+          <a:bodyPr/>
+          <a:lstStyle/>
+          <a:p>
+            <a:fld id="{4F34D30B-D7E0-FB45-A278-C7D854F08543}" type="slidenum">
+              <a:rPr lang="en-US" smtClean="0"/>
+              <a:pPr/>
+              <a:t>12</a:t>
+            </a:fld>
+            <a:endParaRPr lang="en-US"/>
+          </a:p>
+        </p:txBody>
+      </p:sp>
     </p:spTree>
     <p:extLst>
       <p:ext uri="{BB962C8B-B14F-4D97-AF65-F5344CB8AC3E}">
@@ -18343,6 +18789,36 @@
           </a:extLst>
         </p:spPr>
       </p:pic>
+      <p:sp>
+        <p:nvSpPr>
+          <p:cNvPr id="4" name="Slide Number Placeholder 3">
+            <a:extLst>
+              <a:ext uri="{FF2B5EF4-FFF2-40B4-BE49-F238E27FC236}">
+                <a16:creationId xmlns:a16="http://schemas.microsoft.com/office/drawing/2014/main" id="{3D9256B4-A3A3-B4AF-8D5E-4A37AE3AD01A}"/>
+              </a:ext>
+            </a:extLst>
+          </p:cNvPr>
+          <p:cNvSpPr>
+            <a:spLocks noGrp="1"/>
+          </p:cNvSpPr>
+          <p:nvPr>
+            <p:ph type="sldNum" sz="quarter" idx="12"/>
+          </p:nvPr>
+        </p:nvSpPr>
+        <p:spPr/>
+        <p:txBody>
+          <a:bodyPr/>
+          <a:lstStyle/>
+          <a:p>
+            <a:fld id="{4F34D30B-D7E0-FB45-A278-C7D854F08543}" type="slidenum">
+              <a:rPr lang="en-US" smtClean="0"/>
+              <a:pPr/>
+              <a:t>13</a:t>
+            </a:fld>
+            <a:endParaRPr lang="en-US"/>
+          </a:p>
+        </p:txBody>
+      </p:sp>
     </p:spTree>
     <p:extLst>
       <p:ext uri="{BB962C8B-B14F-4D97-AF65-F5344CB8AC3E}">
@@ -18504,6 +18980,36 @@
           </a:prstGeom>
         </p:spPr>
       </p:pic>
+      <p:sp>
+        <p:nvSpPr>
+          <p:cNvPr id="3" name="Slide Number Placeholder 2">
+            <a:extLst>
+              <a:ext uri="{FF2B5EF4-FFF2-40B4-BE49-F238E27FC236}">
+                <a16:creationId xmlns:a16="http://schemas.microsoft.com/office/drawing/2014/main" id="{5ECB40AD-DC22-C6A4-402B-13CC6FC2B398}"/>
+              </a:ext>
+            </a:extLst>
+          </p:cNvPr>
+          <p:cNvSpPr>
+            <a:spLocks noGrp="1"/>
+          </p:cNvSpPr>
+          <p:nvPr>
+            <p:ph type="sldNum" sz="quarter" idx="12"/>
+          </p:nvPr>
+        </p:nvSpPr>
+        <p:spPr/>
+        <p:txBody>
+          <a:bodyPr/>
+          <a:lstStyle/>
+          <a:p>
+            <a:fld id="{4F34D30B-D7E0-FB45-A278-C7D854F08543}" type="slidenum">
+              <a:rPr lang="en-US" smtClean="0"/>
+              <a:pPr/>
+              <a:t>14</a:t>
+            </a:fld>
+            <a:endParaRPr lang="en-US"/>
+          </a:p>
+        </p:txBody>
+      </p:sp>
     </p:spTree>
     <p:extLst>
       <p:ext uri="{BB962C8B-B14F-4D97-AF65-F5344CB8AC3E}">
@@ -19138,6 +19644,36 @@
           </a:custGeom>
         </p:spPr>
       </p:pic>
+      <p:sp>
+        <p:nvSpPr>
+          <p:cNvPr id="4" name="Slide Number Placeholder 3">
+            <a:extLst>
+              <a:ext uri="{FF2B5EF4-FFF2-40B4-BE49-F238E27FC236}">
+                <a16:creationId xmlns:a16="http://schemas.microsoft.com/office/drawing/2014/main" id="{F5D9C773-BF35-4940-FFD5-69B4BC9F1A58}"/>
+              </a:ext>
+            </a:extLst>
+          </p:cNvPr>
+          <p:cNvSpPr>
+            <a:spLocks noGrp="1"/>
+          </p:cNvSpPr>
+          <p:nvPr>
+            <p:ph type="sldNum" sz="quarter" idx="12"/>
+          </p:nvPr>
+        </p:nvSpPr>
+        <p:spPr/>
+        <p:txBody>
+          <a:bodyPr/>
+          <a:lstStyle/>
+          <a:p>
+            <a:fld id="{4F34D30B-D7E0-FB45-A278-C7D854F08543}" type="slidenum">
+              <a:rPr lang="en-US" smtClean="0"/>
+              <a:pPr/>
+              <a:t>2</a:t>
+            </a:fld>
+            <a:endParaRPr lang="en-US"/>
+          </a:p>
+        </p:txBody>
+      </p:sp>
     </p:spTree>
     <p:extLst>
       <p:ext uri="{BB962C8B-B14F-4D97-AF65-F5344CB8AC3E}">
@@ -19916,6 +20452,36 @@
           </a:p>
         </p:txBody>
       </p:sp>
+      <p:sp>
+        <p:nvSpPr>
+          <p:cNvPr id="4" name="Slide Number Placeholder 3">
+            <a:extLst>
+              <a:ext uri="{FF2B5EF4-FFF2-40B4-BE49-F238E27FC236}">
+                <a16:creationId xmlns:a16="http://schemas.microsoft.com/office/drawing/2014/main" id="{670A9300-C1AD-315C-BD8F-A97DB8DC63C5}"/>
+              </a:ext>
+            </a:extLst>
+          </p:cNvPr>
+          <p:cNvSpPr>
+            <a:spLocks noGrp="1"/>
+          </p:cNvSpPr>
+          <p:nvPr>
+            <p:ph type="sldNum" sz="quarter" idx="12"/>
+          </p:nvPr>
+        </p:nvSpPr>
+        <p:spPr/>
+        <p:txBody>
+          <a:bodyPr/>
+          <a:lstStyle/>
+          <a:p>
+            <a:fld id="{4F34D30B-D7E0-FB45-A278-C7D854F08543}" type="slidenum">
+              <a:rPr lang="en-US" smtClean="0"/>
+              <a:pPr/>
+              <a:t>3</a:t>
+            </a:fld>
+            <a:endParaRPr lang="en-US"/>
+          </a:p>
+        </p:txBody>
+      </p:sp>
     </p:spTree>
     <p:extLst>
       <p:ext uri="{BB962C8B-B14F-4D97-AF65-F5344CB8AC3E}">
@@ -20618,6 +21184,36 @@
           </a:p>
         </p:txBody>
       </p:sp>
+      <p:sp>
+        <p:nvSpPr>
+          <p:cNvPr id="4" name="Slide Number Placeholder 3">
+            <a:extLst>
+              <a:ext uri="{FF2B5EF4-FFF2-40B4-BE49-F238E27FC236}">
+                <a16:creationId xmlns:a16="http://schemas.microsoft.com/office/drawing/2014/main" id="{DD9D23E7-2737-1776-BDCA-53CF0C8D0351}"/>
+              </a:ext>
+            </a:extLst>
+          </p:cNvPr>
+          <p:cNvSpPr>
+            <a:spLocks noGrp="1"/>
+          </p:cNvSpPr>
+          <p:nvPr>
+            <p:ph type="sldNum" sz="quarter" idx="12"/>
+          </p:nvPr>
+        </p:nvSpPr>
+        <p:spPr/>
+        <p:txBody>
+          <a:bodyPr/>
+          <a:lstStyle/>
+          <a:p>
+            <a:fld id="{4F34D30B-D7E0-FB45-A278-C7D854F08543}" type="slidenum">
+              <a:rPr lang="en-US" smtClean="0"/>
+              <a:pPr/>
+              <a:t>4</a:t>
+            </a:fld>
+            <a:endParaRPr lang="en-US"/>
+          </a:p>
+        </p:txBody>
+      </p:sp>
     </p:spTree>
     <p:extLst>
       <p:ext uri="{BB962C8B-B14F-4D97-AF65-F5344CB8AC3E}">
@@ -20812,6 +21408,36 @@
           </a:graphicData>
         </a:graphic>
       </p:graphicFrame>
+      <p:sp>
+        <p:nvSpPr>
+          <p:cNvPr id="3" name="Slide Number Placeholder 2">
+            <a:extLst>
+              <a:ext uri="{FF2B5EF4-FFF2-40B4-BE49-F238E27FC236}">
+                <a16:creationId xmlns:a16="http://schemas.microsoft.com/office/drawing/2014/main" id="{C7704132-E95E-4BB3-E67E-FEBCF775796B}"/>
+              </a:ext>
+            </a:extLst>
+          </p:cNvPr>
+          <p:cNvSpPr>
+            <a:spLocks noGrp="1"/>
+          </p:cNvSpPr>
+          <p:nvPr>
+            <p:ph type="sldNum" sz="quarter" idx="12"/>
+          </p:nvPr>
+        </p:nvSpPr>
+        <p:spPr/>
+        <p:txBody>
+          <a:bodyPr/>
+          <a:lstStyle/>
+          <a:p>
+            <a:fld id="{4F34D30B-D7E0-FB45-A278-C7D854F08543}" type="slidenum">
+              <a:rPr lang="en-US" smtClean="0"/>
+              <a:pPr/>
+              <a:t>5</a:t>
+            </a:fld>
+            <a:endParaRPr lang="en-US"/>
+          </a:p>
+        </p:txBody>
+      </p:sp>
     </p:spTree>
     <p:extLst>
       <p:ext uri="{BB962C8B-B14F-4D97-AF65-F5344CB8AC3E}">
@@ -20917,14 +21543,14 @@
           <p:nvPr>
             <p:extLst>
               <p:ext uri="{D42A27DB-BD31-4B8C-83A1-F6EECF244321}">
-                <p14:modId xmlns:p14="http://schemas.microsoft.com/office/powerpoint/2010/main" val="4089094652"/>
+                <p14:modId xmlns:p14="http://schemas.microsoft.com/office/powerpoint/2010/main" val="974808456"/>
               </p:ext>
             </p:extLst>
           </p:nvPr>
         </p:nvGraphicFramePr>
         <p:xfrm>
-          <a:off x="0" y="1912884"/>
-          <a:ext cx="12192000" cy="5234150"/>
+          <a:off x="0" y="1767385"/>
+          <a:ext cx="12192000" cy="4674360"/>
         </p:xfrm>
         <a:graphic>
           <a:graphicData uri="http://schemas.openxmlformats.org/drawingml/2006/table">
@@ -20962,7 +21588,7 @@
                   </a:extLst>
                 </a:gridCol>
               </a:tblGrid>
-              <a:tr h="1046830">
+              <a:tr h="934872">
                 <a:tc>
                   <a:txBody>
                     <a:bodyPr/>
@@ -21021,7 +21647,7 @@
                   </a:ext>
                 </a:extLst>
               </a:tr>
-              <a:tr h="1046830">
+              <a:tr h="934872">
                 <a:tc>
                   <a:txBody>
                     <a:bodyPr/>
@@ -21100,7 +21726,7 @@
                   </a:ext>
                 </a:extLst>
               </a:tr>
-              <a:tr h="1046830">
+              <a:tr h="934872">
                 <a:tc>
                   <a:txBody>
                     <a:bodyPr/>
@@ -21163,7 +21789,7 @@
                   </a:ext>
                 </a:extLst>
               </a:tr>
-              <a:tr h="1046830">
+              <a:tr h="934872">
                 <a:tc>
                   <a:txBody>
                     <a:bodyPr/>
@@ -21226,7 +21852,7 @@
                   </a:ext>
                 </a:extLst>
               </a:tr>
-              <a:tr h="1046830">
+              <a:tr h="934872">
                 <a:tc>
                   <a:txBody>
                     <a:bodyPr/>
@@ -21324,6 +21950,36 @@
           </a:graphicData>
         </a:graphic>
       </p:graphicFrame>
+      <p:sp>
+        <p:nvSpPr>
+          <p:cNvPr id="3" name="Slide Number Placeholder 2">
+            <a:extLst>
+              <a:ext uri="{FF2B5EF4-FFF2-40B4-BE49-F238E27FC236}">
+                <a16:creationId xmlns:a16="http://schemas.microsoft.com/office/drawing/2014/main" id="{7BE77D6C-AE8D-6554-B4B1-EBD9DC9AA354}"/>
+              </a:ext>
+            </a:extLst>
+          </p:cNvPr>
+          <p:cNvSpPr>
+            <a:spLocks noGrp="1"/>
+          </p:cNvSpPr>
+          <p:nvPr>
+            <p:ph type="sldNum" sz="quarter" idx="12"/>
+          </p:nvPr>
+        </p:nvSpPr>
+        <p:spPr/>
+        <p:txBody>
+          <a:bodyPr/>
+          <a:lstStyle/>
+          <a:p>
+            <a:fld id="{4F34D30B-D7E0-FB45-A278-C7D854F08543}" type="slidenum">
+              <a:rPr lang="en-US" smtClean="0"/>
+              <a:pPr/>
+              <a:t>6</a:t>
+            </a:fld>
+            <a:endParaRPr lang="en-US"/>
+          </a:p>
+        </p:txBody>
+      </p:sp>
     </p:spTree>
     <p:extLst>
       <p:ext uri="{BB962C8B-B14F-4D97-AF65-F5344CB8AC3E}">
@@ -21680,6 +22336,36 @@
           </a:prstGeom>
         </p:spPr>
       </p:pic>
+      <p:sp>
+        <p:nvSpPr>
+          <p:cNvPr id="4" name="Slide Number Placeholder 3">
+            <a:extLst>
+              <a:ext uri="{FF2B5EF4-FFF2-40B4-BE49-F238E27FC236}">
+                <a16:creationId xmlns:a16="http://schemas.microsoft.com/office/drawing/2014/main" id="{A5DAE8F6-02BC-B155-1A40-101CD1912234}"/>
+              </a:ext>
+            </a:extLst>
+          </p:cNvPr>
+          <p:cNvSpPr>
+            <a:spLocks noGrp="1"/>
+          </p:cNvSpPr>
+          <p:nvPr>
+            <p:ph type="sldNum" sz="quarter" idx="12"/>
+          </p:nvPr>
+        </p:nvSpPr>
+        <p:spPr/>
+        <p:txBody>
+          <a:bodyPr/>
+          <a:lstStyle/>
+          <a:p>
+            <a:fld id="{4F34D30B-D7E0-FB45-A278-C7D854F08543}" type="slidenum">
+              <a:rPr lang="en-US" smtClean="0"/>
+              <a:pPr/>
+              <a:t>7</a:t>
+            </a:fld>
+            <a:endParaRPr lang="en-US"/>
+          </a:p>
+        </p:txBody>
+      </p:sp>
     </p:spTree>
     <p:extLst>
       <p:ext uri="{BB962C8B-B14F-4D97-AF65-F5344CB8AC3E}">
@@ -21932,6 +22618,36 @@
           </a:graphicData>
         </a:graphic>
       </p:graphicFrame>
+      <p:sp>
+        <p:nvSpPr>
+          <p:cNvPr id="5" name="Slide Number Placeholder 4">
+            <a:extLst>
+              <a:ext uri="{FF2B5EF4-FFF2-40B4-BE49-F238E27FC236}">
+                <a16:creationId xmlns:a16="http://schemas.microsoft.com/office/drawing/2014/main" id="{1F261DC3-AEBE-8566-AEF2-B178CD1D8F6D}"/>
+              </a:ext>
+            </a:extLst>
+          </p:cNvPr>
+          <p:cNvSpPr>
+            <a:spLocks noGrp="1"/>
+          </p:cNvSpPr>
+          <p:nvPr>
+            <p:ph type="sldNum" sz="quarter" idx="12"/>
+          </p:nvPr>
+        </p:nvSpPr>
+        <p:spPr/>
+        <p:txBody>
+          <a:bodyPr/>
+          <a:lstStyle/>
+          <a:p>
+            <a:fld id="{4F34D30B-D7E0-FB45-A278-C7D854F08543}" type="slidenum">
+              <a:rPr lang="en-US" smtClean="0"/>
+              <a:pPr/>
+              <a:t>8</a:t>
+            </a:fld>
+            <a:endParaRPr lang="en-US"/>
+          </a:p>
+        </p:txBody>
+      </p:sp>
     </p:spTree>
     <p:extLst>
       <p:ext uri="{BB962C8B-B14F-4D97-AF65-F5344CB8AC3E}">
@@ -22056,7 +22772,7 @@
         </p:blipFill>
         <p:spPr>
           <a:xfrm>
-            <a:off x="-186095" y="10"/>
+            <a:off x="-259837" y="239160"/>
             <a:ext cx="8325260" cy="6857990"/>
           </a:xfrm>
           <a:prstGeom prst="rect">
@@ -22168,7 +22884,7 @@
         </p:nvSpPr>
         <p:spPr>
           <a:xfrm>
-            <a:off x="5496910" y="1182116"/>
+            <a:off x="60278" y="464664"/>
             <a:ext cx="6311704" cy="1103884"/>
           </a:xfrm>
         </p:spPr>
@@ -22374,7 +23090,7 @@
         </p:nvSpPr>
         <p:spPr>
           <a:xfrm>
-            <a:off x="6453352" y="2619248"/>
+            <a:off x="6689188" y="2081467"/>
             <a:ext cx="5356024" cy="3306064"/>
           </a:xfrm>
         </p:spPr>
@@ -22427,6 +23143,66 @@
           </a:p>
         </p:txBody>
       </p:sp>
+      <p:pic>
+        <p:nvPicPr>
+          <p:cNvPr id="5" name="Picture 4" descr="A picture containing text, diagram, screenshot, plot&#10;&#10;Description automatically generated">
+            <a:extLst>
+              <a:ext uri="{FF2B5EF4-FFF2-40B4-BE49-F238E27FC236}">
+                <a16:creationId xmlns:a16="http://schemas.microsoft.com/office/drawing/2014/main" id="{01D747BC-5C07-FAC3-812D-9EC8BE66A617}"/>
+              </a:ext>
+            </a:extLst>
+          </p:cNvPr>
+          <p:cNvPicPr>
+            <a:picLocks noChangeAspect="1"/>
+          </p:cNvPicPr>
+          <p:nvPr/>
+        </p:nvPicPr>
+        <p:blipFill>
+          <a:blip r:embed="rId4"/>
+          <a:stretch>
+            <a:fillRect/>
+          </a:stretch>
+        </p:blipFill>
+        <p:spPr>
+          <a:xfrm>
+            <a:off x="401427" y="2146450"/>
+            <a:ext cx="4615944" cy="2817897"/>
+          </a:xfrm>
+          <a:prstGeom prst="rect">
+            <a:avLst/>
+          </a:prstGeom>
+        </p:spPr>
+      </p:pic>
+      <p:sp>
+        <p:nvSpPr>
+          <p:cNvPr id="6" name="Slide Number Placeholder 5">
+            <a:extLst>
+              <a:ext uri="{FF2B5EF4-FFF2-40B4-BE49-F238E27FC236}">
+                <a16:creationId xmlns:a16="http://schemas.microsoft.com/office/drawing/2014/main" id="{B9F77DCF-E041-900D-790C-1B7B11D915D1}"/>
+              </a:ext>
+            </a:extLst>
+          </p:cNvPr>
+          <p:cNvSpPr>
+            <a:spLocks noGrp="1"/>
+          </p:cNvSpPr>
+          <p:nvPr>
+            <p:ph type="sldNum" sz="quarter" idx="12"/>
+          </p:nvPr>
+        </p:nvSpPr>
+        <p:spPr/>
+        <p:txBody>
+          <a:bodyPr/>
+          <a:lstStyle/>
+          <a:p>
+            <a:fld id="{4F34D30B-D7E0-FB45-A278-C7D854F08543}" type="slidenum">
+              <a:rPr lang="en-US" smtClean="0"/>
+              <a:pPr/>
+              <a:t>9</a:t>
+            </a:fld>
+            <a:endParaRPr lang="en-US"/>
+          </a:p>
+        </p:txBody>
+      </p:sp>
     </p:spTree>
     <p:extLst>
       <p:ext uri="{BB962C8B-B14F-4D97-AF65-F5344CB8AC3E}">
@@ -22437,6 +23213,504 @@
   <p:clrMapOvr>
     <a:masterClrMapping/>
   </p:clrMapOvr>
+  <p:timing>
+    <p:tnLst>
+      <p:par>
+        <p:cTn id="1" dur="indefinite" restart="never" nodeType="tmRoot">
+          <p:childTnLst>
+            <p:seq concurrent="1" nextAc="seek">
+              <p:cTn id="2" dur="indefinite" nodeType="mainSeq">
+                <p:childTnLst>
+                  <p:par>
+                    <p:cTn id="3" fill="hold">
+                      <p:stCondLst>
+                        <p:cond delay="indefinite"/>
+                      </p:stCondLst>
+                      <p:childTnLst>
+                        <p:par>
+                          <p:cTn id="4" fill="hold">
+                            <p:stCondLst>
+                              <p:cond delay="0"/>
+                            </p:stCondLst>
+                            <p:childTnLst>
+                              <p:par>
+                                <p:cTn id="5" presetID="1" presetClass="entr" presetSubtype="0" fill="hold" grpId="0" nodeType="clickEffect">
+                                  <p:stCondLst>
+                                    <p:cond delay="0"/>
+                                  </p:stCondLst>
+                                  <p:childTnLst>
+                                    <p:set>
+                                      <p:cBhvr>
+                                        <p:cTn id="6" dur="1" fill="hold">
+                                          <p:stCondLst>
+                                            <p:cond delay="0"/>
+                                          </p:stCondLst>
+                                        </p:cTn>
+                                        <p:tgtEl>
+                                          <p:spTgt spid="2"/>
+                                        </p:tgtEl>
+                                        <p:attrNameLst>
+                                          <p:attrName>style.visibility</p:attrName>
+                                        </p:attrNameLst>
+                                      </p:cBhvr>
+                                      <p:to>
+                                        <p:strVal val="visible"/>
+                                      </p:to>
+                                    </p:set>
+                                  </p:childTnLst>
+                                </p:cTn>
+                              </p:par>
+                            </p:childTnLst>
+                          </p:cTn>
+                        </p:par>
+                      </p:childTnLst>
+                    </p:cTn>
+                  </p:par>
+                  <p:par>
+                    <p:cTn id="7" fill="hold">
+                      <p:stCondLst>
+                        <p:cond delay="indefinite"/>
+                      </p:stCondLst>
+                      <p:childTnLst>
+                        <p:par>
+                          <p:cTn id="8" fill="hold">
+                            <p:stCondLst>
+                              <p:cond delay="0"/>
+                            </p:stCondLst>
+                            <p:childTnLst>
+                              <p:par>
+                                <p:cTn id="9" presetID="10" presetClass="entr" presetSubtype="0" fill="hold" grpId="0" nodeType="clickEffect">
+                                  <p:stCondLst>
+                                    <p:cond delay="0"/>
+                                  </p:stCondLst>
+                                  <p:childTnLst>
+                                    <p:set>
+                                      <p:cBhvr>
+                                        <p:cTn id="10" dur="1" fill="hold">
+                                          <p:stCondLst>
+                                            <p:cond delay="0"/>
+                                          </p:stCondLst>
+                                        </p:cTn>
+                                        <p:tgtEl>
+                                          <p:spTgt spid="3">
+                                            <p:txEl>
+                                              <p:pRg st="0" end="0"/>
+                                            </p:txEl>
+                                          </p:spTgt>
+                                        </p:tgtEl>
+                                        <p:attrNameLst>
+                                          <p:attrName>style.visibility</p:attrName>
+                                        </p:attrNameLst>
+                                      </p:cBhvr>
+                                      <p:to>
+                                        <p:strVal val="visible"/>
+                                      </p:to>
+                                    </p:set>
+                                    <p:animEffect transition="in" filter="fade">
+                                      <p:cBhvr>
+                                        <p:cTn id="11" dur="500"/>
+                                        <p:tgtEl>
+                                          <p:spTgt spid="3">
+                                            <p:txEl>
+                                              <p:pRg st="0" end="0"/>
+                                            </p:txEl>
+                                          </p:spTgt>
+                                        </p:tgtEl>
+                                      </p:cBhvr>
+                                    </p:animEffect>
+                                  </p:childTnLst>
+                                </p:cTn>
+                              </p:par>
+                            </p:childTnLst>
+                          </p:cTn>
+                        </p:par>
+                      </p:childTnLst>
+                    </p:cTn>
+                  </p:par>
+                  <p:par>
+                    <p:cTn id="12" fill="hold">
+                      <p:stCondLst>
+                        <p:cond delay="indefinite"/>
+                      </p:stCondLst>
+                      <p:childTnLst>
+                        <p:par>
+                          <p:cTn id="13" fill="hold">
+                            <p:stCondLst>
+                              <p:cond delay="0"/>
+                            </p:stCondLst>
+                            <p:childTnLst>
+                              <p:par>
+                                <p:cTn id="14" presetID="10" presetClass="entr" presetSubtype="0" fill="hold" grpId="0" nodeType="clickEffect">
+                                  <p:stCondLst>
+                                    <p:cond delay="0"/>
+                                  </p:stCondLst>
+                                  <p:childTnLst>
+                                    <p:set>
+                                      <p:cBhvr>
+                                        <p:cTn id="15" dur="1" fill="hold">
+                                          <p:stCondLst>
+                                            <p:cond delay="0"/>
+                                          </p:stCondLst>
+                                        </p:cTn>
+                                        <p:tgtEl>
+                                          <p:spTgt spid="3">
+                                            <p:txEl>
+                                              <p:pRg st="1" end="1"/>
+                                            </p:txEl>
+                                          </p:spTgt>
+                                        </p:tgtEl>
+                                        <p:attrNameLst>
+                                          <p:attrName>style.visibility</p:attrName>
+                                        </p:attrNameLst>
+                                      </p:cBhvr>
+                                      <p:to>
+                                        <p:strVal val="visible"/>
+                                      </p:to>
+                                    </p:set>
+                                    <p:animEffect transition="in" filter="fade">
+                                      <p:cBhvr>
+                                        <p:cTn id="16" dur="500"/>
+                                        <p:tgtEl>
+                                          <p:spTgt spid="3">
+                                            <p:txEl>
+                                              <p:pRg st="1" end="1"/>
+                                            </p:txEl>
+                                          </p:spTgt>
+                                        </p:tgtEl>
+                                      </p:cBhvr>
+                                    </p:animEffect>
+                                  </p:childTnLst>
+                                </p:cTn>
+                              </p:par>
+                            </p:childTnLst>
+                          </p:cTn>
+                        </p:par>
+                      </p:childTnLst>
+                    </p:cTn>
+                  </p:par>
+                  <p:par>
+                    <p:cTn id="17" fill="hold">
+                      <p:stCondLst>
+                        <p:cond delay="indefinite"/>
+                      </p:stCondLst>
+                      <p:childTnLst>
+                        <p:par>
+                          <p:cTn id="18" fill="hold">
+                            <p:stCondLst>
+                              <p:cond delay="0"/>
+                            </p:stCondLst>
+                            <p:childTnLst>
+                              <p:par>
+                                <p:cTn id="19" presetID="10" presetClass="entr" presetSubtype="0" fill="hold" grpId="0" nodeType="clickEffect">
+                                  <p:stCondLst>
+                                    <p:cond delay="0"/>
+                                  </p:stCondLst>
+                                  <p:childTnLst>
+                                    <p:set>
+                                      <p:cBhvr>
+                                        <p:cTn id="20" dur="1" fill="hold">
+                                          <p:stCondLst>
+                                            <p:cond delay="0"/>
+                                          </p:stCondLst>
+                                        </p:cTn>
+                                        <p:tgtEl>
+                                          <p:spTgt spid="3">
+                                            <p:txEl>
+                                              <p:pRg st="2" end="2"/>
+                                            </p:txEl>
+                                          </p:spTgt>
+                                        </p:tgtEl>
+                                        <p:attrNameLst>
+                                          <p:attrName>style.visibility</p:attrName>
+                                        </p:attrNameLst>
+                                      </p:cBhvr>
+                                      <p:to>
+                                        <p:strVal val="visible"/>
+                                      </p:to>
+                                    </p:set>
+                                    <p:animEffect transition="in" filter="fade">
+                                      <p:cBhvr>
+                                        <p:cTn id="21" dur="500"/>
+                                        <p:tgtEl>
+                                          <p:spTgt spid="3">
+                                            <p:txEl>
+                                              <p:pRg st="2" end="2"/>
+                                            </p:txEl>
+                                          </p:spTgt>
+                                        </p:tgtEl>
+                                      </p:cBhvr>
+                                    </p:animEffect>
+                                  </p:childTnLst>
+                                </p:cTn>
+                              </p:par>
+                            </p:childTnLst>
+                          </p:cTn>
+                        </p:par>
+                      </p:childTnLst>
+                    </p:cTn>
+                  </p:par>
+                  <p:par>
+                    <p:cTn id="22" fill="hold">
+                      <p:stCondLst>
+                        <p:cond delay="indefinite"/>
+                      </p:stCondLst>
+                      <p:childTnLst>
+                        <p:par>
+                          <p:cTn id="23" fill="hold">
+                            <p:stCondLst>
+                              <p:cond delay="0"/>
+                            </p:stCondLst>
+                            <p:childTnLst>
+                              <p:par>
+                                <p:cTn id="24" presetID="10" presetClass="entr" presetSubtype="0" fill="hold" grpId="0" nodeType="clickEffect">
+                                  <p:stCondLst>
+                                    <p:cond delay="0"/>
+                                  </p:stCondLst>
+                                  <p:childTnLst>
+                                    <p:set>
+                                      <p:cBhvr>
+                                        <p:cTn id="25" dur="1" fill="hold">
+                                          <p:stCondLst>
+                                            <p:cond delay="0"/>
+                                          </p:stCondLst>
+                                        </p:cTn>
+                                        <p:tgtEl>
+                                          <p:spTgt spid="3">
+                                            <p:txEl>
+                                              <p:pRg st="3" end="3"/>
+                                            </p:txEl>
+                                          </p:spTgt>
+                                        </p:tgtEl>
+                                        <p:attrNameLst>
+                                          <p:attrName>style.visibility</p:attrName>
+                                        </p:attrNameLst>
+                                      </p:cBhvr>
+                                      <p:to>
+                                        <p:strVal val="visible"/>
+                                      </p:to>
+                                    </p:set>
+                                    <p:animEffect transition="in" filter="fade">
+                                      <p:cBhvr>
+                                        <p:cTn id="26" dur="500"/>
+                                        <p:tgtEl>
+                                          <p:spTgt spid="3">
+                                            <p:txEl>
+                                              <p:pRg st="3" end="3"/>
+                                            </p:txEl>
+                                          </p:spTgt>
+                                        </p:tgtEl>
+                                      </p:cBhvr>
+                                    </p:animEffect>
+                                  </p:childTnLst>
+                                </p:cTn>
+                              </p:par>
+                            </p:childTnLst>
+                          </p:cTn>
+                        </p:par>
+                      </p:childTnLst>
+                    </p:cTn>
+                  </p:par>
+                  <p:par>
+                    <p:cTn id="27" fill="hold">
+                      <p:stCondLst>
+                        <p:cond delay="indefinite"/>
+                      </p:stCondLst>
+                      <p:childTnLst>
+                        <p:par>
+                          <p:cTn id="28" fill="hold">
+                            <p:stCondLst>
+                              <p:cond delay="0"/>
+                            </p:stCondLst>
+                            <p:childTnLst>
+                              <p:par>
+                                <p:cTn id="29" presetID="10" presetClass="entr" presetSubtype="0" fill="hold" grpId="0" nodeType="clickEffect">
+                                  <p:stCondLst>
+                                    <p:cond delay="0"/>
+                                  </p:stCondLst>
+                                  <p:childTnLst>
+                                    <p:set>
+                                      <p:cBhvr>
+                                        <p:cTn id="30" dur="1" fill="hold">
+                                          <p:stCondLst>
+                                            <p:cond delay="0"/>
+                                          </p:stCondLst>
+                                        </p:cTn>
+                                        <p:tgtEl>
+                                          <p:spTgt spid="3">
+                                            <p:txEl>
+                                              <p:pRg st="4" end="4"/>
+                                            </p:txEl>
+                                          </p:spTgt>
+                                        </p:tgtEl>
+                                        <p:attrNameLst>
+                                          <p:attrName>style.visibility</p:attrName>
+                                        </p:attrNameLst>
+                                      </p:cBhvr>
+                                      <p:to>
+                                        <p:strVal val="visible"/>
+                                      </p:to>
+                                    </p:set>
+                                    <p:animEffect transition="in" filter="fade">
+                                      <p:cBhvr>
+                                        <p:cTn id="31" dur="500"/>
+                                        <p:tgtEl>
+                                          <p:spTgt spid="3">
+                                            <p:txEl>
+                                              <p:pRg st="4" end="4"/>
+                                            </p:txEl>
+                                          </p:spTgt>
+                                        </p:tgtEl>
+                                      </p:cBhvr>
+                                    </p:animEffect>
+                                  </p:childTnLst>
+                                </p:cTn>
+                              </p:par>
+                            </p:childTnLst>
+                          </p:cTn>
+                        </p:par>
+                      </p:childTnLst>
+                    </p:cTn>
+                  </p:par>
+                  <p:par>
+                    <p:cTn id="32" fill="hold">
+                      <p:stCondLst>
+                        <p:cond delay="indefinite"/>
+                      </p:stCondLst>
+                      <p:childTnLst>
+                        <p:par>
+                          <p:cTn id="33" fill="hold">
+                            <p:stCondLst>
+                              <p:cond delay="0"/>
+                            </p:stCondLst>
+                            <p:childTnLst>
+                              <p:par>
+                                <p:cTn id="34" presetID="10" presetClass="entr" presetSubtype="0" fill="hold" grpId="0" nodeType="clickEffect">
+                                  <p:stCondLst>
+                                    <p:cond delay="0"/>
+                                  </p:stCondLst>
+                                  <p:childTnLst>
+                                    <p:set>
+                                      <p:cBhvr>
+                                        <p:cTn id="35" dur="1" fill="hold">
+                                          <p:stCondLst>
+                                            <p:cond delay="0"/>
+                                          </p:stCondLst>
+                                        </p:cTn>
+                                        <p:tgtEl>
+                                          <p:spTgt spid="3">
+                                            <p:txEl>
+                                              <p:pRg st="5" end="5"/>
+                                            </p:txEl>
+                                          </p:spTgt>
+                                        </p:tgtEl>
+                                        <p:attrNameLst>
+                                          <p:attrName>style.visibility</p:attrName>
+                                        </p:attrNameLst>
+                                      </p:cBhvr>
+                                      <p:to>
+                                        <p:strVal val="visible"/>
+                                      </p:to>
+                                    </p:set>
+                                    <p:animEffect transition="in" filter="fade">
+                                      <p:cBhvr>
+                                        <p:cTn id="36" dur="500"/>
+                                        <p:tgtEl>
+                                          <p:spTgt spid="3">
+                                            <p:txEl>
+                                              <p:pRg st="5" end="5"/>
+                                            </p:txEl>
+                                          </p:spTgt>
+                                        </p:tgtEl>
+                                      </p:cBhvr>
+                                    </p:animEffect>
+                                  </p:childTnLst>
+                                </p:cTn>
+                              </p:par>
+                            </p:childTnLst>
+                          </p:cTn>
+                        </p:par>
+                      </p:childTnLst>
+                    </p:cTn>
+                  </p:par>
+                  <p:par>
+                    <p:cTn id="37" fill="hold">
+                      <p:stCondLst>
+                        <p:cond delay="indefinite"/>
+                      </p:stCondLst>
+                      <p:childTnLst>
+                        <p:par>
+                          <p:cTn id="38" fill="hold">
+                            <p:stCondLst>
+                              <p:cond delay="0"/>
+                            </p:stCondLst>
+                            <p:childTnLst>
+                              <p:par>
+                                <p:cTn id="39" presetID="14" presetClass="entr" presetSubtype="10" fill="hold" nodeType="clickEffect">
+                                  <p:stCondLst>
+                                    <p:cond delay="0"/>
+                                  </p:stCondLst>
+                                  <p:childTnLst>
+                                    <p:set>
+                                      <p:cBhvr>
+                                        <p:cTn id="40" dur="1" fill="hold">
+                                          <p:stCondLst>
+                                            <p:cond delay="0"/>
+                                          </p:stCondLst>
+                                        </p:cTn>
+                                        <p:tgtEl>
+                                          <p:spTgt spid="5"/>
+                                        </p:tgtEl>
+                                        <p:attrNameLst>
+                                          <p:attrName>style.visibility</p:attrName>
+                                        </p:attrNameLst>
+                                      </p:cBhvr>
+                                      <p:to>
+                                        <p:strVal val="visible"/>
+                                      </p:to>
+                                    </p:set>
+                                    <p:animEffect transition="in" filter="randombar(horizontal)">
+                                      <p:cBhvr>
+                                        <p:cTn id="41" dur="500"/>
+                                        <p:tgtEl>
+                                          <p:spTgt spid="5"/>
+                                        </p:tgtEl>
+                                      </p:cBhvr>
+                                    </p:animEffect>
+                                  </p:childTnLst>
+                                </p:cTn>
+                              </p:par>
+                            </p:childTnLst>
+                          </p:cTn>
+                        </p:par>
+                      </p:childTnLst>
+                    </p:cTn>
+                  </p:par>
+                </p:childTnLst>
+              </p:cTn>
+              <p:prevCondLst>
+                <p:cond evt="onPrev" delay="0">
+                  <p:tgtEl>
+                    <p:sldTgt/>
+                  </p:tgtEl>
+                </p:cond>
+              </p:prevCondLst>
+              <p:nextCondLst>
+                <p:cond evt="onNext" delay="0">
+                  <p:tgtEl>
+                    <p:sldTgt/>
+                  </p:tgtEl>
+                </p:cond>
+              </p:nextCondLst>
+            </p:seq>
+          </p:childTnLst>
+        </p:cTn>
+      </p:par>
+    </p:tnLst>
+    <p:bldLst>
+      <p:bldP spid="2" grpId="0"/>
+      <p:bldP spid="3" grpId="0" build="p"/>
+    </p:bldLst>
+  </p:timing>
   <p:extLst>
     <p:ext uri="{6950BFC3-D8DA-4A85-94F7-54DA5524770B}">
       <p188:commentRel xmlns:p188="http://schemas.microsoft.com/office/powerpoint/2018/8/main" r:id="rId2"/>
@@ -22738,4 +24012,299 @@
     </a:ext>
   </a:extLst>
 </a:theme>
+</file>
+
+<file path=ppt/theme/theme2.xml><?xml version="1.0" encoding="utf-8"?>
+<a:theme xmlns:a="http://schemas.openxmlformats.org/drawingml/2006/main" name="Office Theme">
+  <a:themeElements>
+    <a:clrScheme name="Office">
+      <a:dk1>
+        <a:sysClr val="windowText" lastClr="000000"/>
+      </a:dk1>
+      <a:lt1>
+        <a:sysClr val="window" lastClr="FFFFFF"/>
+      </a:lt1>
+      <a:dk2>
+        <a:srgbClr val="44546A"/>
+      </a:dk2>
+      <a:lt2>
+        <a:srgbClr val="E7E6E6"/>
+      </a:lt2>
+      <a:accent1>
+        <a:srgbClr val="4472C4"/>
+      </a:accent1>
+      <a:accent2>
+        <a:srgbClr val="ED7D31"/>
+      </a:accent2>
+      <a:accent3>
+        <a:srgbClr val="A5A5A5"/>
+      </a:accent3>
+      <a:accent4>
+        <a:srgbClr val="FFC000"/>
+      </a:accent4>
+      <a:accent5>
+        <a:srgbClr val="5B9BD5"/>
+      </a:accent5>
+      <a:accent6>
+        <a:srgbClr val="70AD47"/>
+      </a:accent6>
+      <a:hlink>
+        <a:srgbClr val="0563C1"/>
+      </a:hlink>
+      <a:folHlink>
+        <a:srgbClr val="954F72"/>
+      </a:folHlink>
+    </a:clrScheme>
+    <a:fontScheme name="Office">
+      <a:majorFont>
+        <a:latin typeface="Calibri Light" panose="020F0302020204030204"/>
+        <a:ea typeface=""/>
+        <a:cs typeface=""/>
+        <a:font script="Jpan" typeface="游ゴシック Light"/>
+        <a:font script="Hang" typeface="맑은 고딕"/>
+        <a:font script="Hans" typeface="等线 Light"/>
+        <a:font script="Hant" typeface="新細明體"/>
+        <a:font script="Arab" typeface="Times New Roman"/>
+        <a:font script="Hebr" typeface="Times New Roman"/>
+        <a:font script="Thai" typeface="Angsana New"/>
+        <a:font script="Ethi" typeface="Nyala"/>
+        <a:font script="Beng" typeface="Vrinda"/>
+        <a:font script="Gujr" typeface="Shruti"/>
+        <a:font script="Khmr" typeface="MoolBoran"/>
+        <a:font script="Knda" typeface="Tunga"/>
+        <a:font script="Guru" typeface="Raavi"/>
+        <a:font script="Cans" typeface="Euphemia"/>
+        <a:font script="Cher" typeface="Plantagenet Cherokee"/>
+        <a:font script="Yiii" typeface="Microsoft Yi Baiti"/>
+        <a:font script="Tibt" typeface="Microsoft Himalaya"/>
+        <a:font script="Thaa" typeface="MV Boli"/>
+        <a:font script="Deva" typeface="Mangal"/>
+        <a:font script="Telu" typeface="Gautami"/>
+        <a:font script="Taml" typeface="Latha"/>
+        <a:font script="Syrc" typeface="Estrangelo Edessa"/>
+        <a:font script="Orya" typeface="Kalinga"/>
+        <a:font script="Mlym" typeface="Kartika"/>
+        <a:font script="Laoo" typeface="DokChampa"/>
+        <a:font script="Sinh" typeface="Iskoola Pota"/>
+        <a:font script="Mong" typeface="Mongolian Baiti"/>
+        <a:font script="Viet" typeface="Times New Roman"/>
+        <a:font script="Uigh" typeface="Microsoft Uighur"/>
+        <a:font script="Geor" typeface="Sylfaen"/>
+        <a:font script="Armn" typeface="Arial"/>
+        <a:font script="Bugi" typeface="Leelawadee UI"/>
+        <a:font script="Bopo" typeface="Microsoft JhengHei"/>
+        <a:font script="Java" typeface="Javanese Text"/>
+        <a:font script="Lisu" typeface="Segoe UI"/>
+        <a:font script="Mymr" typeface="Myanmar Text"/>
+        <a:font script="Nkoo" typeface="Ebrima"/>
+        <a:font script="Olck" typeface="Nirmala UI"/>
+        <a:font script="Osma" typeface="Ebrima"/>
+        <a:font script="Phag" typeface="Phagspa"/>
+        <a:font script="Syrn" typeface="Estrangelo Edessa"/>
+        <a:font script="Syrj" typeface="Estrangelo Edessa"/>
+        <a:font script="Syre" typeface="Estrangelo Edessa"/>
+        <a:font script="Sora" typeface="Nirmala UI"/>
+        <a:font script="Tale" typeface="Microsoft Tai Le"/>
+        <a:font script="Talu" typeface="Microsoft New Tai Lue"/>
+        <a:font script="Tfng" typeface="Ebrima"/>
+      </a:majorFont>
+      <a:minorFont>
+        <a:latin typeface="Calibri" panose="020F0502020204030204"/>
+        <a:ea typeface=""/>
+        <a:cs typeface=""/>
+        <a:font script="Jpan" typeface="游ゴシック"/>
+        <a:font script="Hang" typeface="맑은 고딕"/>
+        <a:font script="Hans" typeface="等线"/>
+        <a:font script="Hant" typeface="新細明體"/>
+        <a:font script="Arab" typeface="Arial"/>
+        <a:font script="Hebr" typeface="Arial"/>
+        <a:font script="Thai" typeface="Cordia New"/>
+        <a:font script="Ethi" typeface="Nyala"/>
+        <a:font script="Beng" typeface="Vrinda"/>
+        <a:font script="Gujr" typeface="Shruti"/>
+        <a:font script="Khmr" typeface="DaunPenh"/>
+        <a:font script="Knda" typeface="Tunga"/>
+        <a:font script="Guru" typeface="Raavi"/>
+        <a:font script="Cans" typeface="Euphemia"/>
+        <a:font script="Cher" typeface="Plantagenet Cherokee"/>
+        <a:font script="Yiii" typeface="Microsoft Yi Baiti"/>
+        <a:font script="Tibt" typeface="Microsoft Himalaya"/>
+        <a:font script="Thaa" typeface="MV Boli"/>
+        <a:font script="Deva" typeface="Mangal"/>
+        <a:font script="Telu" typeface="Gautami"/>
+        <a:font script="Taml" typeface="Latha"/>
+        <a:font script="Syrc" typeface="Estrangelo Edessa"/>
+        <a:font script="Orya" typeface="Kalinga"/>
+        <a:font script="Mlym" typeface="Kartika"/>
+        <a:font script="Laoo" typeface="DokChampa"/>
+        <a:font script="Sinh" typeface="Iskoola Pota"/>
+        <a:font script="Mong" typeface="Mongolian Baiti"/>
+        <a:font script="Viet" typeface="Arial"/>
+        <a:font script="Uigh" typeface="Microsoft Uighur"/>
+        <a:font script="Geor" typeface="Sylfaen"/>
+        <a:font script="Armn" typeface="Arial"/>
+        <a:font script="Bugi" typeface="Leelawadee UI"/>
+        <a:font script="Bopo" typeface="Microsoft JhengHei"/>
+        <a:font script="Java" typeface="Javanese Text"/>
+        <a:font script="Lisu" typeface="Segoe UI"/>
+        <a:font script="Mymr" typeface="Myanmar Text"/>
+        <a:font script="Nkoo" typeface="Ebrima"/>
+        <a:font script="Olck" typeface="Nirmala UI"/>
+        <a:font script="Osma" typeface="Ebrima"/>
+        <a:font script="Phag" typeface="Phagspa"/>
+        <a:font script="Syrn" typeface="Estrangelo Edessa"/>
+        <a:font script="Syrj" typeface="Estrangelo Edessa"/>
+        <a:font script="Syre" typeface="Estrangelo Edessa"/>
+        <a:font script="Sora" typeface="Nirmala UI"/>
+        <a:font script="Tale" typeface="Microsoft Tai Le"/>
+        <a:font script="Talu" typeface="Microsoft New Tai Lue"/>
+        <a:font script="Tfng" typeface="Ebrima"/>
+      </a:minorFont>
+    </a:fontScheme>
+    <a:fmtScheme name="Office">
+      <a:fillStyleLst>
+        <a:solidFill>
+          <a:schemeClr val="phClr"/>
+        </a:solidFill>
+        <a:gradFill rotWithShape="1">
+          <a:gsLst>
+            <a:gs pos="0">
+              <a:schemeClr val="phClr">
+                <a:lumMod val="110000"/>
+                <a:satMod val="105000"/>
+                <a:tint val="67000"/>
+              </a:schemeClr>
+            </a:gs>
+            <a:gs pos="50000">
+              <a:schemeClr val="phClr">
+                <a:lumMod val="105000"/>
+                <a:satMod val="103000"/>
+                <a:tint val="73000"/>
+              </a:schemeClr>
+            </a:gs>
+            <a:gs pos="100000">
+              <a:schemeClr val="phClr">
+                <a:lumMod val="105000"/>
+                <a:satMod val="109000"/>
+                <a:tint val="81000"/>
+              </a:schemeClr>
+            </a:gs>
+          </a:gsLst>
+          <a:lin ang="5400000" scaled="0"/>
+        </a:gradFill>
+        <a:gradFill rotWithShape="1">
+          <a:gsLst>
+            <a:gs pos="0">
+              <a:schemeClr val="phClr">
+                <a:satMod val="103000"/>
+                <a:lumMod val="102000"/>
+                <a:tint val="94000"/>
+              </a:schemeClr>
+            </a:gs>
+            <a:gs pos="50000">
+              <a:schemeClr val="phClr">
+                <a:satMod val="110000"/>
+                <a:lumMod val="100000"/>
+                <a:shade val="100000"/>
+              </a:schemeClr>
+            </a:gs>
+            <a:gs pos="100000">
+              <a:schemeClr val="phClr">
+                <a:lumMod val="99000"/>
+                <a:satMod val="120000"/>
+                <a:shade val="78000"/>
+              </a:schemeClr>
+            </a:gs>
+          </a:gsLst>
+          <a:lin ang="5400000" scaled="0"/>
+        </a:gradFill>
+      </a:fillStyleLst>
+      <a:lnStyleLst>
+        <a:ln w="6350" cap="flat" cmpd="sng" algn="ctr">
+          <a:solidFill>
+            <a:schemeClr val="phClr"/>
+          </a:solidFill>
+          <a:prstDash val="solid"/>
+          <a:miter lim="800000"/>
+        </a:ln>
+        <a:ln w="12700" cap="flat" cmpd="sng" algn="ctr">
+          <a:solidFill>
+            <a:schemeClr val="phClr"/>
+          </a:solidFill>
+          <a:prstDash val="solid"/>
+          <a:miter lim="800000"/>
+        </a:ln>
+        <a:ln w="19050" cap="flat" cmpd="sng" algn="ctr">
+          <a:solidFill>
+            <a:schemeClr val="phClr"/>
+          </a:solidFill>
+          <a:prstDash val="solid"/>
+          <a:miter lim="800000"/>
+        </a:ln>
+      </a:lnStyleLst>
+      <a:effectStyleLst>
+        <a:effectStyle>
+          <a:effectLst/>
+        </a:effectStyle>
+        <a:effectStyle>
+          <a:effectLst/>
+        </a:effectStyle>
+        <a:effectStyle>
+          <a:effectLst>
+            <a:outerShdw blurRad="57150" dist="19050" dir="5400000" algn="ctr" rotWithShape="0">
+              <a:srgbClr val="000000">
+                <a:alpha val="63000"/>
+              </a:srgbClr>
+            </a:outerShdw>
+          </a:effectLst>
+        </a:effectStyle>
+      </a:effectStyleLst>
+      <a:bgFillStyleLst>
+        <a:solidFill>
+          <a:schemeClr val="phClr"/>
+        </a:solidFill>
+        <a:solidFill>
+          <a:schemeClr val="phClr">
+            <a:tint val="95000"/>
+            <a:satMod val="170000"/>
+          </a:schemeClr>
+        </a:solidFill>
+        <a:gradFill rotWithShape="1">
+          <a:gsLst>
+            <a:gs pos="0">
+              <a:schemeClr val="phClr">
+                <a:tint val="93000"/>
+                <a:satMod val="150000"/>
+                <a:shade val="98000"/>
+                <a:lumMod val="102000"/>
+              </a:schemeClr>
+            </a:gs>
+            <a:gs pos="50000">
+              <a:schemeClr val="phClr">
+                <a:tint val="98000"/>
+                <a:satMod val="130000"/>
+                <a:shade val="90000"/>
+                <a:lumMod val="103000"/>
+              </a:schemeClr>
+            </a:gs>
+            <a:gs pos="100000">
+              <a:schemeClr val="phClr">
+                <a:shade val="63000"/>
+                <a:satMod val="120000"/>
+              </a:schemeClr>
+            </a:gs>
+          </a:gsLst>
+          <a:lin ang="5400000" scaled="0"/>
+        </a:gradFill>
+      </a:bgFillStyleLst>
+    </a:fmtScheme>
+  </a:themeElements>
+  <a:objectDefaults/>
+  <a:extraClrSchemeLst/>
+  <a:extLst>
+    <a:ext uri="{05A4C25C-085E-4340-85A3-A5531E510DB2}">
+      <thm15:themeFamily xmlns:thm15="http://schemas.microsoft.com/office/thememl/2012/main" name="Office Theme" id="{62F939B6-93AF-4DB8-9C6B-D6C7DFDC589F}" vid="{4A3C46E8-61CC-4603-A589-7422A47A8E4A}"/>
+    </a:ext>
+  </a:extLst>
+</a:theme>
 </file>